--- a/trunk/Prezentace/prezentace.pptx
+++ b/trunk/Prezentace/prezentace.pptx
@@ -5,7 +5,7 @@
     <p:sldMasterId id="2147483696" r:id="rId1"/>
   </p:sldMasterIdLst>
   <p:notesMasterIdLst>
-    <p:notesMasterId r:id="rId34"/>
+    <p:notesMasterId r:id="rId40"/>
   </p:notesMasterIdLst>
   <p:sldIdLst>
     <p:sldId id="256" r:id="rId2"/>
@@ -27,19 +27,25 @@
     <p:sldId id="289" r:id="rId18"/>
     <p:sldId id="288" r:id="rId19"/>
     <p:sldId id="287" r:id="rId20"/>
-    <p:sldId id="277" r:id="rId21"/>
-    <p:sldId id="278" r:id="rId22"/>
-    <p:sldId id="279" r:id="rId23"/>
-    <p:sldId id="281" r:id="rId24"/>
-    <p:sldId id="280" r:id="rId25"/>
-    <p:sldId id="283" r:id="rId26"/>
-    <p:sldId id="282" r:id="rId27"/>
-    <p:sldId id="286" r:id="rId28"/>
-    <p:sldId id="285" r:id="rId29"/>
-    <p:sldId id="284" r:id="rId30"/>
-    <p:sldId id="273" r:id="rId31"/>
-    <p:sldId id="274" r:id="rId32"/>
-    <p:sldId id="272" r:id="rId33"/>
+    <p:sldId id="292" r:id="rId21"/>
+    <p:sldId id="293" r:id="rId22"/>
+    <p:sldId id="294" r:id="rId23"/>
+    <p:sldId id="295" r:id="rId24"/>
+    <p:sldId id="296" r:id="rId25"/>
+    <p:sldId id="297" r:id="rId26"/>
+    <p:sldId id="277" r:id="rId27"/>
+    <p:sldId id="278" r:id="rId28"/>
+    <p:sldId id="279" r:id="rId29"/>
+    <p:sldId id="281" r:id="rId30"/>
+    <p:sldId id="280" r:id="rId31"/>
+    <p:sldId id="283" r:id="rId32"/>
+    <p:sldId id="282" r:id="rId33"/>
+    <p:sldId id="286" r:id="rId34"/>
+    <p:sldId id="285" r:id="rId35"/>
+    <p:sldId id="284" r:id="rId36"/>
+    <p:sldId id="273" r:id="rId37"/>
+    <p:sldId id="274" r:id="rId38"/>
+    <p:sldId id="272" r:id="rId39"/>
   </p:sldIdLst>
   <p:sldSz cx="9144000" cy="6858000" type="screen4x3"/>
   <p:notesSz cx="6858000" cy="9144000"/>
@@ -162,6 +168,12 @@
             <p14:sldId id="289"/>
             <p14:sldId id="288"/>
             <p14:sldId id="287"/>
+            <p14:sldId id="292"/>
+            <p14:sldId id="293"/>
+            <p14:sldId id="294"/>
+            <p14:sldId id="295"/>
+            <p14:sldId id="296"/>
+            <p14:sldId id="297"/>
             <p14:sldId id="277"/>
             <p14:sldId id="278"/>
             <p14:sldId id="279"/>
@@ -265,7 +277,7 @@
           <a:p>
             <a:fld id="{31BF6E1E-04D7-4B34-B86A-7630D8DD86DC}" type="datetimeFigureOut">
               <a:rPr lang="cs-CZ" smtClean="0"/>
-              <a:t>27.5.2014</a:t>
+              <a:t>28.5.2014</a:t>
             </a:fld>
             <a:endParaRPr lang="cs-CZ"/>
           </a:p>
@@ -725,7 +737,7 @@
           <a:p>
             <a:fld id="{05E52907-2D03-4438-A321-7E307A5A68DD}" type="datetimeFigureOut">
               <a:rPr lang="cs-CZ" smtClean="0"/>
-              <a:t>27.5.2014</a:t>
+              <a:t>28.5.2014</a:t>
             </a:fld>
             <a:endParaRPr lang="cs-CZ"/>
           </a:p>
@@ -890,7 +902,7 @@
           <a:p>
             <a:fld id="{05E52907-2D03-4438-A321-7E307A5A68DD}" type="datetimeFigureOut">
               <a:rPr lang="cs-CZ" smtClean="0"/>
-              <a:t>27.5.2014</a:t>
+              <a:t>28.5.2014</a:t>
             </a:fld>
             <a:endParaRPr lang="cs-CZ"/>
           </a:p>
@@ -1065,7 +1077,7 @@
           <a:p>
             <a:fld id="{05E52907-2D03-4438-A321-7E307A5A68DD}" type="datetimeFigureOut">
               <a:rPr lang="cs-CZ" smtClean="0"/>
-              <a:t>27.5.2014</a:t>
+              <a:t>28.5.2014</a:t>
             </a:fld>
             <a:endParaRPr lang="cs-CZ"/>
           </a:p>
@@ -1248,7 +1260,7 @@
           <a:p>
             <a:fld id="{05E52907-2D03-4438-A321-7E307A5A68DD}" type="datetimeFigureOut">
               <a:rPr lang="cs-CZ" smtClean="0"/>
-              <a:t>27.5.2014</a:t>
+              <a:t>28.5.2014</a:t>
             </a:fld>
             <a:endParaRPr lang="cs-CZ"/>
           </a:p>
@@ -1510,7 +1522,7 @@
           <a:p>
             <a:fld id="{05E52907-2D03-4438-A321-7E307A5A68DD}" type="datetimeFigureOut">
               <a:rPr lang="cs-CZ" smtClean="0"/>
-              <a:t>27.5.2014</a:t>
+              <a:t>28.5.2014</a:t>
             </a:fld>
             <a:endParaRPr lang="cs-CZ"/>
           </a:p>
@@ -1858,7 +1870,7 @@
           <a:p>
             <a:fld id="{05E52907-2D03-4438-A321-7E307A5A68DD}" type="datetimeFigureOut">
               <a:rPr lang="cs-CZ" smtClean="0"/>
-              <a:t>27.5.2014</a:t>
+              <a:t>28.5.2014</a:t>
             </a:fld>
             <a:endParaRPr lang="cs-CZ"/>
           </a:p>
@@ -2166,7 +2178,7 @@
           <a:p>
             <a:fld id="{05E52907-2D03-4438-A321-7E307A5A68DD}" type="datetimeFigureOut">
               <a:rPr lang="cs-CZ" smtClean="0"/>
-              <a:t>27.5.2014</a:t>
+              <a:t>28.5.2014</a:t>
             </a:fld>
             <a:endParaRPr lang="cs-CZ"/>
           </a:p>
@@ -2393,7 +2405,7 @@
           <a:p>
             <a:fld id="{05E52907-2D03-4438-A321-7E307A5A68DD}" type="datetimeFigureOut">
               <a:rPr lang="cs-CZ" smtClean="0"/>
-              <a:t>27.5.2014</a:t>
+              <a:t>28.5.2014</a:t>
             </a:fld>
             <a:endParaRPr lang="cs-CZ"/>
           </a:p>
@@ -2483,7 +2495,7 @@
           <a:p>
             <a:fld id="{05E52907-2D03-4438-A321-7E307A5A68DD}" type="datetimeFigureOut">
               <a:rPr lang="cs-CZ" smtClean="0"/>
-              <a:t>27.5.2014</a:t>
+              <a:t>28.5.2014</a:t>
             </a:fld>
             <a:endParaRPr lang="cs-CZ"/>
           </a:p>
@@ -2771,7 +2783,7 @@
           <a:p>
             <a:fld id="{05E52907-2D03-4438-A321-7E307A5A68DD}" type="datetimeFigureOut">
               <a:rPr lang="cs-CZ" smtClean="0"/>
-              <a:t>27.5.2014</a:t>
+              <a:t>28.5.2014</a:t>
             </a:fld>
             <a:endParaRPr lang="cs-CZ"/>
           </a:p>
@@ -3040,7 +3052,7 @@
           <a:p>
             <a:fld id="{05E52907-2D03-4438-A321-7E307A5A68DD}" type="datetimeFigureOut">
               <a:rPr lang="cs-CZ" smtClean="0"/>
-              <a:t>27.5.2014</a:t>
+              <a:t>28.5.2014</a:t>
             </a:fld>
             <a:endParaRPr lang="cs-CZ"/>
           </a:p>
@@ -3250,7 +3262,7 @@
           <a:p>
             <a:fld id="{05E52907-2D03-4438-A321-7E307A5A68DD}" type="datetimeFigureOut">
               <a:rPr lang="cs-CZ" smtClean="0"/>
-              <a:t>27.5.2014</a:t>
+              <a:t>28.5.2014</a:t>
             </a:fld>
             <a:endParaRPr lang="cs-CZ"/>
           </a:p>
@@ -3850,66 +3862,6 @@
               </a:rPr>
               <a:t>PB138</a:t>
             </a:r>
-            <a:r>
-              <a:rPr lang="en-US" sz="12000" b="1" dirty="0" smtClean="0">
-                <a:ln w="17780" cmpd="sng">
-                  <a:solidFill>
-                    <a:srgbClr val="FFFFFF"/>
-                  </a:solidFill>
-                  <a:prstDash val="solid"/>
-                  <a:miter lim="800000"/>
-                </a:ln>
-                <a:gradFill rotWithShape="1">
-                  <a:gsLst>
-                    <a:gs pos="0">
-                      <a:srgbClr val="000000">
-                        <a:tint val="92000"/>
-                        <a:shade val="100000"/>
-                        <a:satMod val="150000"/>
-                      </a:srgbClr>
-                    </a:gs>
-                    <a:gs pos="49000">
-                      <a:srgbClr val="000000">
-                        <a:tint val="89000"/>
-                        <a:shade val="90000"/>
-                        <a:satMod val="150000"/>
-                      </a:srgbClr>
-                    </a:gs>
-                    <a:gs pos="50000">
-                      <a:srgbClr val="000000">
-                        <a:tint val="100000"/>
-                        <a:shade val="75000"/>
-                        <a:satMod val="150000"/>
-                      </a:srgbClr>
-                    </a:gs>
-                    <a:gs pos="95000">
-                      <a:srgbClr val="000000">
-                        <a:shade val="47000"/>
-                        <a:satMod val="150000"/>
-                      </a:srgbClr>
-                    </a:gs>
-                    <a:gs pos="100000">
-                      <a:srgbClr val="000000">
-                        <a:shade val="39000"/>
-                        <a:satMod val="150000"/>
-                      </a:srgbClr>
-                    </a:gs>
-                  </a:gsLst>
-                  <a:lin ang="5400000"/>
-                </a:gradFill>
-                <a:effectLst>
-                  <a:outerShdw blurRad="60007" dist="310007" dir="7680000" sy="30000" kx="1300200" algn="ctr" rotWithShape="0">
-                    <a:prstClr val="black">
-                      <a:alpha val="32000"/>
-                    </a:prstClr>
-                  </a:outerShdw>
-                </a:effectLst>
-                <a:latin typeface="Verdana" panose="020B0604030504040204" pitchFamily="34" charset="0"/>
-                <a:ea typeface="Verdana" panose="020B0604030504040204" pitchFamily="34" charset="0"/>
-                <a:cs typeface="Verdana" panose="020B0604030504040204" pitchFamily="34" charset="0"/>
-              </a:rPr>
-              <a:t/>
-            </a:r>
             <a:br>
               <a:rPr lang="en-US" sz="12000" b="1" dirty="0" smtClean="0">
                 <a:ln w="17780" cmpd="sng">
@@ -6866,34 +6818,225 @@
             <p:ph type="title"/>
           </p:nvPr>
         </p:nvSpPr>
-        <p:spPr/>
+        <p:spPr>
+          <a:xfrm>
+            <a:off x="457200" y="16204"/>
+            <a:ext cx="8229600" cy="1600200"/>
+          </a:xfrm>
+        </p:spPr>
         <p:txBody>
           <a:bodyPr/>
           <a:lstStyle/>
           <a:p>
-            <a:endParaRPr lang="cs-CZ"/>
-          </a:p>
-        </p:txBody>
-      </p:sp>
-      <p:sp>
-        <p:nvSpPr>
-          <p:cNvPr id="3" name="Zástupný symbol pro obsah 2"/>
-          <p:cNvSpPr>
-            <a:spLocks noGrp="1"/>
-          </p:cNvSpPr>
-          <p:nvPr>
-            <p:ph idx="1"/>
-          </p:nvPr>
-        </p:nvSpPr>
-        <p:spPr/>
-        <p:txBody>
-          <a:bodyPr/>
+            <a:r>
+              <a:rPr lang="cs-CZ" sz="9600" b="1" dirty="0" smtClean="0">
+                <a:ln w="17780" cmpd="sng">
+                  <a:solidFill>
+                    <a:srgbClr val="FFFFFF"/>
+                  </a:solidFill>
+                  <a:prstDash val="solid"/>
+                  <a:miter lim="800000"/>
+                </a:ln>
+                <a:gradFill rotWithShape="1">
+                  <a:gsLst>
+                    <a:gs pos="0">
+                      <a:srgbClr val="000000">
+                        <a:tint val="92000"/>
+                        <a:shade val="100000"/>
+                        <a:satMod val="150000"/>
+                      </a:srgbClr>
+                    </a:gs>
+                    <a:gs pos="49000">
+                      <a:srgbClr val="000000">
+                        <a:tint val="89000"/>
+                        <a:shade val="90000"/>
+                        <a:satMod val="150000"/>
+                      </a:srgbClr>
+                    </a:gs>
+                    <a:gs pos="50000">
+                      <a:srgbClr val="000000">
+                        <a:tint val="100000"/>
+                        <a:shade val="75000"/>
+                        <a:satMod val="150000"/>
+                      </a:srgbClr>
+                    </a:gs>
+                    <a:gs pos="95000">
+                      <a:srgbClr val="000000">
+                        <a:shade val="47000"/>
+                        <a:satMod val="150000"/>
+                      </a:srgbClr>
+                    </a:gs>
+                    <a:gs pos="100000">
+                      <a:srgbClr val="000000">
+                        <a:shade val="39000"/>
+                        <a:satMod val="150000"/>
+                      </a:srgbClr>
+                    </a:gs>
+                  </a:gsLst>
+                  <a:lin ang="5400000"/>
+                </a:gradFill>
+                <a:effectLst>
+                  <a:outerShdw blurRad="60007" dist="310007" dir="7680000" sy="30000" kx="1300200" algn="ctr" rotWithShape="0">
+                    <a:prstClr val="black">
+                      <a:alpha val="32000"/>
+                    </a:prstClr>
+                  </a:outerShdw>
+                </a:effectLst>
+                <a:latin typeface="Verdana" panose="020B0604030504040204" pitchFamily="34" charset="0"/>
+                <a:ea typeface="Verdana" panose="020B0604030504040204" pitchFamily="34" charset="0"/>
+                <a:cs typeface="Verdana" panose="020B0604030504040204" pitchFamily="34" charset="0"/>
+              </a:rPr>
+              <a:t>GUI</a:t>
+            </a:r>
+            <a:endParaRPr lang="cs-CZ" dirty="0"/>
+          </a:p>
+        </p:txBody>
+      </p:sp>
+      <p:sp>
+        <p:nvSpPr>
+          <p:cNvPr id="7" name="TextovéPole 6"/>
+          <p:cNvSpPr txBox="1"/>
+          <p:nvPr/>
+        </p:nvSpPr>
+        <p:spPr>
+          <a:xfrm>
+            <a:off x="683568" y="2276872"/>
+            <a:ext cx="2088232" cy="646331"/>
+          </a:xfrm>
+          <a:prstGeom prst="rect">
+            <a:avLst/>
+          </a:prstGeom>
+          <a:noFill/>
+        </p:spPr>
+        <p:txBody>
+          <a:bodyPr wrap="square" rtlCol="0">
+            <a:spAutoFit/>
+          </a:bodyPr>
           <a:lstStyle/>
           <a:p>
-            <a:endParaRPr lang="cs-CZ"/>
-          </a:p>
-        </p:txBody>
-      </p:sp>
+            <a:pPr marL="285750" indent="-285750">
+              <a:buFontTx/>
+              <a:buChar char="-"/>
+            </a:pPr>
+            <a:endParaRPr lang="cs-CZ" dirty="0" smtClean="0"/>
+          </a:p>
+          <a:p>
+            <a:pPr marL="285750" indent="-285750">
+              <a:buFontTx/>
+              <a:buChar char="-"/>
+            </a:pPr>
+            <a:endParaRPr lang="cs-CZ" dirty="0"/>
+          </a:p>
+        </p:txBody>
+      </p:sp>
+      <p:pic>
+        <p:nvPicPr>
+          <p:cNvPr id="1030" name="Picture 6"/>
+          <p:cNvPicPr>
+            <a:picLocks noChangeAspect="1" noChangeArrowheads="1"/>
+          </p:cNvPicPr>
+          <p:nvPr/>
+        </p:nvPicPr>
+        <p:blipFill>
+          <a:blip r:embed="rId2">
+            <a:extLst>
+              <a:ext uri="{28A0092B-C50C-407E-A947-70E740481C1C}">
+                <a14:useLocalDpi xmlns:a14="http://schemas.microsoft.com/office/drawing/2010/main" val="0"/>
+              </a:ext>
+            </a:extLst>
+          </a:blip>
+          <a:srcRect/>
+          <a:stretch>
+            <a:fillRect/>
+          </a:stretch>
+        </p:blipFill>
+        <p:spPr bwMode="auto">
+          <a:xfrm>
+            <a:off x="3347864" y="2276872"/>
+            <a:ext cx="5026977" cy="3752642"/>
+          </a:xfrm>
+          <a:prstGeom prst="rect">
+            <a:avLst/>
+          </a:prstGeom>
+          <a:noFill/>
+          <a:ln>
+            <a:noFill/>
+          </a:ln>
+          <a:extLst>
+            <a:ext uri="{909E8E84-426E-40DD-AFC4-6F175D3DCCD1}">
+              <a14:hiddenFill xmlns:a14="http://schemas.microsoft.com/office/drawing/2010/main">
+                <a:solidFill>
+                  <a:schemeClr val="accent1"/>
+                </a:solidFill>
+              </a14:hiddenFill>
+            </a:ext>
+            <a:ext uri="{91240B29-F687-4F45-9708-019B960494DF}">
+              <a14:hiddenLine xmlns:a14="http://schemas.microsoft.com/office/drawing/2010/main" w="9525">
+                <a:solidFill>
+                  <a:schemeClr val="tx1"/>
+                </a:solidFill>
+                <a:miter lim="800000"/>
+                <a:headEnd/>
+                <a:tailEnd/>
+              </a14:hiddenLine>
+            </a:ext>
+          </a:extLst>
+        </p:spPr>
+      </p:pic>
+      <p:pic>
+        <p:nvPicPr>
+          <p:cNvPr id="1031" name="Picture 7"/>
+          <p:cNvPicPr>
+            <a:picLocks noChangeAspect="1" noChangeArrowheads="1"/>
+          </p:cNvPicPr>
+          <p:nvPr/>
+        </p:nvPicPr>
+        <p:blipFill>
+          <a:blip r:embed="rId3">
+            <a:extLst>
+              <a:ext uri="{28A0092B-C50C-407E-A947-70E740481C1C}">
+                <a14:useLocalDpi xmlns:a14="http://schemas.microsoft.com/office/drawing/2010/main" val="0"/>
+              </a:ext>
+            </a:extLst>
+          </a:blip>
+          <a:srcRect/>
+          <a:stretch>
+            <a:fillRect/>
+          </a:stretch>
+        </p:blipFill>
+        <p:spPr bwMode="auto">
+          <a:xfrm>
+            <a:off x="535227" y="2099152"/>
+            <a:ext cx="2273815" cy="4108082"/>
+          </a:xfrm>
+          <a:prstGeom prst="rect">
+            <a:avLst/>
+          </a:prstGeom>
+          <a:noFill/>
+          <a:ln>
+            <a:noFill/>
+          </a:ln>
+          <a:extLst>
+            <a:ext uri="{909E8E84-426E-40DD-AFC4-6F175D3DCCD1}">
+              <a14:hiddenFill xmlns:a14="http://schemas.microsoft.com/office/drawing/2010/main">
+                <a:solidFill>
+                  <a:schemeClr val="accent1"/>
+                </a:solidFill>
+              </a14:hiddenFill>
+            </a:ext>
+            <a:ext uri="{91240B29-F687-4F45-9708-019B960494DF}">
+              <a14:hiddenLine xmlns:a14="http://schemas.microsoft.com/office/drawing/2010/main" w="9525">
+                <a:solidFill>
+                  <a:schemeClr val="tx1"/>
+                </a:solidFill>
+                <a:miter lim="800000"/>
+                <a:headEnd/>
+                <a:tailEnd/>
+              </a14:hiddenLine>
+            </a:ext>
+          </a:extLst>
+        </p:spPr>
+      </p:pic>
     </p:spTree>
     <p:extLst>
       <p:ext uri="{BB962C8B-B14F-4D97-AF65-F5344CB8AC3E}">
@@ -6933,7 +7076,261 @@
       </p:grpSpPr>
       <p:sp>
         <p:nvSpPr>
-          <p:cNvPr id="2" name="Nadpis 1"/>
+          <p:cNvPr id="11" name="TextovéPole 10"/>
+          <p:cNvSpPr txBox="1"/>
+          <p:nvPr/>
+        </p:nvSpPr>
+        <p:spPr>
+          <a:xfrm>
+            <a:off x="647510" y="2086845"/>
+            <a:ext cx="1512168" cy="646331"/>
+          </a:xfrm>
+          <a:prstGeom prst="rect">
+            <a:avLst/>
+          </a:prstGeom>
+          <a:noFill/>
+        </p:spPr>
+        <p:txBody>
+          <a:bodyPr wrap="square" rtlCol="0">
+            <a:spAutoFit/>
+          </a:bodyPr>
+          <a:lstStyle/>
+          <a:p>
+            <a:r>
+              <a:rPr lang="cs-CZ" dirty="0" smtClean="0"/>
+              <a:t>● Menu bar</a:t>
+            </a:r>
+          </a:p>
+          <a:p>
+            <a:endParaRPr lang="cs-CZ" dirty="0"/>
+          </a:p>
+        </p:txBody>
+      </p:sp>
+      <p:sp>
+        <p:nvSpPr>
+          <p:cNvPr id="12" name="TextovéPole 11"/>
+          <p:cNvSpPr txBox="1"/>
+          <p:nvPr/>
+        </p:nvSpPr>
+        <p:spPr>
+          <a:xfrm>
+            <a:off x="647510" y="3789040"/>
+            <a:ext cx="1512168" cy="646331"/>
+          </a:xfrm>
+          <a:prstGeom prst="rect">
+            <a:avLst/>
+          </a:prstGeom>
+          <a:noFill/>
+        </p:spPr>
+        <p:txBody>
+          <a:bodyPr wrap="square" rtlCol="0">
+            <a:spAutoFit/>
+          </a:bodyPr>
+          <a:lstStyle/>
+          <a:p>
+            <a:r>
+              <a:rPr lang="cs-CZ" dirty="0" smtClean="0"/>
+              <a:t>● Dialogy</a:t>
+            </a:r>
+          </a:p>
+          <a:p>
+            <a:endParaRPr lang="cs-CZ" dirty="0"/>
+          </a:p>
+        </p:txBody>
+      </p:sp>
+      <p:pic>
+        <p:nvPicPr>
+          <p:cNvPr id="2057" name="Picture 9"/>
+          <p:cNvPicPr>
+            <a:picLocks noChangeAspect="1" noChangeArrowheads="1"/>
+          </p:cNvPicPr>
+          <p:nvPr/>
+        </p:nvPicPr>
+        <p:blipFill>
+          <a:blip r:embed="rId2">
+            <a:extLst>
+              <a:ext uri="{28A0092B-C50C-407E-A947-70E740481C1C}">
+                <a14:useLocalDpi xmlns:a14="http://schemas.microsoft.com/office/drawing/2010/main" val="0"/>
+              </a:ext>
+            </a:extLst>
+          </a:blip>
+          <a:srcRect/>
+          <a:stretch>
+            <a:fillRect/>
+          </a:stretch>
+        </p:blipFill>
+        <p:spPr bwMode="auto">
+          <a:xfrm>
+            <a:off x="850649" y="4293096"/>
+            <a:ext cx="3204950" cy="2054978"/>
+          </a:xfrm>
+          <a:prstGeom prst="rect">
+            <a:avLst/>
+          </a:prstGeom>
+          <a:noFill/>
+          <a:ln>
+            <a:noFill/>
+          </a:ln>
+          <a:extLst>
+            <a:ext uri="{909E8E84-426E-40DD-AFC4-6F175D3DCCD1}">
+              <a14:hiddenFill xmlns:a14="http://schemas.microsoft.com/office/drawing/2010/main">
+                <a:solidFill>
+                  <a:schemeClr val="accent1"/>
+                </a:solidFill>
+              </a14:hiddenFill>
+            </a:ext>
+            <a:ext uri="{91240B29-F687-4F45-9708-019B960494DF}">
+              <a14:hiddenLine xmlns:a14="http://schemas.microsoft.com/office/drawing/2010/main" w="9525">
+                <a:solidFill>
+                  <a:schemeClr val="tx1"/>
+                </a:solidFill>
+                <a:miter lim="800000"/>
+                <a:headEnd/>
+                <a:tailEnd/>
+              </a14:hiddenLine>
+            </a:ext>
+          </a:extLst>
+        </p:spPr>
+      </p:pic>
+      <p:pic>
+        <p:nvPicPr>
+          <p:cNvPr id="2059" name="Picture 11" descr="https://fbcdn-sphotos-h-a.akamaihd.net/hphotos-ak-xpf1/v/t34.0-12/10370656_4172385683979_231095280_n.jpg?oh=30fcdd583357adedc1c7bd58834af581&amp;oe=53876323&amp;__gda__=1401374117_64becf17f48b0c0db60888b00c4be1f4"/>
+          <p:cNvPicPr>
+            <a:picLocks noChangeAspect="1" noChangeArrowheads="1"/>
+          </p:cNvPicPr>
+          <p:nvPr/>
+        </p:nvPicPr>
+        <p:blipFill>
+          <a:blip r:embed="rId3">
+            <a:extLst>
+              <a:ext uri="{28A0092B-C50C-407E-A947-70E740481C1C}">
+                <a14:useLocalDpi xmlns:a14="http://schemas.microsoft.com/office/drawing/2010/main" val="0"/>
+              </a:ext>
+            </a:extLst>
+          </a:blip>
+          <a:srcRect/>
+          <a:stretch>
+            <a:fillRect/>
+          </a:stretch>
+        </p:blipFill>
+        <p:spPr bwMode="auto">
+          <a:xfrm>
+            <a:off x="4355976" y="2730732"/>
+            <a:ext cx="3602905" cy="763258"/>
+          </a:xfrm>
+          <a:prstGeom prst="rect">
+            <a:avLst/>
+          </a:prstGeom>
+          <a:noFill/>
+          <a:extLst>
+            <a:ext uri="{909E8E84-426E-40DD-AFC4-6F175D3DCCD1}">
+              <a14:hiddenFill xmlns:a14="http://schemas.microsoft.com/office/drawing/2010/main">
+                <a:solidFill>
+                  <a:srgbClr val="FFFFFF"/>
+                </a:solidFill>
+              </a14:hiddenFill>
+            </a:ext>
+          </a:extLst>
+        </p:spPr>
+      </p:pic>
+      <p:pic>
+        <p:nvPicPr>
+          <p:cNvPr id="2056" name="Picture 8"/>
+          <p:cNvPicPr>
+            <a:picLocks noChangeAspect="1" noChangeArrowheads="1"/>
+          </p:cNvPicPr>
+          <p:nvPr/>
+        </p:nvPicPr>
+        <p:blipFill>
+          <a:blip r:embed="rId4">
+            <a:extLst>
+              <a:ext uri="{28A0092B-C50C-407E-A947-70E740481C1C}">
+                <a14:useLocalDpi xmlns:a14="http://schemas.microsoft.com/office/drawing/2010/main" val="0"/>
+              </a:ext>
+            </a:extLst>
+          </a:blip>
+          <a:srcRect/>
+          <a:stretch>
+            <a:fillRect/>
+          </a:stretch>
+        </p:blipFill>
+        <p:spPr bwMode="auto">
+          <a:xfrm>
+            <a:off x="850649" y="2564904"/>
+            <a:ext cx="3284978" cy="1094993"/>
+          </a:xfrm>
+          <a:prstGeom prst="rect">
+            <a:avLst/>
+          </a:prstGeom>
+          <a:noFill/>
+          <a:ln>
+            <a:noFill/>
+          </a:ln>
+          <a:extLst>
+            <a:ext uri="{909E8E84-426E-40DD-AFC4-6F175D3DCCD1}">
+              <a14:hiddenFill xmlns:a14="http://schemas.microsoft.com/office/drawing/2010/main">
+                <a:solidFill>
+                  <a:schemeClr val="accent1"/>
+                </a:solidFill>
+              </a14:hiddenFill>
+            </a:ext>
+            <a:ext uri="{91240B29-F687-4F45-9708-019B960494DF}">
+              <a14:hiddenLine xmlns:a14="http://schemas.microsoft.com/office/drawing/2010/main" w="9525">
+                <a:solidFill>
+                  <a:schemeClr val="tx1"/>
+                </a:solidFill>
+                <a:miter lim="800000"/>
+                <a:headEnd/>
+                <a:tailEnd/>
+              </a14:hiddenLine>
+            </a:ext>
+          </a:extLst>
+        </p:spPr>
+      </p:pic>
+      <p:pic>
+        <p:nvPicPr>
+          <p:cNvPr id="2061" name="Picture 13" descr="https://fbcdn-sphotos-h-a.akamaihd.net/hphotos-ak-xpf1/v/t34.0-12/10405897_4172386724005_1053576683_n.jpg?oh=86346eba6f49b83484d3ed7f86a11a74&amp;oe=5387BAAB&amp;__gda__=1401390582_6056765ab792eddaf72427bbdfdc16d1"/>
+          <p:cNvPicPr>
+            <a:picLocks noChangeAspect="1" noChangeArrowheads="1"/>
+          </p:cNvPicPr>
+          <p:nvPr/>
+        </p:nvPicPr>
+        <p:blipFill>
+          <a:blip r:embed="rId5">
+            <a:extLst>
+              <a:ext uri="{28A0092B-C50C-407E-A947-70E740481C1C}">
+                <a14:useLocalDpi xmlns:a14="http://schemas.microsoft.com/office/drawing/2010/main" val="0"/>
+              </a:ext>
+            </a:extLst>
+          </a:blip>
+          <a:srcRect/>
+          <a:stretch>
+            <a:fillRect/>
+          </a:stretch>
+        </p:blipFill>
+        <p:spPr bwMode="auto">
+          <a:xfrm>
+            <a:off x="4430488" y="4293096"/>
+            <a:ext cx="4408603" cy="2054978"/>
+          </a:xfrm>
+          <a:prstGeom prst="rect">
+            <a:avLst/>
+          </a:prstGeom>
+          <a:noFill/>
+          <a:extLst>
+            <a:ext uri="{909E8E84-426E-40DD-AFC4-6F175D3DCCD1}">
+              <a14:hiddenFill xmlns:a14="http://schemas.microsoft.com/office/drawing/2010/main">
+                <a:solidFill>
+                  <a:srgbClr val="FFFFFF"/>
+                </a:solidFill>
+              </a14:hiddenFill>
+            </a:ext>
+          </a:extLst>
+        </p:spPr>
+      </p:pic>
+      <p:sp>
+        <p:nvSpPr>
+          <p:cNvPr id="23" name="Nadpis 1"/>
           <p:cNvSpPr>
             <a:spLocks noGrp="1"/>
           </p:cNvSpPr>
@@ -6941,31 +7338,77 @@
             <p:ph type="title"/>
           </p:nvPr>
         </p:nvSpPr>
-        <p:spPr/>
+        <p:spPr>
+          <a:xfrm>
+            <a:off x="457200" y="16204"/>
+            <a:ext cx="8229600" cy="1600200"/>
+          </a:xfrm>
+        </p:spPr>
         <p:txBody>
           <a:bodyPr/>
           <a:lstStyle/>
           <a:p>
-            <a:endParaRPr lang="cs-CZ"/>
-          </a:p>
-        </p:txBody>
-      </p:sp>
-      <p:sp>
-        <p:nvSpPr>
-          <p:cNvPr id="3" name="Zástupný symbol pro obsah 2"/>
-          <p:cNvSpPr>
-            <a:spLocks noGrp="1"/>
-          </p:cNvSpPr>
-          <p:nvPr>
-            <p:ph idx="1"/>
-          </p:nvPr>
-        </p:nvSpPr>
-        <p:spPr/>
-        <p:txBody>
-          <a:bodyPr/>
-          <a:lstStyle/>
-          <a:p>
-            <a:endParaRPr lang="cs-CZ"/>
+            <a:r>
+              <a:rPr lang="cs-CZ" sz="9600" b="1" dirty="0" smtClean="0">
+                <a:ln w="17780" cmpd="sng">
+                  <a:solidFill>
+                    <a:srgbClr val="FFFFFF"/>
+                  </a:solidFill>
+                  <a:prstDash val="solid"/>
+                  <a:miter lim="800000"/>
+                </a:ln>
+                <a:gradFill rotWithShape="1">
+                  <a:gsLst>
+                    <a:gs pos="0">
+                      <a:srgbClr val="000000">
+                        <a:tint val="92000"/>
+                        <a:shade val="100000"/>
+                        <a:satMod val="150000"/>
+                      </a:srgbClr>
+                    </a:gs>
+                    <a:gs pos="49000">
+                      <a:srgbClr val="000000">
+                        <a:tint val="89000"/>
+                        <a:shade val="90000"/>
+                        <a:satMod val="150000"/>
+                      </a:srgbClr>
+                    </a:gs>
+                    <a:gs pos="50000">
+                      <a:srgbClr val="000000">
+                        <a:tint val="100000"/>
+                        <a:shade val="75000"/>
+                        <a:satMod val="150000"/>
+                      </a:srgbClr>
+                    </a:gs>
+                    <a:gs pos="95000">
+                      <a:srgbClr val="000000">
+                        <a:shade val="47000"/>
+                        <a:satMod val="150000"/>
+                      </a:srgbClr>
+                    </a:gs>
+                    <a:gs pos="100000">
+                      <a:srgbClr val="000000">
+                        <a:shade val="39000"/>
+                        <a:satMod val="150000"/>
+                      </a:srgbClr>
+                    </a:gs>
+                  </a:gsLst>
+                  <a:lin ang="5400000"/>
+                </a:gradFill>
+                <a:effectLst>
+                  <a:outerShdw blurRad="60007" dist="310007" dir="7680000" sy="30000" kx="1300200" algn="ctr" rotWithShape="0">
+                    <a:prstClr val="black">
+                      <a:alpha val="32000"/>
+                    </a:prstClr>
+                  </a:outerShdw>
+                </a:effectLst>
+                <a:latin typeface="Verdana" panose="020B0604030504040204" pitchFamily="34" charset="0"/>
+                <a:ea typeface="Verdana" panose="020B0604030504040204" pitchFamily="34" charset="0"/>
+                <a:cs typeface="Verdana" panose="020B0604030504040204" pitchFamily="34" charset="0"/>
+              </a:rPr>
+              <a:t>GUI</a:t>
+            </a:r>
+            <a:endParaRPr lang="cs-CZ" dirty="0"/>
           </a:p>
         </p:txBody>
       </p:sp>
@@ -7008,7 +7451,155 @@
       </p:grpSpPr>
       <p:sp>
         <p:nvSpPr>
-          <p:cNvPr id="2" name="Nadpis 1"/>
+          <p:cNvPr id="5" name="TextovéPole 4"/>
+          <p:cNvSpPr txBox="1"/>
+          <p:nvPr/>
+        </p:nvSpPr>
+        <p:spPr>
+          <a:xfrm>
+            <a:off x="827584" y="1916832"/>
+            <a:ext cx="3312368" cy="369332"/>
+          </a:xfrm>
+          <a:prstGeom prst="rect">
+            <a:avLst/>
+          </a:prstGeom>
+          <a:noFill/>
+        </p:spPr>
+        <p:txBody>
+          <a:bodyPr wrap="square" rtlCol="0">
+            <a:spAutoFit/>
+          </a:bodyPr>
+          <a:lstStyle/>
+          <a:p>
+            <a:r>
+              <a:rPr lang="cs-CZ" dirty="0" smtClean="0"/>
+              <a:t>● Sofistikované vyhledávání </a:t>
+            </a:r>
+            <a:r>
+              <a:rPr lang="cs-CZ" dirty="0" smtClean="0">
+                <a:sym typeface="Wingdings" panose="05000000000000000000" pitchFamily="2" charset="2"/>
+              </a:rPr>
+              <a:t></a:t>
+            </a:r>
+            <a:r>
+              <a:rPr lang="cs-CZ" dirty="0" smtClean="0"/>
+              <a:t> </a:t>
+            </a:r>
+            <a:endParaRPr lang="cs-CZ" dirty="0"/>
+          </a:p>
+        </p:txBody>
+      </p:sp>
+      <p:pic>
+        <p:nvPicPr>
+          <p:cNvPr id="3074" name="Picture 2"/>
+          <p:cNvPicPr>
+            <a:picLocks noChangeAspect="1" noChangeArrowheads="1"/>
+          </p:cNvPicPr>
+          <p:nvPr/>
+        </p:nvPicPr>
+        <p:blipFill>
+          <a:blip r:embed="rId2">
+            <a:extLst>
+              <a:ext uri="{28A0092B-C50C-407E-A947-70E740481C1C}">
+                <a14:useLocalDpi xmlns:a14="http://schemas.microsoft.com/office/drawing/2010/main" val="0"/>
+              </a:ext>
+            </a:extLst>
+          </a:blip>
+          <a:srcRect/>
+          <a:stretch>
+            <a:fillRect/>
+          </a:stretch>
+        </p:blipFill>
+        <p:spPr bwMode="auto">
+          <a:xfrm>
+            <a:off x="2006417" y="2492896"/>
+            <a:ext cx="5124450" cy="1590675"/>
+          </a:xfrm>
+          <a:prstGeom prst="rect">
+            <a:avLst/>
+          </a:prstGeom>
+          <a:noFill/>
+          <a:ln>
+            <a:noFill/>
+          </a:ln>
+          <a:extLst>
+            <a:ext uri="{909E8E84-426E-40DD-AFC4-6F175D3DCCD1}">
+              <a14:hiddenFill xmlns:a14="http://schemas.microsoft.com/office/drawing/2010/main">
+                <a:solidFill>
+                  <a:schemeClr val="accent1"/>
+                </a:solidFill>
+              </a14:hiddenFill>
+            </a:ext>
+            <a:ext uri="{91240B29-F687-4F45-9708-019B960494DF}">
+              <a14:hiddenLine xmlns:a14="http://schemas.microsoft.com/office/drawing/2010/main" w="9525">
+                <a:solidFill>
+                  <a:schemeClr val="tx1"/>
+                </a:solidFill>
+                <a:miter lim="800000"/>
+                <a:headEnd/>
+                <a:tailEnd/>
+              </a14:hiddenLine>
+            </a:ext>
+          </a:extLst>
+        </p:spPr>
+      </p:pic>
+      <p:pic>
+        <p:nvPicPr>
+          <p:cNvPr id="3075" name="Picture 3"/>
+          <p:cNvPicPr>
+            <a:picLocks noChangeAspect="1" noChangeArrowheads="1"/>
+          </p:cNvPicPr>
+          <p:nvPr/>
+        </p:nvPicPr>
+        <p:blipFill>
+          <a:blip r:embed="rId3">
+            <a:extLst>
+              <a:ext uri="{28A0092B-C50C-407E-A947-70E740481C1C}">
+                <a14:useLocalDpi xmlns:a14="http://schemas.microsoft.com/office/drawing/2010/main" val="0"/>
+              </a:ext>
+            </a:extLst>
+          </a:blip>
+          <a:srcRect/>
+          <a:stretch>
+            <a:fillRect/>
+          </a:stretch>
+        </p:blipFill>
+        <p:spPr bwMode="auto">
+          <a:xfrm>
+            <a:off x="1958792" y="4437112"/>
+            <a:ext cx="5219700" cy="1333500"/>
+          </a:xfrm>
+          <a:prstGeom prst="rect">
+            <a:avLst/>
+          </a:prstGeom>
+          <a:noFill/>
+          <a:ln>
+            <a:noFill/>
+          </a:ln>
+          <a:extLst>
+            <a:ext uri="{909E8E84-426E-40DD-AFC4-6F175D3DCCD1}">
+              <a14:hiddenFill xmlns:a14="http://schemas.microsoft.com/office/drawing/2010/main">
+                <a:solidFill>
+                  <a:schemeClr val="accent1"/>
+                </a:solidFill>
+              </a14:hiddenFill>
+            </a:ext>
+            <a:ext uri="{91240B29-F687-4F45-9708-019B960494DF}">
+              <a14:hiddenLine xmlns:a14="http://schemas.microsoft.com/office/drawing/2010/main" w="9525">
+                <a:solidFill>
+                  <a:schemeClr val="tx1"/>
+                </a:solidFill>
+                <a:miter lim="800000"/>
+                <a:headEnd/>
+                <a:tailEnd/>
+              </a14:hiddenLine>
+            </a:ext>
+          </a:extLst>
+        </p:spPr>
+      </p:pic>
+      <p:sp>
+        <p:nvSpPr>
+          <p:cNvPr id="8" name="Nadpis 1"/>
           <p:cNvSpPr>
             <a:spLocks noGrp="1"/>
           </p:cNvSpPr>
@@ -7016,31 +7607,77 @@
             <p:ph type="title"/>
           </p:nvPr>
         </p:nvSpPr>
-        <p:spPr/>
+        <p:spPr>
+          <a:xfrm>
+            <a:off x="457200" y="16204"/>
+            <a:ext cx="8229600" cy="1600200"/>
+          </a:xfrm>
+        </p:spPr>
         <p:txBody>
           <a:bodyPr/>
           <a:lstStyle/>
           <a:p>
-            <a:endParaRPr lang="cs-CZ"/>
-          </a:p>
-        </p:txBody>
-      </p:sp>
-      <p:sp>
-        <p:nvSpPr>
-          <p:cNvPr id="3" name="Zástupný symbol pro obsah 2"/>
-          <p:cNvSpPr>
-            <a:spLocks noGrp="1"/>
-          </p:cNvSpPr>
-          <p:nvPr>
-            <p:ph idx="1"/>
-          </p:nvPr>
-        </p:nvSpPr>
-        <p:spPr/>
-        <p:txBody>
-          <a:bodyPr/>
-          <a:lstStyle/>
-          <a:p>
-            <a:endParaRPr lang="cs-CZ"/>
+            <a:r>
+              <a:rPr lang="cs-CZ" sz="9600" b="1" dirty="0" smtClean="0">
+                <a:ln w="17780" cmpd="sng">
+                  <a:solidFill>
+                    <a:srgbClr val="FFFFFF"/>
+                  </a:solidFill>
+                  <a:prstDash val="solid"/>
+                  <a:miter lim="800000"/>
+                </a:ln>
+                <a:gradFill rotWithShape="1">
+                  <a:gsLst>
+                    <a:gs pos="0">
+                      <a:srgbClr val="000000">
+                        <a:tint val="92000"/>
+                        <a:shade val="100000"/>
+                        <a:satMod val="150000"/>
+                      </a:srgbClr>
+                    </a:gs>
+                    <a:gs pos="49000">
+                      <a:srgbClr val="000000">
+                        <a:tint val="89000"/>
+                        <a:shade val="90000"/>
+                        <a:satMod val="150000"/>
+                      </a:srgbClr>
+                    </a:gs>
+                    <a:gs pos="50000">
+                      <a:srgbClr val="000000">
+                        <a:tint val="100000"/>
+                        <a:shade val="75000"/>
+                        <a:satMod val="150000"/>
+                      </a:srgbClr>
+                    </a:gs>
+                    <a:gs pos="95000">
+                      <a:srgbClr val="000000">
+                        <a:shade val="47000"/>
+                        <a:satMod val="150000"/>
+                      </a:srgbClr>
+                    </a:gs>
+                    <a:gs pos="100000">
+                      <a:srgbClr val="000000">
+                        <a:shade val="39000"/>
+                        <a:satMod val="150000"/>
+                      </a:srgbClr>
+                    </a:gs>
+                  </a:gsLst>
+                  <a:lin ang="5400000"/>
+                </a:gradFill>
+                <a:effectLst>
+                  <a:outerShdw blurRad="60007" dist="310007" dir="7680000" sy="30000" kx="1300200" algn="ctr" rotWithShape="0">
+                    <a:prstClr val="black">
+                      <a:alpha val="32000"/>
+                    </a:prstClr>
+                  </a:outerShdw>
+                </a:effectLst>
+                <a:latin typeface="Verdana" panose="020B0604030504040204" pitchFamily="34" charset="0"/>
+                <a:ea typeface="Verdana" panose="020B0604030504040204" pitchFamily="34" charset="0"/>
+                <a:cs typeface="Verdana" panose="020B0604030504040204" pitchFamily="34" charset="0"/>
+              </a:rPr>
+              <a:t>GUI</a:t>
+            </a:r>
+            <a:endParaRPr lang="cs-CZ" dirty="0"/>
           </a:p>
         </p:txBody>
       </p:sp>
@@ -7381,26 +8018,7 @@
       </p:grpSpPr>
       <p:sp>
         <p:nvSpPr>
-          <p:cNvPr id="2" name="Nadpis 1"/>
-          <p:cNvSpPr>
-            <a:spLocks noGrp="1"/>
-          </p:cNvSpPr>
-          <p:nvPr>
-            <p:ph type="title"/>
-          </p:nvPr>
-        </p:nvSpPr>
-        <p:spPr/>
-        <p:txBody>
-          <a:bodyPr/>
-          <a:lstStyle/>
-          <a:p>
-            <a:endParaRPr lang="cs-CZ" dirty="0"/>
-          </a:p>
-        </p:txBody>
-      </p:sp>
-      <p:sp>
-        <p:nvSpPr>
-          <p:cNvPr id="4" name="Nadpis 1"/>
+          <p:cNvPr id="5" name="Nadpis 1"/>
           <p:cNvSpPr txBox="1">
             <a:spLocks/>
           </p:cNvSpPr>
@@ -7408,8 +8026,8 @@
         </p:nvSpPr>
         <p:spPr>
           <a:xfrm>
-            <a:off x="400650" y="908720"/>
-            <a:ext cx="8460432" cy="1181993"/>
+            <a:off x="323528" y="14302"/>
+            <a:ext cx="8373616" cy="1600200"/>
           </a:xfrm>
           <a:prstGeom prst="rect">
             <a:avLst/>
@@ -7417,7 +8035,7 @@
         </p:spPr>
         <p:txBody>
           <a:bodyPr vert="horz" lIns="91440" tIns="45720" rIns="91440" bIns="45720" rtlCol="0" anchor="b">
-            <a:normAutofit/>
+            <a:noAutofit/>
           </a:bodyPr>
           <a:lstStyle>
             <a:lvl1pPr algn="ctr" defTabSz="914400" rtl="0" eaLnBrk="1" latinLnBrk="0" hangingPunct="1">
@@ -7447,7 +8065,7 @@
           </a:lstStyle>
           <a:p>
             <a:r>
-              <a:rPr lang="cs-CZ" sz="12000" b="1" dirty="0" err="1" smtClean="0">
+              <a:rPr lang="cs-CZ" sz="9000" b="1" dirty="0" smtClean="0">
                 <a:ln w="17780" cmpd="sng">
                   <a:solidFill>
                     <a:srgbClr val="FFFFFF"/>
@@ -7504,7 +8122,1027 @@
                 <a:ea typeface="Verdana" panose="020B0604030504040204" pitchFamily="34" charset="0"/>
                 <a:cs typeface="Verdana" panose="020B0604030504040204" pitchFamily="34" charset="0"/>
               </a:rPr>
-              <a:t>XQuery</a:t>
+              <a:t>XML </a:t>
+            </a:r>
+            <a:r>
+              <a:rPr lang="cs-CZ" sz="9000" b="1" dirty="0" err="1" smtClean="0">
+                <a:ln w="17780" cmpd="sng">
+                  <a:solidFill>
+                    <a:srgbClr val="FFFFFF"/>
+                  </a:solidFill>
+                  <a:prstDash val="solid"/>
+                  <a:miter lim="800000"/>
+                </a:ln>
+                <a:gradFill rotWithShape="1">
+                  <a:gsLst>
+                    <a:gs pos="0">
+                      <a:srgbClr val="000000">
+                        <a:tint val="92000"/>
+                        <a:shade val="100000"/>
+                        <a:satMod val="150000"/>
+                      </a:srgbClr>
+                    </a:gs>
+                    <a:gs pos="49000">
+                      <a:srgbClr val="000000">
+                        <a:tint val="89000"/>
+                        <a:shade val="90000"/>
+                        <a:satMod val="150000"/>
+                      </a:srgbClr>
+                    </a:gs>
+                    <a:gs pos="50000">
+                      <a:srgbClr val="000000">
+                        <a:tint val="100000"/>
+                        <a:shade val="75000"/>
+                        <a:satMod val="150000"/>
+                      </a:srgbClr>
+                    </a:gs>
+                    <a:gs pos="95000">
+                      <a:srgbClr val="000000">
+                        <a:shade val="47000"/>
+                        <a:satMod val="150000"/>
+                      </a:srgbClr>
+                    </a:gs>
+                    <a:gs pos="100000">
+                      <a:srgbClr val="000000">
+                        <a:shade val="39000"/>
+                        <a:satMod val="150000"/>
+                      </a:srgbClr>
+                    </a:gs>
+                  </a:gsLst>
+                  <a:lin ang="5400000"/>
+                </a:gradFill>
+                <a:effectLst>
+                  <a:outerShdw blurRad="60007" dist="310007" dir="7680000" sy="30000" kx="1300200" algn="ctr" rotWithShape="0">
+                    <a:prstClr val="black">
+                      <a:alpha val="32000"/>
+                    </a:prstClr>
+                  </a:outerShdw>
+                </a:effectLst>
+                <a:latin typeface="Verdana" panose="020B0604030504040204" pitchFamily="34" charset="0"/>
+                <a:ea typeface="Verdana" panose="020B0604030504040204" pitchFamily="34" charset="0"/>
+                <a:cs typeface="Verdana" panose="020B0604030504040204" pitchFamily="34" charset="0"/>
+              </a:rPr>
+              <a:t>Schema</a:t>
+            </a:r>
+            <a:endParaRPr lang="cs-CZ" sz="9000" dirty="0"/>
+          </a:p>
+        </p:txBody>
+      </p:sp>
+      <p:pic>
+        <p:nvPicPr>
+          <p:cNvPr id="4100" name="Picture 4"/>
+          <p:cNvPicPr>
+            <a:picLocks noChangeAspect="1" noChangeArrowheads="1"/>
+          </p:cNvPicPr>
+          <p:nvPr/>
+        </p:nvPicPr>
+        <p:blipFill>
+          <a:blip r:embed="rId2">
+            <a:extLst>
+              <a:ext uri="{28A0092B-C50C-407E-A947-70E740481C1C}">
+                <a14:useLocalDpi xmlns:a14="http://schemas.microsoft.com/office/drawing/2010/main" val="0"/>
+              </a:ext>
+            </a:extLst>
+          </a:blip>
+          <a:srcRect/>
+          <a:stretch>
+            <a:fillRect/>
+          </a:stretch>
+        </p:blipFill>
+        <p:spPr bwMode="auto">
+          <a:xfrm>
+            <a:off x="899592" y="1988841"/>
+            <a:ext cx="2700688" cy="2880320"/>
+          </a:xfrm>
+          <a:prstGeom prst="rect">
+            <a:avLst/>
+          </a:prstGeom>
+          <a:noFill/>
+          <a:ln>
+            <a:noFill/>
+          </a:ln>
+          <a:extLst>
+            <a:ext uri="{909E8E84-426E-40DD-AFC4-6F175D3DCCD1}">
+              <a14:hiddenFill xmlns:a14="http://schemas.microsoft.com/office/drawing/2010/main">
+                <a:solidFill>
+                  <a:schemeClr val="accent1"/>
+                </a:solidFill>
+              </a14:hiddenFill>
+            </a:ext>
+            <a:ext uri="{91240B29-F687-4F45-9708-019B960494DF}">
+              <a14:hiddenLine xmlns:a14="http://schemas.microsoft.com/office/drawing/2010/main" w="9525">
+                <a:solidFill>
+                  <a:schemeClr val="tx1"/>
+                </a:solidFill>
+                <a:miter lim="800000"/>
+                <a:headEnd/>
+                <a:tailEnd/>
+              </a14:hiddenLine>
+            </a:ext>
+          </a:extLst>
+        </p:spPr>
+      </p:pic>
+      <p:pic>
+        <p:nvPicPr>
+          <p:cNvPr id="4101" name="Picture 5"/>
+          <p:cNvPicPr>
+            <a:picLocks noChangeAspect="1" noChangeArrowheads="1"/>
+          </p:cNvPicPr>
+          <p:nvPr/>
+        </p:nvPicPr>
+        <p:blipFill>
+          <a:blip r:embed="rId3">
+            <a:extLst>
+              <a:ext uri="{28A0092B-C50C-407E-A947-70E740481C1C}">
+                <a14:useLocalDpi xmlns:a14="http://schemas.microsoft.com/office/drawing/2010/main" val="0"/>
+              </a:ext>
+            </a:extLst>
+          </a:blip>
+          <a:srcRect/>
+          <a:stretch>
+            <a:fillRect/>
+          </a:stretch>
+        </p:blipFill>
+        <p:spPr bwMode="auto">
+          <a:xfrm>
+            <a:off x="4860032" y="1988841"/>
+            <a:ext cx="3713722" cy="2808311"/>
+          </a:xfrm>
+          <a:prstGeom prst="rect">
+            <a:avLst/>
+          </a:prstGeom>
+          <a:noFill/>
+          <a:ln>
+            <a:noFill/>
+          </a:ln>
+          <a:extLst>
+            <a:ext uri="{909E8E84-426E-40DD-AFC4-6F175D3DCCD1}">
+              <a14:hiddenFill xmlns:a14="http://schemas.microsoft.com/office/drawing/2010/main">
+                <a:solidFill>
+                  <a:schemeClr val="accent1"/>
+                </a:solidFill>
+              </a14:hiddenFill>
+            </a:ext>
+            <a:ext uri="{91240B29-F687-4F45-9708-019B960494DF}">
+              <a14:hiddenLine xmlns:a14="http://schemas.microsoft.com/office/drawing/2010/main" w="9525">
+                <a:solidFill>
+                  <a:schemeClr val="tx1"/>
+                </a:solidFill>
+                <a:miter lim="800000"/>
+                <a:headEnd/>
+                <a:tailEnd/>
+              </a14:hiddenLine>
+            </a:ext>
+          </a:extLst>
+        </p:spPr>
+      </p:pic>
+      <p:sp>
+        <p:nvSpPr>
+          <p:cNvPr id="6" name="Plus 5"/>
+          <p:cNvSpPr/>
+          <p:nvPr/>
+        </p:nvSpPr>
+        <p:spPr>
+          <a:xfrm>
+            <a:off x="3923928" y="2996952"/>
+            <a:ext cx="648072" cy="576064"/>
+          </a:xfrm>
+          <a:prstGeom prst="mathPlus">
+            <a:avLst/>
+          </a:prstGeom>
+        </p:spPr>
+        <p:style>
+          <a:lnRef idx="2">
+            <a:schemeClr val="accent1">
+              <a:shade val="50000"/>
+            </a:schemeClr>
+          </a:lnRef>
+          <a:fillRef idx="1">
+            <a:schemeClr val="accent1"/>
+          </a:fillRef>
+          <a:effectRef idx="0">
+            <a:schemeClr val="accent1"/>
+          </a:effectRef>
+          <a:fontRef idx="minor">
+            <a:schemeClr val="lt1"/>
+          </a:fontRef>
+        </p:style>
+        <p:txBody>
+          <a:bodyPr rtlCol="0" anchor="ctr"/>
+          <a:lstStyle/>
+          <a:p>
+            <a:pPr algn="ctr"/>
+            <a:endParaRPr lang="cs-CZ"/>
+          </a:p>
+        </p:txBody>
+      </p:sp>
+      <p:sp>
+        <p:nvSpPr>
+          <p:cNvPr id="7" name="Šipka dolů 6"/>
+          <p:cNvSpPr/>
+          <p:nvPr/>
+        </p:nvSpPr>
+        <p:spPr>
+          <a:xfrm>
+            <a:off x="863588" y="5085184"/>
+            <a:ext cx="7416824" cy="576064"/>
+          </a:xfrm>
+          <a:prstGeom prst="downArrow">
+            <a:avLst/>
+          </a:prstGeom>
+        </p:spPr>
+        <p:style>
+          <a:lnRef idx="2">
+            <a:schemeClr val="accent1">
+              <a:shade val="50000"/>
+            </a:schemeClr>
+          </a:lnRef>
+          <a:fillRef idx="1">
+            <a:schemeClr val="accent1"/>
+          </a:fillRef>
+          <a:effectRef idx="0">
+            <a:schemeClr val="accent1"/>
+          </a:effectRef>
+          <a:fontRef idx="minor">
+            <a:schemeClr val="lt1"/>
+          </a:fontRef>
+        </p:style>
+        <p:txBody>
+          <a:bodyPr rtlCol="0" anchor="ctr"/>
+          <a:lstStyle/>
+          <a:p>
+            <a:pPr algn="ctr"/>
+            <a:endParaRPr lang="cs-CZ"/>
+          </a:p>
+        </p:txBody>
+      </p:sp>
+      <p:pic>
+        <p:nvPicPr>
+          <p:cNvPr id="4102" name="Picture 6"/>
+          <p:cNvPicPr>
+            <a:picLocks noChangeAspect="1" noChangeArrowheads="1"/>
+          </p:cNvPicPr>
+          <p:nvPr/>
+        </p:nvPicPr>
+        <p:blipFill>
+          <a:blip r:embed="rId4">
+            <a:extLst>
+              <a:ext uri="{28A0092B-C50C-407E-A947-70E740481C1C}">
+                <a14:useLocalDpi xmlns:a14="http://schemas.microsoft.com/office/drawing/2010/main" val="0"/>
+              </a:ext>
+            </a:extLst>
+          </a:blip>
+          <a:srcRect/>
+          <a:stretch>
+            <a:fillRect/>
+          </a:stretch>
+        </p:blipFill>
+        <p:spPr bwMode="auto">
+          <a:xfrm>
+            <a:off x="1504950" y="5805264"/>
+            <a:ext cx="6134100" cy="828675"/>
+          </a:xfrm>
+          <a:prstGeom prst="rect">
+            <a:avLst/>
+          </a:prstGeom>
+          <a:noFill/>
+          <a:ln>
+            <a:noFill/>
+          </a:ln>
+          <a:extLst>
+            <a:ext uri="{909E8E84-426E-40DD-AFC4-6F175D3DCCD1}">
+              <a14:hiddenFill xmlns:a14="http://schemas.microsoft.com/office/drawing/2010/main">
+                <a:solidFill>
+                  <a:schemeClr val="accent1"/>
+                </a:solidFill>
+              </a14:hiddenFill>
+            </a:ext>
+            <a:ext uri="{91240B29-F687-4F45-9708-019B960494DF}">
+              <a14:hiddenLine xmlns:a14="http://schemas.microsoft.com/office/drawing/2010/main" w="9525">
+                <a:solidFill>
+                  <a:schemeClr val="tx1"/>
+                </a:solidFill>
+                <a:miter lim="800000"/>
+                <a:headEnd/>
+                <a:tailEnd/>
+              </a14:hiddenLine>
+            </a:ext>
+          </a:extLst>
+        </p:spPr>
+      </p:pic>
+      <p:sp>
+        <p:nvSpPr>
+          <p:cNvPr id="9" name="TextovéPole 8"/>
+          <p:cNvSpPr txBox="1"/>
+          <p:nvPr/>
+        </p:nvSpPr>
+        <p:spPr>
+          <a:xfrm>
+            <a:off x="3419872" y="5198337"/>
+            <a:ext cx="2304256" cy="307777"/>
+          </a:xfrm>
+          <a:prstGeom prst="rect">
+            <a:avLst/>
+          </a:prstGeom>
+          <a:noFill/>
+        </p:spPr>
+        <p:txBody>
+          <a:bodyPr wrap="square" rtlCol="0">
+            <a:spAutoFit/>
+          </a:bodyPr>
+          <a:lstStyle/>
+          <a:p>
+            <a:r>
+              <a:rPr lang="cs-CZ" sz="1400" dirty="0" err="1" smtClean="0">
+                <a:solidFill>
+                  <a:schemeClr val="accent1">
+                    <a:lumMod val="20000"/>
+                    <a:lumOff val="80000"/>
+                  </a:schemeClr>
+                </a:solidFill>
+              </a:rPr>
+              <a:t>Validate</a:t>
+            </a:r>
+            <a:r>
+              <a:rPr lang="cs-CZ" sz="1400" dirty="0" smtClean="0">
+                <a:solidFill>
+                  <a:schemeClr val="accent1">
+                    <a:lumMod val="20000"/>
+                    <a:lumOff val="80000"/>
+                  </a:schemeClr>
+                </a:solidFill>
+              </a:rPr>
+              <a:t> XML </a:t>
+            </a:r>
+            <a:r>
+              <a:rPr lang="cs-CZ" sz="1400" dirty="0" err="1" smtClean="0">
+                <a:solidFill>
+                  <a:schemeClr val="accent1">
+                    <a:lumMod val="20000"/>
+                    <a:lumOff val="80000"/>
+                  </a:schemeClr>
+                </a:solidFill>
+              </a:rPr>
+              <a:t>against</a:t>
+            </a:r>
+            <a:r>
+              <a:rPr lang="cs-CZ" sz="1400" dirty="0" smtClean="0">
+                <a:solidFill>
+                  <a:schemeClr val="accent1">
+                    <a:lumMod val="20000"/>
+                    <a:lumOff val="80000"/>
+                  </a:schemeClr>
+                </a:solidFill>
+              </a:rPr>
+              <a:t> XSD</a:t>
+            </a:r>
+            <a:endParaRPr lang="cs-CZ" sz="1400" dirty="0">
+              <a:solidFill>
+                <a:schemeClr val="accent1">
+                  <a:lumMod val="20000"/>
+                  <a:lumOff val="80000"/>
+                </a:schemeClr>
+              </a:solidFill>
+            </a:endParaRPr>
+          </a:p>
+        </p:txBody>
+      </p:sp>
+    </p:spTree>
+    <p:extLst>
+      <p:ext uri="{BB962C8B-B14F-4D97-AF65-F5344CB8AC3E}">
+        <p14:creationId xmlns:p14="http://schemas.microsoft.com/office/powerpoint/2010/main" val="4200869030"/>
+      </p:ext>
+    </p:extLst>
+  </p:cSld>
+  <p:clrMapOvr>
+    <a:masterClrMapping/>
+  </p:clrMapOvr>
+  <p:timing>
+    <p:tnLst>
+      <p:par>
+        <p:cTn id="1" dur="indefinite" restart="never" nodeType="tmRoot"/>
+      </p:par>
+    </p:tnLst>
+  </p:timing>
+</p:sld>
+</file>
+
+<file path=ppt/slides/slide21.xml><?xml version="1.0" encoding="utf-8"?>
+<p:sld xmlns:a="http://schemas.openxmlformats.org/drawingml/2006/main" xmlns:r="http://schemas.openxmlformats.org/officeDocument/2006/relationships" xmlns:p="http://schemas.openxmlformats.org/presentationml/2006/main">
+  <p:cSld>
+    <p:spTree>
+      <p:nvGrpSpPr>
+        <p:cNvPr id="1" name=""/>
+        <p:cNvGrpSpPr/>
+        <p:nvPr/>
+      </p:nvGrpSpPr>
+      <p:grpSpPr>
+        <a:xfrm>
+          <a:off x="0" y="0"/>
+          <a:ext cx="0" cy="0"/>
+          <a:chOff x="0" y="0"/>
+          <a:chExt cx="0" cy="0"/>
+        </a:xfrm>
+      </p:grpSpPr>
+      <p:sp>
+        <p:nvSpPr>
+          <p:cNvPr id="4" name="Nadpis 1"/>
+          <p:cNvSpPr txBox="1">
+            <a:spLocks/>
+          </p:cNvSpPr>
+          <p:nvPr/>
+        </p:nvSpPr>
+        <p:spPr>
+          <a:xfrm>
+            <a:off x="323528" y="16204"/>
+            <a:ext cx="8373616" cy="1600200"/>
+          </a:xfrm>
+          <a:prstGeom prst="rect">
+            <a:avLst/>
+          </a:prstGeom>
+        </p:spPr>
+        <p:txBody>
+          <a:bodyPr vert="horz" lIns="91440" tIns="45720" rIns="91440" bIns="45720" rtlCol="0" anchor="b">
+            <a:noAutofit/>
+          </a:bodyPr>
+          <a:lstStyle>
+            <a:lvl1pPr algn="ctr" defTabSz="914400" rtl="0" eaLnBrk="1" latinLnBrk="0" hangingPunct="1">
+              <a:lnSpc>
+                <a:spcPts val="5800"/>
+              </a:lnSpc>
+              <a:spcBef>
+                <a:spcPct val="0"/>
+              </a:spcBef>
+              <a:buNone/>
+              <a:defRPr sz="5400" kern="1200">
+                <a:solidFill>
+                  <a:schemeClr val="tx2"/>
+                </a:solidFill>
+                <a:effectLst>
+                  <a:outerShdw blurRad="63500" dist="38100" dir="5400000" algn="t" rotWithShape="0">
+                    <a:prstClr val="black">
+                      <a:alpha val="25000"/>
+                    </a:prstClr>
+                  </a:outerShdw>
+                </a:effectLst>
+                <a:latin typeface="+mn-lt"/>
+                <a:ea typeface="+mj-ea"/>
+                <a:cs typeface="+mj-cs"/>
+              </a:defRPr>
+            </a:lvl1pPr>
+          </a:lstStyle>
+          <a:p>
+            <a:r>
+              <a:rPr lang="cs-CZ" sz="9000" b="1" dirty="0" smtClean="0">
+                <a:ln w="17780" cmpd="sng">
+                  <a:solidFill>
+                    <a:srgbClr val="FFFFFF"/>
+                  </a:solidFill>
+                  <a:prstDash val="solid"/>
+                  <a:miter lim="800000"/>
+                </a:ln>
+                <a:gradFill rotWithShape="1">
+                  <a:gsLst>
+                    <a:gs pos="0">
+                      <a:srgbClr val="000000">
+                        <a:tint val="92000"/>
+                        <a:shade val="100000"/>
+                        <a:satMod val="150000"/>
+                      </a:srgbClr>
+                    </a:gs>
+                    <a:gs pos="49000">
+                      <a:srgbClr val="000000">
+                        <a:tint val="89000"/>
+                        <a:shade val="90000"/>
+                        <a:satMod val="150000"/>
+                      </a:srgbClr>
+                    </a:gs>
+                    <a:gs pos="50000">
+                      <a:srgbClr val="000000">
+                        <a:tint val="100000"/>
+                        <a:shade val="75000"/>
+                        <a:satMod val="150000"/>
+                      </a:srgbClr>
+                    </a:gs>
+                    <a:gs pos="95000">
+                      <a:srgbClr val="000000">
+                        <a:shade val="47000"/>
+                        <a:satMod val="150000"/>
+                      </a:srgbClr>
+                    </a:gs>
+                    <a:gs pos="100000">
+                      <a:srgbClr val="000000">
+                        <a:shade val="39000"/>
+                        <a:satMod val="150000"/>
+                      </a:srgbClr>
+                    </a:gs>
+                  </a:gsLst>
+                  <a:lin ang="5400000"/>
+                </a:gradFill>
+                <a:effectLst>
+                  <a:outerShdw blurRad="60007" dist="310007" dir="7680000" sy="30000" kx="1300200" algn="ctr" rotWithShape="0">
+                    <a:prstClr val="black">
+                      <a:alpha val="32000"/>
+                    </a:prstClr>
+                  </a:outerShdw>
+                </a:effectLst>
+                <a:latin typeface="Verdana" panose="020B0604030504040204" pitchFamily="34" charset="0"/>
+                <a:ea typeface="Verdana" panose="020B0604030504040204" pitchFamily="34" charset="0"/>
+                <a:cs typeface="Verdana" panose="020B0604030504040204" pitchFamily="34" charset="0"/>
+              </a:rPr>
+              <a:t>XML </a:t>
+            </a:r>
+            <a:r>
+              <a:rPr lang="cs-CZ" sz="9000" b="1" dirty="0" err="1" smtClean="0">
+                <a:ln w="17780" cmpd="sng">
+                  <a:solidFill>
+                    <a:srgbClr val="FFFFFF"/>
+                  </a:solidFill>
+                  <a:prstDash val="solid"/>
+                  <a:miter lim="800000"/>
+                </a:ln>
+                <a:gradFill rotWithShape="1">
+                  <a:gsLst>
+                    <a:gs pos="0">
+                      <a:srgbClr val="000000">
+                        <a:tint val="92000"/>
+                        <a:shade val="100000"/>
+                        <a:satMod val="150000"/>
+                      </a:srgbClr>
+                    </a:gs>
+                    <a:gs pos="49000">
+                      <a:srgbClr val="000000">
+                        <a:tint val="89000"/>
+                        <a:shade val="90000"/>
+                        <a:satMod val="150000"/>
+                      </a:srgbClr>
+                    </a:gs>
+                    <a:gs pos="50000">
+                      <a:srgbClr val="000000">
+                        <a:tint val="100000"/>
+                        <a:shade val="75000"/>
+                        <a:satMod val="150000"/>
+                      </a:srgbClr>
+                    </a:gs>
+                    <a:gs pos="95000">
+                      <a:srgbClr val="000000">
+                        <a:shade val="47000"/>
+                        <a:satMod val="150000"/>
+                      </a:srgbClr>
+                    </a:gs>
+                    <a:gs pos="100000">
+                      <a:srgbClr val="000000">
+                        <a:shade val="39000"/>
+                        <a:satMod val="150000"/>
+                      </a:srgbClr>
+                    </a:gs>
+                  </a:gsLst>
+                  <a:lin ang="5400000"/>
+                </a:gradFill>
+                <a:effectLst>
+                  <a:outerShdw blurRad="60007" dist="310007" dir="7680000" sy="30000" kx="1300200" algn="ctr" rotWithShape="0">
+                    <a:prstClr val="black">
+                      <a:alpha val="32000"/>
+                    </a:prstClr>
+                  </a:outerShdw>
+                </a:effectLst>
+                <a:latin typeface="Verdana" panose="020B0604030504040204" pitchFamily="34" charset="0"/>
+                <a:ea typeface="Verdana" panose="020B0604030504040204" pitchFamily="34" charset="0"/>
+                <a:cs typeface="Verdana" panose="020B0604030504040204" pitchFamily="34" charset="0"/>
+              </a:rPr>
+              <a:t>Schema</a:t>
+            </a:r>
+            <a:endParaRPr lang="cs-CZ" sz="9000" dirty="0"/>
+          </a:p>
+        </p:txBody>
+      </p:sp>
+      <p:sp>
+        <p:nvSpPr>
+          <p:cNvPr id="5" name="TextovéPole 4"/>
+          <p:cNvSpPr txBox="1"/>
+          <p:nvPr/>
+        </p:nvSpPr>
+        <p:spPr>
+          <a:xfrm>
+            <a:off x="988179" y="2338583"/>
+            <a:ext cx="1224136" cy="369332"/>
+          </a:xfrm>
+          <a:prstGeom prst="rect">
+            <a:avLst/>
+          </a:prstGeom>
+          <a:noFill/>
+        </p:spPr>
+        <p:txBody>
+          <a:bodyPr wrap="square" rtlCol="0">
+            <a:spAutoFit/>
+          </a:bodyPr>
+          <a:lstStyle/>
+          <a:p>
+            <a:r>
+              <a:rPr lang="cs-CZ" dirty="0" smtClean="0"/>
+              <a:t>● </a:t>
+            </a:r>
+            <a:r>
+              <a:rPr lang="cs-CZ" dirty="0" err="1" smtClean="0"/>
+              <a:t>Unique</a:t>
+            </a:r>
+            <a:endParaRPr lang="cs-CZ" dirty="0"/>
+          </a:p>
+        </p:txBody>
+      </p:sp>
+      <p:sp>
+        <p:nvSpPr>
+          <p:cNvPr id="6" name="TextovéPole 5"/>
+          <p:cNvSpPr txBox="1"/>
+          <p:nvPr/>
+        </p:nvSpPr>
+        <p:spPr>
+          <a:xfrm>
+            <a:off x="988179" y="3460358"/>
+            <a:ext cx="1224136" cy="369332"/>
+          </a:xfrm>
+          <a:prstGeom prst="rect">
+            <a:avLst/>
+          </a:prstGeom>
+          <a:noFill/>
+        </p:spPr>
+        <p:txBody>
+          <a:bodyPr wrap="square" rtlCol="0">
+            <a:spAutoFit/>
+          </a:bodyPr>
+          <a:lstStyle/>
+          <a:p>
+            <a:r>
+              <a:rPr lang="cs-CZ" dirty="0" smtClean="0"/>
+              <a:t>● </a:t>
+            </a:r>
+            <a:r>
+              <a:rPr lang="cs-CZ" dirty="0" err="1" smtClean="0"/>
+              <a:t>Pattern</a:t>
+            </a:r>
+            <a:endParaRPr lang="cs-CZ" dirty="0"/>
+          </a:p>
+        </p:txBody>
+      </p:sp>
+      <p:sp>
+        <p:nvSpPr>
+          <p:cNvPr id="7" name="TextovéPole 6"/>
+          <p:cNvSpPr txBox="1"/>
+          <p:nvPr/>
+        </p:nvSpPr>
+        <p:spPr>
+          <a:xfrm>
+            <a:off x="988179" y="4869159"/>
+            <a:ext cx="1656184" cy="369332"/>
+          </a:xfrm>
+          <a:prstGeom prst="rect">
+            <a:avLst/>
+          </a:prstGeom>
+          <a:noFill/>
+        </p:spPr>
+        <p:txBody>
+          <a:bodyPr wrap="square" rtlCol="0">
+            <a:spAutoFit/>
+          </a:bodyPr>
+          <a:lstStyle/>
+          <a:p>
+            <a:r>
+              <a:rPr lang="cs-CZ" dirty="0" smtClean="0"/>
+              <a:t>● </a:t>
+            </a:r>
+            <a:r>
+              <a:rPr lang="cs-CZ" dirty="0" err="1" smtClean="0"/>
+              <a:t>Restriction</a:t>
+            </a:r>
+            <a:endParaRPr lang="cs-CZ" dirty="0"/>
+          </a:p>
+        </p:txBody>
+      </p:sp>
+      <p:pic>
+        <p:nvPicPr>
+          <p:cNvPr id="5123" name="Picture 3"/>
+          <p:cNvPicPr>
+            <a:picLocks noChangeAspect="1" noChangeArrowheads="1"/>
+          </p:cNvPicPr>
+          <p:nvPr/>
+        </p:nvPicPr>
+        <p:blipFill>
+          <a:blip r:embed="rId2">
+            <a:extLst>
+              <a:ext uri="{28A0092B-C50C-407E-A947-70E740481C1C}">
+                <a14:useLocalDpi xmlns:a14="http://schemas.microsoft.com/office/drawing/2010/main" val="0"/>
+              </a:ext>
+            </a:extLst>
+          </a:blip>
+          <a:srcRect/>
+          <a:stretch>
+            <a:fillRect/>
+          </a:stretch>
+        </p:blipFill>
+        <p:spPr bwMode="auto">
+          <a:xfrm>
+            <a:off x="2783084" y="2127961"/>
+            <a:ext cx="3295650" cy="790575"/>
+          </a:xfrm>
+          <a:prstGeom prst="rect">
+            <a:avLst/>
+          </a:prstGeom>
+          <a:noFill/>
+          <a:ln>
+            <a:noFill/>
+          </a:ln>
+          <a:extLst>
+            <a:ext uri="{909E8E84-426E-40DD-AFC4-6F175D3DCCD1}">
+              <a14:hiddenFill xmlns:a14="http://schemas.microsoft.com/office/drawing/2010/main">
+                <a:solidFill>
+                  <a:schemeClr val="accent1"/>
+                </a:solidFill>
+              </a14:hiddenFill>
+            </a:ext>
+            <a:ext uri="{91240B29-F687-4F45-9708-019B960494DF}">
+              <a14:hiddenLine xmlns:a14="http://schemas.microsoft.com/office/drawing/2010/main" w="9525">
+                <a:solidFill>
+                  <a:schemeClr val="tx1"/>
+                </a:solidFill>
+                <a:miter lim="800000"/>
+                <a:headEnd/>
+                <a:tailEnd/>
+              </a14:hiddenLine>
+            </a:ext>
+          </a:extLst>
+        </p:spPr>
+      </p:pic>
+      <p:pic>
+        <p:nvPicPr>
+          <p:cNvPr id="5124" name="Picture 4"/>
+          <p:cNvPicPr>
+            <a:picLocks noChangeAspect="1" noChangeArrowheads="1"/>
+          </p:cNvPicPr>
+          <p:nvPr/>
+        </p:nvPicPr>
+        <p:blipFill>
+          <a:blip r:embed="rId3">
+            <a:extLst>
+              <a:ext uri="{28A0092B-C50C-407E-A947-70E740481C1C}">
+                <a14:useLocalDpi xmlns:a14="http://schemas.microsoft.com/office/drawing/2010/main" val="0"/>
+              </a:ext>
+            </a:extLst>
+          </a:blip>
+          <a:srcRect/>
+          <a:stretch>
+            <a:fillRect/>
+          </a:stretch>
+        </p:blipFill>
+        <p:spPr bwMode="auto">
+          <a:xfrm>
+            <a:off x="2799848" y="4410896"/>
+            <a:ext cx="3600400" cy="1285857"/>
+          </a:xfrm>
+          <a:prstGeom prst="rect">
+            <a:avLst/>
+          </a:prstGeom>
+          <a:noFill/>
+          <a:ln>
+            <a:noFill/>
+          </a:ln>
+          <a:extLst>
+            <a:ext uri="{909E8E84-426E-40DD-AFC4-6F175D3DCCD1}">
+              <a14:hiddenFill xmlns:a14="http://schemas.microsoft.com/office/drawing/2010/main">
+                <a:solidFill>
+                  <a:schemeClr val="accent1"/>
+                </a:solidFill>
+              </a14:hiddenFill>
+            </a:ext>
+            <a:ext uri="{91240B29-F687-4F45-9708-019B960494DF}">
+              <a14:hiddenLine xmlns:a14="http://schemas.microsoft.com/office/drawing/2010/main" w="9525">
+                <a:solidFill>
+                  <a:schemeClr val="tx1"/>
+                </a:solidFill>
+                <a:miter lim="800000"/>
+                <a:headEnd/>
+                <a:tailEnd/>
+              </a14:hiddenLine>
+            </a:ext>
+          </a:extLst>
+        </p:spPr>
+      </p:pic>
+      <p:pic>
+        <p:nvPicPr>
+          <p:cNvPr id="5125" name="Picture 5"/>
+          <p:cNvPicPr>
+            <a:picLocks noChangeAspect="1" noChangeArrowheads="1"/>
+          </p:cNvPicPr>
+          <p:nvPr/>
+        </p:nvPicPr>
+        <p:blipFill>
+          <a:blip r:embed="rId4">
+            <a:extLst>
+              <a:ext uri="{28A0092B-C50C-407E-A947-70E740481C1C}">
+                <a14:useLocalDpi xmlns:a14="http://schemas.microsoft.com/office/drawing/2010/main" val="0"/>
+              </a:ext>
+            </a:extLst>
+          </a:blip>
+          <a:srcRect/>
+          <a:stretch>
+            <a:fillRect/>
+          </a:stretch>
+        </p:blipFill>
+        <p:spPr bwMode="auto">
+          <a:xfrm>
+            <a:off x="2783084" y="3337485"/>
+            <a:ext cx="5295304" cy="615075"/>
+          </a:xfrm>
+          <a:prstGeom prst="rect">
+            <a:avLst/>
+          </a:prstGeom>
+          <a:noFill/>
+          <a:ln>
+            <a:noFill/>
+          </a:ln>
+          <a:extLst>
+            <a:ext uri="{909E8E84-426E-40DD-AFC4-6F175D3DCCD1}">
+              <a14:hiddenFill xmlns:a14="http://schemas.microsoft.com/office/drawing/2010/main">
+                <a:solidFill>
+                  <a:schemeClr val="accent1"/>
+                </a:solidFill>
+              </a14:hiddenFill>
+            </a:ext>
+            <a:ext uri="{91240B29-F687-4F45-9708-019B960494DF}">
+              <a14:hiddenLine xmlns:a14="http://schemas.microsoft.com/office/drawing/2010/main" w="9525">
+                <a:solidFill>
+                  <a:schemeClr val="tx1"/>
+                </a:solidFill>
+                <a:miter lim="800000"/>
+                <a:headEnd/>
+                <a:tailEnd/>
+              </a14:hiddenLine>
+            </a:ext>
+          </a:extLst>
+        </p:spPr>
+      </p:pic>
+    </p:spTree>
+    <p:extLst>
+      <p:ext uri="{BB962C8B-B14F-4D97-AF65-F5344CB8AC3E}">
+        <p14:creationId xmlns:p14="http://schemas.microsoft.com/office/powerpoint/2010/main" val="1249673078"/>
+      </p:ext>
+    </p:extLst>
+  </p:cSld>
+  <p:clrMapOvr>
+    <a:masterClrMapping/>
+  </p:clrMapOvr>
+  <p:timing>
+    <p:tnLst>
+      <p:par>
+        <p:cTn id="1" dur="indefinite" restart="never" nodeType="tmRoot"/>
+      </p:par>
+    </p:tnLst>
+  </p:timing>
+</p:sld>
+</file>
+
+<file path=ppt/slides/slide22.xml><?xml version="1.0" encoding="utf-8"?>
+<p:sld xmlns:a="http://schemas.openxmlformats.org/drawingml/2006/main" xmlns:r="http://schemas.openxmlformats.org/officeDocument/2006/relationships" xmlns:p="http://schemas.openxmlformats.org/presentationml/2006/main">
+  <p:cSld>
+    <p:spTree>
+      <p:nvGrpSpPr>
+        <p:cNvPr id="1" name=""/>
+        <p:cNvGrpSpPr/>
+        <p:nvPr/>
+      </p:nvGrpSpPr>
+      <p:grpSpPr>
+        <a:xfrm>
+          <a:off x="0" y="0"/>
+          <a:ext cx="0" cy="0"/>
+          <a:chOff x="0" y="0"/>
+          <a:chExt cx="0" cy="0"/>
+        </a:xfrm>
+      </p:grpSpPr>
+      <p:sp>
+        <p:nvSpPr>
+          <p:cNvPr id="2" name="Nadpis 1"/>
+          <p:cNvSpPr>
+            <a:spLocks noGrp="1"/>
+          </p:cNvSpPr>
+          <p:nvPr>
+            <p:ph type="title"/>
+          </p:nvPr>
+        </p:nvSpPr>
+        <p:spPr/>
+        <p:txBody>
+          <a:bodyPr/>
+          <a:lstStyle/>
+          <a:p>
+            <a:endParaRPr lang="cs-CZ" dirty="0"/>
+          </a:p>
+        </p:txBody>
+      </p:sp>
+      <p:sp>
+        <p:nvSpPr>
+          <p:cNvPr id="4" name="Nadpis 1"/>
+          <p:cNvSpPr txBox="1">
+            <a:spLocks/>
+          </p:cNvSpPr>
+          <p:nvPr/>
+        </p:nvSpPr>
+        <p:spPr>
+          <a:xfrm>
+            <a:off x="400650" y="908720"/>
+            <a:ext cx="8460432" cy="1181993"/>
+          </a:xfrm>
+          <a:prstGeom prst="rect">
+            <a:avLst/>
+          </a:prstGeom>
+        </p:spPr>
+        <p:txBody>
+          <a:bodyPr vert="horz" lIns="91440" tIns="45720" rIns="91440" bIns="45720" rtlCol="0" anchor="b">
+            <a:normAutofit fontScale="62500" lnSpcReduction="20000"/>
+          </a:bodyPr>
+          <a:lstStyle>
+            <a:lvl1pPr algn="ctr" defTabSz="914400" rtl="0" eaLnBrk="1" latinLnBrk="0" hangingPunct="1">
+              <a:lnSpc>
+                <a:spcPts val="5800"/>
+              </a:lnSpc>
+              <a:spcBef>
+                <a:spcPct val="0"/>
+              </a:spcBef>
+              <a:buNone/>
+              <a:defRPr sz="5400" kern="1200">
+                <a:solidFill>
+                  <a:schemeClr val="tx2"/>
+                </a:solidFill>
+                <a:effectLst>
+                  <a:outerShdw blurRad="63500" dist="38100" dir="5400000" algn="t" rotWithShape="0">
+                    <a:prstClr val="black">
+                      <a:alpha val="25000"/>
+                    </a:prstClr>
+                  </a:outerShdw>
+                </a:effectLst>
+                <a:latin typeface="+mn-lt"/>
+                <a:ea typeface="+mj-ea"/>
+                <a:cs typeface="+mj-cs"/>
+              </a:defRPr>
+            </a:lvl1pPr>
+          </a:lstStyle>
+          <a:p>
+            <a:r>
+              <a:rPr lang="cs-CZ" sz="12000" b="1" dirty="0" smtClean="0">
+                <a:ln w="17780" cmpd="sng">
+                  <a:solidFill>
+                    <a:srgbClr val="FFFFFF"/>
+                  </a:solidFill>
+                  <a:prstDash val="solid"/>
+                  <a:miter lim="800000"/>
+                </a:ln>
+                <a:gradFill rotWithShape="1">
+                  <a:gsLst>
+                    <a:gs pos="0">
+                      <a:srgbClr val="000000">
+                        <a:tint val="92000"/>
+                        <a:shade val="100000"/>
+                        <a:satMod val="150000"/>
+                      </a:srgbClr>
+                    </a:gs>
+                    <a:gs pos="49000">
+                      <a:srgbClr val="000000">
+                        <a:tint val="89000"/>
+                        <a:shade val="90000"/>
+                        <a:satMod val="150000"/>
+                      </a:srgbClr>
+                    </a:gs>
+                    <a:gs pos="50000">
+                      <a:srgbClr val="000000">
+                        <a:tint val="100000"/>
+                        <a:shade val="75000"/>
+                        <a:satMod val="150000"/>
+                      </a:srgbClr>
+                    </a:gs>
+                    <a:gs pos="95000">
+                      <a:srgbClr val="000000">
+                        <a:shade val="47000"/>
+                        <a:satMod val="150000"/>
+                      </a:srgbClr>
+                    </a:gs>
+                    <a:gs pos="100000">
+                      <a:srgbClr val="000000">
+                        <a:shade val="39000"/>
+                        <a:satMod val="150000"/>
+                      </a:srgbClr>
+                    </a:gs>
+                  </a:gsLst>
+                  <a:lin ang="5400000"/>
+                </a:gradFill>
+                <a:effectLst>
+                  <a:outerShdw blurRad="60007" dist="310007" dir="7680000" sy="30000" kx="1300200" algn="ctr" rotWithShape="0">
+                    <a:prstClr val="black">
+                      <a:alpha val="32000"/>
+                    </a:prstClr>
+                  </a:outerShdw>
+                </a:effectLst>
+                <a:latin typeface="Verdana" panose="020B0604030504040204" pitchFamily="34" charset="0"/>
+                <a:ea typeface="Verdana" panose="020B0604030504040204" pitchFamily="34" charset="0"/>
+                <a:cs typeface="Verdana" panose="020B0604030504040204" pitchFamily="34" charset="0"/>
+              </a:rPr>
+              <a:t>Import /Export</a:t>
             </a:r>
             <a:endParaRPr lang="cs-CZ" sz="12000" b="1" dirty="0">
               <a:ln w="17780" cmpd="sng">
@@ -7566,46 +9204,11 @@
           </a:p>
         </p:txBody>
       </p:sp>
-      <p:sp>
-        <p:nvSpPr>
-          <p:cNvPr id="9" name="TextovéPole 8"/>
-          <p:cNvSpPr txBox="1"/>
-          <p:nvPr/>
-        </p:nvSpPr>
-        <p:spPr>
-          <a:xfrm>
-            <a:off x="389887" y="2123149"/>
-            <a:ext cx="8460432" cy="861774"/>
-          </a:xfrm>
-          <a:prstGeom prst="rect">
-            <a:avLst/>
-          </a:prstGeom>
-          <a:noFill/>
-        </p:spPr>
-        <p:txBody>
-          <a:bodyPr wrap="square" rtlCol="0">
-            <a:spAutoFit/>
-          </a:bodyPr>
-          <a:lstStyle/>
-          <a:p>
-            <a:pPr algn="ctr"/>
-            <a:r>
-              <a:rPr lang="cs-CZ" sz="5000" b="1" dirty="0" err="1" smtClean="0">
-                <a:latin typeface="Calibri" panose="020F0502020204030204" pitchFamily="34" charset="0"/>
-              </a:rPr>
-              <a:t>NetBeans</a:t>
-            </a:r>
-            <a:endParaRPr lang="cs-CZ" sz="5000" b="1" dirty="0" smtClean="0">
-              <a:latin typeface="Calibri" panose="020F0502020204030204" pitchFamily="34" charset="0"/>
-            </a:endParaRPr>
-          </a:p>
-        </p:txBody>
-      </p:sp>
       <p:pic>
         <p:nvPicPr>
-          <p:cNvPr id="5" name="Obrázek 4"/>
+          <p:cNvPr id="1027" name="Picture 3"/>
           <p:cNvPicPr>
-            <a:picLocks noChangeAspect="1"/>
+            <a:picLocks noChangeAspect="1" noChangeArrowheads="1"/>
           </p:cNvPicPr>
           <p:nvPr/>
         </p:nvPicPr>
@@ -7617,24 +9220,102 @@
               </a:ext>
             </a:extLst>
           </a:blip>
+          <a:srcRect/>
           <a:stretch>
             <a:fillRect/>
           </a:stretch>
         </p:blipFill>
-        <p:spPr>
+        <p:spPr bwMode="auto">
           <a:xfrm>
-            <a:off x="1413410" y="2982355"/>
-            <a:ext cx="6413386" cy="3759014"/>
+            <a:off x="571500" y="2276872"/>
+            <a:ext cx="4216524" cy="2394383"/>
           </a:xfrm>
           <a:prstGeom prst="rect">
             <a:avLst/>
           </a:prstGeom>
+          <a:noFill/>
+          <a:ln>
+            <a:noFill/>
+          </a:ln>
+          <a:extLst>
+            <a:ext uri="{909E8E84-426E-40DD-AFC4-6F175D3DCCD1}">
+              <a14:hiddenFill xmlns:a14="http://schemas.microsoft.com/office/drawing/2010/main">
+                <a:solidFill>
+                  <a:schemeClr val="accent1"/>
+                </a:solidFill>
+              </a14:hiddenFill>
+            </a:ext>
+            <a:ext uri="{91240B29-F687-4F45-9708-019B960494DF}">
+              <a14:hiddenLine xmlns:a14="http://schemas.microsoft.com/office/drawing/2010/main" w="9525">
+                <a:solidFill>
+                  <a:schemeClr val="tx1"/>
+                </a:solidFill>
+                <a:miter lim="800000"/>
+                <a:headEnd/>
+                <a:tailEnd/>
+              </a14:hiddenLine>
+            </a:ext>
+          </a:extLst>
+        </p:spPr>
+      </p:pic>
+      <p:pic>
+        <p:nvPicPr>
+          <p:cNvPr id="1028" name="Picture 4"/>
+          <p:cNvPicPr>
+            <a:picLocks noChangeAspect="1" noChangeArrowheads="1"/>
+          </p:cNvPicPr>
+          <p:nvPr/>
+        </p:nvPicPr>
+        <p:blipFill>
+          <a:blip r:embed="rId3">
+            <a:extLst>
+              <a:ext uri="{28A0092B-C50C-407E-A947-70E740481C1C}">
+                <a14:useLocalDpi xmlns:a14="http://schemas.microsoft.com/office/drawing/2010/main" val="0"/>
+              </a:ext>
+            </a:extLst>
+          </a:blip>
+          <a:srcRect/>
+          <a:stretch>
+            <a:fillRect/>
+          </a:stretch>
+        </p:blipFill>
+        <p:spPr bwMode="auto">
+          <a:xfrm>
+            <a:off x="4800350" y="2576512"/>
+            <a:ext cx="3615084" cy="2641225"/>
+          </a:xfrm>
+          <a:prstGeom prst="rect">
+            <a:avLst/>
+          </a:prstGeom>
+          <a:noFill/>
+          <a:ln>
+            <a:noFill/>
+          </a:ln>
+          <a:extLst>
+            <a:ext uri="{909E8E84-426E-40DD-AFC4-6F175D3DCCD1}">
+              <a14:hiddenFill xmlns:a14="http://schemas.microsoft.com/office/drawing/2010/main">
+                <a:solidFill>
+                  <a:schemeClr val="accent1"/>
+                </a:solidFill>
+              </a14:hiddenFill>
+            </a:ext>
+            <a:ext uri="{91240B29-F687-4F45-9708-019B960494DF}">
+              <a14:hiddenLine xmlns:a14="http://schemas.microsoft.com/office/drawing/2010/main" w="9525">
+                <a:solidFill>
+                  <a:schemeClr val="tx1"/>
+                </a:solidFill>
+                <a:miter lim="800000"/>
+                <a:headEnd/>
+                <a:tailEnd/>
+              </a14:hiddenLine>
+            </a:ext>
+          </a:extLst>
         </p:spPr>
       </p:pic>
     </p:spTree>
     <p:extLst>
       <p:ext uri="{BB962C8B-B14F-4D97-AF65-F5344CB8AC3E}">
-        <p14:creationId xmlns:p14="http://schemas.microsoft.com/office/powerpoint/2010/main" val="2120583856"/>
+        <p14:creationId xmlns:p14="http://schemas.microsoft.com/office/powerpoint/2010/main" val="3059116"/>
       </p:ext>
     </p:extLst>
   </p:cSld>
@@ -7651,7 +9332,7 @@
 </p:sld>
 </file>
 
-<file path=ppt/slides/slide21.xml><?xml version="1.0" encoding="utf-8"?>
+<file path=ppt/slides/slide23.xml><?xml version="1.0" encoding="utf-8"?>
 <p:sld xmlns:a="http://schemas.openxmlformats.org/drawingml/2006/main" xmlns:r="http://schemas.openxmlformats.org/officeDocument/2006/relationships" xmlns:p="http://schemas.openxmlformats.org/presentationml/2006/main">
   <p:cSld>
     <p:spTree>
@@ -7676,6 +9357,25 @@
           </p:cNvSpPr>
           <p:nvPr>
             <p:ph type="title"/>
+          </p:nvPr>
+        </p:nvSpPr>
+        <p:spPr/>
+        <p:txBody>
+          <a:bodyPr/>
+          <a:lstStyle/>
+          <a:p>
+            <a:endParaRPr lang="cs-CZ" dirty="0"/>
+          </a:p>
+        </p:txBody>
+      </p:sp>
+      <p:sp>
+        <p:nvSpPr>
+          <p:cNvPr id="3" name="Zástupný symbol pro obsah 2"/>
+          <p:cNvSpPr>
+            <a:spLocks noGrp="1"/>
+          </p:cNvSpPr>
+          <p:nvPr>
+            <p:ph idx="1"/>
           </p:nvPr>
         </p:nvSpPr>
         <p:spPr/>
@@ -7736,7 +9436,7 @@
           </a:lstStyle>
           <a:p>
             <a:r>
-              <a:rPr lang="cs-CZ" sz="12000" b="1" dirty="0" err="1" smtClean="0">
+              <a:rPr lang="cs-CZ" sz="12000" b="1" dirty="0" smtClean="0">
                 <a:ln w="17780" cmpd="sng">
                   <a:solidFill>
                     <a:srgbClr val="FFFFFF"/>
@@ -7793,7 +9493,7 @@
                 <a:ea typeface="Verdana" panose="020B0604030504040204" pitchFamily="34" charset="0"/>
                 <a:cs typeface="Verdana" panose="020B0604030504040204" pitchFamily="34" charset="0"/>
               </a:rPr>
-              <a:t>XQuery</a:t>
+              <a:t>Export</a:t>
             </a:r>
             <a:endParaRPr lang="cs-CZ" sz="12000" b="1" dirty="0">
               <a:ln w="17780" cmpd="sng">
@@ -7855,43 +9555,11 @@
           </a:p>
         </p:txBody>
       </p:sp>
-      <p:sp>
-        <p:nvSpPr>
-          <p:cNvPr id="9" name="TextovéPole 8"/>
-          <p:cNvSpPr txBox="1"/>
-          <p:nvPr/>
-        </p:nvSpPr>
-        <p:spPr>
-          <a:xfrm>
-            <a:off x="389887" y="2123149"/>
-            <a:ext cx="8460432" cy="861774"/>
-          </a:xfrm>
-          <a:prstGeom prst="rect">
-            <a:avLst/>
-          </a:prstGeom>
-          <a:noFill/>
-        </p:spPr>
-        <p:txBody>
-          <a:bodyPr wrap="square" rtlCol="0">
-            <a:spAutoFit/>
-          </a:bodyPr>
-          <a:lstStyle/>
-          <a:p>
-            <a:pPr algn="ctr"/>
-            <a:r>
-              <a:rPr lang="cs-CZ" sz="5000" b="1" dirty="0" smtClean="0">
-                <a:latin typeface="Calibri" panose="020F0502020204030204" pitchFamily="34" charset="0"/>
-              </a:rPr>
-              <a:t>Zákazníci</a:t>
-            </a:r>
-          </a:p>
-        </p:txBody>
-      </p:sp>
       <p:pic>
         <p:nvPicPr>
-          <p:cNvPr id="5" name="Obrázek 4"/>
+          <p:cNvPr id="2050" name="Picture 2"/>
           <p:cNvPicPr>
-            <a:picLocks noChangeAspect="1"/>
+            <a:picLocks noChangeAspect="1" noChangeArrowheads="1"/>
           </p:cNvPicPr>
           <p:nvPr/>
         </p:nvPicPr>
@@ -7903,24 +9571,241 @@
               </a:ext>
             </a:extLst>
           </a:blip>
+          <a:srcRect/>
           <a:stretch>
             <a:fillRect/>
           </a:stretch>
         </p:blipFill>
-        <p:spPr>
+        <p:spPr bwMode="auto">
           <a:xfrm>
-            <a:off x="2411760" y="3212976"/>
-            <a:ext cx="4801604" cy="2088232"/>
+            <a:off x="365651" y="2240381"/>
+            <a:ext cx="3429000" cy="2314575"/>
           </a:xfrm>
           <a:prstGeom prst="rect">
             <a:avLst/>
           </a:prstGeom>
+          <a:noFill/>
+          <a:ln>
+            <a:noFill/>
+          </a:ln>
+          <a:extLst>
+            <a:ext uri="{909E8E84-426E-40DD-AFC4-6F175D3DCCD1}">
+              <a14:hiddenFill xmlns:a14="http://schemas.microsoft.com/office/drawing/2010/main">
+                <a:solidFill>
+                  <a:schemeClr val="accent1"/>
+                </a:solidFill>
+              </a14:hiddenFill>
+            </a:ext>
+            <a:ext uri="{91240B29-F687-4F45-9708-019B960494DF}">
+              <a14:hiddenLine xmlns:a14="http://schemas.microsoft.com/office/drawing/2010/main" w="9525">
+                <a:solidFill>
+                  <a:schemeClr val="tx1"/>
+                </a:solidFill>
+                <a:miter lim="800000"/>
+                <a:headEnd/>
+                <a:tailEnd/>
+              </a14:hiddenLine>
+            </a:ext>
+          </a:extLst>
         </p:spPr>
       </p:pic>
+      <p:pic>
+        <p:nvPicPr>
+          <p:cNvPr id="2051" name="Picture 3"/>
+          <p:cNvPicPr>
+            <a:picLocks noChangeAspect="1" noChangeArrowheads="1"/>
+          </p:cNvPicPr>
+          <p:nvPr/>
+        </p:nvPicPr>
+        <p:blipFill>
+          <a:blip r:embed="rId3">
+            <a:extLst>
+              <a:ext uri="{28A0092B-C50C-407E-A947-70E740481C1C}">
+                <a14:useLocalDpi xmlns:a14="http://schemas.microsoft.com/office/drawing/2010/main" val="0"/>
+              </a:ext>
+            </a:extLst>
+          </a:blip>
+          <a:srcRect/>
+          <a:stretch>
+            <a:fillRect/>
+          </a:stretch>
+        </p:blipFill>
+        <p:spPr bwMode="auto">
+          <a:xfrm>
+            <a:off x="4355976" y="2240381"/>
+            <a:ext cx="4158846" cy="4174629"/>
+          </a:xfrm>
+          <a:prstGeom prst="rect">
+            <a:avLst/>
+          </a:prstGeom>
+          <a:noFill/>
+          <a:ln>
+            <a:noFill/>
+          </a:ln>
+          <a:extLst>
+            <a:ext uri="{909E8E84-426E-40DD-AFC4-6F175D3DCCD1}">
+              <a14:hiddenFill xmlns:a14="http://schemas.microsoft.com/office/drawing/2010/main">
+                <a:solidFill>
+                  <a:schemeClr val="accent1"/>
+                </a:solidFill>
+              </a14:hiddenFill>
+            </a:ext>
+            <a:ext uri="{91240B29-F687-4F45-9708-019B960494DF}">
+              <a14:hiddenLine xmlns:a14="http://schemas.microsoft.com/office/drawing/2010/main" w="9525">
+                <a:solidFill>
+                  <a:schemeClr val="tx1"/>
+                </a:solidFill>
+                <a:miter lim="800000"/>
+                <a:headEnd/>
+                <a:tailEnd/>
+              </a14:hiddenLine>
+            </a:ext>
+          </a:extLst>
+        </p:spPr>
+      </p:pic>
+      <p:sp>
+        <p:nvSpPr>
+          <p:cNvPr id="9" name="Obdélník 8"/>
+          <p:cNvSpPr/>
+          <p:nvPr/>
+        </p:nvSpPr>
+        <p:spPr>
+          <a:xfrm>
+            <a:off x="5148064" y="2924944"/>
+            <a:ext cx="3366758" cy="472724"/>
+          </a:xfrm>
+          <a:prstGeom prst="rect">
+            <a:avLst/>
+          </a:prstGeom>
+          <a:noFill/>
+          <a:ln>
+            <a:solidFill>
+              <a:srgbClr val="FF0000"/>
+            </a:solidFill>
+          </a:ln>
+        </p:spPr>
+        <p:style>
+          <a:lnRef idx="2">
+            <a:schemeClr val="accent6"/>
+          </a:lnRef>
+          <a:fillRef idx="1">
+            <a:schemeClr val="lt1"/>
+          </a:fillRef>
+          <a:effectRef idx="0">
+            <a:schemeClr val="accent6"/>
+          </a:effectRef>
+          <a:fontRef idx="minor">
+            <a:schemeClr val="dk1"/>
+          </a:fontRef>
+        </p:style>
+        <p:txBody>
+          <a:bodyPr rtlCol="0" anchor="ctr"/>
+          <a:lstStyle/>
+          <a:p>
+            <a:pPr algn="ctr"/>
+            <a:endParaRPr lang="cs-CZ"/>
+          </a:p>
+        </p:txBody>
+      </p:sp>
+      <p:sp>
+        <p:nvSpPr>
+          <p:cNvPr id="19" name="Volný tvar 18"/>
+          <p:cNvSpPr/>
+          <p:nvPr/>
+        </p:nvSpPr>
+        <p:spPr>
+          <a:xfrm>
+            <a:off x="2956142" y="3068877"/>
+            <a:ext cx="3632548" cy="551178"/>
+          </a:xfrm>
+          <a:custGeom>
+            <a:avLst/>
+            <a:gdLst>
+              <a:gd name="connsiteX0" fmla="*/ 0 w 3632548"/>
+              <a:gd name="connsiteY0" fmla="*/ 0 h 551178"/>
+              <a:gd name="connsiteX1" fmla="*/ 638828 w 3632548"/>
+              <a:gd name="connsiteY1" fmla="*/ 350728 h 551178"/>
+              <a:gd name="connsiteX2" fmla="*/ 2054269 w 3632548"/>
+              <a:gd name="connsiteY2" fmla="*/ 551145 h 551178"/>
+              <a:gd name="connsiteX3" fmla="*/ 3632548 w 3632548"/>
+              <a:gd name="connsiteY3" fmla="*/ 363255 h 551178"/>
+            </a:gdLst>
+            <a:ahLst/>
+            <a:cxnLst>
+              <a:cxn ang="0">
+                <a:pos x="connsiteX0" y="connsiteY0"/>
+              </a:cxn>
+              <a:cxn ang="0">
+                <a:pos x="connsiteX1" y="connsiteY1"/>
+              </a:cxn>
+              <a:cxn ang="0">
+                <a:pos x="connsiteX2" y="connsiteY2"/>
+              </a:cxn>
+              <a:cxn ang="0">
+                <a:pos x="connsiteX3" y="connsiteY3"/>
+              </a:cxn>
+            </a:cxnLst>
+            <a:rect l="l" t="t" r="r" b="b"/>
+            <a:pathLst>
+              <a:path w="3632548" h="551178">
+                <a:moveTo>
+                  <a:pt x="0" y="0"/>
+                </a:moveTo>
+                <a:cubicBezTo>
+                  <a:pt x="148225" y="129435"/>
+                  <a:pt x="296450" y="258871"/>
+                  <a:pt x="638828" y="350728"/>
+                </a:cubicBezTo>
+                <a:cubicBezTo>
+                  <a:pt x="981206" y="442585"/>
+                  <a:pt x="1555316" y="549057"/>
+                  <a:pt x="2054269" y="551145"/>
+                </a:cubicBezTo>
+                <a:cubicBezTo>
+                  <a:pt x="2553222" y="553233"/>
+                  <a:pt x="3092885" y="458244"/>
+                  <a:pt x="3632548" y="363255"/>
+                </a:cubicBezTo>
+              </a:path>
+            </a:pathLst>
+          </a:custGeom>
+          <a:noFill/>
+          <a:ln w="12700">
+            <a:solidFill>
+              <a:srgbClr val="FF0000"/>
+            </a:solidFill>
+            <a:tailEnd type="arrow"/>
+          </a:ln>
+        </p:spPr>
+        <p:style>
+          <a:lnRef idx="2">
+            <a:schemeClr val="accent1">
+              <a:shade val="50000"/>
+            </a:schemeClr>
+          </a:lnRef>
+          <a:fillRef idx="1">
+            <a:schemeClr val="accent1"/>
+          </a:fillRef>
+          <a:effectRef idx="0">
+            <a:schemeClr val="accent1"/>
+          </a:effectRef>
+          <a:fontRef idx="minor">
+            <a:schemeClr val="lt1"/>
+          </a:fontRef>
+        </p:style>
+        <p:txBody>
+          <a:bodyPr rtlCol="0" anchor="ctr"/>
+          <a:lstStyle/>
+          <a:p>
+            <a:pPr algn="ctr"/>
+            <a:endParaRPr lang="cs-CZ"/>
+          </a:p>
+        </p:txBody>
+      </p:sp>
     </p:spTree>
     <p:extLst>
       <p:ext uri="{BB962C8B-B14F-4D97-AF65-F5344CB8AC3E}">
-        <p14:creationId xmlns:p14="http://schemas.microsoft.com/office/powerpoint/2010/main" val="2709214063"/>
+        <p14:creationId xmlns:p14="http://schemas.microsoft.com/office/powerpoint/2010/main" val="2368862678"/>
       </p:ext>
     </p:extLst>
   </p:cSld>
@@ -7937,7 +9822,7 @@
 </p:sld>
 </file>
 
-<file path=ppt/slides/slide22.xml><?xml version="1.0" encoding="utf-8"?>
+<file path=ppt/slides/slide24.xml><?xml version="1.0" encoding="utf-8"?>
 <p:sld xmlns:a="http://schemas.openxmlformats.org/drawingml/2006/main" xmlns:r="http://schemas.openxmlformats.org/officeDocument/2006/relationships" xmlns:p="http://schemas.openxmlformats.org/presentationml/2006/main">
   <p:cSld>
     <p:spTree>
@@ -7973,6 +9858,79 @@
           </a:p>
         </p:txBody>
       </p:sp>
+      <p:sp>
+        <p:nvSpPr>
+          <p:cNvPr id="3" name="Zástupný symbol pro obsah 2"/>
+          <p:cNvSpPr>
+            <a:spLocks noGrp="1"/>
+          </p:cNvSpPr>
+          <p:nvPr>
+            <p:ph idx="1"/>
+          </p:nvPr>
+        </p:nvSpPr>
+        <p:spPr/>
+        <p:txBody>
+          <a:bodyPr/>
+          <a:lstStyle/>
+          <a:p>
+            <a:endParaRPr lang="cs-CZ" dirty="0"/>
+          </a:p>
+        </p:txBody>
+      </p:sp>
+      <p:pic>
+        <p:nvPicPr>
+          <p:cNvPr id="3075" name="Picture 3"/>
+          <p:cNvPicPr>
+            <a:picLocks noChangeAspect="1" noChangeArrowheads="1"/>
+          </p:cNvPicPr>
+          <p:nvPr/>
+        </p:nvPicPr>
+        <p:blipFill>
+          <a:blip r:embed="rId2">
+            <a:extLst>
+              <a:ext uri="{28A0092B-C50C-407E-A947-70E740481C1C}">
+                <a14:useLocalDpi xmlns:a14="http://schemas.microsoft.com/office/drawing/2010/main" val="0"/>
+              </a:ext>
+            </a:extLst>
+          </a:blip>
+          <a:srcRect/>
+          <a:stretch>
+            <a:fillRect/>
+          </a:stretch>
+        </p:blipFill>
+        <p:spPr bwMode="auto">
+          <a:xfrm>
+            <a:off x="251517" y="1945087"/>
+            <a:ext cx="5305425" cy="3390900"/>
+          </a:xfrm>
+          <a:prstGeom prst="rect">
+            <a:avLst/>
+          </a:prstGeom>
+          <a:noFill/>
+          <a:ln>
+            <a:noFill/>
+          </a:ln>
+          <a:extLst>
+            <a:ext uri="{909E8E84-426E-40DD-AFC4-6F175D3DCCD1}">
+              <a14:hiddenFill xmlns:a14="http://schemas.microsoft.com/office/drawing/2010/main">
+                <a:solidFill>
+                  <a:schemeClr val="accent1"/>
+                </a:solidFill>
+              </a14:hiddenFill>
+            </a:ext>
+            <a:ext uri="{91240B29-F687-4F45-9708-019B960494DF}">
+              <a14:hiddenLine xmlns:a14="http://schemas.microsoft.com/office/drawing/2010/main" w="9525">
+                <a:solidFill>
+                  <a:schemeClr val="tx1"/>
+                </a:solidFill>
+                <a:miter lim="800000"/>
+                <a:headEnd/>
+                <a:tailEnd/>
+              </a14:hiddenLine>
+            </a:ext>
+          </a:extLst>
+        </p:spPr>
+      </p:pic>
       <p:sp>
         <p:nvSpPr>
           <p:cNvPr id="4" name="Nadpis 1"/>
@@ -8022,7 +9980,7 @@
           </a:lstStyle>
           <a:p>
             <a:r>
-              <a:rPr lang="cs-CZ" sz="12000" b="1" dirty="0" err="1" smtClean="0">
+              <a:rPr lang="cs-CZ" sz="12000" b="1" dirty="0" smtClean="0">
                 <a:ln w="17780" cmpd="sng">
                   <a:solidFill>
                     <a:srgbClr val="FFFFFF"/>
@@ -8079,7 +10037,7 @@
                 <a:ea typeface="Verdana" panose="020B0604030504040204" pitchFamily="34" charset="0"/>
                 <a:cs typeface="Verdana" panose="020B0604030504040204" pitchFamily="34" charset="0"/>
               </a:rPr>
-              <a:t>XQuery</a:t>
+              <a:t>Import </a:t>
             </a:r>
             <a:endParaRPr lang="cs-CZ" sz="12000" b="1" dirty="0">
               <a:ln w="17780" cmpd="sng">
@@ -8141,75 +10099,118 @@
           </a:p>
         </p:txBody>
       </p:sp>
-      <p:sp>
-        <p:nvSpPr>
-          <p:cNvPr id="9" name="TextovéPole 8"/>
-          <p:cNvSpPr txBox="1"/>
-          <p:nvPr/>
-        </p:nvSpPr>
-        <p:spPr>
-          <a:xfrm>
-            <a:off x="389887" y="2123149"/>
-            <a:ext cx="8460432" cy="861774"/>
-          </a:xfrm>
-          <a:prstGeom prst="rect">
-            <a:avLst/>
-          </a:prstGeom>
-          <a:noFill/>
-        </p:spPr>
-        <p:txBody>
-          <a:bodyPr wrap="square" rtlCol="0">
-            <a:spAutoFit/>
-          </a:bodyPr>
-          <a:lstStyle/>
-          <a:p>
-            <a:pPr algn="ctr"/>
-            <a:r>
-              <a:rPr lang="cs-CZ" sz="5000" b="1" dirty="0" smtClean="0">
-                <a:latin typeface="Calibri" panose="020F0502020204030204" pitchFamily="34" charset="0"/>
-              </a:rPr>
-              <a:t>Zákazníci – více detailů</a:t>
-            </a:r>
-            <a:endParaRPr lang="cs-CZ" sz="5000" b="1" dirty="0">
-              <a:latin typeface="Calibri" panose="020F0502020204030204" pitchFamily="34" charset="0"/>
-            </a:endParaRPr>
-          </a:p>
-        </p:txBody>
-      </p:sp>
       <p:pic>
         <p:nvPicPr>
-          <p:cNvPr id="3" name="Obrázek 2"/>
+          <p:cNvPr id="3077" name="Picture 5"/>
           <p:cNvPicPr>
-            <a:picLocks noChangeAspect="1"/>
+            <a:picLocks noChangeAspect="1" noChangeArrowheads="1"/>
           </p:cNvPicPr>
           <p:nvPr/>
         </p:nvPicPr>
         <p:blipFill>
-          <a:blip r:embed="rId2">
+          <a:blip r:embed="rId3">
             <a:extLst>
               <a:ext uri="{28A0092B-C50C-407E-A947-70E740481C1C}">
                 <a14:useLocalDpi xmlns:a14="http://schemas.microsoft.com/office/drawing/2010/main" val="0"/>
               </a:ext>
             </a:extLst>
           </a:blip>
+          <a:srcRect/>
           <a:stretch>
             <a:fillRect/>
           </a:stretch>
         </p:blipFill>
-        <p:spPr>
+        <p:spPr bwMode="auto">
           <a:xfrm>
-            <a:off x="2696053" y="2891944"/>
-            <a:ext cx="3848100" cy="3914775"/>
+            <a:off x="2149589" y="5445224"/>
+            <a:ext cx="4981575" cy="866775"/>
           </a:xfrm>
           <a:prstGeom prst="rect">
             <a:avLst/>
           </a:prstGeom>
+          <a:noFill/>
+          <a:ln>
+            <a:noFill/>
+          </a:ln>
+          <a:extLst>
+            <a:ext uri="{909E8E84-426E-40DD-AFC4-6F175D3DCCD1}">
+              <a14:hiddenFill xmlns:a14="http://schemas.microsoft.com/office/drawing/2010/main">
+                <a:solidFill>
+                  <a:schemeClr val="accent1"/>
+                </a:solidFill>
+              </a14:hiddenFill>
+            </a:ext>
+            <a:ext uri="{91240B29-F687-4F45-9708-019B960494DF}">
+              <a14:hiddenLine xmlns:a14="http://schemas.microsoft.com/office/drawing/2010/main" w="9525">
+                <a:solidFill>
+                  <a:schemeClr val="tx1"/>
+                </a:solidFill>
+                <a:miter lim="800000"/>
+                <a:headEnd/>
+                <a:tailEnd/>
+              </a14:hiddenLine>
+            </a:ext>
+          </a:extLst>
+        </p:spPr>
+      </p:pic>
+      <p:pic>
+        <p:nvPicPr>
+          <p:cNvPr id="3078" name="Picture 6"/>
+          <p:cNvPicPr>
+            <a:picLocks noChangeAspect="1" noChangeArrowheads="1"/>
+          </p:cNvPicPr>
+          <p:nvPr/>
+        </p:nvPicPr>
+        <p:blipFill>
+          <a:blip r:embed="rId4">
+            <a:extLst>
+              <a:ext uri="{28A0092B-C50C-407E-A947-70E740481C1C}">
+                <a14:useLocalDpi xmlns:a14="http://schemas.microsoft.com/office/drawing/2010/main" val="0"/>
+              </a:ext>
+            </a:extLst>
+          </a:blip>
+          <a:srcRect/>
+          <a:stretch>
+            <a:fillRect/>
+          </a:stretch>
+        </p:blipFill>
+        <p:spPr bwMode="auto">
+          <a:xfrm>
+            <a:off x="5076056" y="2621515"/>
+            <a:ext cx="2686050" cy="1552575"/>
+          </a:xfrm>
+          <a:prstGeom prst="rect">
+            <a:avLst/>
+          </a:prstGeom>
+          <a:noFill/>
+          <a:ln>
+            <a:noFill/>
+          </a:ln>
+          <a:extLst>
+            <a:ext uri="{909E8E84-426E-40DD-AFC4-6F175D3DCCD1}">
+              <a14:hiddenFill xmlns:a14="http://schemas.microsoft.com/office/drawing/2010/main">
+                <a:solidFill>
+                  <a:schemeClr val="accent1"/>
+                </a:solidFill>
+              </a14:hiddenFill>
+            </a:ext>
+            <a:ext uri="{91240B29-F687-4F45-9708-019B960494DF}">
+              <a14:hiddenLine xmlns:a14="http://schemas.microsoft.com/office/drawing/2010/main" w="9525">
+                <a:solidFill>
+                  <a:schemeClr val="tx1"/>
+                </a:solidFill>
+                <a:miter lim="800000"/>
+                <a:headEnd/>
+                <a:tailEnd/>
+              </a14:hiddenLine>
+            </a:ext>
+          </a:extLst>
         </p:spPr>
       </p:pic>
     </p:spTree>
     <p:extLst>
       <p:ext uri="{BB962C8B-B14F-4D97-AF65-F5344CB8AC3E}">
-        <p14:creationId xmlns:p14="http://schemas.microsoft.com/office/powerpoint/2010/main" val="827144476"/>
+        <p14:creationId xmlns:p14="http://schemas.microsoft.com/office/powerpoint/2010/main" val="314795601"/>
       </p:ext>
     </p:extLst>
   </p:cSld>
@@ -8226,7 +10227,7 @@
 </p:sld>
 </file>
 
-<file path=ppt/slides/slide23.xml><?xml version="1.0" encoding="utf-8"?>
+<file path=ppt/slides/slide25.xml><?xml version="1.0" encoding="utf-8"?>
 <p:sld xmlns:a="http://schemas.openxmlformats.org/drawingml/2006/main" xmlns:r="http://schemas.openxmlformats.org/officeDocument/2006/relationships" xmlns:p="http://schemas.openxmlformats.org/presentationml/2006/main">
   <p:cSld>
     <p:spTree>
@@ -8243,28 +10244,1121 @@
           <a:chExt cx="0" cy="0"/>
         </a:xfrm>
       </p:grpSpPr>
-      <p:sp>
-        <p:nvSpPr>
-          <p:cNvPr id="2" name="Nadpis 1"/>
-          <p:cNvSpPr>
-            <a:spLocks noGrp="1"/>
-          </p:cNvSpPr>
-          <p:nvPr>
-            <p:ph type="title"/>
-          </p:nvPr>
-        </p:nvSpPr>
-        <p:spPr/>
-        <p:txBody>
-          <a:bodyPr/>
+      <p:pic>
+        <p:nvPicPr>
+          <p:cNvPr id="4099" name="Picture 3"/>
+          <p:cNvPicPr>
+            <a:picLocks noChangeAspect="1" noChangeArrowheads="1"/>
+          </p:cNvPicPr>
+          <p:nvPr/>
+        </p:nvPicPr>
+        <p:blipFill>
+          <a:blip r:embed="rId2">
+            <a:extLst>
+              <a:ext uri="{28A0092B-C50C-407E-A947-70E740481C1C}">
+                <a14:useLocalDpi xmlns:a14="http://schemas.microsoft.com/office/drawing/2010/main" val="0"/>
+              </a:ext>
+            </a:extLst>
+          </a:blip>
+          <a:srcRect/>
+          <a:stretch>
+            <a:fillRect/>
+          </a:stretch>
+        </p:blipFill>
+        <p:spPr bwMode="auto">
+          <a:xfrm>
+            <a:off x="296133" y="2295983"/>
+            <a:ext cx="2578351" cy="720080"/>
+          </a:xfrm>
+          <a:prstGeom prst="rect">
+            <a:avLst/>
+          </a:prstGeom>
+          <a:noFill/>
+          <a:ln w="3175">
+            <a:solidFill>
+              <a:schemeClr val="tx1"/>
+            </a:solidFill>
+            <a:miter lim="800000"/>
+            <a:headEnd/>
+            <a:tailEnd/>
+          </a:ln>
+          <a:extLst>
+            <a:ext uri="{909E8E84-426E-40DD-AFC4-6F175D3DCCD1}">
+              <a14:hiddenFill xmlns:a14="http://schemas.microsoft.com/office/drawing/2010/main">
+                <a:solidFill>
+                  <a:schemeClr val="accent1"/>
+                </a:solidFill>
+              </a14:hiddenFill>
+            </a:ext>
+          </a:extLst>
+        </p:spPr>
+      </p:pic>
+      <p:pic>
+        <p:nvPicPr>
+          <p:cNvPr id="4101" name="Picture 5"/>
+          <p:cNvPicPr>
+            <a:picLocks noChangeAspect="1" noChangeArrowheads="1"/>
+          </p:cNvPicPr>
+          <p:nvPr/>
+        </p:nvPicPr>
+        <p:blipFill>
+          <a:blip r:embed="rId3">
+            <a:extLst>
+              <a:ext uri="{28A0092B-C50C-407E-A947-70E740481C1C}">
+                <a14:useLocalDpi xmlns:a14="http://schemas.microsoft.com/office/drawing/2010/main" val="0"/>
+              </a:ext>
+            </a:extLst>
+          </a:blip>
+          <a:srcRect/>
+          <a:stretch>
+            <a:fillRect/>
+          </a:stretch>
+        </p:blipFill>
+        <p:spPr bwMode="auto">
+          <a:xfrm>
+            <a:off x="3464485" y="2146319"/>
+            <a:ext cx="2016224" cy="869744"/>
+          </a:xfrm>
+          <a:prstGeom prst="rect">
+            <a:avLst/>
+          </a:prstGeom>
+          <a:noFill/>
+          <a:ln w="3175">
+            <a:solidFill>
+              <a:schemeClr val="tx1"/>
+            </a:solidFill>
+            <a:miter lim="800000"/>
+            <a:headEnd/>
+            <a:tailEnd/>
+          </a:ln>
+          <a:extLst>
+            <a:ext uri="{909E8E84-426E-40DD-AFC4-6F175D3DCCD1}">
+              <a14:hiddenFill xmlns:a14="http://schemas.microsoft.com/office/drawing/2010/main">
+                <a:solidFill>
+                  <a:schemeClr val="accent1"/>
+                </a:solidFill>
+              </a14:hiddenFill>
+            </a:ext>
+          </a:extLst>
+        </p:spPr>
+      </p:pic>
+      <p:pic>
+        <p:nvPicPr>
+          <p:cNvPr id="4103" name="Picture 7"/>
+          <p:cNvPicPr>
+            <a:picLocks noChangeAspect="1" noChangeArrowheads="1"/>
+          </p:cNvPicPr>
+          <p:nvPr/>
+        </p:nvPicPr>
+        <p:blipFill>
+          <a:blip r:embed="rId4">
+            <a:extLst>
+              <a:ext uri="{28A0092B-C50C-407E-A947-70E740481C1C}">
+                <a14:useLocalDpi xmlns:a14="http://schemas.microsoft.com/office/drawing/2010/main" val="0"/>
+              </a:ext>
+            </a:extLst>
+          </a:blip>
+          <a:srcRect/>
+          <a:stretch>
+            <a:fillRect/>
+          </a:stretch>
+        </p:blipFill>
+        <p:spPr bwMode="auto">
+          <a:xfrm>
+            <a:off x="6272797" y="1808982"/>
+            <a:ext cx="1872208" cy="1207081"/>
+          </a:xfrm>
+          <a:prstGeom prst="rect">
+            <a:avLst/>
+          </a:prstGeom>
+          <a:noFill/>
+          <a:ln w="3175">
+            <a:solidFill>
+              <a:schemeClr val="tx1"/>
+            </a:solidFill>
+            <a:miter lim="800000"/>
+            <a:headEnd/>
+            <a:tailEnd/>
+          </a:ln>
+          <a:extLst>
+            <a:ext uri="{909E8E84-426E-40DD-AFC4-6F175D3DCCD1}">
+              <a14:hiddenFill xmlns:a14="http://schemas.microsoft.com/office/drawing/2010/main">
+                <a:solidFill>
+                  <a:schemeClr val="accent1"/>
+                </a:solidFill>
+              </a14:hiddenFill>
+            </a:ext>
+          </a:extLst>
+        </p:spPr>
+      </p:pic>
+      <p:pic>
+        <p:nvPicPr>
+          <p:cNvPr id="4105" name="Picture 9"/>
+          <p:cNvPicPr>
+            <a:picLocks noChangeAspect="1" noChangeArrowheads="1"/>
+          </p:cNvPicPr>
+          <p:nvPr/>
+        </p:nvPicPr>
+        <p:blipFill>
+          <a:blip r:embed="rId5">
+            <a:extLst>
+              <a:ext uri="{28A0092B-C50C-407E-A947-70E740481C1C}">
+                <a14:useLocalDpi xmlns:a14="http://schemas.microsoft.com/office/drawing/2010/main" val="0"/>
+              </a:ext>
+            </a:extLst>
+          </a:blip>
+          <a:srcRect/>
+          <a:stretch>
+            <a:fillRect/>
+          </a:stretch>
+        </p:blipFill>
+        <p:spPr bwMode="auto">
+          <a:xfrm>
+            <a:off x="2598613" y="3618749"/>
+            <a:ext cx="2989314" cy="414887"/>
+          </a:xfrm>
+          <a:prstGeom prst="rect">
+            <a:avLst/>
+          </a:prstGeom>
+          <a:noFill/>
+          <a:ln>
+            <a:noFill/>
+          </a:ln>
+          <a:extLst>
+            <a:ext uri="{909E8E84-426E-40DD-AFC4-6F175D3DCCD1}">
+              <a14:hiddenFill xmlns:a14="http://schemas.microsoft.com/office/drawing/2010/main">
+                <a:solidFill>
+                  <a:schemeClr val="accent1"/>
+                </a:solidFill>
+              </a14:hiddenFill>
+            </a:ext>
+            <a:ext uri="{91240B29-F687-4F45-9708-019B960494DF}">
+              <a14:hiddenLine xmlns:a14="http://schemas.microsoft.com/office/drawing/2010/main" w="9525">
+                <a:solidFill>
+                  <a:schemeClr val="tx1"/>
+                </a:solidFill>
+                <a:miter lim="800000"/>
+                <a:headEnd/>
+                <a:tailEnd/>
+              </a14:hiddenLine>
+            </a:ext>
+          </a:extLst>
+        </p:spPr>
+      </p:pic>
+      <p:pic>
+        <p:nvPicPr>
+          <p:cNvPr id="4106" name="Picture 10"/>
+          <p:cNvPicPr>
+            <a:picLocks noChangeAspect="1" noChangeArrowheads="1"/>
+          </p:cNvPicPr>
+          <p:nvPr/>
+        </p:nvPicPr>
+        <p:blipFill>
+          <a:blip r:embed="rId6">
+            <a:extLst>
+              <a:ext uri="{28A0092B-C50C-407E-A947-70E740481C1C}">
+                <a14:useLocalDpi xmlns:a14="http://schemas.microsoft.com/office/drawing/2010/main" val="0"/>
+              </a:ext>
+            </a:extLst>
+          </a:blip>
+          <a:srcRect/>
+          <a:stretch>
+            <a:fillRect/>
+          </a:stretch>
+        </p:blipFill>
+        <p:spPr bwMode="auto">
+          <a:xfrm>
+            <a:off x="5736846" y="3643570"/>
+            <a:ext cx="2800093" cy="340881"/>
+          </a:xfrm>
+          <a:prstGeom prst="rect">
+            <a:avLst/>
+          </a:prstGeom>
+          <a:noFill/>
+          <a:ln>
+            <a:noFill/>
+          </a:ln>
+          <a:extLst>
+            <a:ext uri="{909E8E84-426E-40DD-AFC4-6F175D3DCCD1}">
+              <a14:hiddenFill xmlns:a14="http://schemas.microsoft.com/office/drawing/2010/main">
+                <a:solidFill>
+                  <a:schemeClr val="accent1"/>
+                </a:solidFill>
+              </a14:hiddenFill>
+            </a:ext>
+            <a:ext uri="{91240B29-F687-4F45-9708-019B960494DF}">
+              <a14:hiddenLine xmlns:a14="http://schemas.microsoft.com/office/drawing/2010/main" w="9525">
+                <a:solidFill>
+                  <a:schemeClr val="tx1"/>
+                </a:solidFill>
+                <a:miter lim="800000"/>
+                <a:headEnd/>
+                <a:tailEnd/>
+              </a14:hiddenLine>
+            </a:ext>
+          </a:extLst>
+        </p:spPr>
+      </p:pic>
+      <p:pic>
+        <p:nvPicPr>
+          <p:cNvPr id="4107" name="Picture 11"/>
+          <p:cNvPicPr>
+            <a:picLocks noChangeAspect="1" noChangeArrowheads="1"/>
+          </p:cNvPicPr>
+          <p:nvPr/>
+        </p:nvPicPr>
+        <p:blipFill>
+          <a:blip r:embed="rId7">
+            <a:extLst>
+              <a:ext uri="{28A0092B-C50C-407E-A947-70E740481C1C}">
+                <a14:useLocalDpi xmlns:a14="http://schemas.microsoft.com/office/drawing/2010/main" val="0"/>
+              </a:ext>
+            </a:extLst>
+          </a:blip>
+          <a:srcRect/>
+          <a:stretch>
+            <a:fillRect/>
+          </a:stretch>
+        </p:blipFill>
+        <p:spPr bwMode="auto">
+          <a:xfrm>
+            <a:off x="318214" y="3618749"/>
+            <a:ext cx="2038350" cy="390525"/>
+          </a:xfrm>
+          <a:prstGeom prst="rect">
+            <a:avLst/>
+          </a:prstGeom>
+          <a:noFill/>
+          <a:ln>
+            <a:noFill/>
+          </a:ln>
+          <a:extLst>
+            <a:ext uri="{909E8E84-426E-40DD-AFC4-6F175D3DCCD1}">
+              <a14:hiddenFill xmlns:a14="http://schemas.microsoft.com/office/drawing/2010/main">
+                <a:solidFill>
+                  <a:schemeClr val="accent1"/>
+                </a:solidFill>
+              </a14:hiddenFill>
+            </a:ext>
+            <a:ext uri="{91240B29-F687-4F45-9708-019B960494DF}">
+              <a14:hiddenLine xmlns:a14="http://schemas.microsoft.com/office/drawing/2010/main" w="9525">
+                <a:solidFill>
+                  <a:schemeClr val="tx1"/>
+                </a:solidFill>
+                <a:miter lim="800000"/>
+                <a:headEnd/>
+                <a:tailEnd/>
+              </a14:hiddenLine>
+            </a:ext>
+          </a:extLst>
+        </p:spPr>
+      </p:pic>
+      <p:sp>
+        <p:nvSpPr>
+          <p:cNvPr id="4" name="Šipka dolů 3"/>
+          <p:cNvSpPr/>
+          <p:nvPr/>
+        </p:nvSpPr>
+        <p:spPr>
+          <a:xfrm>
+            <a:off x="408255" y="4238225"/>
+            <a:ext cx="8128684" cy="1010086"/>
+          </a:xfrm>
+          <a:prstGeom prst="downArrow">
+            <a:avLst/>
+          </a:prstGeom>
+        </p:spPr>
+        <p:style>
+          <a:lnRef idx="2">
+            <a:schemeClr val="accent1">
+              <a:shade val="50000"/>
+            </a:schemeClr>
+          </a:lnRef>
+          <a:fillRef idx="1">
+            <a:schemeClr val="accent1"/>
+          </a:fillRef>
+          <a:effectRef idx="0">
+            <a:schemeClr val="accent1"/>
+          </a:effectRef>
+          <a:fontRef idx="minor">
+            <a:schemeClr val="lt1"/>
+          </a:fontRef>
+        </p:style>
+        <p:txBody>
+          <a:bodyPr rtlCol="0" anchor="ctr"/>
           <a:lstStyle/>
           <a:p>
+            <a:pPr algn="ctr"/>
+            <a:r>
+              <a:rPr lang="cs-CZ" dirty="0" smtClean="0"/>
+              <a:t>Vložení do DB a</a:t>
+            </a:r>
+          </a:p>
+          <a:p>
+            <a:pPr algn="ctr"/>
+            <a:r>
+              <a:rPr lang="cs-CZ" dirty="0" smtClean="0"/>
+              <a:t>Vygenerovaní nových ID</a:t>
+            </a:r>
             <a:endParaRPr lang="cs-CZ" dirty="0"/>
           </a:p>
         </p:txBody>
       </p:sp>
       <p:sp>
         <p:nvSpPr>
-          <p:cNvPr id="4" name="Nadpis 1"/>
+          <p:cNvPr id="6" name="Volný tvar 5"/>
+          <p:cNvSpPr/>
+          <p:nvPr/>
+        </p:nvSpPr>
+        <p:spPr>
+          <a:xfrm>
+            <a:off x="945737" y="1730235"/>
+            <a:ext cx="5610943" cy="729911"/>
+          </a:xfrm>
+          <a:custGeom>
+            <a:avLst/>
+            <a:gdLst>
+              <a:gd name="connsiteX0" fmla="*/ 5549031 w 5549031"/>
+              <a:gd name="connsiteY0" fmla="*/ 478303 h 653668"/>
+              <a:gd name="connsiteX1" fmla="*/ 3745283 w 5549031"/>
+              <a:gd name="connsiteY1" fmla="*/ 2314 h 653668"/>
+              <a:gd name="connsiteX2" fmla="*/ 0 w 5549031"/>
+              <a:gd name="connsiteY2" fmla="*/ 653668 h 653668"/>
+              <a:gd name="connsiteX0" fmla="*/ 5553793 w 5553793"/>
+              <a:gd name="connsiteY0" fmla="*/ 408079 h 657028"/>
+              <a:gd name="connsiteX1" fmla="*/ 3745283 w 5553793"/>
+              <a:gd name="connsiteY1" fmla="*/ 5674 h 657028"/>
+              <a:gd name="connsiteX2" fmla="*/ 0 w 5553793"/>
+              <a:gd name="connsiteY2" fmla="*/ 657028 h 657028"/>
+              <a:gd name="connsiteX0" fmla="*/ 5610943 w 5610943"/>
+              <a:gd name="connsiteY0" fmla="*/ 409910 h 704849"/>
+              <a:gd name="connsiteX1" fmla="*/ 3802433 w 5610943"/>
+              <a:gd name="connsiteY1" fmla="*/ 7505 h 704849"/>
+              <a:gd name="connsiteX2" fmla="*/ 0 w 5610943"/>
+              <a:gd name="connsiteY2" fmla="*/ 704849 h 704849"/>
+            </a:gdLst>
+            <a:ahLst/>
+            <a:cxnLst>
+              <a:cxn ang="0">
+                <a:pos x="connsiteX0" y="connsiteY0"/>
+              </a:cxn>
+              <a:cxn ang="0">
+                <a:pos x="connsiteX1" y="connsiteY1"/>
+              </a:cxn>
+              <a:cxn ang="0">
+                <a:pos x="connsiteX2" y="connsiteY2"/>
+              </a:cxn>
+            </a:cxnLst>
+            <a:rect l="l" t="t" r="r" b="b"/>
+            <a:pathLst>
+              <a:path w="5610943" h="704849">
+                <a:moveTo>
+                  <a:pt x="5610943" y="409910"/>
+                </a:moveTo>
+                <a:cubicBezTo>
+                  <a:pt x="5171488" y="157302"/>
+                  <a:pt x="4737590" y="-41652"/>
+                  <a:pt x="3802433" y="7505"/>
+                </a:cubicBezTo>
+                <a:cubicBezTo>
+                  <a:pt x="2867276" y="56662"/>
+                  <a:pt x="1410222" y="393785"/>
+                  <a:pt x="0" y="704849"/>
+                </a:cubicBezTo>
+              </a:path>
+            </a:pathLst>
+          </a:custGeom>
+          <a:noFill/>
+          <a:ln>
+            <a:solidFill>
+              <a:srgbClr val="00B050"/>
+            </a:solidFill>
+            <a:headEnd type="arrow" w="med" len="med"/>
+            <a:tailEnd type="none" w="med" len="med"/>
+          </a:ln>
+        </p:spPr>
+        <p:style>
+          <a:lnRef idx="2">
+            <a:schemeClr val="accent1">
+              <a:shade val="50000"/>
+            </a:schemeClr>
+          </a:lnRef>
+          <a:fillRef idx="1">
+            <a:schemeClr val="accent1"/>
+          </a:fillRef>
+          <a:effectRef idx="0">
+            <a:schemeClr val="accent1"/>
+          </a:effectRef>
+          <a:fontRef idx="minor">
+            <a:schemeClr val="lt1"/>
+          </a:fontRef>
+        </p:style>
+        <p:txBody>
+          <a:bodyPr rtlCol="0" anchor="ctr"/>
+          <a:lstStyle/>
+          <a:p>
+            <a:pPr algn="ctr"/>
+            <a:endParaRPr lang="cs-CZ"/>
+          </a:p>
+        </p:txBody>
+      </p:sp>
+      <p:sp>
+        <p:nvSpPr>
+          <p:cNvPr id="7" name="Volný tvar 6"/>
+          <p:cNvSpPr/>
+          <p:nvPr/>
+        </p:nvSpPr>
+        <p:spPr>
+          <a:xfrm>
+            <a:off x="4110061" y="2026013"/>
+            <a:ext cx="2420328" cy="301158"/>
+          </a:xfrm>
+          <a:custGeom>
+            <a:avLst/>
+            <a:gdLst>
+              <a:gd name="connsiteX0" fmla="*/ 2329841 w 2329841"/>
+              <a:gd name="connsiteY0" fmla="*/ 326237 h 326237"/>
+              <a:gd name="connsiteX1" fmla="*/ 1002083 w 2329841"/>
+              <a:gd name="connsiteY1" fmla="*/ 561 h 326237"/>
+              <a:gd name="connsiteX2" fmla="*/ 0 w 2329841"/>
+              <a:gd name="connsiteY2" fmla="*/ 263607 h 326237"/>
+              <a:gd name="connsiteX0" fmla="*/ 2358416 w 2358416"/>
+              <a:gd name="connsiteY0" fmla="*/ 292471 h 292471"/>
+              <a:gd name="connsiteX1" fmla="*/ 1002083 w 2358416"/>
+              <a:gd name="connsiteY1" fmla="*/ 133 h 292471"/>
+              <a:gd name="connsiteX2" fmla="*/ 0 w 2358416"/>
+              <a:gd name="connsiteY2" fmla="*/ 263179 h 292471"/>
+              <a:gd name="connsiteX0" fmla="*/ 2420328 w 2420328"/>
+              <a:gd name="connsiteY0" fmla="*/ 292350 h 301158"/>
+              <a:gd name="connsiteX1" fmla="*/ 1063995 w 2420328"/>
+              <a:gd name="connsiteY1" fmla="*/ 12 h 301158"/>
+              <a:gd name="connsiteX2" fmla="*/ 0 w 2420328"/>
+              <a:gd name="connsiteY2" fmla="*/ 301158 h 301158"/>
+            </a:gdLst>
+            <a:ahLst/>
+            <a:cxnLst>
+              <a:cxn ang="0">
+                <a:pos x="connsiteX0" y="connsiteY0"/>
+              </a:cxn>
+              <a:cxn ang="0">
+                <a:pos x="connsiteX1" y="connsiteY1"/>
+              </a:cxn>
+              <a:cxn ang="0">
+                <a:pos x="connsiteX2" y="connsiteY2"/>
+              </a:cxn>
+            </a:cxnLst>
+            <a:rect l="l" t="t" r="r" b="b"/>
+            <a:pathLst>
+              <a:path w="2420328" h="301158">
+                <a:moveTo>
+                  <a:pt x="2420328" y="292350"/>
+                </a:moveTo>
+                <a:cubicBezTo>
+                  <a:pt x="1950602" y="134731"/>
+                  <a:pt x="1467383" y="-1456"/>
+                  <a:pt x="1063995" y="12"/>
+                </a:cubicBezTo>
+                <a:cubicBezTo>
+                  <a:pt x="660607" y="1480"/>
+                  <a:pt x="306888" y="164416"/>
+                  <a:pt x="0" y="301158"/>
+                </a:cubicBezTo>
+              </a:path>
+            </a:pathLst>
+          </a:custGeom>
+          <a:noFill/>
+          <a:ln>
+            <a:solidFill>
+              <a:srgbClr val="00B050"/>
+            </a:solidFill>
+            <a:headEnd type="arrow" w="med" len="med"/>
+            <a:tailEnd type="none" w="med" len="med"/>
+          </a:ln>
+        </p:spPr>
+        <p:style>
+          <a:lnRef idx="2">
+            <a:schemeClr val="accent1">
+              <a:shade val="50000"/>
+            </a:schemeClr>
+          </a:lnRef>
+          <a:fillRef idx="1">
+            <a:schemeClr val="accent1"/>
+          </a:fillRef>
+          <a:effectRef idx="0">
+            <a:schemeClr val="accent1"/>
+          </a:effectRef>
+          <a:fontRef idx="minor">
+            <a:schemeClr val="lt1"/>
+          </a:fontRef>
+        </p:style>
+        <p:txBody>
+          <a:bodyPr rtlCol="0" anchor="ctr"/>
+          <a:lstStyle/>
+          <a:p>
+            <a:pPr algn="ctr"/>
+            <a:endParaRPr lang="cs-CZ"/>
+          </a:p>
+        </p:txBody>
+      </p:sp>
+      <p:sp>
+        <p:nvSpPr>
+          <p:cNvPr id="9" name="Volný tvar 8"/>
+          <p:cNvSpPr/>
+          <p:nvPr/>
+        </p:nvSpPr>
+        <p:spPr>
+          <a:xfrm>
+            <a:off x="524614" y="3053072"/>
+            <a:ext cx="6029260" cy="702588"/>
+          </a:xfrm>
+          <a:custGeom>
+            <a:avLst/>
+            <a:gdLst>
+              <a:gd name="connsiteX0" fmla="*/ 6062598 w 6062598"/>
+              <a:gd name="connsiteY0" fmla="*/ 601291 h 626343"/>
+              <a:gd name="connsiteX1" fmla="*/ 3181611 w 6062598"/>
+              <a:gd name="connsiteY1" fmla="*/ 42 h 626343"/>
+              <a:gd name="connsiteX2" fmla="*/ 0 w 6062598"/>
+              <a:gd name="connsiteY2" fmla="*/ 626343 h 626343"/>
+              <a:gd name="connsiteX0" fmla="*/ 6114985 w 6114985"/>
+              <a:gd name="connsiteY0" fmla="*/ 601897 h 703149"/>
+              <a:gd name="connsiteX1" fmla="*/ 3233998 w 6114985"/>
+              <a:gd name="connsiteY1" fmla="*/ 648 h 703149"/>
+              <a:gd name="connsiteX2" fmla="*/ 0 w 6114985"/>
+              <a:gd name="connsiteY2" fmla="*/ 703149 h 703149"/>
+              <a:gd name="connsiteX0" fmla="*/ 6029260 w 6029260"/>
+              <a:gd name="connsiteY0" fmla="*/ 663248 h 702588"/>
+              <a:gd name="connsiteX1" fmla="*/ 3233998 w 6029260"/>
+              <a:gd name="connsiteY1" fmla="*/ 87 h 702588"/>
+              <a:gd name="connsiteX2" fmla="*/ 0 w 6029260"/>
+              <a:gd name="connsiteY2" fmla="*/ 702588 h 702588"/>
+            </a:gdLst>
+            <a:ahLst/>
+            <a:cxnLst>
+              <a:cxn ang="0">
+                <a:pos x="connsiteX0" y="connsiteY0"/>
+              </a:cxn>
+              <a:cxn ang="0">
+                <a:pos x="connsiteX1" y="connsiteY1"/>
+              </a:cxn>
+              <a:cxn ang="0">
+                <a:pos x="connsiteX2" y="connsiteY2"/>
+              </a:cxn>
+            </a:cxnLst>
+            <a:rect l="l" t="t" r="r" b="b"/>
+            <a:pathLst>
+              <a:path w="6029260" h="702588">
+                <a:moveTo>
+                  <a:pt x="6029260" y="663248"/>
+                </a:moveTo>
+                <a:cubicBezTo>
+                  <a:pt x="5093983" y="360536"/>
+                  <a:pt x="4238875" y="-6470"/>
+                  <a:pt x="3233998" y="87"/>
+                </a:cubicBezTo>
+                <a:cubicBezTo>
+                  <a:pt x="2229121" y="6644"/>
+                  <a:pt x="1085589" y="391525"/>
+                  <a:pt x="0" y="702588"/>
+                </a:cubicBezTo>
+              </a:path>
+            </a:pathLst>
+          </a:custGeom>
+          <a:noFill/>
+          <a:ln>
+            <a:solidFill>
+              <a:srgbClr val="00B050"/>
+            </a:solidFill>
+            <a:prstDash val="sysDash"/>
+            <a:headEnd type="arrow" w="med" len="med"/>
+            <a:tailEnd type="none" w="med" len="med"/>
+          </a:ln>
+        </p:spPr>
+        <p:style>
+          <a:lnRef idx="2">
+            <a:schemeClr val="accent1">
+              <a:shade val="50000"/>
+            </a:schemeClr>
+          </a:lnRef>
+          <a:fillRef idx="1">
+            <a:schemeClr val="accent1"/>
+          </a:fillRef>
+          <a:effectRef idx="0">
+            <a:schemeClr val="accent1"/>
+          </a:effectRef>
+          <a:fontRef idx="minor">
+            <a:schemeClr val="lt1"/>
+          </a:fontRef>
+        </p:style>
+        <p:txBody>
+          <a:bodyPr rtlCol="0" anchor="ctr"/>
+          <a:lstStyle/>
+          <a:p>
+            <a:pPr algn="ctr"/>
+            <a:endParaRPr lang="cs-CZ"/>
+          </a:p>
+        </p:txBody>
+      </p:sp>
+      <p:sp>
+        <p:nvSpPr>
+          <p:cNvPr id="10" name="Volný tvar 9"/>
+          <p:cNvSpPr/>
+          <p:nvPr/>
+        </p:nvSpPr>
+        <p:spPr>
+          <a:xfrm>
+            <a:off x="2841213" y="3165868"/>
+            <a:ext cx="4540750" cy="564740"/>
+          </a:xfrm>
+          <a:custGeom>
+            <a:avLst/>
+            <a:gdLst>
+              <a:gd name="connsiteX0" fmla="*/ 4421688 w 4421688"/>
+              <a:gd name="connsiteY0" fmla="*/ 426245 h 488875"/>
+              <a:gd name="connsiteX1" fmla="*/ 2655518 w 4421688"/>
+              <a:gd name="connsiteY1" fmla="*/ 360 h 488875"/>
+              <a:gd name="connsiteX2" fmla="*/ 0 w 4421688"/>
+              <a:gd name="connsiteY2" fmla="*/ 488875 h 488875"/>
+              <a:gd name="connsiteX0" fmla="*/ 4412163 w 4412163"/>
+              <a:gd name="connsiteY0" fmla="*/ 427491 h 566321"/>
+              <a:gd name="connsiteX1" fmla="*/ 2645993 w 4412163"/>
+              <a:gd name="connsiteY1" fmla="*/ 1606 h 566321"/>
+              <a:gd name="connsiteX2" fmla="*/ 0 w 4412163"/>
+              <a:gd name="connsiteY2" fmla="*/ 566321 h 566321"/>
+              <a:gd name="connsiteX0" fmla="*/ 4540750 w 4540750"/>
+              <a:gd name="connsiteY0" fmla="*/ 544972 h 564740"/>
+              <a:gd name="connsiteX1" fmla="*/ 2645993 w 4540750"/>
+              <a:gd name="connsiteY1" fmla="*/ 25 h 564740"/>
+              <a:gd name="connsiteX2" fmla="*/ 0 w 4540750"/>
+              <a:gd name="connsiteY2" fmla="*/ 564740 h 564740"/>
+            </a:gdLst>
+            <a:ahLst/>
+            <a:cxnLst>
+              <a:cxn ang="0">
+                <a:pos x="connsiteX0" y="connsiteY0"/>
+              </a:cxn>
+              <a:cxn ang="0">
+                <a:pos x="connsiteX1" y="connsiteY1"/>
+              </a:cxn>
+              <a:cxn ang="0">
+                <a:pos x="connsiteX2" y="connsiteY2"/>
+              </a:cxn>
+            </a:cxnLst>
+            <a:rect l="l" t="t" r="r" b="b"/>
+            <a:pathLst>
+              <a:path w="4540750" h="564740">
+                <a:moveTo>
+                  <a:pt x="4540750" y="544972"/>
+                </a:moveTo>
+                <a:cubicBezTo>
+                  <a:pt x="4026139" y="326810"/>
+                  <a:pt x="3402785" y="-3270"/>
+                  <a:pt x="2645993" y="25"/>
+                </a:cubicBezTo>
+                <a:cubicBezTo>
+                  <a:pt x="1889201" y="3320"/>
+                  <a:pt x="959285" y="325701"/>
+                  <a:pt x="0" y="564740"/>
+                </a:cubicBezTo>
+              </a:path>
+            </a:pathLst>
+          </a:custGeom>
+          <a:noFill/>
+          <a:ln>
+            <a:solidFill>
+              <a:srgbClr val="00B050"/>
+            </a:solidFill>
+            <a:prstDash val="sysDash"/>
+            <a:headEnd type="arrow" w="med" len="med"/>
+            <a:tailEnd type="none" w="med" len="med"/>
+          </a:ln>
+        </p:spPr>
+        <p:style>
+          <a:lnRef idx="2">
+            <a:schemeClr val="accent1">
+              <a:shade val="50000"/>
+            </a:schemeClr>
+          </a:lnRef>
+          <a:fillRef idx="1">
+            <a:schemeClr val="accent1"/>
+          </a:fillRef>
+          <a:effectRef idx="0">
+            <a:schemeClr val="accent1"/>
+          </a:effectRef>
+          <a:fontRef idx="minor">
+            <a:schemeClr val="lt1"/>
+          </a:fontRef>
+        </p:style>
+        <p:txBody>
+          <a:bodyPr rtlCol="0" anchor="ctr"/>
+          <a:lstStyle/>
+          <a:p>
+            <a:pPr algn="ctr"/>
+            <a:endParaRPr lang="cs-CZ"/>
+          </a:p>
+        </p:txBody>
+      </p:sp>
+      <p:pic>
+        <p:nvPicPr>
+          <p:cNvPr id="4109" name="Picture 13"/>
+          <p:cNvPicPr>
+            <a:picLocks noChangeAspect="1" noChangeArrowheads="1"/>
+          </p:cNvPicPr>
+          <p:nvPr/>
+        </p:nvPicPr>
+        <p:blipFill>
+          <a:blip r:embed="rId8">
+            <a:extLst>
+              <a:ext uri="{28A0092B-C50C-407E-A947-70E740481C1C}">
+                <a14:useLocalDpi xmlns:a14="http://schemas.microsoft.com/office/drawing/2010/main" val="0"/>
+              </a:ext>
+            </a:extLst>
+          </a:blip>
+          <a:srcRect/>
+          <a:stretch>
+            <a:fillRect/>
+          </a:stretch>
+        </p:blipFill>
+        <p:spPr bwMode="auto">
+          <a:xfrm>
+            <a:off x="377552" y="5968391"/>
+            <a:ext cx="2047875" cy="390525"/>
+          </a:xfrm>
+          <a:prstGeom prst="rect">
+            <a:avLst/>
+          </a:prstGeom>
+          <a:noFill/>
+          <a:ln>
+            <a:noFill/>
+          </a:ln>
+          <a:extLst>
+            <a:ext uri="{909E8E84-426E-40DD-AFC4-6F175D3DCCD1}">
+              <a14:hiddenFill xmlns:a14="http://schemas.microsoft.com/office/drawing/2010/main">
+                <a:solidFill>
+                  <a:schemeClr val="accent1"/>
+                </a:solidFill>
+              </a14:hiddenFill>
+            </a:ext>
+            <a:ext uri="{91240B29-F687-4F45-9708-019B960494DF}">
+              <a14:hiddenLine xmlns:a14="http://schemas.microsoft.com/office/drawing/2010/main" w="9525">
+                <a:solidFill>
+                  <a:schemeClr val="tx1"/>
+                </a:solidFill>
+                <a:miter lim="800000"/>
+                <a:headEnd/>
+                <a:tailEnd/>
+              </a14:hiddenLine>
+            </a:ext>
+          </a:extLst>
+        </p:spPr>
+      </p:pic>
+      <p:pic>
+        <p:nvPicPr>
+          <p:cNvPr id="4110" name="Picture 14"/>
+          <p:cNvPicPr>
+            <a:picLocks noChangeAspect="1" noChangeArrowheads="1"/>
+          </p:cNvPicPr>
+          <p:nvPr/>
+        </p:nvPicPr>
+        <p:blipFill>
+          <a:blip r:embed="rId9">
+            <a:extLst>
+              <a:ext uri="{28A0092B-C50C-407E-A947-70E740481C1C}">
+                <a14:useLocalDpi xmlns:a14="http://schemas.microsoft.com/office/drawing/2010/main" val="0"/>
+              </a:ext>
+            </a:extLst>
+          </a:blip>
+          <a:srcRect/>
+          <a:stretch>
+            <a:fillRect/>
+          </a:stretch>
+        </p:blipFill>
+        <p:spPr bwMode="auto">
+          <a:xfrm>
+            <a:off x="2750245" y="5968391"/>
+            <a:ext cx="2686050" cy="371475"/>
+          </a:xfrm>
+          <a:prstGeom prst="rect">
+            <a:avLst/>
+          </a:prstGeom>
+          <a:noFill/>
+          <a:ln>
+            <a:noFill/>
+          </a:ln>
+          <a:extLst>
+            <a:ext uri="{909E8E84-426E-40DD-AFC4-6F175D3DCCD1}">
+              <a14:hiddenFill xmlns:a14="http://schemas.microsoft.com/office/drawing/2010/main">
+                <a:solidFill>
+                  <a:schemeClr val="accent1"/>
+                </a:solidFill>
+              </a14:hiddenFill>
+            </a:ext>
+            <a:ext uri="{91240B29-F687-4F45-9708-019B960494DF}">
+              <a14:hiddenLine xmlns:a14="http://schemas.microsoft.com/office/drawing/2010/main" w="9525">
+                <a:solidFill>
+                  <a:schemeClr val="tx1"/>
+                </a:solidFill>
+                <a:miter lim="800000"/>
+                <a:headEnd/>
+                <a:tailEnd/>
+              </a14:hiddenLine>
+            </a:ext>
+          </a:extLst>
+        </p:spPr>
+      </p:pic>
+      <p:pic>
+        <p:nvPicPr>
+          <p:cNvPr id="4111" name="Picture 15"/>
+          <p:cNvPicPr>
+            <a:picLocks noChangeAspect="1" noChangeArrowheads="1"/>
+          </p:cNvPicPr>
+          <p:nvPr/>
+        </p:nvPicPr>
+        <p:blipFill>
+          <a:blip r:embed="rId10">
+            <a:extLst>
+              <a:ext uri="{28A0092B-C50C-407E-A947-70E740481C1C}">
+                <a14:useLocalDpi xmlns:a14="http://schemas.microsoft.com/office/drawing/2010/main" val="0"/>
+              </a:ext>
+            </a:extLst>
+          </a:blip>
+          <a:srcRect/>
+          <a:stretch>
+            <a:fillRect/>
+          </a:stretch>
+        </p:blipFill>
+        <p:spPr bwMode="auto">
+          <a:xfrm>
+            <a:off x="5523976" y="5968391"/>
+            <a:ext cx="3267075" cy="390525"/>
+          </a:xfrm>
+          <a:prstGeom prst="rect">
+            <a:avLst/>
+          </a:prstGeom>
+          <a:noFill/>
+          <a:ln>
+            <a:noFill/>
+          </a:ln>
+          <a:extLst>
+            <a:ext uri="{909E8E84-426E-40DD-AFC4-6F175D3DCCD1}">
+              <a14:hiddenFill xmlns:a14="http://schemas.microsoft.com/office/drawing/2010/main">
+                <a:solidFill>
+                  <a:schemeClr val="accent1"/>
+                </a:solidFill>
+              </a14:hiddenFill>
+            </a:ext>
+            <a:ext uri="{91240B29-F687-4F45-9708-019B960494DF}">
+              <a14:hiddenLine xmlns:a14="http://schemas.microsoft.com/office/drawing/2010/main" w="9525">
+                <a:solidFill>
+                  <a:schemeClr val="tx1"/>
+                </a:solidFill>
+                <a:miter lim="800000"/>
+                <a:headEnd/>
+                <a:tailEnd/>
+              </a14:hiddenLine>
+            </a:ext>
+          </a:extLst>
+        </p:spPr>
+      </p:pic>
+      <p:sp>
+        <p:nvSpPr>
+          <p:cNvPr id="11" name="Volný tvar 10"/>
+          <p:cNvSpPr/>
+          <p:nvPr/>
+        </p:nvSpPr>
+        <p:spPr>
+          <a:xfrm>
+            <a:off x="606297" y="5282790"/>
+            <a:ext cx="5931986" cy="788228"/>
+          </a:xfrm>
+          <a:custGeom>
+            <a:avLst/>
+            <a:gdLst>
+              <a:gd name="connsiteX0" fmla="*/ 5636712 w 5636712"/>
+              <a:gd name="connsiteY0" fmla="*/ 626924 h 727132"/>
+              <a:gd name="connsiteX1" fmla="*/ 3281819 w 5636712"/>
+              <a:gd name="connsiteY1" fmla="*/ 623 h 727132"/>
+              <a:gd name="connsiteX2" fmla="*/ 0 w 5636712"/>
+              <a:gd name="connsiteY2" fmla="*/ 727132 h 727132"/>
+              <a:gd name="connsiteX0" fmla="*/ 5898649 w 5898649"/>
+              <a:gd name="connsiteY0" fmla="*/ 788430 h 788430"/>
+              <a:gd name="connsiteX1" fmla="*/ 3281819 w 5898649"/>
+              <a:gd name="connsiteY1" fmla="*/ 204 h 788430"/>
+              <a:gd name="connsiteX2" fmla="*/ 0 w 5898649"/>
+              <a:gd name="connsiteY2" fmla="*/ 726713 h 788430"/>
+              <a:gd name="connsiteX0" fmla="*/ 5941511 w 5941511"/>
+              <a:gd name="connsiteY0" fmla="*/ 788252 h 812260"/>
+              <a:gd name="connsiteX1" fmla="*/ 3324681 w 5941511"/>
+              <a:gd name="connsiteY1" fmla="*/ 26 h 812260"/>
+              <a:gd name="connsiteX2" fmla="*/ 0 w 5941511"/>
+              <a:gd name="connsiteY2" fmla="*/ 812260 h 812260"/>
+              <a:gd name="connsiteX0" fmla="*/ 5931986 w 5931986"/>
+              <a:gd name="connsiteY0" fmla="*/ 788228 h 788228"/>
+              <a:gd name="connsiteX1" fmla="*/ 3315156 w 5931986"/>
+              <a:gd name="connsiteY1" fmla="*/ 2 h 788228"/>
+              <a:gd name="connsiteX2" fmla="*/ 0 w 5931986"/>
+              <a:gd name="connsiteY2" fmla="*/ 783661 h 788228"/>
+            </a:gdLst>
+            <a:ahLst/>
+            <a:cxnLst>
+              <a:cxn ang="0">
+                <a:pos x="connsiteX0" y="connsiteY0"/>
+              </a:cxn>
+              <a:cxn ang="0">
+                <a:pos x="connsiteX1" y="connsiteY1"/>
+              </a:cxn>
+              <a:cxn ang="0">
+                <a:pos x="connsiteX2" y="connsiteY2"/>
+              </a:cxn>
+            </a:cxnLst>
+            <a:rect l="l" t="t" r="r" b="b"/>
+            <a:pathLst>
+              <a:path w="5931986" h="788228">
+                <a:moveTo>
+                  <a:pt x="5931986" y="788228"/>
+                </a:moveTo>
+                <a:cubicBezTo>
+                  <a:pt x="5224265" y="466727"/>
+                  <a:pt x="4303820" y="763"/>
+                  <a:pt x="3315156" y="2"/>
+                </a:cubicBezTo>
+                <a:cubicBezTo>
+                  <a:pt x="2326492" y="-759"/>
+                  <a:pt x="1171183" y="428757"/>
+                  <a:pt x="0" y="783661"/>
+                </a:cubicBezTo>
+              </a:path>
+            </a:pathLst>
+          </a:custGeom>
+          <a:noFill/>
+          <a:ln>
+            <a:solidFill>
+              <a:srgbClr val="FF0000"/>
+            </a:solidFill>
+            <a:headEnd type="arrow" w="med" len="med"/>
+            <a:tailEnd type="none" w="med" len="med"/>
+          </a:ln>
+        </p:spPr>
+        <p:style>
+          <a:lnRef idx="2">
+            <a:schemeClr val="accent1">
+              <a:shade val="50000"/>
+            </a:schemeClr>
+          </a:lnRef>
+          <a:fillRef idx="1">
+            <a:schemeClr val="accent1"/>
+          </a:fillRef>
+          <a:effectRef idx="0">
+            <a:schemeClr val="accent1"/>
+          </a:effectRef>
+          <a:fontRef idx="minor">
+            <a:schemeClr val="lt1"/>
+          </a:fontRef>
+        </p:style>
+        <p:txBody>
+          <a:bodyPr rtlCol="0" anchor="ctr"/>
+          <a:lstStyle/>
+          <a:p>
+            <a:pPr algn="ctr"/>
+            <a:endParaRPr lang="cs-CZ"/>
+          </a:p>
+        </p:txBody>
+      </p:sp>
+      <p:sp>
+        <p:nvSpPr>
+          <p:cNvPr id="12" name="Volný tvar 11"/>
+          <p:cNvSpPr/>
+          <p:nvPr/>
+        </p:nvSpPr>
+        <p:spPr>
+          <a:xfrm>
+            <a:off x="2969475" y="5495654"/>
+            <a:ext cx="4439824" cy="563751"/>
+          </a:xfrm>
+          <a:custGeom>
+            <a:avLst/>
+            <a:gdLst>
+              <a:gd name="connsiteX0" fmla="*/ 4258849 w 4258849"/>
+              <a:gd name="connsiteY0" fmla="*/ 464286 h 564495"/>
+              <a:gd name="connsiteX1" fmla="*/ 2091846 w 4258849"/>
+              <a:gd name="connsiteY1" fmla="*/ 823 h 564495"/>
+              <a:gd name="connsiteX2" fmla="*/ 0 w 4258849"/>
+              <a:gd name="connsiteY2" fmla="*/ 564495 h 564495"/>
+              <a:gd name="connsiteX0" fmla="*/ 4439824 w 4439824"/>
+              <a:gd name="connsiteY0" fmla="*/ 530217 h 563751"/>
+              <a:gd name="connsiteX1" fmla="*/ 2091846 w 4439824"/>
+              <a:gd name="connsiteY1" fmla="*/ 79 h 563751"/>
+              <a:gd name="connsiteX2" fmla="*/ 0 w 4439824"/>
+              <a:gd name="connsiteY2" fmla="*/ 563751 h 563751"/>
+            </a:gdLst>
+            <a:ahLst/>
+            <a:cxnLst>
+              <a:cxn ang="0">
+                <a:pos x="connsiteX0" y="connsiteY0"/>
+              </a:cxn>
+              <a:cxn ang="0">
+                <a:pos x="connsiteX1" y="connsiteY1"/>
+              </a:cxn>
+              <a:cxn ang="0">
+                <a:pos x="connsiteX2" y="connsiteY2"/>
+              </a:cxn>
+            </a:cxnLst>
+            <a:rect l="l" t="t" r="r" b="b"/>
+            <a:pathLst>
+              <a:path w="4439824" h="563751">
+                <a:moveTo>
+                  <a:pt x="4439824" y="530217"/>
+                </a:moveTo>
+                <a:cubicBezTo>
+                  <a:pt x="3711226" y="290135"/>
+                  <a:pt x="2831817" y="-5510"/>
+                  <a:pt x="2091846" y="79"/>
+                </a:cubicBezTo>
+                <a:cubicBezTo>
+                  <a:pt x="1351875" y="5668"/>
+                  <a:pt x="691019" y="290265"/>
+                  <a:pt x="0" y="563751"/>
+                </a:cubicBezTo>
+              </a:path>
+            </a:pathLst>
+          </a:custGeom>
+          <a:noFill/>
+          <a:ln>
+            <a:solidFill>
+              <a:srgbClr val="FF0000"/>
+            </a:solidFill>
+            <a:headEnd type="arrow" w="med" len="med"/>
+            <a:tailEnd type="none" w="med" len="med"/>
+          </a:ln>
+        </p:spPr>
+        <p:style>
+          <a:lnRef idx="2">
+            <a:schemeClr val="accent1">
+              <a:shade val="50000"/>
+            </a:schemeClr>
+          </a:lnRef>
+          <a:fillRef idx="1">
+            <a:schemeClr val="accent1"/>
+          </a:fillRef>
+          <a:effectRef idx="0">
+            <a:schemeClr val="accent1"/>
+          </a:effectRef>
+          <a:fontRef idx="minor">
+            <a:schemeClr val="lt1"/>
+          </a:fontRef>
+        </p:style>
+        <p:txBody>
+          <a:bodyPr rtlCol="0" anchor="ctr"/>
+          <a:lstStyle/>
+          <a:p>
+            <a:pPr algn="ctr"/>
+            <a:endParaRPr lang="cs-CZ"/>
+          </a:p>
+        </p:txBody>
+      </p:sp>
+      <p:sp>
+        <p:nvSpPr>
+          <p:cNvPr id="27" name="Nadpis 1"/>
           <p:cNvSpPr txBox="1">
             <a:spLocks/>
           </p:cNvSpPr>
@@ -8272,7 +11366,7 @@
         </p:nvSpPr>
         <p:spPr>
           <a:xfrm>
-            <a:off x="400650" y="908720"/>
+            <a:off x="356475" y="317723"/>
             <a:ext cx="8460432" cy="1181993"/>
           </a:xfrm>
           <a:prstGeom prst="rect">
@@ -8281,7 +11375,7 @@
         </p:spPr>
         <p:txBody>
           <a:bodyPr vert="horz" lIns="91440" tIns="45720" rIns="91440" bIns="45720" rtlCol="0" anchor="b">
-            <a:normAutofit/>
+            <a:normAutofit fontScale="47500" lnSpcReduction="20000"/>
           </a:bodyPr>
           <a:lstStyle>
             <a:lvl1pPr algn="ctr" defTabSz="914400" rtl="0" eaLnBrk="1" latinLnBrk="0" hangingPunct="1">
@@ -8311,7 +11405,7 @@
           </a:lstStyle>
           <a:p>
             <a:r>
-              <a:rPr lang="cs-CZ" sz="12000" b="1" dirty="0" err="1" smtClean="0">
+              <a:rPr lang="cs-CZ" sz="12000" b="1" dirty="0" smtClean="0">
                 <a:ln w="17780" cmpd="sng">
                   <a:solidFill>
                     <a:srgbClr val="FFFFFF"/>
@@ -8368,7 +11462,7 @@
                 <a:ea typeface="Verdana" panose="020B0604030504040204" pitchFamily="34" charset="0"/>
                 <a:cs typeface="Verdana" panose="020B0604030504040204" pitchFamily="34" charset="0"/>
               </a:rPr>
-              <a:t>XQuery</a:t>
+              <a:t>Zajímavý problém</a:t>
             </a:r>
             <a:endParaRPr lang="cs-CZ" sz="12000" b="1" dirty="0">
               <a:ln w="17780" cmpd="sng">
@@ -8430,72 +11524,10 @@
           </a:p>
         </p:txBody>
       </p:sp>
-      <p:sp>
-        <p:nvSpPr>
-          <p:cNvPr id="9" name="TextovéPole 8"/>
-          <p:cNvSpPr txBox="1"/>
-          <p:nvPr/>
-        </p:nvSpPr>
-        <p:spPr>
-          <a:xfrm>
-            <a:off x="389887" y="2123149"/>
-            <a:ext cx="8460432" cy="861774"/>
-          </a:xfrm>
-          <a:prstGeom prst="rect">
-            <a:avLst/>
-          </a:prstGeom>
-          <a:noFill/>
-        </p:spPr>
-        <p:txBody>
-          <a:bodyPr wrap="square" rtlCol="0">
-            <a:spAutoFit/>
-          </a:bodyPr>
-          <a:lstStyle/>
-          <a:p>
-            <a:pPr algn="ctr"/>
-            <a:r>
-              <a:rPr lang="cs-CZ" sz="5000" b="1" dirty="0" smtClean="0">
-                <a:latin typeface="Calibri" panose="020F0502020204030204" pitchFamily="34" charset="0"/>
-              </a:rPr>
-              <a:t>Auta</a:t>
-            </a:r>
-          </a:p>
-        </p:txBody>
-      </p:sp>
-      <p:pic>
-        <p:nvPicPr>
-          <p:cNvPr id="3" name="Obrázek 2"/>
-          <p:cNvPicPr>
-            <a:picLocks noChangeAspect="1"/>
-          </p:cNvPicPr>
-          <p:nvPr/>
-        </p:nvPicPr>
-        <p:blipFill>
-          <a:blip r:embed="rId2">
-            <a:extLst>
-              <a:ext uri="{28A0092B-C50C-407E-A947-70E740481C1C}">
-                <a14:useLocalDpi xmlns:a14="http://schemas.microsoft.com/office/drawing/2010/main" val="0"/>
-              </a:ext>
-            </a:extLst>
-          </a:blip>
-          <a:stretch>
-            <a:fillRect/>
-          </a:stretch>
-        </p:blipFill>
-        <p:spPr>
-          <a:xfrm>
-            <a:off x="2661373" y="2984923"/>
-            <a:ext cx="4572771" cy="1800200"/>
-          </a:xfrm>
-          <a:prstGeom prst="rect">
-            <a:avLst/>
-          </a:prstGeom>
-        </p:spPr>
-      </p:pic>
     </p:spTree>
     <p:extLst>
       <p:ext uri="{BB962C8B-B14F-4D97-AF65-F5344CB8AC3E}">
-        <p14:creationId xmlns:p14="http://schemas.microsoft.com/office/powerpoint/2010/main" val="1639138134"/>
+        <p14:creationId xmlns:p14="http://schemas.microsoft.com/office/powerpoint/2010/main" val="679051227"/>
       </p:ext>
     </p:extLst>
   </p:cSld>
@@ -8512,7 +11544,7 @@
 </p:sld>
 </file>
 
-<file path=ppt/slides/slide24.xml><?xml version="1.0" encoding="utf-8"?>
+<file path=ppt/slides/slide26.xml><?xml version="1.0" encoding="utf-8"?>
 <p:sld xmlns:a="http://schemas.openxmlformats.org/drawingml/2006/main" xmlns:r="http://schemas.openxmlformats.org/officeDocument/2006/relationships" xmlns:p="http://schemas.openxmlformats.org/presentationml/2006/main">
   <p:cSld>
     <p:spTree>
@@ -8740,18 +11772,12 @@
           <a:p>
             <a:pPr algn="ctr"/>
             <a:r>
-              <a:rPr lang="cs-CZ" sz="5000" b="1" dirty="0" smtClean="0">
+              <a:rPr lang="cs-CZ" sz="5000" b="1" dirty="0" err="1" smtClean="0">
                 <a:latin typeface="Calibri" panose="020F0502020204030204" pitchFamily="34" charset="0"/>
               </a:rPr>
-              <a:t>Auta </a:t>
-            </a:r>
-            <a:r>
-              <a:rPr lang="cs-CZ" sz="5000" b="1" dirty="0">
-                <a:latin typeface="Calibri" panose="020F0502020204030204" pitchFamily="34" charset="0"/>
-              </a:rPr>
-              <a:t>– více detailů</a:t>
-            </a:r>
-            <a:endParaRPr lang="cs-CZ" sz="5000" b="1" dirty="0">
+              <a:t>NetBeans</a:t>
+            </a:r>
+            <a:endParaRPr lang="cs-CZ" sz="5000" b="1" dirty="0" smtClean="0">
               <a:latin typeface="Calibri" panose="020F0502020204030204" pitchFamily="34" charset="0"/>
             </a:endParaRPr>
           </a:p>
@@ -8779,8 +11805,8 @@
         </p:blipFill>
         <p:spPr>
           <a:xfrm>
-            <a:off x="2567875" y="2973901"/>
-            <a:ext cx="4104456" cy="3539104"/>
+            <a:off x="1413410" y="2982355"/>
+            <a:ext cx="6413386" cy="3759014"/>
           </a:xfrm>
           <a:prstGeom prst="rect">
             <a:avLst/>
@@ -8790,7 +11816,7 @@
     </p:spTree>
     <p:extLst>
       <p:ext uri="{BB962C8B-B14F-4D97-AF65-F5344CB8AC3E}">
-        <p14:creationId xmlns:p14="http://schemas.microsoft.com/office/powerpoint/2010/main" val="3417772058"/>
+        <p14:creationId xmlns:p14="http://schemas.microsoft.com/office/powerpoint/2010/main" val="2120583856"/>
       </p:ext>
     </p:extLst>
   </p:cSld>
@@ -8807,7 +11833,7 @@
 </p:sld>
 </file>
 
-<file path=ppt/slides/slide25.xml><?xml version="1.0" encoding="utf-8"?>
+<file path=ppt/slides/slide27.xml><?xml version="1.0" encoding="utf-8"?>
 <p:sld xmlns:a="http://schemas.openxmlformats.org/drawingml/2006/main" xmlns:r="http://schemas.openxmlformats.org/officeDocument/2006/relationships" xmlns:p="http://schemas.openxmlformats.org/presentationml/2006/main">
   <p:cSld>
     <p:spTree>
@@ -9038,14 +12064,14 @@
               <a:rPr lang="cs-CZ" sz="5000" b="1" dirty="0" smtClean="0">
                 <a:latin typeface="Calibri" panose="020F0502020204030204" pitchFamily="34" charset="0"/>
               </a:rPr>
-              <a:t>Půjčky</a:t>
+              <a:t>Zákazníci</a:t>
             </a:r>
           </a:p>
         </p:txBody>
       </p:sp>
       <p:pic>
         <p:nvPicPr>
-          <p:cNvPr id="3" name="Obrázek 2"/>
+          <p:cNvPr id="5" name="Obrázek 4"/>
           <p:cNvPicPr>
             <a:picLocks noChangeAspect="1"/>
           </p:cNvPicPr>
@@ -9065,8 +12091,8 @@
         </p:blipFill>
         <p:spPr>
           <a:xfrm>
-            <a:off x="2339752" y="2946678"/>
-            <a:ext cx="4335152" cy="3790296"/>
+            <a:off x="2411760" y="3212976"/>
+            <a:ext cx="4801604" cy="2088232"/>
           </a:xfrm>
           <a:prstGeom prst="rect">
             <a:avLst/>
@@ -9076,7 +12102,7 @@
     </p:spTree>
     <p:extLst>
       <p:ext uri="{BB962C8B-B14F-4D97-AF65-F5344CB8AC3E}">
-        <p14:creationId xmlns:p14="http://schemas.microsoft.com/office/powerpoint/2010/main" val="1589806917"/>
+        <p14:creationId xmlns:p14="http://schemas.microsoft.com/office/powerpoint/2010/main" val="2709214063"/>
       </p:ext>
     </p:extLst>
   </p:cSld>
@@ -9093,7 +12119,7 @@
 </p:sld>
 </file>
 
-<file path=ppt/slides/slide26.xml><?xml version="1.0" encoding="utf-8"?>
+<file path=ppt/slides/slide28.xml><?xml version="1.0" encoding="utf-8"?>
 <p:sld xmlns:a="http://schemas.openxmlformats.org/drawingml/2006/main" xmlns:r="http://schemas.openxmlformats.org/officeDocument/2006/relationships" xmlns:p="http://schemas.openxmlformats.org/presentationml/2006/main">
   <p:cSld>
     <p:spTree>
@@ -9306,7 +12332,7 @@
         <p:spPr>
           <a:xfrm>
             <a:off x="389887" y="2123149"/>
-            <a:ext cx="8460432" cy="1631216"/>
+            <a:ext cx="8460432" cy="861774"/>
           </a:xfrm>
           <a:prstGeom prst="rect">
             <a:avLst/>
@@ -9324,12 +12350,9 @@
               <a:rPr lang="cs-CZ" sz="5000" b="1" dirty="0" smtClean="0">
                 <a:latin typeface="Calibri" panose="020F0502020204030204" pitchFamily="34" charset="0"/>
               </a:rPr>
-              <a:t>Statistika</a:t>
-            </a:r>
-          </a:p>
-          <a:p>
-            <a:pPr algn="ctr"/>
-            <a:endParaRPr lang="cs-CZ" sz="5000" b="1" dirty="0" smtClean="0">
+              <a:t>Zákazníci – více detailů</a:t>
+            </a:r>
+            <a:endParaRPr lang="cs-CZ" sz="5000" b="1" dirty="0">
               <a:latin typeface="Calibri" panose="020F0502020204030204" pitchFamily="34" charset="0"/>
             </a:endParaRPr>
           </a:p>
@@ -9337,7 +12360,7 @@
       </p:sp>
       <p:pic>
         <p:nvPicPr>
-          <p:cNvPr id="5" name="Obrázek 4"/>
+          <p:cNvPr id="3" name="Obrázek 2"/>
           <p:cNvPicPr>
             <a:picLocks noChangeAspect="1"/>
           </p:cNvPicPr>
@@ -9357,8 +12380,8 @@
         </p:blipFill>
         <p:spPr>
           <a:xfrm>
-            <a:off x="389887" y="3177998"/>
-            <a:ext cx="8280920" cy="1835177"/>
+            <a:off x="2696053" y="2891944"/>
+            <a:ext cx="3848100" cy="3914775"/>
           </a:xfrm>
           <a:prstGeom prst="rect">
             <a:avLst/>
@@ -9368,157 +12391,7 @@
     </p:spTree>
     <p:extLst>
       <p:ext uri="{BB962C8B-B14F-4D97-AF65-F5344CB8AC3E}">
-        <p14:creationId xmlns:p14="http://schemas.microsoft.com/office/powerpoint/2010/main" val="2651481833"/>
-      </p:ext>
-    </p:extLst>
-  </p:cSld>
-  <p:clrMapOvr>
-    <a:masterClrMapping/>
-  </p:clrMapOvr>
-  <p:timing>
-    <p:tnLst>
-      <p:par>
-        <p:cTn id="1" dur="indefinite" restart="never" nodeType="tmRoot"/>
-      </p:par>
-    </p:tnLst>
-  </p:timing>
-</p:sld>
-</file>
-
-<file path=ppt/slides/slide27.xml><?xml version="1.0" encoding="utf-8"?>
-<p:sld xmlns:a="http://schemas.openxmlformats.org/drawingml/2006/main" xmlns:r="http://schemas.openxmlformats.org/officeDocument/2006/relationships" xmlns:p="http://schemas.openxmlformats.org/presentationml/2006/main">
-  <p:cSld>
-    <p:spTree>
-      <p:nvGrpSpPr>
-        <p:cNvPr id="1" name=""/>
-        <p:cNvGrpSpPr/>
-        <p:nvPr/>
-      </p:nvGrpSpPr>
-      <p:grpSpPr>
-        <a:xfrm>
-          <a:off x="0" y="0"/>
-          <a:ext cx="0" cy="0"/>
-          <a:chOff x="0" y="0"/>
-          <a:chExt cx="0" cy="0"/>
-        </a:xfrm>
-      </p:grpSpPr>
-      <p:sp>
-        <p:nvSpPr>
-          <p:cNvPr id="2" name="Nadpis 1"/>
-          <p:cNvSpPr>
-            <a:spLocks noGrp="1"/>
-          </p:cNvSpPr>
-          <p:nvPr>
-            <p:ph type="title"/>
-          </p:nvPr>
-        </p:nvSpPr>
-        <p:spPr/>
-        <p:txBody>
-          <a:bodyPr/>
-          <a:lstStyle/>
-          <a:p>
-            <a:endParaRPr lang="cs-CZ"/>
-          </a:p>
-        </p:txBody>
-      </p:sp>
-      <p:sp>
-        <p:nvSpPr>
-          <p:cNvPr id="3" name="Zástupný symbol pro obsah 2"/>
-          <p:cNvSpPr>
-            <a:spLocks noGrp="1"/>
-          </p:cNvSpPr>
-          <p:nvPr>
-            <p:ph idx="1"/>
-          </p:nvPr>
-        </p:nvSpPr>
-        <p:spPr/>
-        <p:txBody>
-          <a:bodyPr/>
-          <a:lstStyle/>
-          <a:p>
-            <a:endParaRPr lang="cs-CZ"/>
-          </a:p>
-        </p:txBody>
-      </p:sp>
-    </p:spTree>
-    <p:extLst>
-      <p:ext uri="{BB962C8B-B14F-4D97-AF65-F5344CB8AC3E}">
-        <p14:creationId xmlns:p14="http://schemas.microsoft.com/office/powerpoint/2010/main" val="2360913614"/>
-      </p:ext>
-    </p:extLst>
-  </p:cSld>
-  <p:clrMapOvr>
-    <a:masterClrMapping/>
-  </p:clrMapOvr>
-  <p:timing>
-    <p:tnLst>
-      <p:par>
-        <p:cTn id="1" dur="indefinite" restart="never" nodeType="tmRoot"/>
-      </p:par>
-    </p:tnLst>
-  </p:timing>
-</p:sld>
-</file>
-
-<file path=ppt/slides/slide28.xml><?xml version="1.0" encoding="utf-8"?>
-<p:sld xmlns:a="http://schemas.openxmlformats.org/drawingml/2006/main" xmlns:r="http://schemas.openxmlformats.org/officeDocument/2006/relationships" xmlns:p="http://schemas.openxmlformats.org/presentationml/2006/main">
-  <p:cSld>
-    <p:spTree>
-      <p:nvGrpSpPr>
-        <p:cNvPr id="1" name=""/>
-        <p:cNvGrpSpPr/>
-        <p:nvPr/>
-      </p:nvGrpSpPr>
-      <p:grpSpPr>
-        <a:xfrm>
-          <a:off x="0" y="0"/>
-          <a:ext cx="0" cy="0"/>
-          <a:chOff x="0" y="0"/>
-          <a:chExt cx="0" cy="0"/>
-        </a:xfrm>
-      </p:grpSpPr>
-      <p:sp>
-        <p:nvSpPr>
-          <p:cNvPr id="2" name="Nadpis 1"/>
-          <p:cNvSpPr>
-            <a:spLocks noGrp="1"/>
-          </p:cNvSpPr>
-          <p:nvPr>
-            <p:ph type="title"/>
-          </p:nvPr>
-        </p:nvSpPr>
-        <p:spPr/>
-        <p:txBody>
-          <a:bodyPr/>
-          <a:lstStyle/>
-          <a:p>
-            <a:endParaRPr lang="cs-CZ"/>
-          </a:p>
-        </p:txBody>
-      </p:sp>
-      <p:sp>
-        <p:nvSpPr>
-          <p:cNvPr id="3" name="Zástupný symbol pro obsah 2"/>
-          <p:cNvSpPr>
-            <a:spLocks noGrp="1"/>
-          </p:cNvSpPr>
-          <p:nvPr>
-            <p:ph idx="1"/>
-          </p:nvPr>
-        </p:nvSpPr>
-        <p:spPr/>
-        <p:txBody>
-          <a:bodyPr/>
-          <a:lstStyle/>
-          <a:p>
-            <a:endParaRPr lang="cs-CZ"/>
-          </a:p>
-        </p:txBody>
-      </p:sp>
-    </p:spTree>
-    <p:extLst>
-      <p:ext uri="{BB962C8B-B14F-4D97-AF65-F5344CB8AC3E}">
-        <p14:creationId xmlns:p14="http://schemas.microsoft.com/office/powerpoint/2010/main" val="2864852486"/>
+        <p14:creationId xmlns:p14="http://schemas.microsoft.com/office/powerpoint/2010/main" val="827144476"/>
       </p:ext>
     </p:extLst>
   </p:cSld>
@@ -9567,33 +12440,244 @@
           <a:bodyPr/>
           <a:lstStyle/>
           <a:p>
-            <a:endParaRPr lang="cs-CZ"/>
-          </a:p>
-        </p:txBody>
-      </p:sp>
-      <p:sp>
-        <p:nvSpPr>
-          <p:cNvPr id="3" name="Zástupný symbol pro obsah 2"/>
-          <p:cNvSpPr>
-            <a:spLocks noGrp="1"/>
+            <a:endParaRPr lang="cs-CZ" dirty="0"/>
+          </a:p>
+        </p:txBody>
+      </p:sp>
+      <p:sp>
+        <p:nvSpPr>
+          <p:cNvPr id="4" name="Nadpis 1"/>
+          <p:cNvSpPr txBox="1">
+            <a:spLocks/>
           </p:cNvSpPr>
-          <p:nvPr>
-            <p:ph idx="1"/>
-          </p:nvPr>
-        </p:nvSpPr>
-        <p:spPr/>
-        <p:txBody>
-          <a:bodyPr/>
+          <p:nvPr/>
+        </p:nvSpPr>
+        <p:spPr>
+          <a:xfrm>
+            <a:off x="400650" y="908720"/>
+            <a:ext cx="8460432" cy="1181993"/>
+          </a:xfrm>
+          <a:prstGeom prst="rect">
+            <a:avLst/>
+          </a:prstGeom>
+        </p:spPr>
+        <p:txBody>
+          <a:bodyPr vert="horz" lIns="91440" tIns="45720" rIns="91440" bIns="45720" rtlCol="0" anchor="b">
+            <a:normAutofit/>
+          </a:bodyPr>
+          <a:lstStyle>
+            <a:lvl1pPr algn="ctr" defTabSz="914400" rtl="0" eaLnBrk="1" latinLnBrk="0" hangingPunct="1">
+              <a:lnSpc>
+                <a:spcPts val="5800"/>
+              </a:lnSpc>
+              <a:spcBef>
+                <a:spcPct val="0"/>
+              </a:spcBef>
+              <a:buNone/>
+              <a:defRPr sz="5400" kern="1200">
+                <a:solidFill>
+                  <a:schemeClr val="tx2"/>
+                </a:solidFill>
+                <a:effectLst>
+                  <a:outerShdw blurRad="63500" dist="38100" dir="5400000" algn="t" rotWithShape="0">
+                    <a:prstClr val="black">
+                      <a:alpha val="25000"/>
+                    </a:prstClr>
+                  </a:outerShdw>
+                </a:effectLst>
+                <a:latin typeface="+mn-lt"/>
+                <a:ea typeface="+mj-ea"/>
+                <a:cs typeface="+mj-cs"/>
+              </a:defRPr>
+            </a:lvl1pPr>
+          </a:lstStyle>
+          <a:p>
+            <a:r>
+              <a:rPr lang="cs-CZ" sz="12000" b="1" dirty="0" err="1" smtClean="0">
+                <a:ln w="17780" cmpd="sng">
+                  <a:solidFill>
+                    <a:srgbClr val="FFFFFF"/>
+                  </a:solidFill>
+                  <a:prstDash val="solid"/>
+                  <a:miter lim="800000"/>
+                </a:ln>
+                <a:gradFill rotWithShape="1">
+                  <a:gsLst>
+                    <a:gs pos="0">
+                      <a:srgbClr val="000000">
+                        <a:tint val="92000"/>
+                        <a:shade val="100000"/>
+                        <a:satMod val="150000"/>
+                      </a:srgbClr>
+                    </a:gs>
+                    <a:gs pos="49000">
+                      <a:srgbClr val="000000">
+                        <a:tint val="89000"/>
+                        <a:shade val="90000"/>
+                        <a:satMod val="150000"/>
+                      </a:srgbClr>
+                    </a:gs>
+                    <a:gs pos="50000">
+                      <a:srgbClr val="000000">
+                        <a:tint val="100000"/>
+                        <a:shade val="75000"/>
+                        <a:satMod val="150000"/>
+                      </a:srgbClr>
+                    </a:gs>
+                    <a:gs pos="95000">
+                      <a:srgbClr val="000000">
+                        <a:shade val="47000"/>
+                        <a:satMod val="150000"/>
+                      </a:srgbClr>
+                    </a:gs>
+                    <a:gs pos="100000">
+                      <a:srgbClr val="000000">
+                        <a:shade val="39000"/>
+                        <a:satMod val="150000"/>
+                      </a:srgbClr>
+                    </a:gs>
+                  </a:gsLst>
+                  <a:lin ang="5400000"/>
+                </a:gradFill>
+                <a:effectLst>
+                  <a:outerShdw blurRad="60007" dist="310007" dir="7680000" sy="30000" kx="1300200" algn="ctr" rotWithShape="0">
+                    <a:prstClr val="black">
+                      <a:alpha val="32000"/>
+                    </a:prstClr>
+                  </a:outerShdw>
+                </a:effectLst>
+                <a:latin typeface="Verdana" panose="020B0604030504040204" pitchFamily="34" charset="0"/>
+                <a:ea typeface="Verdana" panose="020B0604030504040204" pitchFamily="34" charset="0"/>
+                <a:cs typeface="Verdana" panose="020B0604030504040204" pitchFamily="34" charset="0"/>
+              </a:rPr>
+              <a:t>XQuery</a:t>
+            </a:r>
+            <a:endParaRPr lang="cs-CZ" sz="12000" b="1" dirty="0">
+              <a:ln w="17780" cmpd="sng">
+                <a:solidFill>
+                  <a:srgbClr val="FFFFFF"/>
+                </a:solidFill>
+                <a:prstDash val="solid"/>
+                <a:miter lim="800000"/>
+              </a:ln>
+              <a:gradFill rotWithShape="1">
+                <a:gsLst>
+                  <a:gs pos="0">
+                    <a:srgbClr val="000000">
+                      <a:tint val="92000"/>
+                      <a:shade val="100000"/>
+                      <a:satMod val="150000"/>
+                    </a:srgbClr>
+                  </a:gs>
+                  <a:gs pos="49000">
+                    <a:srgbClr val="000000">
+                      <a:tint val="89000"/>
+                      <a:shade val="90000"/>
+                      <a:satMod val="150000"/>
+                    </a:srgbClr>
+                  </a:gs>
+                  <a:gs pos="50000">
+                    <a:srgbClr val="000000">
+                      <a:tint val="100000"/>
+                      <a:shade val="75000"/>
+                      <a:satMod val="150000"/>
+                    </a:srgbClr>
+                  </a:gs>
+                  <a:gs pos="95000">
+                    <a:srgbClr val="000000">
+                      <a:shade val="47000"/>
+                      <a:satMod val="150000"/>
+                    </a:srgbClr>
+                  </a:gs>
+                  <a:gs pos="100000">
+                    <a:srgbClr val="000000">
+                      <a:shade val="39000"/>
+                      <a:satMod val="150000"/>
+                    </a:srgbClr>
+                  </a:gs>
+                </a:gsLst>
+                <a:lin ang="5400000"/>
+              </a:gradFill>
+              <a:effectLst>
+                <a:outerShdw blurRad="60007" dist="310007" dir="7680000" sy="30000" kx="1300200" algn="ctr" rotWithShape="0">
+                  <a:prstClr val="black">
+                    <a:alpha val="32000"/>
+                  </a:prstClr>
+                </a:outerShdw>
+              </a:effectLst>
+              <a:latin typeface="Verdana" panose="020B0604030504040204" pitchFamily="34" charset="0"/>
+              <a:ea typeface="Verdana" panose="020B0604030504040204" pitchFamily="34" charset="0"/>
+              <a:cs typeface="Verdana" panose="020B0604030504040204" pitchFamily="34" charset="0"/>
+            </a:endParaRPr>
+          </a:p>
+        </p:txBody>
+      </p:sp>
+      <p:sp>
+        <p:nvSpPr>
+          <p:cNvPr id="9" name="TextovéPole 8"/>
+          <p:cNvSpPr txBox="1"/>
+          <p:nvPr/>
+        </p:nvSpPr>
+        <p:spPr>
+          <a:xfrm>
+            <a:off x="389887" y="2123149"/>
+            <a:ext cx="8460432" cy="861774"/>
+          </a:xfrm>
+          <a:prstGeom prst="rect">
+            <a:avLst/>
+          </a:prstGeom>
+          <a:noFill/>
+        </p:spPr>
+        <p:txBody>
+          <a:bodyPr wrap="square" rtlCol="0">
+            <a:spAutoFit/>
+          </a:bodyPr>
           <a:lstStyle/>
           <a:p>
-            <a:endParaRPr lang="cs-CZ"/>
-          </a:p>
-        </p:txBody>
-      </p:sp>
+            <a:pPr algn="ctr"/>
+            <a:r>
+              <a:rPr lang="cs-CZ" sz="5000" b="1" dirty="0" smtClean="0">
+                <a:latin typeface="Calibri" panose="020F0502020204030204" pitchFamily="34" charset="0"/>
+              </a:rPr>
+              <a:t>Auta</a:t>
+            </a:r>
+          </a:p>
+        </p:txBody>
+      </p:sp>
+      <p:pic>
+        <p:nvPicPr>
+          <p:cNvPr id="3" name="Obrázek 2"/>
+          <p:cNvPicPr>
+            <a:picLocks noChangeAspect="1"/>
+          </p:cNvPicPr>
+          <p:nvPr/>
+        </p:nvPicPr>
+        <p:blipFill>
+          <a:blip r:embed="rId2">
+            <a:extLst>
+              <a:ext uri="{28A0092B-C50C-407E-A947-70E740481C1C}">
+                <a14:useLocalDpi xmlns:a14="http://schemas.microsoft.com/office/drawing/2010/main" val="0"/>
+              </a:ext>
+            </a:extLst>
+          </a:blip>
+          <a:stretch>
+            <a:fillRect/>
+          </a:stretch>
+        </p:blipFill>
+        <p:spPr>
+          <a:xfrm>
+            <a:off x="2661373" y="2984923"/>
+            <a:ext cx="4572771" cy="1800200"/>
+          </a:xfrm>
+          <a:prstGeom prst="rect">
+            <a:avLst/>
+          </a:prstGeom>
+        </p:spPr>
+      </p:pic>
     </p:spTree>
     <p:extLst>
       <p:ext uri="{BB962C8B-B14F-4D97-AF65-F5344CB8AC3E}">
-        <p14:creationId xmlns:p14="http://schemas.microsoft.com/office/powerpoint/2010/main" val="3394481844"/>
+        <p14:creationId xmlns:p14="http://schemas.microsoft.com/office/powerpoint/2010/main" val="1639138134"/>
       </p:ext>
     </p:extLst>
   </p:cSld>
@@ -9990,7 +13074,7 @@
         </p:nvSpPr>
         <p:spPr>
           <a:xfrm>
-            <a:off x="400650" y="692696"/>
+            <a:off x="400650" y="908720"/>
             <a:ext cx="8460432" cy="1181993"/>
           </a:xfrm>
           <a:prstGeom prst="rect">
@@ -9999,7 +13083,7 @@
         </p:spPr>
         <p:txBody>
           <a:bodyPr vert="horz" lIns="91440" tIns="45720" rIns="91440" bIns="45720" rtlCol="0" anchor="b">
-            <a:normAutofit fontScale="47500" lnSpcReduction="20000"/>
+            <a:normAutofit/>
           </a:bodyPr>
           <a:lstStyle>
             <a:lvl1pPr algn="ctr" defTabSz="914400" rtl="0" eaLnBrk="1" latinLnBrk="0" hangingPunct="1">
@@ -10029,7 +13113,7 @@
           </a:lstStyle>
           <a:p>
             <a:r>
-              <a:rPr lang="cs-CZ" sz="12000" b="1" dirty="0" smtClean="0">
+              <a:rPr lang="cs-CZ" sz="12000" b="1" dirty="0" err="1" smtClean="0">
                 <a:ln w="17780" cmpd="sng">
                   <a:solidFill>
                     <a:srgbClr val="FFFFFF"/>
@@ -10086,7 +13170,7 @@
                 <a:ea typeface="Verdana" panose="020B0604030504040204" pitchFamily="34" charset="0"/>
                 <a:cs typeface="Verdana" panose="020B0604030504040204" pitchFamily="34" charset="0"/>
               </a:rPr>
-              <a:t>Co nám projekt dal?</a:t>
+              <a:t>XQuery</a:t>
             </a:r>
             <a:endParaRPr lang="cs-CZ" sz="12000" b="1" dirty="0">
               <a:ln w="17780" cmpd="sng">
@@ -10150,14 +13234,14 @@
       </p:sp>
       <p:sp>
         <p:nvSpPr>
-          <p:cNvPr id="3" name="TextovéPole 2"/>
+          <p:cNvPr id="9" name="TextovéPole 8"/>
           <p:cNvSpPr txBox="1"/>
           <p:nvPr/>
         </p:nvSpPr>
         <p:spPr>
           <a:xfrm>
-            <a:off x="683568" y="2132856"/>
-            <a:ext cx="7272808" cy="3323987"/>
+            <a:off x="389887" y="2123149"/>
+            <a:ext cx="8460432" cy="861774"/>
           </a:xfrm>
           <a:prstGeom prst="rect">
             <a:avLst/>
@@ -10170,68 +13254,56 @@
           </a:bodyPr>
           <a:lstStyle/>
           <a:p>
-            <a:pPr marL="285750" indent="-285750">
-              <a:buFont typeface="Arial" panose="020B0604020202020204" pitchFamily="34" charset="0"/>
-              <a:buChar char="•"/>
-            </a:pPr>
-            <a:r>
-              <a:rPr lang="cs-CZ" sz="3500" dirty="0" smtClean="0">
+            <a:pPr algn="ctr"/>
+            <a:r>
+              <a:rPr lang="cs-CZ" sz="5000" b="1" dirty="0" smtClean="0">
                 <a:latin typeface="Calibri" panose="020F0502020204030204" pitchFamily="34" charset="0"/>
               </a:rPr>
-              <a:t>Jak nutná je dobrá spolupráce a komunikace</a:t>
-            </a:r>
-          </a:p>
-          <a:p>
-            <a:pPr marL="285750" indent="-285750">
-              <a:buFont typeface="Arial" panose="020B0604020202020204" pitchFamily="34" charset="0"/>
-              <a:buChar char="•"/>
-            </a:pPr>
-            <a:r>
-              <a:rPr lang="cs-CZ" sz="3500" dirty="0" smtClean="0">
+              <a:t>Auta </a:t>
+            </a:r>
+            <a:r>
+              <a:rPr lang="cs-CZ" sz="5000" b="1" dirty="0">
                 <a:latin typeface="Calibri" panose="020F0502020204030204" pitchFamily="34" charset="0"/>
               </a:rPr>
-              <a:t>Jak užitečné je </a:t>
-            </a:r>
-            <a:r>
-              <a:rPr lang="cs-CZ" sz="3500" dirty="0" err="1" smtClean="0">
-                <a:latin typeface="Calibri" panose="020F0502020204030204" pitchFamily="34" charset="0"/>
-              </a:rPr>
-              <a:t>Subversion</a:t>
-            </a:r>
-            <a:r>
-              <a:rPr lang="cs-CZ" sz="3500" dirty="0" smtClean="0">
-                <a:latin typeface="Calibri" panose="020F0502020204030204" pitchFamily="34" charset="0"/>
-              </a:rPr>
-              <a:t> (a zároveň jak záludné)</a:t>
-            </a:r>
-          </a:p>
-          <a:p>
-            <a:pPr marL="285750" indent="-285750">
-              <a:buFont typeface="Arial" panose="020B0604020202020204" pitchFamily="34" charset="0"/>
-              <a:buChar char="•"/>
-            </a:pPr>
-            <a:r>
-              <a:rPr lang="cs-CZ" sz="3500" dirty="0" smtClean="0">
-                <a:latin typeface="Calibri" panose="020F0502020204030204" pitchFamily="34" charset="0"/>
-              </a:rPr>
-              <a:t>Zkušenosti do budoucna</a:t>
-            </a:r>
-          </a:p>
-          <a:p>
-            <a:pPr marL="285750" indent="-285750">
-              <a:buFont typeface="Arial" panose="020B0604020202020204" pitchFamily="34" charset="0"/>
-              <a:buChar char="•"/>
-            </a:pPr>
-            <a:endParaRPr lang="cs-CZ" sz="3500" dirty="0">
-              <a:latin typeface="Calibri" panose="020F0502020204030204" pitchFamily="34" charset="0"/>
-            </a:endParaRPr>
-          </a:p>
-        </p:txBody>
-      </p:sp>
+              <a:t>– více detailů</a:t>
+            </a:r>
+          </a:p>
+        </p:txBody>
+      </p:sp>
+      <p:pic>
+        <p:nvPicPr>
+          <p:cNvPr id="5" name="Obrázek 4"/>
+          <p:cNvPicPr>
+            <a:picLocks noChangeAspect="1"/>
+          </p:cNvPicPr>
+          <p:nvPr/>
+        </p:nvPicPr>
+        <p:blipFill>
+          <a:blip r:embed="rId2">
+            <a:extLst>
+              <a:ext uri="{28A0092B-C50C-407E-A947-70E740481C1C}">
+                <a14:useLocalDpi xmlns:a14="http://schemas.microsoft.com/office/drawing/2010/main" val="0"/>
+              </a:ext>
+            </a:extLst>
+          </a:blip>
+          <a:stretch>
+            <a:fillRect/>
+          </a:stretch>
+        </p:blipFill>
+        <p:spPr>
+          <a:xfrm>
+            <a:off x="2567875" y="2973901"/>
+            <a:ext cx="4104456" cy="3539104"/>
+          </a:xfrm>
+          <a:prstGeom prst="rect">
+            <a:avLst/>
+          </a:prstGeom>
+        </p:spPr>
+      </p:pic>
     </p:spTree>
     <p:extLst>
       <p:ext uri="{BB962C8B-B14F-4D97-AF65-F5344CB8AC3E}">
-        <p14:creationId xmlns:p14="http://schemas.microsoft.com/office/powerpoint/2010/main" val="2397563801"/>
+        <p14:creationId xmlns:p14="http://schemas.microsoft.com/office/powerpoint/2010/main" val="3417772058"/>
       </p:ext>
     </p:extLst>
   </p:cSld>
@@ -10294,7 +13366,7 @@
         </p:nvSpPr>
         <p:spPr>
           <a:xfrm>
-            <a:off x="400650" y="692696"/>
+            <a:off x="400650" y="908720"/>
             <a:ext cx="8460432" cy="1181993"/>
           </a:xfrm>
           <a:prstGeom prst="rect">
@@ -10303,7 +13375,7 @@
         </p:spPr>
         <p:txBody>
           <a:bodyPr vert="horz" lIns="91440" tIns="45720" rIns="91440" bIns="45720" rtlCol="0" anchor="b">
-            <a:normAutofit fontScale="40000" lnSpcReduction="20000"/>
+            <a:normAutofit/>
           </a:bodyPr>
           <a:lstStyle>
             <a:lvl1pPr algn="ctr" defTabSz="914400" rtl="0" eaLnBrk="1" latinLnBrk="0" hangingPunct="1">
@@ -10333,7 +13405,7 @@
           </a:lstStyle>
           <a:p>
             <a:r>
-              <a:rPr lang="cs-CZ" sz="12000" b="1" dirty="0" smtClean="0">
+              <a:rPr lang="cs-CZ" sz="12000" b="1" dirty="0" err="1" smtClean="0">
                 <a:ln w="17780" cmpd="sng">
                   <a:solidFill>
                     <a:srgbClr val="FFFFFF"/>
@@ -10390,7 +13462,7 @@
                 <a:ea typeface="Verdana" panose="020B0604030504040204" pitchFamily="34" charset="0"/>
                 <a:cs typeface="Verdana" panose="020B0604030504040204" pitchFamily="34" charset="0"/>
               </a:rPr>
-              <a:t>Co nám projekt vzal?</a:t>
+              <a:t>XQuery</a:t>
             </a:r>
             <a:endParaRPr lang="cs-CZ" sz="12000" b="1" dirty="0">
               <a:ln w="17780" cmpd="sng">
@@ -10454,6 +13526,1113 @@
       </p:sp>
       <p:sp>
         <p:nvSpPr>
+          <p:cNvPr id="9" name="TextovéPole 8"/>
+          <p:cNvSpPr txBox="1"/>
+          <p:nvPr/>
+        </p:nvSpPr>
+        <p:spPr>
+          <a:xfrm>
+            <a:off x="389887" y="2123149"/>
+            <a:ext cx="8460432" cy="861774"/>
+          </a:xfrm>
+          <a:prstGeom prst="rect">
+            <a:avLst/>
+          </a:prstGeom>
+          <a:noFill/>
+        </p:spPr>
+        <p:txBody>
+          <a:bodyPr wrap="square" rtlCol="0">
+            <a:spAutoFit/>
+          </a:bodyPr>
+          <a:lstStyle/>
+          <a:p>
+            <a:pPr algn="ctr"/>
+            <a:r>
+              <a:rPr lang="cs-CZ" sz="5000" b="1" dirty="0" smtClean="0">
+                <a:latin typeface="Calibri" panose="020F0502020204030204" pitchFamily="34" charset="0"/>
+              </a:rPr>
+              <a:t>Půjčky</a:t>
+            </a:r>
+          </a:p>
+        </p:txBody>
+      </p:sp>
+      <p:pic>
+        <p:nvPicPr>
+          <p:cNvPr id="3" name="Obrázek 2"/>
+          <p:cNvPicPr>
+            <a:picLocks noChangeAspect="1"/>
+          </p:cNvPicPr>
+          <p:nvPr/>
+        </p:nvPicPr>
+        <p:blipFill>
+          <a:blip r:embed="rId2">
+            <a:extLst>
+              <a:ext uri="{28A0092B-C50C-407E-A947-70E740481C1C}">
+                <a14:useLocalDpi xmlns:a14="http://schemas.microsoft.com/office/drawing/2010/main" val="0"/>
+              </a:ext>
+            </a:extLst>
+          </a:blip>
+          <a:stretch>
+            <a:fillRect/>
+          </a:stretch>
+        </p:blipFill>
+        <p:spPr>
+          <a:xfrm>
+            <a:off x="2339752" y="2946678"/>
+            <a:ext cx="4335152" cy="3790296"/>
+          </a:xfrm>
+          <a:prstGeom prst="rect">
+            <a:avLst/>
+          </a:prstGeom>
+        </p:spPr>
+      </p:pic>
+    </p:spTree>
+    <p:extLst>
+      <p:ext uri="{BB962C8B-B14F-4D97-AF65-F5344CB8AC3E}">
+        <p14:creationId xmlns:p14="http://schemas.microsoft.com/office/powerpoint/2010/main" val="1589806917"/>
+      </p:ext>
+    </p:extLst>
+  </p:cSld>
+  <p:clrMapOvr>
+    <a:masterClrMapping/>
+  </p:clrMapOvr>
+  <p:timing>
+    <p:tnLst>
+      <p:par>
+        <p:cTn id="1" dur="indefinite" restart="never" nodeType="tmRoot"/>
+      </p:par>
+    </p:tnLst>
+  </p:timing>
+</p:sld>
+</file>
+
+<file path=ppt/slides/slide32.xml><?xml version="1.0" encoding="utf-8"?>
+<p:sld xmlns:a="http://schemas.openxmlformats.org/drawingml/2006/main" xmlns:r="http://schemas.openxmlformats.org/officeDocument/2006/relationships" xmlns:p="http://schemas.openxmlformats.org/presentationml/2006/main">
+  <p:cSld>
+    <p:spTree>
+      <p:nvGrpSpPr>
+        <p:cNvPr id="1" name=""/>
+        <p:cNvGrpSpPr/>
+        <p:nvPr/>
+      </p:nvGrpSpPr>
+      <p:grpSpPr>
+        <a:xfrm>
+          <a:off x="0" y="0"/>
+          <a:ext cx="0" cy="0"/>
+          <a:chOff x="0" y="0"/>
+          <a:chExt cx="0" cy="0"/>
+        </a:xfrm>
+      </p:grpSpPr>
+      <p:sp>
+        <p:nvSpPr>
+          <p:cNvPr id="2" name="Nadpis 1"/>
+          <p:cNvSpPr>
+            <a:spLocks noGrp="1"/>
+          </p:cNvSpPr>
+          <p:nvPr>
+            <p:ph type="title"/>
+          </p:nvPr>
+        </p:nvSpPr>
+        <p:spPr/>
+        <p:txBody>
+          <a:bodyPr/>
+          <a:lstStyle/>
+          <a:p>
+            <a:endParaRPr lang="cs-CZ" dirty="0"/>
+          </a:p>
+        </p:txBody>
+      </p:sp>
+      <p:sp>
+        <p:nvSpPr>
+          <p:cNvPr id="4" name="Nadpis 1"/>
+          <p:cNvSpPr txBox="1">
+            <a:spLocks/>
+          </p:cNvSpPr>
+          <p:nvPr/>
+        </p:nvSpPr>
+        <p:spPr>
+          <a:xfrm>
+            <a:off x="400650" y="908720"/>
+            <a:ext cx="8460432" cy="1181993"/>
+          </a:xfrm>
+          <a:prstGeom prst="rect">
+            <a:avLst/>
+          </a:prstGeom>
+        </p:spPr>
+        <p:txBody>
+          <a:bodyPr vert="horz" lIns="91440" tIns="45720" rIns="91440" bIns="45720" rtlCol="0" anchor="b">
+            <a:normAutofit/>
+          </a:bodyPr>
+          <a:lstStyle>
+            <a:lvl1pPr algn="ctr" defTabSz="914400" rtl="0" eaLnBrk="1" latinLnBrk="0" hangingPunct="1">
+              <a:lnSpc>
+                <a:spcPts val="5800"/>
+              </a:lnSpc>
+              <a:spcBef>
+                <a:spcPct val="0"/>
+              </a:spcBef>
+              <a:buNone/>
+              <a:defRPr sz="5400" kern="1200">
+                <a:solidFill>
+                  <a:schemeClr val="tx2"/>
+                </a:solidFill>
+                <a:effectLst>
+                  <a:outerShdw blurRad="63500" dist="38100" dir="5400000" algn="t" rotWithShape="0">
+                    <a:prstClr val="black">
+                      <a:alpha val="25000"/>
+                    </a:prstClr>
+                  </a:outerShdw>
+                </a:effectLst>
+                <a:latin typeface="+mn-lt"/>
+                <a:ea typeface="+mj-ea"/>
+                <a:cs typeface="+mj-cs"/>
+              </a:defRPr>
+            </a:lvl1pPr>
+          </a:lstStyle>
+          <a:p>
+            <a:r>
+              <a:rPr lang="cs-CZ" sz="12000" b="1" dirty="0" err="1" smtClean="0">
+                <a:ln w="17780" cmpd="sng">
+                  <a:solidFill>
+                    <a:srgbClr val="FFFFFF"/>
+                  </a:solidFill>
+                  <a:prstDash val="solid"/>
+                  <a:miter lim="800000"/>
+                </a:ln>
+                <a:gradFill rotWithShape="1">
+                  <a:gsLst>
+                    <a:gs pos="0">
+                      <a:srgbClr val="000000">
+                        <a:tint val="92000"/>
+                        <a:shade val="100000"/>
+                        <a:satMod val="150000"/>
+                      </a:srgbClr>
+                    </a:gs>
+                    <a:gs pos="49000">
+                      <a:srgbClr val="000000">
+                        <a:tint val="89000"/>
+                        <a:shade val="90000"/>
+                        <a:satMod val="150000"/>
+                      </a:srgbClr>
+                    </a:gs>
+                    <a:gs pos="50000">
+                      <a:srgbClr val="000000">
+                        <a:tint val="100000"/>
+                        <a:shade val="75000"/>
+                        <a:satMod val="150000"/>
+                      </a:srgbClr>
+                    </a:gs>
+                    <a:gs pos="95000">
+                      <a:srgbClr val="000000">
+                        <a:shade val="47000"/>
+                        <a:satMod val="150000"/>
+                      </a:srgbClr>
+                    </a:gs>
+                    <a:gs pos="100000">
+                      <a:srgbClr val="000000">
+                        <a:shade val="39000"/>
+                        <a:satMod val="150000"/>
+                      </a:srgbClr>
+                    </a:gs>
+                  </a:gsLst>
+                  <a:lin ang="5400000"/>
+                </a:gradFill>
+                <a:effectLst>
+                  <a:outerShdw blurRad="60007" dist="310007" dir="7680000" sy="30000" kx="1300200" algn="ctr" rotWithShape="0">
+                    <a:prstClr val="black">
+                      <a:alpha val="32000"/>
+                    </a:prstClr>
+                  </a:outerShdw>
+                </a:effectLst>
+                <a:latin typeface="Verdana" panose="020B0604030504040204" pitchFamily="34" charset="0"/>
+                <a:ea typeface="Verdana" panose="020B0604030504040204" pitchFamily="34" charset="0"/>
+                <a:cs typeface="Verdana" panose="020B0604030504040204" pitchFamily="34" charset="0"/>
+              </a:rPr>
+              <a:t>XQuery</a:t>
+            </a:r>
+            <a:endParaRPr lang="cs-CZ" sz="12000" b="1" dirty="0">
+              <a:ln w="17780" cmpd="sng">
+                <a:solidFill>
+                  <a:srgbClr val="FFFFFF"/>
+                </a:solidFill>
+                <a:prstDash val="solid"/>
+                <a:miter lim="800000"/>
+              </a:ln>
+              <a:gradFill rotWithShape="1">
+                <a:gsLst>
+                  <a:gs pos="0">
+                    <a:srgbClr val="000000">
+                      <a:tint val="92000"/>
+                      <a:shade val="100000"/>
+                      <a:satMod val="150000"/>
+                    </a:srgbClr>
+                  </a:gs>
+                  <a:gs pos="49000">
+                    <a:srgbClr val="000000">
+                      <a:tint val="89000"/>
+                      <a:shade val="90000"/>
+                      <a:satMod val="150000"/>
+                    </a:srgbClr>
+                  </a:gs>
+                  <a:gs pos="50000">
+                    <a:srgbClr val="000000">
+                      <a:tint val="100000"/>
+                      <a:shade val="75000"/>
+                      <a:satMod val="150000"/>
+                    </a:srgbClr>
+                  </a:gs>
+                  <a:gs pos="95000">
+                    <a:srgbClr val="000000">
+                      <a:shade val="47000"/>
+                      <a:satMod val="150000"/>
+                    </a:srgbClr>
+                  </a:gs>
+                  <a:gs pos="100000">
+                    <a:srgbClr val="000000">
+                      <a:shade val="39000"/>
+                      <a:satMod val="150000"/>
+                    </a:srgbClr>
+                  </a:gs>
+                </a:gsLst>
+                <a:lin ang="5400000"/>
+              </a:gradFill>
+              <a:effectLst>
+                <a:outerShdw blurRad="60007" dist="310007" dir="7680000" sy="30000" kx="1300200" algn="ctr" rotWithShape="0">
+                  <a:prstClr val="black">
+                    <a:alpha val="32000"/>
+                  </a:prstClr>
+                </a:outerShdw>
+              </a:effectLst>
+              <a:latin typeface="Verdana" panose="020B0604030504040204" pitchFamily="34" charset="0"/>
+              <a:ea typeface="Verdana" panose="020B0604030504040204" pitchFamily="34" charset="0"/>
+              <a:cs typeface="Verdana" panose="020B0604030504040204" pitchFamily="34" charset="0"/>
+            </a:endParaRPr>
+          </a:p>
+        </p:txBody>
+      </p:sp>
+      <p:sp>
+        <p:nvSpPr>
+          <p:cNvPr id="9" name="TextovéPole 8"/>
+          <p:cNvSpPr txBox="1"/>
+          <p:nvPr/>
+        </p:nvSpPr>
+        <p:spPr>
+          <a:xfrm>
+            <a:off x="389887" y="2123149"/>
+            <a:ext cx="8460432" cy="1631216"/>
+          </a:xfrm>
+          <a:prstGeom prst="rect">
+            <a:avLst/>
+          </a:prstGeom>
+          <a:noFill/>
+        </p:spPr>
+        <p:txBody>
+          <a:bodyPr wrap="square" rtlCol="0">
+            <a:spAutoFit/>
+          </a:bodyPr>
+          <a:lstStyle/>
+          <a:p>
+            <a:pPr algn="ctr"/>
+            <a:r>
+              <a:rPr lang="cs-CZ" sz="5000" b="1" dirty="0" smtClean="0">
+                <a:latin typeface="Calibri" panose="020F0502020204030204" pitchFamily="34" charset="0"/>
+              </a:rPr>
+              <a:t>Statistika</a:t>
+            </a:r>
+          </a:p>
+          <a:p>
+            <a:pPr algn="ctr"/>
+            <a:endParaRPr lang="cs-CZ" sz="5000" b="1" dirty="0" smtClean="0">
+              <a:latin typeface="Calibri" panose="020F0502020204030204" pitchFamily="34" charset="0"/>
+            </a:endParaRPr>
+          </a:p>
+        </p:txBody>
+      </p:sp>
+      <p:pic>
+        <p:nvPicPr>
+          <p:cNvPr id="5" name="Obrázek 4"/>
+          <p:cNvPicPr>
+            <a:picLocks noChangeAspect="1"/>
+          </p:cNvPicPr>
+          <p:nvPr/>
+        </p:nvPicPr>
+        <p:blipFill>
+          <a:blip r:embed="rId2">
+            <a:extLst>
+              <a:ext uri="{28A0092B-C50C-407E-A947-70E740481C1C}">
+                <a14:useLocalDpi xmlns:a14="http://schemas.microsoft.com/office/drawing/2010/main" val="0"/>
+              </a:ext>
+            </a:extLst>
+          </a:blip>
+          <a:stretch>
+            <a:fillRect/>
+          </a:stretch>
+        </p:blipFill>
+        <p:spPr>
+          <a:xfrm>
+            <a:off x="389887" y="3177998"/>
+            <a:ext cx="8280920" cy="1835177"/>
+          </a:xfrm>
+          <a:prstGeom prst="rect">
+            <a:avLst/>
+          </a:prstGeom>
+        </p:spPr>
+      </p:pic>
+    </p:spTree>
+    <p:extLst>
+      <p:ext uri="{BB962C8B-B14F-4D97-AF65-F5344CB8AC3E}">
+        <p14:creationId xmlns:p14="http://schemas.microsoft.com/office/powerpoint/2010/main" val="2651481833"/>
+      </p:ext>
+    </p:extLst>
+  </p:cSld>
+  <p:clrMapOvr>
+    <a:masterClrMapping/>
+  </p:clrMapOvr>
+  <p:timing>
+    <p:tnLst>
+      <p:par>
+        <p:cTn id="1" dur="indefinite" restart="never" nodeType="tmRoot"/>
+      </p:par>
+    </p:tnLst>
+  </p:timing>
+</p:sld>
+</file>
+
+<file path=ppt/slides/slide33.xml><?xml version="1.0" encoding="utf-8"?>
+<p:sld xmlns:a="http://schemas.openxmlformats.org/drawingml/2006/main" xmlns:r="http://schemas.openxmlformats.org/officeDocument/2006/relationships" xmlns:p="http://schemas.openxmlformats.org/presentationml/2006/main">
+  <p:cSld>
+    <p:spTree>
+      <p:nvGrpSpPr>
+        <p:cNvPr id="1" name=""/>
+        <p:cNvGrpSpPr/>
+        <p:nvPr/>
+      </p:nvGrpSpPr>
+      <p:grpSpPr>
+        <a:xfrm>
+          <a:off x="0" y="0"/>
+          <a:ext cx="0" cy="0"/>
+          <a:chOff x="0" y="0"/>
+          <a:chExt cx="0" cy="0"/>
+        </a:xfrm>
+      </p:grpSpPr>
+      <p:sp>
+        <p:nvSpPr>
+          <p:cNvPr id="2" name="Nadpis 1"/>
+          <p:cNvSpPr>
+            <a:spLocks noGrp="1"/>
+          </p:cNvSpPr>
+          <p:nvPr>
+            <p:ph type="title"/>
+          </p:nvPr>
+        </p:nvSpPr>
+        <p:spPr/>
+        <p:txBody>
+          <a:bodyPr/>
+          <a:lstStyle/>
+          <a:p>
+            <a:endParaRPr lang="cs-CZ"/>
+          </a:p>
+        </p:txBody>
+      </p:sp>
+      <p:sp>
+        <p:nvSpPr>
+          <p:cNvPr id="3" name="Zástupný symbol pro obsah 2"/>
+          <p:cNvSpPr>
+            <a:spLocks noGrp="1"/>
+          </p:cNvSpPr>
+          <p:nvPr>
+            <p:ph idx="1"/>
+          </p:nvPr>
+        </p:nvSpPr>
+        <p:spPr/>
+        <p:txBody>
+          <a:bodyPr/>
+          <a:lstStyle/>
+          <a:p>
+            <a:endParaRPr lang="cs-CZ"/>
+          </a:p>
+        </p:txBody>
+      </p:sp>
+    </p:spTree>
+    <p:extLst>
+      <p:ext uri="{BB962C8B-B14F-4D97-AF65-F5344CB8AC3E}">
+        <p14:creationId xmlns:p14="http://schemas.microsoft.com/office/powerpoint/2010/main" val="2360913614"/>
+      </p:ext>
+    </p:extLst>
+  </p:cSld>
+  <p:clrMapOvr>
+    <a:masterClrMapping/>
+  </p:clrMapOvr>
+  <p:timing>
+    <p:tnLst>
+      <p:par>
+        <p:cTn id="1" dur="indefinite" restart="never" nodeType="tmRoot"/>
+      </p:par>
+    </p:tnLst>
+  </p:timing>
+</p:sld>
+</file>
+
+<file path=ppt/slides/slide34.xml><?xml version="1.0" encoding="utf-8"?>
+<p:sld xmlns:a="http://schemas.openxmlformats.org/drawingml/2006/main" xmlns:r="http://schemas.openxmlformats.org/officeDocument/2006/relationships" xmlns:p="http://schemas.openxmlformats.org/presentationml/2006/main">
+  <p:cSld>
+    <p:spTree>
+      <p:nvGrpSpPr>
+        <p:cNvPr id="1" name=""/>
+        <p:cNvGrpSpPr/>
+        <p:nvPr/>
+      </p:nvGrpSpPr>
+      <p:grpSpPr>
+        <a:xfrm>
+          <a:off x="0" y="0"/>
+          <a:ext cx="0" cy="0"/>
+          <a:chOff x="0" y="0"/>
+          <a:chExt cx="0" cy="0"/>
+        </a:xfrm>
+      </p:grpSpPr>
+      <p:sp>
+        <p:nvSpPr>
+          <p:cNvPr id="2" name="Nadpis 1"/>
+          <p:cNvSpPr>
+            <a:spLocks noGrp="1"/>
+          </p:cNvSpPr>
+          <p:nvPr>
+            <p:ph type="title"/>
+          </p:nvPr>
+        </p:nvSpPr>
+        <p:spPr/>
+        <p:txBody>
+          <a:bodyPr/>
+          <a:lstStyle/>
+          <a:p>
+            <a:endParaRPr lang="cs-CZ"/>
+          </a:p>
+        </p:txBody>
+      </p:sp>
+      <p:sp>
+        <p:nvSpPr>
+          <p:cNvPr id="3" name="Zástupný symbol pro obsah 2"/>
+          <p:cNvSpPr>
+            <a:spLocks noGrp="1"/>
+          </p:cNvSpPr>
+          <p:nvPr>
+            <p:ph idx="1"/>
+          </p:nvPr>
+        </p:nvSpPr>
+        <p:spPr/>
+        <p:txBody>
+          <a:bodyPr/>
+          <a:lstStyle/>
+          <a:p>
+            <a:endParaRPr lang="cs-CZ"/>
+          </a:p>
+        </p:txBody>
+      </p:sp>
+    </p:spTree>
+    <p:extLst>
+      <p:ext uri="{BB962C8B-B14F-4D97-AF65-F5344CB8AC3E}">
+        <p14:creationId xmlns:p14="http://schemas.microsoft.com/office/powerpoint/2010/main" val="2864852486"/>
+      </p:ext>
+    </p:extLst>
+  </p:cSld>
+  <p:clrMapOvr>
+    <a:masterClrMapping/>
+  </p:clrMapOvr>
+  <p:timing>
+    <p:tnLst>
+      <p:par>
+        <p:cTn id="1" dur="indefinite" restart="never" nodeType="tmRoot"/>
+      </p:par>
+    </p:tnLst>
+  </p:timing>
+</p:sld>
+</file>
+
+<file path=ppt/slides/slide35.xml><?xml version="1.0" encoding="utf-8"?>
+<p:sld xmlns:a="http://schemas.openxmlformats.org/drawingml/2006/main" xmlns:r="http://schemas.openxmlformats.org/officeDocument/2006/relationships" xmlns:p="http://schemas.openxmlformats.org/presentationml/2006/main">
+  <p:cSld>
+    <p:spTree>
+      <p:nvGrpSpPr>
+        <p:cNvPr id="1" name=""/>
+        <p:cNvGrpSpPr/>
+        <p:nvPr/>
+      </p:nvGrpSpPr>
+      <p:grpSpPr>
+        <a:xfrm>
+          <a:off x="0" y="0"/>
+          <a:ext cx="0" cy="0"/>
+          <a:chOff x="0" y="0"/>
+          <a:chExt cx="0" cy="0"/>
+        </a:xfrm>
+      </p:grpSpPr>
+      <p:sp>
+        <p:nvSpPr>
+          <p:cNvPr id="2" name="Nadpis 1"/>
+          <p:cNvSpPr>
+            <a:spLocks noGrp="1"/>
+          </p:cNvSpPr>
+          <p:nvPr>
+            <p:ph type="title"/>
+          </p:nvPr>
+        </p:nvSpPr>
+        <p:spPr/>
+        <p:txBody>
+          <a:bodyPr/>
+          <a:lstStyle/>
+          <a:p>
+            <a:endParaRPr lang="cs-CZ"/>
+          </a:p>
+        </p:txBody>
+      </p:sp>
+      <p:sp>
+        <p:nvSpPr>
+          <p:cNvPr id="3" name="Zástupný symbol pro obsah 2"/>
+          <p:cNvSpPr>
+            <a:spLocks noGrp="1"/>
+          </p:cNvSpPr>
+          <p:nvPr>
+            <p:ph idx="1"/>
+          </p:nvPr>
+        </p:nvSpPr>
+        <p:spPr/>
+        <p:txBody>
+          <a:bodyPr/>
+          <a:lstStyle/>
+          <a:p>
+            <a:endParaRPr lang="cs-CZ"/>
+          </a:p>
+        </p:txBody>
+      </p:sp>
+    </p:spTree>
+    <p:extLst>
+      <p:ext uri="{BB962C8B-B14F-4D97-AF65-F5344CB8AC3E}">
+        <p14:creationId xmlns:p14="http://schemas.microsoft.com/office/powerpoint/2010/main" val="3394481844"/>
+      </p:ext>
+    </p:extLst>
+  </p:cSld>
+  <p:clrMapOvr>
+    <a:masterClrMapping/>
+  </p:clrMapOvr>
+  <p:timing>
+    <p:tnLst>
+      <p:par>
+        <p:cTn id="1" dur="indefinite" restart="never" nodeType="tmRoot"/>
+      </p:par>
+    </p:tnLst>
+  </p:timing>
+</p:sld>
+</file>
+
+<file path=ppt/slides/slide36.xml><?xml version="1.0" encoding="utf-8"?>
+<p:sld xmlns:a="http://schemas.openxmlformats.org/drawingml/2006/main" xmlns:r="http://schemas.openxmlformats.org/officeDocument/2006/relationships" xmlns:p="http://schemas.openxmlformats.org/presentationml/2006/main">
+  <p:cSld>
+    <p:spTree>
+      <p:nvGrpSpPr>
+        <p:cNvPr id="1" name=""/>
+        <p:cNvGrpSpPr/>
+        <p:nvPr/>
+      </p:nvGrpSpPr>
+      <p:grpSpPr>
+        <a:xfrm>
+          <a:off x="0" y="0"/>
+          <a:ext cx="0" cy="0"/>
+          <a:chOff x="0" y="0"/>
+          <a:chExt cx="0" cy="0"/>
+        </a:xfrm>
+      </p:grpSpPr>
+      <p:sp>
+        <p:nvSpPr>
+          <p:cNvPr id="2" name="Nadpis 1"/>
+          <p:cNvSpPr>
+            <a:spLocks noGrp="1"/>
+          </p:cNvSpPr>
+          <p:nvPr>
+            <p:ph type="title"/>
+          </p:nvPr>
+        </p:nvSpPr>
+        <p:spPr/>
+        <p:txBody>
+          <a:bodyPr/>
+          <a:lstStyle/>
+          <a:p>
+            <a:endParaRPr lang="cs-CZ" dirty="0"/>
+          </a:p>
+        </p:txBody>
+      </p:sp>
+      <p:sp>
+        <p:nvSpPr>
+          <p:cNvPr id="4" name="Nadpis 1"/>
+          <p:cNvSpPr txBox="1">
+            <a:spLocks/>
+          </p:cNvSpPr>
+          <p:nvPr/>
+        </p:nvSpPr>
+        <p:spPr>
+          <a:xfrm>
+            <a:off x="400650" y="692696"/>
+            <a:ext cx="8460432" cy="1181993"/>
+          </a:xfrm>
+          <a:prstGeom prst="rect">
+            <a:avLst/>
+          </a:prstGeom>
+        </p:spPr>
+        <p:txBody>
+          <a:bodyPr vert="horz" lIns="91440" tIns="45720" rIns="91440" bIns="45720" rtlCol="0" anchor="b">
+            <a:normAutofit fontScale="47500" lnSpcReduction="20000"/>
+          </a:bodyPr>
+          <a:lstStyle>
+            <a:lvl1pPr algn="ctr" defTabSz="914400" rtl="0" eaLnBrk="1" latinLnBrk="0" hangingPunct="1">
+              <a:lnSpc>
+                <a:spcPts val="5800"/>
+              </a:lnSpc>
+              <a:spcBef>
+                <a:spcPct val="0"/>
+              </a:spcBef>
+              <a:buNone/>
+              <a:defRPr sz="5400" kern="1200">
+                <a:solidFill>
+                  <a:schemeClr val="tx2"/>
+                </a:solidFill>
+                <a:effectLst>
+                  <a:outerShdw blurRad="63500" dist="38100" dir="5400000" algn="t" rotWithShape="0">
+                    <a:prstClr val="black">
+                      <a:alpha val="25000"/>
+                    </a:prstClr>
+                  </a:outerShdw>
+                </a:effectLst>
+                <a:latin typeface="+mn-lt"/>
+                <a:ea typeface="+mj-ea"/>
+                <a:cs typeface="+mj-cs"/>
+              </a:defRPr>
+            </a:lvl1pPr>
+          </a:lstStyle>
+          <a:p>
+            <a:r>
+              <a:rPr lang="cs-CZ" sz="12000" b="1" dirty="0" smtClean="0">
+                <a:ln w="17780" cmpd="sng">
+                  <a:solidFill>
+                    <a:srgbClr val="FFFFFF"/>
+                  </a:solidFill>
+                  <a:prstDash val="solid"/>
+                  <a:miter lim="800000"/>
+                </a:ln>
+                <a:gradFill rotWithShape="1">
+                  <a:gsLst>
+                    <a:gs pos="0">
+                      <a:srgbClr val="000000">
+                        <a:tint val="92000"/>
+                        <a:shade val="100000"/>
+                        <a:satMod val="150000"/>
+                      </a:srgbClr>
+                    </a:gs>
+                    <a:gs pos="49000">
+                      <a:srgbClr val="000000">
+                        <a:tint val="89000"/>
+                        <a:shade val="90000"/>
+                        <a:satMod val="150000"/>
+                      </a:srgbClr>
+                    </a:gs>
+                    <a:gs pos="50000">
+                      <a:srgbClr val="000000">
+                        <a:tint val="100000"/>
+                        <a:shade val="75000"/>
+                        <a:satMod val="150000"/>
+                      </a:srgbClr>
+                    </a:gs>
+                    <a:gs pos="95000">
+                      <a:srgbClr val="000000">
+                        <a:shade val="47000"/>
+                        <a:satMod val="150000"/>
+                      </a:srgbClr>
+                    </a:gs>
+                    <a:gs pos="100000">
+                      <a:srgbClr val="000000">
+                        <a:shade val="39000"/>
+                        <a:satMod val="150000"/>
+                      </a:srgbClr>
+                    </a:gs>
+                  </a:gsLst>
+                  <a:lin ang="5400000"/>
+                </a:gradFill>
+                <a:effectLst>
+                  <a:outerShdw blurRad="60007" dist="310007" dir="7680000" sy="30000" kx="1300200" algn="ctr" rotWithShape="0">
+                    <a:prstClr val="black">
+                      <a:alpha val="32000"/>
+                    </a:prstClr>
+                  </a:outerShdw>
+                </a:effectLst>
+                <a:latin typeface="Verdana" panose="020B0604030504040204" pitchFamily="34" charset="0"/>
+                <a:ea typeface="Verdana" panose="020B0604030504040204" pitchFamily="34" charset="0"/>
+                <a:cs typeface="Verdana" panose="020B0604030504040204" pitchFamily="34" charset="0"/>
+              </a:rPr>
+              <a:t>Co nám projekt dal?</a:t>
+            </a:r>
+            <a:endParaRPr lang="cs-CZ" sz="12000" b="1" dirty="0">
+              <a:ln w="17780" cmpd="sng">
+                <a:solidFill>
+                  <a:srgbClr val="FFFFFF"/>
+                </a:solidFill>
+                <a:prstDash val="solid"/>
+                <a:miter lim="800000"/>
+              </a:ln>
+              <a:gradFill rotWithShape="1">
+                <a:gsLst>
+                  <a:gs pos="0">
+                    <a:srgbClr val="000000">
+                      <a:tint val="92000"/>
+                      <a:shade val="100000"/>
+                      <a:satMod val="150000"/>
+                    </a:srgbClr>
+                  </a:gs>
+                  <a:gs pos="49000">
+                    <a:srgbClr val="000000">
+                      <a:tint val="89000"/>
+                      <a:shade val="90000"/>
+                      <a:satMod val="150000"/>
+                    </a:srgbClr>
+                  </a:gs>
+                  <a:gs pos="50000">
+                    <a:srgbClr val="000000">
+                      <a:tint val="100000"/>
+                      <a:shade val="75000"/>
+                      <a:satMod val="150000"/>
+                    </a:srgbClr>
+                  </a:gs>
+                  <a:gs pos="95000">
+                    <a:srgbClr val="000000">
+                      <a:shade val="47000"/>
+                      <a:satMod val="150000"/>
+                    </a:srgbClr>
+                  </a:gs>
+                  <a:gs pos="100000">
+                    <a:srgbClr val="000000">
+                      <a:shade val="39000"/>
+                      <a:satMod val="150000"/>
+                    </a:srgbClr>
+                  </a:gs>
+                </a:gsLst>
+                <a:lin ang="5400000"/>
+              </a:gradFill>
+              <a:effectLst>
+                <a:outerShdw blurRad="60007" dist="310007" dir="7680000" sy="30000" kx="1300200" algn="ctr" rotWithShape="0">
+                  <a:prstClr val="black">
+                    <a:alpha val="32000"/>
+                  </a:prstClr>
+                </a:outerShdw>
+              </a:effectLst>
+              <a:latin typeface="Verdana" panose="020B0604030504040204" pitchFamily="34" charset="0"/>
+              <a:ea typeface="Verdana" panose="020B0604030504040204" pitchFamily="34" charset="0"/>
+              <a:cs typeface="Verdana" panose="020B0604030504040204" pitchFamily="34" charset="0"/>
+            </a:endParaRPr>
+          </a:p>
+        </p:txBody>
+      </p:sp>
+      <p:sp>
+        <p:nvSpPr>
+          <p:cNvPr id="3" name="TextovéPole 2"/>
+          <p:cNvSpPr txBox="1"/>
+          <p:nvPr/>
+        </p:nvSpPr>
+        <p:spPr>
+          <a:xfrm>
+            <a:off x="683568" y="2132856"/>
+            <a:ext cx="7272808" cy="3323987"/>
+          </a:xfrm>
+          <a:prstGeom prst="rect">
+            <a:avLst/>
+          </a:prstGeom>
+          <a:noFill/>
+        </p:spPr>
+        <p:txBody>
+          <a:bodyPr wrap="square" rtlCol="0">
+            <a:spAutoFit/>
+          </a:bodyPr>
+          <a:lstStyle/>
+          <a:p>
+            <a:pPr marL="285750" indent="-285750">
+              <a:buFont typeface="Arial" panose="020B0604020202020204" pitchFamily="34" charset="0"/>
+              <a:buChar char="•"/>
+            </a:pPr>
+            <a:r>
+              <a:rPr lang="cs-CZ" sz="3500" dirty="0" smtClean="0">
+                <a:latin typeface="Calibri" panose="020F0502020204030204" pitchFamily="34" charset="0"/>
+              </a:rPr>
+              <a:t>Jak nutná je dobrá spolupráce a komunikace</a:t>
+            </a:r>
+          </a:p>
+          <a:p>
+            <a:pPr marL="285750" indent="-285750">
+              <a:buFont typeface="Arial" panose="020B0604020202020204" pitchFamily="34" charset="0"/>
+              <a:buChar char="•"/>
+            </a:pPr>
+            <a:r>
+              <a:rPr lang="cs-CZ" sz="3500" dirty="0" smtClean="0">
+                <a:latin typeface="Calibri" panose="020F0502020204030204" pitchFamily="34" charset="0"/>
+              </a:rPr>
+              <a:t>Jak užitečné je </a:t>
+            </a:r>
+            <a:r>
+              <a:rPr lang="cs-CZ" sz="3500" dirty="0" err="1" smtClean="0">
+                <a:latin typeface="Calibri" panose="020F0502020204030204" pitchFamily="34" charset="0"/>
+              </a:rPr>
+              <a:t>Subversion</a:t>
+            </a:r>
+            <a:r>
+              <a:rPr lang="cs-CZ" sz="3500" dirty="0" smtClean="0">
+                <a:latin typeface="Calibri" panose="020F0502020204030204" pitchFamily="34" charset="0"/>
+              </a:rPr>
+              <a:t> (a zároveň jak záludné)</a:t>
+            </a:r>
+          </a:p>
+          <a:p>
+            <a:pPr marL="285750" indent="-285750">
+              <a:buFont typeface="Arial" panose="020B0604020202020204" pitchFamily="34" charset="0"/>
+              <a:buChar char="•"/>
+            </a:pPr>
+            <a:r>
+              <a:rPr lang="cs-CZ" sz="3500" dirty="0" smtClean="0">
+                <a:latin typeface="Calibri" panose="020F0502020204030204" pitchFamily="34" charset="0"/>
+              </a:rPr>
+              <a:t>Zkušenosti do budoucna</a:t>
+            </a:r>
+          </a:p>
+          <a:p>
+            <a:pPr marL="285750" indent="-285750">
+              <a:buFont typeface="Arial" panose="020B0604020202020204" pitchFamily="34" charset="0"/>
+              <a:buChar char="•"/>
+            </a:pPr>
+            <a:endParaRPr lang="cs-CZ" sz="3500" dirty="0">
+              <a:latin typeface="Calibri" panose="020F0502020204030204" pitchFamily="34" charset="0"/>
+            </a:endParaRPr>
+          </a:p>
+        </p:txBody>
+      </p:sp>
+    </p:spTree>
+    <p:extLst>
+      <p:ext uri="{BB962C8B-B14F-4D97-AF65-F5344CB8AC3E}">
+        <p14:creationId xmlns:p14="http://schemas.microsoft.com/office/powerpoint/2010/main" val="2397563801"/>
+      </p:ext>
+    </p:extLst>
+  </p:cSld>
+  <p:clrMapOvr>
+    <a:masterClrMapping/>
+  </p:clrMapOvr>
+  <p:timing>
+    <p:tnLst>
+      <p:par>
+        <p:cTn id="1" dur="indefinite" restart="never" nodeType="tmRoot"/>
+      </p:par>
+    </p:tnLst>
+  </p:timing>
+</p:sld>
+</file>
+
+<file path=ppt/slides/slide37.xml><?xml version="1.0" encoding="utf-8"?>
+<p:sld xmlns:a="http://schemas.openxmlformats.org/drawingml/2006/main" xmlns:r="http://schemas.openxmlformats.org/officeDocument/2006/relationships" xmlns:p="http://schemas.openxmlformats.org/presentationml/2006/main">
+  <p:cSld>
+    <p:spTree>
+      <p:nvGrpSpPr>
+        <p:cNvPr id="1" name=""/>
+        <p:cNvGrpSpPr/>
+        <p:nvPr/>
+      </p:nvGrpSpPr>
+      <p:grpSpPr>
+        <a:xfrm>
+          <a:off x="0" y="0"/>
+          <a:ext cx="0" cy="0"/>
+          <a:chOff x="0" y="0"/>
+          <a:chExt cx="0" cy="0"/>
+        </a:xfrm>
+      </p:grpSpPr>
+      <p:sp>
+        <p:nvSpPr>
+          <p:cNvPr id="2" name="Nadpis 1"/>
+          <p:cNvSpPr>
+            <a:spLocks noGrp="1"/>
+          </p:cNvSpPr>
+          <p:nvPr>
+            <p:ph type="title"/>
+          </p:nvPr>
+        </p:nvSpPr>
+        <p:spPr/>
+        <p:txBody>
+          <a:bodyPr/>
+          <a:lstStyle/>
+          <a:p>
+            <a:endParaRPr lang="cs-CZ" dirty="0"/>
+          </a:p>
+        </p:txBody>
+      </p:sp>
+      <p:sp>
+        <p:nvSpPr>
+          <p:cNvPr id="4" name="Nadpis 1"/>
+          <p:cNvSpPr txBox="1">
+            <a:spLocks/>
+          </p:cNvSpPr>
+          <p:nvPr/>
+        </p:nvSpPr>
+        <p:spPr>
+          <a:xfrm>
+            <a:off x="400650" y="692696"/>
+            <a:ext cx="8460432" cy="1181993"/>
+          </a:xfrm>
+          <a:prstGeom prst="rect">
+            <a:avLst/>
+          </a:prstGeom>
+        </p:spPr>
+        <p:txBody>
+          <a:bodyPr vert="horz" lIns="91440" tIns="45720" rIns="91440" bIns="45720" rtlCol="0" anchor="b">
+            <a:normAutofit fontScale="40000" lnSpcReduction="20000"/>
+          </a:bodyPr>
+          <a:lstStyle>
+            <a:lvl1pPr algn="ctr" defTabSz="914400" rtl="0" eaLnBrk="1" latinLnBrk="0" hangingPunct="1">
+              <a:lnSpc>
+                <a:spcPts val="5800"/>
+              </a:lnSpc>
+              <a:spcBef>
+                <a:spcPct val="0"/>
+              </a:spcBef>
+              <a:buNone/>
+              <a:defRPr sz="5400" kern="1200">
+                <a:solidFill>
+                  <a:schemeClr val="tx2"/>
+                </a:solidFill>
+                <a:effectLst>
+                  <a:outerShdw blurRad="63500" dist="38100" dir="5400000" algn="t" rotWithShape="0">
+                    <a:prstClr val="black">
+                      <a:alpha val="25000"/>
+                    </a:prstClr>
+                  </a:outerShdw>
+                </a:effectLst>
+                <a:latin typeface="+mn-lt"/>
+                <a:ea typeface="+mj-ea"/>
+                <a:cs typeface="+mj-cs"/>
+              </a:defRPr>
+            </a:lvl1pPr>
+          </a:lstStyle>
+          <a:p>
+            <a:r>
+              <a:rPr lang="cs-CZ" sz="12000" b="1" dirty="0" smtClean="0">
+                <a:ln w="17780" cmpd="sng">
+                  <a:solidFill>
+                    <a:srgbClr val="FFFFFF"/>
+                  </a:solidFill>
+                  <a:prstDash val="solid"/>
+                  <a:miter lim="800000"/>
+                </a:ln>
+                <a:gradFill rotWithShape="1">
+                  <a:gsLst>
+                    <a:gs pos="0">
+                      <a:srgbClr val="000000">
+                        <a:tint val="92000"/>
+                        <a:shade val="100000"/>
+                        <a:satMod val="150000"/>
+                      </a:srgbClr>
+                    </a:gs>
+                    <a:gs pos="49000">
+                      <a:srgbClr val="000000">
+                        <a:tint val="89000"/>
+                        <a:shade val="90000"/>
+                        <a:satMod val="150000"/>
+                      </a:srgbClr>
+                    </a:gs>
+                    <a:gs pos="50000">
+                      <a:srgbClr val="000000">
+                        <a:tint val="100000"/>
+                        <a:shade val="75000"/>
+                        <a:satMod val="150000"/>
+                      </a:srgbClr>
+                    </a:gs>
+                    <a:gs pos="95000">
+                      <a:srgbClr val="000000">
+                        <a:shade val="47000"/>
+                        <a:satMod val="150000"/>
+                      </a:srgbClr>
+                    </a:gs>
+                    <a:gs pos="100000">
+                      <a:srgbClr val="000000">
+                        <a:shade val="39000"/>
+                        <a:satMod val="150000"/>
+                      </a:srgbClr>
+                    </a:gs>
+                  </a:gsLst>
+                  <a:lin ang="5400000"/>
+                </a:gradFill>
+                <a:effectLst>
+                  <a:outerShdw blurRad="60007" dist="310007" dir="7680000" sy="30000" kx="1300200" algn="ctr" rotWithShape="0">
+                    <a:prstClr val="black">
+                      <a:alpha val="32000"/>
+                    </a:prstClr>
+                  </a:outerShdw>
+                </a:effectLst>
+                <a:latin typeface="Verdana" panose="020B0604030504040204" pitchFamily="34" charset="0"/>
+                <a:ea typeface="Verdana" panose="020B0604030504040204" pitchFamily="34" charset="0"/>
+                <a:cs typeface="Verdana" panose="020B0604030504040204" pitchFamily="34" charset="0"/>
+              </a:rPr>
+              <a:t>Co nám projekt vzal?</a:t>
+            </a:r>
+            <a:endParaRPr lang="cs-CZ" sz="12000" b="1" dirty="0">
+              <a:ln w="17780" cmpd="sng">
+                <a:solidFill>
+                  <a:srgbClr val="FFFFFF"/>
+                </a:solidFill>
+                <a:prstDash val="solid"/>
+                <a:miter lim="800000"/>
+              </a:ln>
+              <a:gradFill rotWithShape="1">
+                <a:gsLst>
+                  <a:gs pos="0">
+                    <a:srgbClr val="000000">
+                      <a:tint val="92000"/>
+                      <a:shade val="100000"/>
+                      <a:satMod val="150000"/>
+                    </a:srgbClr>
+                  </a:gs>
+                  <a:gs pos="49000">
+                    <a:srgbClr val="000000">
+                      <a:tint val="89000"/>
+                      <a:shade val="90000"/>
+                      <a:satMod val="150000"/>
+                    </a:srgbClr>
+                  </a:gs>
+                  <a:gs pos="50000">
+                    <a:srgbClr val="000000">
+                      <a:tint val="100000"/>
+                      <a:shade val="75000"/>
+                      <a:satMod val="150000"/>
+                    </a:srgbClr>
+                  </a:gs>
+                  <a:gs pos="95000">
+                    <a:srgbClr val="000000">
+                      <a:shade val="47000"/>
+                      <a:satMod val="150000"/>
+                    </a:srgbClr>
+                  </a:gs>
+                  <a:gs pos="100000">
+                    <a:srgbClr val="000000">
+                      <a:shade val="39000"/>
+                      <a:satMod val="150000"/>
+                    </a:srgbClr>
+                  </a:gs>
+                </a:gsLst>
+                <a:lin ang="5400000"/>
+              </a:gradFill>
+              <a:effectLst>
+                <a:outerShdw blurRad="60007" dist="310007" dir="7680000" sy="30000" kx="1300200" algn="ctr" rotWithShape="0">
+                  <a:prstClr val="black">
+                    <a:alpha val="32000"/>
+                  </a:prstClr>
+                </a:outerShdw>
+              </a:effectLst>
+              <a:latin typeface="Verdana" panose="020B0604030504040204" pitchFamily="34" charset="0"/>
+              <a:ea typeface="Verdana" panose="020B0604030504040204" pitchFamily="34" charset="0"/>
+              <a:cs typeface="Verdana" panose="020B0604030504040204" pitchFamily="34" charset="0"/>
+            </a:endParaRPr>
+          </a:p>
+        </p:txBody>
+      </p:sp>
+      <p:sp>
+        <p:nvSpPr>
           <p:cNvPr id="3" name="TextovéPole 2"/>
           <p:cNvSpPr txBox="1"/>
           <p:nvPr/>
@@ -10510,7 +14689,7 @@
 </p:sld>
 </file>
 
-<file path=ppt/slides/slide32.xml><?xml version="1.0" encoding="utf-8"?>
+<file path=ppt/slides/slide38.xml><?xml version="1.0" encoding="utf-8"?>
 <p:sld xmlns:a="http://schemas.openxmlformats.org/drawingml/2006/main" xmlns:r="http://schemas.openxmlformats.org/officeDocument/2006/relationships" xmlns:p="http://schemas.openxmlformats.org/presentationml/2006/main">
   <p:cSld>
     <p:spTree>

--- a/trunk/Prezentace/prezentace.pptx
+++ b/trunk/Prezentace/prezentace.pptx
@@ -4171,16 +4171,12 @@
   <p:clrMapOvr>
     <a:masterClrMapping/>
   </p:clrMapOvr>
-  <mc:AlternateContent xmlns:mc="http://schemas.openxmlformats.org/markup-compatibility/2006" xmlns:p14="http://schemas.microsoft.com/office/powerpoint/2010/main">
-    <mc:Choice Requires="p14">
-      <p:transition spd="slow" p14:dur="1600">
-        <p:blinds dir="vert"/>
-      </p:transition>
+  <mc:AlternateContent xmlns:mc="http://schemas.openxmlformats.org/markup-compatibility/2006">
+    <mc:Choice xmlns:p14="http://schemas.microsoft.com/office/powerpoint/2010/main" Requires="p14">
+      <p:transition p14:dur="0"/>
     </mc:Choice>
-    <mc:Fallback xmlns="">
-      <p:transition spd="slow">
-        <p:blinds dir="vert"/>
-      </p:transition>
+    <mc:Fallback>
+      <p:transition/>
     </mc:Fallback>
   </mc:AlternateContent>
   <p:timing>

--- a/trunk/Prezentace/prezentace.pptx
+++ b/trunk/Prezentace/prezentace.pptx
@@ -5,7 +5,7 @@
     <p:sldMasterId id="2147483696" r:id="rId1"/>
   </p:sldMasterIdLst>
   <p:notesMasterIdLst>
-    <p:notesMasterId r:id="rId40"/>
+    <p:notesMasterId r:id="rId43"/>
   </p:notesMasterIdLst>
   <p:sldIdLst>
     <p:sldId id="256" r:id="rId2"/>
@@ -40,12 +40,15 @@
     <p:sldId id="280" r:id="rId31"/>
     <p:sldId id="283" r:id="rId32"/>
     <p:sldId id="282" r:id="rId33"/>
-    <p:sldId id="286" r:id="rId34"/>
-    <p:sldId id="285" r:id="rId35"/>
-    <p:sldId id="284" r:id="rId36"/>
-    <p:sldId id="273" r:id="rId37"/>
-    <p:sldId id="274" r:id="rId38"/>
-    <p:sldId id="272" r:id="rId39"/>
+    <p:sldId id="298" r:id="rId34"/>
+    <p:sldId id="299" r:id="rId35"/>
+    <p:sldId id="300" r:id="rId36"/>
+    <p:sldId id="301" r:id="rId37"/>
+    <p:sldId id="302" r:id="rId38"/>
+    <p:sldId id="303" r:id="rId39"/>
+    <p:sldId id="273" r:id="rId40"/>
+    <p:sldId id="274" r:id="rId41"/>
+    <p:sldId id="272" r:id="rId42"/>
   </p:sldIdLst>
   <p:sldSz cx="9144000" cy="6858000" type="screen4x3"/>
   <p:notesSz cx="6858000" cy="9144000"/>
@@ -146,7 +149,7 @@
   </p:defaultTextStyle>
   <p:extLst>
     <p:ext uri="{521415D9-36F7-43E2-AB2F-B90AF26B5E84}">
-      <p14:sectionLst xmlns:p14="http://schemas.microsoft.com/office/powerpoint/2010/main">
+      <p14:sectionLst xmlns:p14="http://schemas.microsoft.com/office/powerpoint/2010/main" xmlns="">
         <p14:section name="Výchozí oddíl" id="{32A14AF7-2445-4FE0-9C88-788775668699}">
           <p14:sldIdLst>
             <p14:sldId id="256"/>
@@ -277,6 +280,7 @@
           <a:p>
             <a:fld id="{31BF6E1E-04D7-4B34-B86A-7630D8DD86DC}" type="datetimeFigureOut">
               <a:rPr lang="cs-CZ" smtClean="0"/>
+              <a:pPr/>
               <a:t>28.5.2014</a:t>
             </a:fld>
             <a:endParaRPr lang="cs-CZ"/>
@@ -436,6 +440,7 @@
           <a:p>
             <a:fld id="{A3339E16-0355-4CAD-9948-E9361DC1B4FF}" type="slidenum">
               <a:rPr lang="cs-CZ" smtClean="0"/>
+              <a:pPr/>
               <a:t>‹#›</a:t>
             </a:fld>
             <a:endParaRPr lang="cs-CZ"/>
@@ -445,7 +450,7 @@
     </p:spTree>
     <p:extLst>
       <p:ext uri="{BB962C8B-B14F-4D97-AF65-F5344CB8AC3E}">
-        <p14:creationId xmlns:p14="http://schemas.microsoft.com/office/powerpoint/2010/main" val="3639938787"/>
+        <p14:creationId xmlns:p14="http://schemas.microsoft.com/office/powerpoint/2010/main" xmlns="" val="3639938787"/>
       </p:ext>
     </p:extLst>
   </p:cSld>
@@ -737,6 +742,7 @@
           <a:p>
             <a:fld id="{05E52907-2D03-4438-A321-7E307A5A68DD}" type="datetimeFigureOut">
               <a:rPr lang="cs-CZ" smtClean="0"/>
+              <a:pPr/>
               <a:t>28.5.2014</a:t>
             </a:fld>
             <a:endParaRPr lang="cs-CZ"/>
@@ -760,6 +766,7 @@
           <a:p>
             <a:fld id="{CDDEC883-4BD0-4B32-BAC4-6267C6414A9C}" type="slidenum">
               <a:rPr lang="cs-CZ" smtClean="0"/>
+              <a:pPr/>
               <a:t>‹#›</a:t>
             </a:fld>
             <a:endParaRPr lang="cs-CZ"/>
@@ -902,6 +909,7 @@
           <a:p>
             <a:fld id="{05E52907-2D03-4438-A321-7E307A5A68DD}" type="datetimeFigureOut">
               <a:rPr lang="cs-CZ" smtClean="0"/>
+              <a:pPr/>
               <a:t>28.5.2014</a:t>
             </a:fld>
             <a:endParaRPr lang="cs-CZ"/>
@@ -944,6 +952,7 @@
           <a:p>
             <a:fld id="{CDDEC883-4BD0-4B32-BAC4-6267C6414A9C}" type="slidenum">
               <a:rPr lang="cs-CZ" smtClean="0"/>
+              <a:pPr/>
               <a:t>‹#›</a:t>
             </a:fld>
             <a:endParaRPr lang="cs-CZ"/>
@@ -1077,6 +1086,7 @@
           <a:p>
             <a:fld id="{05E52907-2D03-4438-A321-7E307A5A68DD}" type="datetimeFigureOut">
               <a:rPr lang="cs-CZ" smtClean="0"/>
+              <a:pPr/>
               <a:t>28.5.2014</a:t>
             </a:fld>
             <a:endParaRPr lang="cs-CZ"/>
@@ -1119,6 +1129,7 @@
           <a:p>
             <a:fld id="{CDDEC883-4BD0-4B32-BAC4-6267C6414A9C}" type="slidenum">
               <a:rPr lang="cs-CZ" smtClean="0"/>
+              <a:pPr/>
               <a:t>‹#›</a:t>
             </a:fld>
             <a:endParaRPr lang="cs-CZ"/>
@@ -1260,6 +1271,7 @@
           <a:p>
             <a:fld id="{05E52907-2D03-4438-A321-7E307A5A68DD}" type="datetimeFigureOut">
               <a:rPr lang="cs-CZ" smtClean="0"/>
+              <a:pPr/>
               <a:t>28.5.2014</a:t>
             </a:fld>
             <a:endParaRPr lang="cs-CZ"/>
@@ -1302,6 +1314,7 @@
           <a:p>
             <a:fld id="{CDDEC883-4BD0-4B32-BAC4-6267C6414A9C}" type="slidenum">
               <a:rPr lang="cs-CZ" smtClean="0"/>
+              <a:pPr/>
               <a:t>‹#›</a:t>
             </a:fld>
             <a:endParaRPr lang="cs-CZ"/>
@@ -1522,6 +1535,7 @@
           <a:p>
             <a:fld id="{05E52907-2D03-4438-A321-7E307A5A68DD}" type="datetimeFigureOut">
               <a:rPr lang="cs-CZ" smtClean="0"/>
+              <a:pPr/>
               <a:t>28.5.2014</a:t>
             </a:fld>
             <a:endParaRPr lang="cs-CZ"/>
@@ -1564,6 +1578,7 @@
           <a:p>
             <a:fld id="{CDDEC883-4BD0-4B32-BAC4-6267C6414A9C}" type="slidenum">
               <a:rPr lang="cs-CZ" smtClean="0"/>
+              <a:pPr/>
               <a:t>‹#›</a:t>
             </a:fld>
             <a:endParaRPr lang="cs-CZ"/>
@@ -1870,6 +1885,7 @@
           <a:p>
             <a:fld id="{05E52907-2D03-4438-A321-7E307A5A68DD}" type="datetimeFigureOut">
               <a:rPr lang="cs-CZ" smtClean="0"/>
+              <a:pPr/>
               <a:t>28.5.2014</a:t>
             </a:fld>
             <a:endParaRPr lang="cs-CZ"/>
@@ -1912,6 +1928,7 @@
           <a:p>
             <a:fld id="{CDDEC883-4BD0-4B32-BAC4-6267C6414A9C}" type="slidenum">
               <a:rPr lang="cs-CZ" smtClean="0"/>
+              <a:pPr/>
               <a:t>‹#›</a:t>
             </a:fld>
             <a:endParaRPr lang="cs-CZ"/>
@@ -2178,6 +2195,7 @@
           <a:p>
             <a:fld id="{05E52907-2D03-4438-A321-7E307A5A68DD}" type="datetimeFigureOut">
               <a:rPr lang="cs-CZ" smtClean="0"/>
+              <a:pPr/>
               <a:t>28.5.2014</a:t>
             </a:fld>
             <a:endParaRPr lang="cs-CZ"/>
@@ -2220,6 +2238,7 @@
           <a:p>
             <a:fld id="{CDDEC883-4BD0-4B32-BAC4-6267C6414A9C}" type="slidenum">
               <a:rPr lang="cs-CZ" smtClean="0"/>
+              <a:pPr/>
               <a:t>‹#›</a:t>
             </a:fld>
             <a:endParaRPr lang="cs-CZ"/>
@@ -2405,6 +2424,7 @@
           <a:p>
             <a:fld id="{05E52907-2D03-4438-A321-7E307A5A68DD}" type="datetimeFigureOut">
               <a:rPr lang="cs-CZ" smtClean="0"/>
+              <a:pPr/>
               <a:t>28.5.2014</a:t>
             </a:fld>
             <a:endParaRPr lang="cs-CZ"/>
@@ -2447,6 +2467,7 @@
           <a:p>
             <a:fld id="{CDDEC883-4BD0-4B32-BAC4-6267C6414A9C}" type="slidenum">
               <a:rPr lang="cs-CZ" smtClean="0"/>
+              <a:pPr/>
               <a:t>‹#›</a:t>
             </a:fld>
             <a:endParaRPr lang="cs-CZ"/>
@@ -2495,6 +2516,7 @@
           <a:p>
             <a:fld id="{05E52907-2D03-4438-A321-7E307A5A68DD}" type="datetimeFigureOut">
               <a:rPr lang="cs-CZ" smtClean="0"/>
+              <a:pPr/>
               <a:t>28.5.2014</a:t>
             </a:fld>
             <a:endParaRPr lang="cs-CZ"/>
@@ -2537,6 +2559,7 @@
           <a:p>
             <a:fld id="{CDDEC883-4BD0-4B32-BAC4-6267C6414A9C}" type="slidenum">
               <a:rPr lang="cs-CZ" smtClean="0"/>
+              <a:pPr/>
               <a:t>‹#›</a:t>
             </a:fld>
             <a:endParaRPr lang="cs-CZ"/>
@@ -2783,6 +2806,7 @@
           <a:p>
             <a:fld id="{05E52907-2D03-4438-A321-7E307A5A68DD}" type="datetimeFigureOut">
               <a:rPr lang="cs-CZ" smtClean="0"/>
+              <a:pPr/>
               <a:t>28.5.2014</a:t>
             </a:fld>
             <a:endParaRPr lang="cs-CZ"/>
@@ -2825,6 +2849,7 @@
           <a:p>
             <a:fld id="{CDDEC883-4BD0-4B32-BAC4-6267C6414A9C}" type="slidenum">
               <a:rPr lang="cs-CZ" smtClean="0"/>
+              <a:pPr/>
               <a:t>‹#›</a:t>
             </a:fld>
             <a:endParaRPr lang="cs-CZ"/>
@@ -3052,6 +3077,7 @@
           <a:p>
             <a:fld id="{05E52907-2D03-4438-A321-7E307A5A68DD}" type="datetimeFigureOut">
               <a:rPr lang="cs-CZ" smtClean="0"/>
+              <a:pPr/>
               <a:t>28.5.2014</a:t>
             </a:fld>
             <a:endParaRPr lang="cs-CZ"/>
@@ -3094,6 +3120,7 @@
           <a:p>
             <a:fld id="{CDDEC883-4BD0-4B32-BAC4-6267C6414A9C}" type="slidenum">
               <a:rPr lang="cs-CZ" smtClean="0"/>
+              <a:pPr/>
               <a:t>‹#›</a:t>
             </a:fld>
             <a:endParaRPr lang="cs-CZ"/>
@@ -3262,6 +3289,7 @@
           <a:p>
             <a:fld id="{05E52907-2D03-4438-A321-7E307A5A68DD}" type="datetimeFigureOut">
               <a:rPr lang="cs-CZ" smtClean="0"/>
+              <a:pPr/>
               <a:t>28.5.2014</a:t>
             </a:fld>
             <a:endParaRPr lang="cs-CZ"/>
@@ -3344,6 +3372,7 @@
           <a:p>
             <a:fld id="{CDDEC883-4BD0-4B32-BAC4-6267C6414A9C}" type="slidenum">
               <a:rPr lang="cs-CZ" smtClean="0"/>
+              <a:pPr/>
               <a:t>‹#›</a:t>
             </a:fld>
             <a:endParaRPr lang="cs-CZ"/>
@@ -4164,7 +4193,7 @@
     </p:spTree>
     <p:extLst>
       <p:ext uri="{BB962C8B-B14F-4D97-AF65-F5344CB8AC3E}">
-        <p14:creationId xmlns:p14="http://schemas.microsoft.com/office/powerpoint/2010/main" val="2499574105"/>
+        <p14:creationId xmlns:p14="http://schemas.microsoft.com/office/powerpoint/2010/main" xmlns="" val="2499574105"/>
       </p:ext>
     </p:extLst>
   </p:cSld>
@@ -4172,7 +4201,7 @@
     <a:masterClrMapping/>
   </p:clrMapOvr>
   <mc:AlternateContent xmlns:mc="http://schemas.openxmlformats.org/markup-compatibility/2006">
-    <mc:Choice xmlns:p14="http://schemas.microsoft.com/office/powerpoint/2010/main" Requires="p14">
+    <mc:Choice xmlns:p14="http://schemas.microsoft.com/office/powerpoint/2010/main" xmlns="" Requires="p14">
       <p:transition p14:dur="0"/>
     </mc:Choice>
     <mc:Fallback>
@@ -4576,7 +4605,7 @@
           <a:blip r:embed="rId2">
             <a:extLst>
               <a:ext uri="{28A0092B-C50C-407E-A947-70E740481C1C}">
-                <a14:useLocalDpi xmlns:a14="http://schemas.microsoft.com/office/drawing/2010/main" val="0"/>
+                <a14:useLocalDpi xmlns:a14="http://schemas.microsoft.com/office/drawing/2010/main" xmlns="" val="0"/>
               </a:ext>
             </a:extLst>
           </a:blip>
@@ -4597,7 +4626,7 @@
     </p:spTree>
     <p:extLst>
       <p:ext uri="{BB962C8B-B14F-4D97-AF65-F5344CB8AC3E}">
-        <p14:creationId xmlns:p14="http://schemas.microsoft.com/office/powerpoint/2010/main" val="1253192387"/>
+        <p14:creationId xmlns:p14="http://schemas.microsoft.com/office/powerpoint/2010/main" xmlns="" val="1253192387"/>
       </p:ext>
     </p:extLst>
   </p:cSld>
@@ -4922,7 +4951,7 @@
           <a:blip r:embed="rId2">
             <a:extLst>
               <a:ext uri="{28A0092B-C50C-407E-A947-70E740481C1C}">
-                <a14:useLocalDpi xmlns:a14="http://schemas.microsoft.com/office/drawing/2010/main" val="0"/>
+                <a14:useLocalDpi xmlns:a14="http://schemas.microsoft.com/office/drawing/2010/main" xmlns="" val="0"/>
               </a:ext>
             </a:extLst>
           </a:blip>
@@ -4943,7 +4972,7 @@
     </p:spTree>
     <p:extLst>
       <p:ext uri="{BB962C8B-B14F-4D97-AF65-F5344CB8AC3E}">
-        <p14:creationId xmlns:p14="http://schemas.microsoft.com/office/powerpoint/2010/main" val="2644525155"/>
+        <p14:creationId xmlns:p14="http://schemas.microsoft.com/office/powerpoint/2010/main" xmlns="" val="2644525155"/>
       </p:ext>
     </p:extLst>
   </p:cSld>
@@ -5268,7 +5297,7 @@
           <a:blip r:embed="rId2">
             <a:extLst>
               <a:ext uri="{28A0092B-C50C-407E-A947-70E740481C1C}">
-                <a14:useLocalDpi xmlns:a14="http://schemas.microsoft.com/office/drawing/2010/main" val="0"/>
+                <a14:useLocalDpi xmlns:a14="http://schemas.microsoft.com/office/drawing/2010/main" xmlns="" val="0"/>
               </a:ext>
             </a:extLst>
           </a:blip>
@@ -5289,7 +5318,7 @@
     </p:spTree>
     <p:extLst>
       <p:ext uri="{BB962C8B-B14F-4D97-AF65-F5344CB8AC3E}">
-        <p14:creationId xmlns:p14="http://schemas.microsoft.com/office/powerpoint/2010/main" val="3110968368"/>
+        <p14:creationId xmlns:p14="http://schemas.microsoft.com/office/powerpoint/2010/main" xmlns="" val="3110968368"/>
       </p:ext>
     </p:extLst>
   </p:cSld>
@@ -5614,7 +5643,7 @@
           <a:blip r:embed="rId2">
             <a:extLst>
               <a:ext uri="{28A0092B-C50C-407E-A947-70E740481C1C}">
-                <a14:useLocalDpi xmlns:a14="http://schemas.microsoft.com/office/drawing/2010/main" val="0"/>
+                <a14:useLocalDpi xmlns:a14="http://schemas.microsoft.com/office/drawing/2010/main" xmlns="" val="0"/>
               </a:ext>
             </a:extLst>
           </a:blip>
@@ -5644,7 +5673,7 @@
           <a:blip r:embed="rId3">
             <a:extLst>
               <a:ext uri="{28A0092B-C50C-407E-A947-70E740481C1C}">
-                <a14:useLocalDpi xmlns:a14="http://schemas.microsoft.com/office/drawing/2010/main" val="0"/>
+                <a14:useLocalDpi xmlns:a14="http://schemas.microsoft.com/office/drawing/2010/main" xmlns="" val="0"/>
               </a:ext>
             </a:extLst>
           </a:blip>
@@ -5665,7 +5694,7 @@
     </p:spTree>
     <p:extLst>
       <p:ext uri="{BB962C8B-B14F-4D97-AF65-F5344CB8AC3E}">
-        <p14:creationId xmlns:p14="http://schemas.microsoft.com/office/powerpoint/2010/main" val="3202355631"/>
+        <p14:creationId xmlns:p14="http://schemas.microsoft.com/office/powerpoint/2010/main" xmlns="" val="3202355631"/>
       </p:ext>
     </p:extLst>
   </p:cSld>
@@ -5990,7 +6019,7 @@
           <a:blip r:embed="rId2">
             <a:extLst>
               <a:ext uri="{28A0092B-C50C-407E-A947-70E740481C1C}">
-                <a14:useLocalDpi xmlns:a14="http://schemas.microsoft.com/office/drawing/2010/main" val="0"/>
+                <a14:useLocalDpi xmlns:a14="http://schemas.microsoft.com/office/drawing/2010/main" xmlns="" val="0"/>
               </a:ext>
             </a:extLst>
           </a:blip>
@@ -6011,7 +6040,7 @@
     </p:spTree>
     <p:extLst>
       <p:ext uri="{BB962C8B-B14F-4D97-AF65-F5344CB8AC3E}">
-        <p14:creationId xmlns:p14="http://schemas.microsoft.com/office/powerpoint/2010/main" val="3350802733"/>
+        <p14:creationId xmlns:p14="http://schemas.microsoft.com/office/powerpoint/2010/main" xmlns="" val="3350802733"/>
       </p:ext>
     </p:extLst>
   </p:cSld>
@@ -6371,7 +6400,7 @@
     </p:spTree>
     <p:extLst>
       <p:ext uri="{BB962C8B-B14F-4D97-AF65-F5344CB8AC3E}">
-        <p14:creationId xmlns:p14="http://schemas.microsoft.com/office/powerpoint/2010/main" val="3418949683"/>
+        <p14:creationId xmlns:p14="http://schemas.microsoft.com/office/powerpoint/2010/main" xmlns="" val="3418949683"/>
       </p:ext>
     </p:extLst>
   </p:cSld>
@@ -6749,7 +6778,7 @@
           <a:blip r:embed="rId2">
             <a:extLst>
               <a:ext uri="{28A0092B-C50C-407E-A947-70E740481C1C}">
-                <a14:useLocalDpi xmlns:a14="http://schemas.microsoft.com/office/drawing/2010/main" val="0"/>
+                <a14:useLocalDpi xmlns:a14="http://schemas.microsoft.com/office/drawing/2010/main" xmlns="" val="0"/>
               </a:ext>
             </a:extLst>
           </a:blip>
@@ -6770,7 +6799,7 @@
     </p:spTree>
     <p:extLst>
       <p:ext uri="{BB962C8B-B14F-4D97-AF65-F5344CB8AC3E}">
-        <p14:creationId xmlns:p14="http://schemas.microsoft.com/office/powerpoint/2010/main" val="3703899041"/>
+        <p14:creationId xmlns:p14="http://schemas.microsoft.com/office/powerpoint/2010/main" xmlns="" val="3703899041"/>
       </p:ext>
     </p:extLst>
   </p:cSld>
@@ -6937,7 +6966,7 @@
           <a:blip r:embed="rId2">
             <a:extLst>
               <a:ext uri="{28A0092B-C50C-407E-A947-70E740481C1C}">
-                <a14:useLocalDpi xmlns:a14="http://schemas.microsoft.com/office/drawing/2010/main" val="0"/>
+                <a14:useLocalDpi xmlns:a14="http://schemas.microsoft.com/office/drawing/2010/main" xmlns="" val="0"/>
               </a:ext>
             </a:extLst>
           </a:blip>
@@ -6960,14 +6989,14 @@
           </a:ln>
           <a:extLst>
             <a:ext uri="{909E8E84-426E-40DD-AFC4-6F175D3DCCD1}">
-              <a14:hiddenFill xmlns:a14="http://schemas.microsoft.com/office/drawing/2010/main">
+              <a14:hiddenFill xmlns:a14="http://schemas.microsoft.com/office/drawing/2010/main" xmlns="">
                 <a:solidFill>
                   <a:schemeClr val="accent1"/>
                 </a:solidFill>
               </a14:hiddenFill>
             </a:ext>
             <a:ext uri="{91240B29-F687-4F45-9708-019B960494DF}">
-              <a14:hiddenLine xmlns:a14="http://schemas.microsoft.com/office/drawing/2010/main" w="9525">
+              <a14:hiddenLine xmlns:a14="http://schemas.microsoft.com/office/drawing/2010/main" xmlns="" w="9525">
                 <a:solidFill>
                   <a:schemeClr val="tx1"/>
                 </a:solidFill>
@@ -6991,7 +7020,7 @@
           <a:blip r:embed="rId3">
             <a:extLst>
               <a:ext uri="{28A0092B-C50C-407E-A947-70E740481C1C}">
-                <a14:useLocalDpi xmlns:a14="http://schemas.microsoft.com/office/drawing/2010/main" val="0"/>
+                <a14:useLocalDpi xmlns:a14="http://schemas.microsoft.com/office/drawing/2010/main" xmlns="" val="0"/>
               </a:ext>
             </a:extLst>
           </a:blip>
@@ -7014,14 +7043,14 @@
           </a:ln>
           <a:extLst>
             <a:ext uri="{909E8E84-426E-40DD-AFC4-6F175D3DCCD1}">
-              <a14:hiddenFill xmlns:a14="http://schemas.microsoft.com/office/drawing/2010/main">
+              <a14:hiddenFill xmlns:a14="http://schemas.microsoft.com/office/drawing/2010/main" xmlns="">
                 <a:solidFill>
                   <a:schemeClr val="accent1"/>
                 </a:solidFill>
               </a14:hiddenFill>
             </a:ext>
             <a:ext uri="{91240B29-F687-4F45-9708-019B960494DF}">
-              <a14:hiddenLine xmlns:a14="http://schemas.microsoft.com/office/drawing/2010/main" w="9525">
+              <a14:hiddenLine xmlns:a14="http://schemas.microsoft.com/office/drawing/2010/main" xmlns="" w="9525">
                 <a:solidFill>
                   <a:schemeClr val="tx1"/>
                 </a:solidFill>
@@ -7036,7 +7065,7 @@
     </p:spTree>
     <p:extLst>
       <p:ext uri="{BB962C8B-B14F-4D97-AF65-F5344CB8AC3E}">
-        <p14:creationId xmlns:p14="http://schemas.microsoft.com/office/powerpoint/2010/main" val="2112607337"/>
+        <p14:creationId xmlns:p14="http://schemas.microsoft.com/office/powerpoint/2010/main" xmlns="" val="2112607337"/>
       </p:ext>
     </p:extLst>
   </p:cSld>
@@ -7146,7 +7175,7 @@
           <a:blip r:embed="rId2">
             <a:extLst>
               <a:ext uri="{28A0092B-C50C-407E-A947-70E740481C1C}">
-                <a14:useLocalDpi xmlns:a14="http://schemas.microsoft.com/office/drawing/2010/main" val="0"/>
+                <a14:useLocalDpi xmlns:a14="http://schemas.microsoft.com/office/drawing/2010/main" xmlns="" val="0"/>
               </a:ext>
             </a:extLst>
           </a:blip>
@@ -7169,14 +7198,14 @@
           </a:ln>
           <a:extLst>
             <a:ext uri="{909E8E84-426E-40DD-AFC4-6F175D3DCCD1}">
-              <a14:hiddenFill xmlns:a14="http://schemas.microsoft.com/office/drawing/2010/main">
+              <a14:hiddenFill xmlns:a14="http://schemas.microsoft.com/office/drawing/2010/main" xmlns="">
                 <a:solidFill>
                   <a:schemeClr val="accent1"/>
                 </a:solidFill>
               </a14:hiddenFill>
             </a:ext>
             <a:ext uri="{91240B29-F687-4F45-9708-019B960494DF}">
-              <a14:hiddenLine xmlns:a14="http://schemas.microsoft.com/office/drawing/2010/main" w="9525">
+              <a14:hiddenLine xmlns:a14="http://schemas.microsoft.com/office/drawing/2010/main" xmlns="" w="9525">
                 <a:solidFill>
                   <a:schemeClr val="tx1"/>
                 </a:solidFill>
@@ -7200,7 +7229,7 @@
           <a:blip r:embed="rId3">
             <a:extLst>
               <a:ext uri="{28A0092B-C50C-407E-A947-70E740481C1C}">
-                <a14:useLocalDpi xmlns:a14="http://schemas.microsoft.com/office/drawing/2010/main" val="0"/>
+                <a14:useLocalDpi xmlns:a14="http://schemas.microsoft.com/office/drawing/2010/main" xmlns="" val="0"/>
               </a:ext>
             </a:extLst>
           </a:blip>
@@ -7220,7 +7249,7 @@
           <a:noFill/>
           <a:extLst>
             <a:ext uri="{909E8E84-426E-40DD-AFC4-6F175D3DCCD1}">
-              <a14:hiddenFill xmlns:a14="http://schemas.microsoft.com/office/drawing/2010/main">
+              <a14:hiddenFill xmlns:a14="http://schemas.microsoft.com/office/drawing/2010/main" xmlns="">
                 <a:solidFill>
                   <a:srgbClr val="FFFFFF"/>
                 </a:solidFill>
@@ -7241,7 +7270,7 @@
           <a:blip r:embed="rId4">
             <a:extLst>
               <a:ext uri="{28A0092B-C50C-407E-A947-70E740481C1C}">
-                <a14:useLocalDpi xmlns:a14="http://schemas.microsoft.com/office/drawing/2010/main" val="0"/>
+                <a14:useLocalDpi xmlns:a14="http://schemas.microsoft.com/office/drawing/2010/main" xmlns="" val="0"/>
               </a:ext>
             </a:extLst>
           </a:blip>
@@ -7264,14 +7293,14 @@
           </a:ln>
           <a:extLst>
             <a:ext uri="{909E8E84-426E-40DD-AFC4-6F175D3DCCD1}">
-              <a14:hiddenFill xmlns:a14="http://schemas.microsoft.com/office/drawing/2010/main">
+              <a14:hiddenFill xmlns:a14="http://schemas.microsoft.com/office/drawing/2010/main" xmlns="">
                 <a:solidFill>
                   <a:schemeClr val="accent1"/>
                 </a:solidFill>
               </a14:hiddenFill>
             </a:ext>
             <a:ext uri="{91240B29-F687-4F45-9708-019B960494DF}">
-              <a14:hiddenLine xmlns:a14="http://schemas.microsoft.com/office/drawing/2010/main" w="9525">
+              <a14:hiddenLine xmlns:a14="http://schemas.microsoft.com/office/drawing/2010/main" xmlns="" w="9525">
                 <a:solidFill>
                   <a:schemeClr val="tx1"/>
                 </a:solidFill>
@@ -7295,7 +7324,7 @@
           <a:blip r:embed="rId5">
             <a:extLst>
               <a:ext uri="{28A0092B-C50C-407E-A947-70E740481C1C}">
-                <a14:useLocalDpi xmlns:a14="http://schemas.microsoft.com/office/drawing/2010/main" val="0"/>
+                <a14:useLocalDpi xmlns:a14="http://schemas.microsoft.com/office/drawing/2010/main" xmlns="" val="0"/>
               </a:ext>
             </a:extLst>
           </a:blip>
@@ -7315,7 +7344,7 @@
           <a:noFill/>
           <a:extLst>
             <a:ext uri="{909E8E84-426E-40DD-AFC4-6F175D3DCCD1}">
-              <a14:hiddenFill xmlns:a14="http://schemas.microsoft.com/office/drawing/2010/main">
+              <a14:hiddenFill xmlns:a14="http://schemas.microsoft.com/office/drawing/2010/main" xmlns="">
                 <a:solidFill>
                   <a:srgbClr val="FFFFFF"/>
                 </a:solidFill>
@@ -7411,7 +7440,7 @@
     </p:spTree>
     <p:extLst>
       <p:ext uri="{BB962C8B-B14F-4D97-AF65-F5344CB8AC3E}">
-        <p14:creationId xmlns:p14="http://schemas.microsoft.com/office/powerpoint/2010/main" val="1512994020"/>
+        <p14:creationId xmlns:p14="http://schemas.microsoft.com/office/powerpoint/2010/main" xmlns="" val="1512994020"/>
       </p:ext>
     </p:extLst>
   </p:cSld>
@@ -7497,7 +7526,7 @@
           <a:blip r:embed="rId2">
             <a:extLst>
               <a:ext uri="{28A0092B-C50C-407E-A947-70E740481C1C}">
-                <a14:useLocalDpi xmlns:a14="http://schemas.microsoft.com/office/drawing/2010/main" val="0"/>
+                <a14:useLocalDpi xmlns:a14="http://schemas.microsoft.com/office/drawing/2010/main" xmlns="" val="0"/>
               </a:ext>
             </a:extLst>
           </a:blip>
@@ -7520,14 +7549,14 @@
           </a:ln>
           <a:extLst>
             <a:ext uri="{909E8E84-426E-40DD-AFC4-6F175D3DCCD1}">
-              <a14:hiddenFill xmlns:a14="http://schemas.microsoft.com/office/drawing/2010/main">
+              <a14:hiddenFill xmlns:a14="http://schemas.microsoft.com/office/drawing/2010/main" xmlns="">
                 <a:solidFill>
                   <a:schemeClr val="accent1"/>
                 </a:solidFill>
               </a14:hiddenFill>
             </a:ext>
             <a:ext uri="{91240B29-F687-4F45-9708-019B960494DF}">
-              <a14:hiddenLine xmlns:a14="http://schemas.microsoft.com/office/drawing/2010/main" w="9525">
+              <a14:hiddenLine xmlns:a14="http://schemas.microsoft.com/office/drawing/2010/main" xmlns="" w="9525">
                 <a:solidFill>
                   <a:schemeClr val="tx1"/>
                 </a:solidFill>
@@ -7551,7 +7580,7 @@
           <a:blip r:embed="rId3">
             <a:extLst>
               <a:ext uri="{28A0092B-C50C-407E-A947-70E740481C1C}">
-                <a14:useLocalDpi xmlns:a14="http://schemas.microsoft.com/office/drawing/2010/main" val="0"/>
+                <a14:useLocalDpi xmlns:a14="http://schemas.microsoft.com/office/drawing/2010/main" xmlns="" val="0"/>
               </a:ext>
             </a:extLst>
           </a:blip>
@@ -7574,14 +7603,14 @@
           </a:ln>
           <a:extLst>
             <a:ext uri="{909E8E84-426E-40DD-AFC4-6F175D3DCCD1}">
-              <a14:hiddenFill xmlns:a14="http://schemas.microsoft.com/office/drawing/2010/main">
+              <a14:hiddenFill xmlns:a14="http://schemas.microsoft.com/office/drawing/2010/main" xmlns="">
                 <a:solidFill>
                   <a:schemeClr val="accent1"/>
                 </a:solidFill>
               </a14:hiddenFill>
             </a:ext>
             <a:ext uri="{91240B29-F687-4F45-9708-019B960494DF}">
-              <a14:hiddenLine xmlns:a14="http://schemas.microsoft.com/office/drawing/2010/main" w="9525">
+              <a14:hiddenLine xmlns:a14="http://schemas.microsoft.com/office/drawing/2010/main" xmlns="" w="9525">
                 <a:solidFill>
                   <a:schemeClr val="tx1"/>
                 </a:solidFill>
@@ -7680,7 +7709,7 @@
     </p:spTree>
     <p:extLst>
       <p:ext uri="{BB962C8B-B14F-4D97-AF65-F5344CB8AC3E}">
-        <p14:creationId xmlns:p14="http://schemas.microsoft.com/office/powerpoint/2010/main" val="2486539983"/>
+        <p14:creationId xmlns:p14="http://schemas.microsoft.com/office/powerpoint/2010/main" xmlns="" val="2486539983"/>
       </p:ext>
     </p:extLst>
   </p:cSld>
@@ -7978,7 +8007,7 @@
     </p:spTree>
     <p:extLst>
       <p:ext uri="{BB962C8B-B14F-4D97-AF65-F5344CB8AC3E}">
-        <p14:creationId xmlns:p14="http://schemas.microsoft.com/office/powerpoint/2010/main" val="3347849268"/>
+        <p14:creationId xmlns:p14="http://schemas.microsoft.com/office/powerpoint/2010/main" xmlns="" val="3347849268"/>
       </p:ext>
     </p:extLst>
   </p:cSld>
@@ -8196,7 +8225,7 @@
           <a:blip r:embed="rId2">
             <a:extLst>
               <a:ext uri="{28A0092B-C50C-407E-A947-70E740481C1C}">
-                <a14:useLocalDpi xmlns:a14="http://schemas.microsoft.com/office/drawing/2010/main" val="0"/>
+                <a14:useLocalDpi xmlns:a14="http://schemas.microsoft.com/office/drawing/2010/main" xmlns="" val="0"/>
               </a:ext>
             </a:extLst>
           </a:blip>
@@ -8219,14 +8248,14 @@
           </a:ln>
           <a:extLst>
             <a:ext uri="{909E8E84-426E-40DD-AFC4-6F175D3DCCD1}">
-              <a14:hiddenFill xmlns:a14="http://schemas.microsoft.com/office/drawing/2010/main">
+              <a14:hiddenFill xmlns:a14="http://schemas.microsoft.com/office/drawing/2010/main" xmlns="">
                 <a:solidFill>
                   <a:schemeClr val="accent1"/>
                 </a:solidFill>
               </a14:hiddenFill>
             </a:ext>
             <a:ext uri="{91240B29-F687-4F45-9708-019B960494DF}">
-              <a14:hiddenLine xmlns:a14="http://schemas.microsoft.com/office/drawing/2010/main" w="9525">
+              <a14:hiddenLine xmlns:a14="http://schemas.microsoft.com/office/drawing/2010/main" xmlns="" w="9525">
                 <a:solidFill>
                   <a:schemeClr val="tx1"/>
                 </a:solidFill>
@@ -8250,7 +8279,7 @@
           <a:blip r:embed="rId3">
             <a:extLst>
               <a:ext uri="{28A0092B-C50C-407E-A947-70E740481C1C}">
-                <a14:useLocalDpi xmlns:a14="http://schemas.microsoft.com/office/drawing/2010/main" val="0"/>
+                <a14:useLocalDpi xmlns:a14="http://schemas.microsoft.com/office/drawing/2010/main" xmlns="" val="0"/>
               </a:ext>
             </a:extLst>
           </a:blip>
@@ -8273,14 +8302,14 @@
           </a:ln>
           <a:extLst>
             <a:ext uri="{909E8E84-426E-40DD-AFC4-6F175D3DCCD1}">
-              <a14:hiddenFill xmlns:a14="http://schemas.microsoft.com/office/drawing/2010/main">
+              <a14:hiddenFill xmlns:a14="http://schemas.microsoft.com/office/drawing/2010/main" xmlns="">
                 <a:solidFill>
                   <a:schemeClr val="accent1"/>
                 </a:solidFill>
               </a14:hiddenFill>
             </a:ext>
             <a:ext uri="{91240B29-F687-4F45-9708-019B960494DF}">
-              <a14:hiddenLine xmlns:a14="http://schemas.microsoft.com/office/drawing/2010/main" w="9525">
+              <a14:hiddenLine xmlns:a14="http://schemas.microsoft.com/office/drawing/2010/main" xmlns="" w="9525">
                 <a:solidFill>
                   <a:schemeClr val="tx1"/>
                 </a:solidFill>
@@ -8384,7 +8413,7 @@
           <a:blip r:embed="rId4">
             <a:extLst>
               <a:ext uri="{28A0092B-C50C-407E-A947-70E740481C1C}">
-                <a14:useLocalDpi xmlns:a14="http://schemas.microsoft.com/office/drawing/2010/main" val="0"/>
+                <a14:useLocalDpi xmlns:a14="http://schemas.microsoft.com/office/drawing/2010/main" xmlns="" val="0"/>
               </a:ext>
             </a:extLst>
           </a:blip>
@@ -8407,14 +8436,14 @@
           </a:ln>
           <a:extLst>
             <a:ext uri="{909E8E84-426E-40DD-AFC4-6F175D3DCCD1}">
-              <a14:hiddenFill xmlns:a14="http://schemas.microsoft.com/office/drawing/2010/main">
+              <a14:hiddenFill xmlns:a14="http://schemas.microsoft.com/office/drawing/2010/main" xmlns="">
                 <a:solidFill>
                   <a:schemeClr val="accent1"/>
                 </a:solidFill>
               </a14:hiddenFill>
             </a:ext>
             <a:ext uri="{91240B29-F687-4F45-9708-019B960494DF}">
-              <a14:hiddenLine xmlns:a14="http://schemas.microsoft.com/office/drawing/2010/main" w="9525">
+              <a14:hiddenLine xmlns:a14="http://schemas.microsoft.com/office/drawing/2010/main" xmlns="" w="9525">
                 <a:solidFill>
                   <a:schemeClr val="tx1"/>
                 </a:solidFill>
@@ -8506,7 +8535,7 @@
     </p:spTree>
     <p:extLst>
       <p:ext uri="{BB962C8B-B14F-4D97-AF65-F5344CB8AC3E}">
-        <p14:creationId xmlns:p14="http://schemas.microsoft.com/office/powerpoint/2010/main" val="4200869030"/>
+        <p14:creationId xmlns:p14="http://schemas.microsoft.com/office/powerpoint/2010/main" xmlns="" val="4200869030"/>
       </p:ext>
     </p:extLst>
   </p:cSld>
@@ -8826,7 +8855,7 @@
           <a:blip r:embed="rId2">
             <a:extLst>
               <a:ext uri="{28A0092B-C50C-407E-A947-70E740481C1C}">
-                <a14:useLocalDpi xmlns:a14="http://schemas.microsoft.com/office/drawing/2010/main" val="0"/>
+                <a14:useLocalDpi xmlns:a14="http://schemas.microsoft.com/office/drawing/2010/main" xmlns="" val="0"/>
               </a:ext>
             </a:extLst>
           </a:blip>
@@ -8849,14 +8878,14 @@
           </a:ln>
           <a:extLst>
             <a:ext uri="{909E8E84-426E-40DD-AFC4-6F175D3DCCD1}">
-              <a14:hiddenFill xmlns:a14="http://schemas.microsoft.com/office/drawing/2010/main">
+              <a14:hiddenFill xmlns:a14="http://schemas.microsoft.com/office/drawing/2010/main" xmlns="">
                 <a:solidFill>
                   <a:schemeClr val="accent1"/>
                 </a:solidFill>
               </a14:hiddenFill>
             </a:ext>
             <a:ext uri="{91240B29-F687-4F45-9708-019B960494DF}">
-              <a14:hiddenLine xmlns:a14="http://schemas.microsoft.com/office/drawing/2010/main" w="9525">
+              <a14:hiddenLine xmlns:a14="http://schemas.microsoft.com/office/drawing/2010/main" xmlns="" w="9525">
                 <a:solidFill>
                   <a:schemeClr val="tx1"/>
                 </a:solidFill>
@@ -8880,7 +8909,7 @@
           <a:blip r:embed="rId3">
             <a:extLst>
               <a:ext uri="{28A0092B-C50C-407E-A947-70E740481C1C}">
-                <a14:useLocalDpi xmlns:a14="http://schemas.microsoft.com/office/drawing/2010/main" val="0"/>
+                <a14:useLocalDpi xmlns:a14="http://schemas.microsoft.com/office/drawing/2010/main" xmlns="" val="0"/>
               </a:ext>
             </a:extLst>
           </a:blip>
@@ -8903,14 +8932,14 @@
           </a:ln>
           <a:extLst>
             <a:ext uri="{909E8E84-426E-40DD-AFC4-6F175D3DCCD1}">
-              <a14:hiddenFill xmlns:a14="http://schemas.microsoft.com/office/drawing/2010/main">
+              <a14:hiddenFill xmlns:a14="http://schemas.microsoft.com/office/drawing/2010/main" xmlns="">
                 <a:solidFill>
                   <a:schemeClr val="accent1"/>
                 </a:solidFill>
               </a14:hiddenFill>
             </a:ext>
             <a:ext uri="{91240B29-F687-4F45-9708-019B960494DF}">
-              <a14:hiddenLine xmlns:a14="http://schemas.microsoft.com/office/drawing/2010/main" w="9525">
+              <a14:hiddenLine xmlns:a14="http://schemas.microsoft.com/office/drawing/2010/main" xmlns="" w="9525">
                 <a:solidFill>
                   <a:schemeClr val="tx1"/>
                 </a:solidFill>
@@ -8934,7 +8963,7 @@
           <a:blip r:embed="rId4">
             <a:extLst>
               <a:ext uri="{28A0092B-C50C-407E-A947-70E740481C1C}">
-                <a14:useLocalDpi xmlns:a14="http://schemas.microsoft.com/office/drawing/2010/main" val="0"/>
+                <a14:useLocalDpi xmlns:a14="http://schemas.microsoft.com/office/drawing/2010/main" xmlns="" val="0"/>
               </a:ext>
             </a:extLst>
           </a:blip>
@@ -8957,14 +8986,14 @@
           </a:ln>
           <a:extLst>
             <a:ext uri="{909E8E84-426E-40DD-AFC4-6F175D3DCCD1}">
-              <a14:hiddenFill xmlns:a14="http://schemas.microsoft.com/office/drawing/2010/main">
+              <a14:hiddenFill xmlns:a14="http://schemas.microsoft.com/office/drawing/2010/main" xmlns="">
                 <a:solidFill>
                   <a:schemeClr val="accent1"/>
                 </a:solidFill>
               </a14:hiddenFill>
             </a:ext>
             <a:ext uri="{91240B29-F687-4F45-9708-019B960494DF}">
-              <a14:hiddenLine xmlns:a14="http://schemas.microsoft.com/office/drawing/2010/main" w="9525">
+              <a14:hiddenLine xmlns:a14="http://schemas.microsoft.com/office/drawing/2010/main" xmlns="" w="9525">
                 <a:solidFill>
                   <a:schemeClr val="tx1"/>
                 </a:solidFill>
@@ -8979,7 +9008,7 @@
     </p:spTree>
     <p:extLst>
       <p:ext uri="{BB962C8B-B14F-4D97-AF65-F5344CB8AC3E}">
-        <p14:creationId xmlns:p14="http://schemas.microsoft.com/office/powerpoint/2010/main" val="1249673078"/>
+        <p14:creationId xmlns:p14="http://schemas.microsoft.com/office/powerpoint/2010/main" xmlns="" val="1249673078"/>
       </p:ext>
     </p:extLst>
   </p:cSld>
@@ -9212,7 +9241,7 @@
           <a:blip r:embed="rId2">
             <a:extLst>
               <a:ext uri="{28A0092B-C50C-407E-A947-70E740481C1C}">
-                <a14:useLocalDpi xmlns:a14="http://schemas.microsoft.com/office/drawing/2010/main" val="0"/>
+                <a14:useLocalDpi xmlns:a14="http://schemas.microsoft.com/office/drawing/2010/main" xmlns="" val="0"/>
               </a:ext>
             </a:extLst>
           </a:blip>
@@ -9235,14 +9264,14 @@
           </a:ln>
           <a:extLst>
             <a:ext uri="{909E8E84-426E-40DD-AFC4-6F175D3DCCD1}">
-              <a14:hiddenFill xmlns:a14="http://schemas.microsoft.com/office/drawing/2010/main">
+              <a14:hiddenFill xmlns:a14="http://schemas.microsoft.com/office/drawing/2010/main" xmlns="">
                 <a:solidFill>
                   <a:schemeClr val="accent1"/>
                 </a:solidFill>
               </a14:hiddenFill>
             </a:ext>
             <a:ext uri="{91240B29-F687-4F45-9708-019B960494DF}">
-              <a14:hiddenLine xmlns:a14="http://schemas.microsoft.com/office/drawing/2010/main" w="9525">
+              <a14:hiddenLine xmlns:a14="http://schemas.microsoft.com/office/drawing/2010/main" xmlns="" w="9525">
                 <a:solidFill>
                   <a:schemeClr val="tx1"/>
                 </a:solidFill>
@@ -9266,7 +9295,7 @@
           <a:blip r:embed="rId3">
             <a:extLst>
               <a:ext uri="{28A0092B-C50C-407E-A947-70E740481C1C}">
-                <a14:useLocalDpi xmlns:a14="http://schemas.microsoft.com/office/drawing/2010/main" val="0"/>
+                <a14:useLocalDpi xmlns:a14="http://schemas.microsoft.com/office/drawing/2010/main" xmlns="" val="0"/>
               </a:ext>
             </a:extLst>
           </a:blip>
@@ -9289,14 +9318,14 @@
           </a:ln>
           <a:extLst>
             <a:ext uri="{909E8E84-426E-40DD-AFC4-6F175D3DCCD1}">
-              <a14:hiddenFill xmlns:a14="http://schemas.microsoft.com/office/drawing/2010/main">
+              <a14:hiddenFill xmlns:a14="http://schemas.microsoft.com/office/drawing/2010/main" xmlns="">
                 <a:solidFill>
                   <a:schemeClr val="accent1"/>
                 </a:solidFill>
               </a14:hiddenFill>
             </a:ext>
             <a:ext uri="{91240B29-F687-4F45-9708-019B960494DF}">
-              <a14:hiddenLine xmlns:a14="http://schemas.microsoft.com/office/drawing/2010/main" w="9525">
+              <a14:hiddenLine xmlns:a14="http://schemas.microsoft.com/office/drawing/2010/main" xmlns="" w="9525">
                 <a:solidFill>
                   <a:schemeClr val="tx1"/>
                 </a:solidFill>
@@ -9311,7 +9340,7 @@
     </p:spTree>
     <p:extLst>
       <p:ext uri="{BB962C8B-B14F-4D97-AF65-F5344CB8AC3E}">
-        <p14:creationId xmlns:p14="http://schemas.microsoft.com/office/powerpoint/2010/main" val="3059116"/>
+        <p14:creationId xmlns:p14="http://schemas.microsoft.com/office/powerpoint/2010/main" xmlns="" val="3059116"/>
       </p:ext>
     </p:extLst>
   </p:cSld>
@@ -9563,7 +9592,7 @@
           <a:blip r:embed="rId2">
             <a:extLst>
               <a:ext uri="{28A0092B-C50C-407E-A947-70E740481C1C}">
-                <a14:useLocalDpi xmlns:a14="http://schemas.microsoft.com/office/drawing/2010/main" val="0"/>
+                <a14:useLocalDpi xmlns:a14="http://schemas.microsoft.com/office/drawing/2010/main" xmlns="" val="0"/>
               </a:ext>
             </a:extLst>
           </a:blip>
@@ -9586,14 +9615,14 @@
           </a:ln>
           <a:extLst>
             <a:ext uri="{909E8E84-426E-40DD-AFC4-6F175D3DCCD1}">
-              <a14:hiddenFill xmlns:a14="http://schemas.microsoft.com/office/drawing/2010/main">
+              <a14:hiddenFill xmlns:a14="http://schemas.microsoft.com/office/drawing/2010/main" xmlns="">
                 <a:solidFill>
                   <a:schemeClr val="accent1"/>
                 </a:solidFill>
               </a14:hiddenFill>
             </a:ext>
             <a:ext uri="{91240B29-F687-4F45-9708-019B960494DF}">
-              <a14:hiddenLine xmlns:a14="http://schemas.microsoft.com/office/drawing/2010/main" w="9525">
+              <a14:hiddenLine xmlns:a14="http://schemas.microsoft.com/office/drawing/2010/main" xmlns="" w="9525">
                 <a:solidFill>
                   <a:schemeClr val="tx1"/>
                 </a:solidFill>
@@ -9617,7 +9646,7 @@
           <a:blip r:embed="rId3">
             <a:extLst>
               <a:ext uri="{28A0092B-C50C-407E-A947-70E740481C1C}">
-                <a14:useLocalDpi xmlns:a14="http://schemas.microsoft.com/office/drawing/2010/main" val="0"/>
+                <a14:useLocalDpi xmlns:a14="http://schemas.microsoft.com/office/drawing/2010/main" xmlns="" val="0"/>
               </a:ext>
             </a:extLst>
           </a:blip>
@@ -9640,14 +9669,14 @@
           </a:ln>
           <a:extLst>
             <a:ext uri="{909E8E84-426E-40DD-AFC4-6F175D3DCCD1}">
-              <a14:hiddenFill xmlns:a14="http://schemas.microsoft.com/office/drawing/2010/main">
+              <a14:hiddenFill xmlns:a14="http://schemas.microsoft.com/office/drawing/2010/main" xmlns="">
                 <a:solidFill>
                   <a:schemeClr val="accent1"/>
                 </a:solidFill>
               </a14:hiddenFill>
             </a:ext>
             <a:ext uri="{91240B29-F687-4F45-9708-019B960494DF}">
-              <a14:hiddenLine xmlns:a14="http://schemas.microsoft.com/office/drawing/2010/main" w="9525">
+              <a14:hiddenLine xmlns:a14="http://schemas.microsoft.com/office/drawing/2010/main" xmlns="" w="9525">
                 <a:solidFill>
                   <a:schemeClr val="tx1"/>
                 </a:solidFill>
@@ -9801,7 +9830,7 @@
     </p:spTree>
     <p:extLst>
       <p:ext uri="{BB962C8B-B14F-4D97-AF65-F5344CB8AC3E}">
-        <p14:creationId xmlns:p14="http://schemas.microsoft.com/office/powerpoint/2010/main" val="2368862678"/>
+        <p14:creationId xmlns:p14="http://schemas.microsoft.com/office/powerpoint/2010/main" xmlns="" val="2368862678"/>
       </p:ext>
     </p:extLst>
   </p:cSld>
@@ -9885,7 +9914,7 @@
           <a:blip r:embed="rId2">
             <a:extLst>
               <a:ext uri="{28A0092B-C50C-407E-A947-70E740481C1C}">
-                <a14:useLocalDpi xmlns:a14="http://schemas.microsoft.com/office/drawing/2010/main" val="0"/>
+                <a14:useLocalDpi xmlns:a14="http://schemas.microsoft.com/office/drawing/2010/main" xmlns="" val="0"/>
               </a:ext>
             </a:extLst>
           </a:blip>
@@ -9908,14 +9937,14 @@
           </a:ln>
           <a:extLst>
             <a:ext uri="{909E8E84-426E-40DD-AFC4-6F175D3DCCD1}">
-              <a14:hiddenFill xmlns:a14="http://schemas.microsoft.com/office/drawing/2010/main">
+              <a14:hiddenFill xmlns:a14="http://schemas.microsoft.com/office/drawing/2010/main" xmlns="">
                 <a:solidFill>
                   <a:schemeClr val="accent1"/>
                 </a:solidFill>
               </a14:hiddenFill>
             </a:ext>
             <a:ext uri="{91240B29-F687-4F45-9708-019B960494DF}">
-              <a14:hiddenLine xmlns:a14="http://schemas.microsoft.com/office/drawing/2010/main" w="9525">
+              <a14:hiddenLine xmlns:a14="http://schemas.microsoft.com/office/drawing/2010/main" xmlns="" w="9525">
                 <a:solidFill>
                   <a:schemeClr val="tx1"/>
                 </a:solidFill>
@@ -10107,7 +10136,7 @@
           <a:blip r:embed="rId3">
             <a:extLst>
               <a:ext uri="{28A0092B-C50C-407E-A947-70E740481C1C}">
-                <a14:useLocalDpi xmlns:a14="http://schemas.microsoft.com/office/drawing/2010/main" val="0"/>
+                <a14:useLocalDpi xmlns:a14="http://schemas.microsoft.com/office/drawing/2010/main" xmlns="" val="0"/>
               </a:ext>
             </a:extLst>
           </a:blip>
@@ -10130,14 +10159,14 @@
           </a:ln>
           <a:extLst>
             <a:ext uri="{909E8E84-426E-40DD-AFC4-6F175D3DCCD1}">
-              <a14:hiddenFill xmlns:a14="http://schemas.microsoft.com/office/drawing/2010/main">
+              <a14:hiddenFill xmlns:a14="http://schemas.microsoft.com/office/drawing/2010/main" xmlns="">
                 <a:solidFill>
                   <a:schemeClr val="accent1"/>
                 </a:solidFill>
               </a14:hiddenFill>
             </a:ext>
             <a:ext uri="{91240B29-F687-4F45-9708-019B960494DF}">
-              <a14:hiddenLine xmlns:a14="http://schemas.microsoft.com/office/drawing/2010/main" w="9525">
+              <a14:hiddenLine xmlns:a14="http://schemas.microsoft.com/office/drawing/2010/main" xmlns="" w="9525">
                 <a:solidFill>
                   <a:schemeClr val="tx1"/>
                 </a:solidFill>
@@ -10161,7 +10190,7 @@
           <a:blip r:embed="rId4">
             <a:extLst>
               <a:ext uri="{28A0092B-C50C-407E-A947-70E740481C1C}">
-                <a14:useLocalDpi xmlns:a14="http://schemas.microsoft.com/office/drawing/2010/main" val="0"/>
+                <a14:useLocalDpi xmlns:a14="http://schemas.microsoft.com/office/drawing/2010/main" xmlns="" val="0"/>
               </a:ext>
             </a:extLst>
           </a:blip>
@@ -10184,14 +10213,14 @@
           </a:ln>
           <a:extLst>
             <a:ext uri="{909E8E84-426E-40DD-AFC4-6F175D3DCCD1}">
-              <a14:hiddenFill xmlns:a14="http://schemas.microsoft.com/office/drawing/2010/main">
+              <a14:hiddenFill xmlns:a14="http://schemas.microsoft.com/office/drawing/2010/main" xmlns="">
                 <a:solidFill>
                   <a:schemeClr val="accent1"/>
                 </a:solidFill>
               </a14:hiddenFill>
             </a:ext>
             <a:ext uri="{91240B29-F687-4F45-9708-019B960494DF}">
-              <a14:hiddenLine xmlns:a14="http://schemas.microsoft.com/office/drawing/2010/main" w="9525">
+              <a14:hiddenLine xmlns:a14="http://schemas.microsoft.com/office/drawing/2010/main" xmlns="" w="9525">
                 <a:solidFill>
                   <a:schemeClr val="tx1"/>
                 </a:solidFill>
@@ -10206,7 +10235,7 @@
     </p:spTree>
     <p:extLst>
       <p:ext uri="{BB962C8B-B14F-4D97-AF65-F5344CB8AC3E}">
-        <p14:creationId xmlns:p14="http://schemas.microsoft.com/office/powerpoint/2010/main" val="314795601"/>
+        <p14:creationId xmlns:p14="http://schemas.microsoft.com/office/powerpoint/2010/main" xmlns="" val="314795601"/>
       </p:ext>
     </p:extLst>
   </p:cSld>
@@ -10252,7 +10281,7 @@
           <a:blip r:embed="rId2">
             <a:extLst>
               <a:ext uri="{28A0092B-C50C-407E-A947-70E740481C1C}">
-                <a14:useLocalDpi xmlns:a14="http://schemas.microsoft.com/office/drawing/2010/main" val="0"/>
+                <a14:useLocalDpi xmlns:a14="http://schemas.microsoft.com/office/drawing/2010/main" xmlns="" val="0"/>
               </a:ext>
             </a:extLst>
           </a:blip>
@@ -10280,7 +10309,7 @@
           </a:ln>
           <a:extLst>
             <a:ext uri="{909E8E84-426E-40DD-AFC4-6F175D3DCCD1}">
-              <a14:hiddenFill xmlns:a14="http://schemas.microsoft.com/office/drawing/2010/main">
+              <a14:hiddenFill xmlns:a14="http://schemas.microsoft.com/office/drawing/2010/main" xmlns="">
                 <a:solidFill>
                   <a:schemeClr val="accent1"/>
                 </a:solidFill>
@@ -10301,7 +10330,7 @@
           <a:blip r:embed="rId3">
             <a:extLst>
               <a:ext uri="{28A0092B-C50C-407E-A947-70E740481C1C}">
-                <a14:useLocalDpi xmlns:a14="http://schemas.microsoft.com/office/drawing/2010/main" val="0"/>
+                <a14:useLocalDpi xmlns:a14="http://schemas.microsoft.com/office/drawing/2010/main" xmlns="" val="0"/>
               </a:ext>
             </a:extLst>
           </a:blip>
@@ -10329,7 +10358,7 @@
           </a:ln>
           <a:extLst>
             <a:ext uri="{909E8E84-426E-40DD-AFC4-6F175D3DCCD1}">
-              <a14:hiddenFill xmlns:a14="http://schemas.microsoft.com/office/drawing/2010/main">
+              <a14:hiddenFill xmlns:a14="http://schemas.microsoft.com/office/drawing/2010/main" xmlns="">
                 <a:solidFill>
                   <a:schemeClr val="accent1"/>
                 </a:solidFill>
@@ -10350,7 +10379,7 @@
           <a:blip r:embed="rId4">
             <a:extLst>
               <a:ext uri="{28A0092B-C50C-407E-A947-70E740481C1C}">
-                <a14:useLocalDpi xmlns:a14="http://schemas.microsoft.com/office/drawing/2010/main" val="0"/>
+                <a14:useLocalDpi xmlns:a14="http://schemas.microsoft.com/office/drawing/2010/main" xmlns="" val="0"/>
               </a:ext>
             </a:extLst>
           </a:blip>
@@ -10378,7 +10407,7 @@
           </a:ln>
           <a:extLst>
             <a:ext uri="{909E8E84-426E-40DD-AFC4-6F175D3DCCD1}">
-              <a14:hiddenFill xmlns:a14="http://schemas.microsoft.com/office/drawing/2010/main">
+              <a14:hiddenFill xmlns:a14="http://schemas.microsoft.com/office/drawing/2010/main" xmlns="">
                 <a:solidFill>
                   <a:schemeClr val="accent1"/>
                 </a:solidFill>
@@ -10399,7 +10428,7 @@
           <a:blip r:embed="rId5">
             <a:extLst>
               <a:ext uri="{28A0092B-C50C-407E-A947-70E740481C1C}">
-                <a14:useLocalDpi xmlns:a14="http://schemas.microsoft.com/office/drawing/2010/main" val="0"/>
+                <a14:useLocalDpi xmlns:a14="http://schemas.microsoft.com/office/drawing/2010/main" xmlns="" val="0"/>
               </a:ext>
             </a:extLst>
           </a:blip>
@@ -10422,14 +10451,14 @@
           </a:ln>
           <a:extLst>
             <a:ext uri="{909E8E84-426E-40DD-AFC4-6F175D3DCCD1}">
-              <a14:hiddenFill xmlns:a14="http://schemas.microsoft.com/office/drawing/2010/main">
+              <a14:hiddenFill xmlns:a14="http://schemas.microsoft.com/office/drawing/2010/main" xmlns="">
                 <a:solidFill>
                   <a:schemeClr val="accent1"/>
                 </a:solidFill>
               </a14:hiddenFill>
             </a:ext>
             <a:ext uri="{91240B29-F687-4F45-9708-019B960494DF}">
-              <a14:hiddenLine xmlns:a14="http://schemas.microsoft.com/office/drawing/2010/main" w="9525">
+              <a14:hiddenLine xmlns:a14="http://schemas.microsoft.com/office/drawing/2010/main" xmlns="" w="9525">
                 <a:solidFill>
                   <a:schemeClr val="tx1"/>
                 </a:solidFill>
@@ -10453,7 +10482,7 @@
           <a:blip r:embed="rId6">
             <a:extLst>
               <a:ext uri="{28A0092B-C50C-407E-A947-70E740481C1C}">
-                <a14:useLocalDpi xmlns:a14="http://schemas.microsoft.com/office/drawing/2010/main" val="0"/>
+                <a14:useLocalDpi xmlns:a14="http://schemas.microsoft.com/office/drawing/2010/main" xmlns="" val="0"/>
               </a:ext>
             </a:extLst>
           </a:blip>
@@ -10476,14 +10505,14 @@
           </a:ln>
           <a:extLst>
             <a:ext uri="{909E8E84-426E-40DD-AFC4-6F175D3DCCD1}">
-              <a14:hiddenFill xmlns:a14="http://schemas.microsoft.com/office/drawing/2010/main">
+              <a14:hiddenFill xmlns:a14="http://schemas.microsoft.com/office/drawing/2010/main" xmlns="">
                 <a:solidFill>
                   <a:schemeClr val="accent1"/>
                 </a:solidFill>
               </a14:hiddenFill>
             </a:ext>
             <a:ext uri="{91240B29-F687-4F45-9708-019B960494DF}">
-              <a14:hiddenLine xmlns:a14="http://schemas.microsoft.com/office/drawing/2010/main" w="9525">
+              <a14:hiddenLine xmlns:a14="http://schemas.microsoft.com/office/drawing/2010/main" xmlns="" w="9525">
                 <a:solidFill>
                   <a:schemeClr val="tx1"/>
                 </a:solidFill>
@@ -10507,7 +10536,7 @@
           <a:blip r:embed="rId7">
             <a:extLst>
               <a:ext uri="{28A0092B-C50C-407E-A947-70E740481C1C}">
-                <a14:useLocalDpi xmlns:a14="http://schemas.microsoft.com/office/drawing/2010/main" val="0"/>
+                <a14:useLocalDpi xmlns:a14="http://schemas.microsoft.com/office/drawing/2010/main" xmlns="" val="0"/>
               </a:ext>
             </a:extLst>
           </a:blip>
@@ -10530,14 +10559,14 @@
           </a:ln>
           <a:extLst>
             <a:ext uri="{909E8E84-426E-40DD-AFC4-6F175D3DCCD1}">
-              <a14:hiddenFill xmlns:a14="http://schemas.microsoft.com/office/drawing/2010/main">
+              <a14:hiddenFill xmlns:a14="http://schemas.microsoft.com/office/drawing/2010/main" xmlns="">
                 <a:solidFill>
                   <a:schemeClr val="accent1"/>
                 </a:solidFill>
               </a14:hiddenFill>
             </a:ext>
             <a:ext uri="{91240B29-F687-4F45-9708-019B960494DF}">
-              <a14:hiddenLine xmlns:a14="http://schemas.microsoft.com/office/drawing/2010/main" w="9525">
+              <a14:hiddenLine xmlns:a14="http://schemas.microsoft.com/office/drawing/2010/main" xmlns="" w="9525">
                 <a:solidFill>
                   <a:schemeClr val="tx1"/>
                 </a:solidFill>
@@ -11006,7 +11035,7 @@
           <a:blip r:embed="rId8">
             <a:extLst>
               <a:ext uri="{28A0092B-C50C-407E-A947-70E740481C1C}">
-                <a14:useLocalDpi xmlns:a14="http://schemas.microsoft.com/office/drawing/2010/main" val="0"/>
+                <a14:useLocalDpi xmlns:a14="http://schemas.microsoft.com/office/drawing/2010/main" xmlns="" val="0"/>
               </a:ext>
             </a:extLst>
           </a:blip>
@@ -11029,14 +11058,14 @@
           </a:ln>
           <a:extLst>
             <a:ext uri="{909E8E84-426E-40DD-AFC4-6F175D3DCCD1}">
-              <a14:hiddenFill xmlns:a14="http://schemas.microsoft.com/office/drawing/2010/main">
+              <a14:hiddenFill xmlns:a14="http://schemas.microsoft.com/office/drawing/2010/main" xmlns="">
                 <a:solidFill>
                   <a:schemeClr val="accent1"/>
                 </a:solidFill>
               </a14:hiddenFill>
             </a:ext>
             <a:ext uri="{91240B29-F687-4F45-9708-019B960494DF}">
-              <a14:hiddenLine xmlns:a14="http://schemas.microsoft.com/office/drawing/2010/main" w="9525">
+              <a14:hiddenLine xmlns:a14="http://schemas.microsoft.com/office/drawing/2010/main" xmlns="" w="9525">
                 <a:solidFill>
                   <a:schemeClr val="tx1"/>
                 </a:solidFill>
@@ -11060,7 +11089,7 @@
           <a:blip r:embed="rId9">
             <a:extLst>
               <a:ext uri="{28A0092B-C50C-407E-A947-70E740481C1C}">
-                <a14:useLocalDpi xmlns:a14="http://schemas.microsoft.com/office/drawing/2010/main" val="0"/>
+                <a14:useLocalDpi xmlns:a14="http://schemas.microsoft.com/office/drawing/2010/main" xmlns="" val="0"/>
               </a:ext>
             </a:extLst>
           </a:blip>
@@ -11083,14 +11112,14 @@
           </a:ln>
           <a:extLst>
             <a:ext uri="{909E8E84-426E-40DD-AFC4-6F175D3DCCD1}">
-              <a14:hiddenFill xmlns:a14="http://schemas.microsoft.com/office/drawing/2010/main">
+              <a14:hiddenFill xmlns:a14="http://schemas.microsoft.com/office/drawing/2010/main" xmlns="">
                 <a:solidFill>
                   <a:schemeClr val="accent1"/>
                 </a:solidFill>
               </a14:hiddenFill>
             </a:ext>
             <a:ext uri="{91240B29-F687-4F45-9708-019B960494DF}">
-              <a14:hiddenLine xmlns:a14="http://schemas.microsoft.com/office/drawing/2010/main" w="9525">
+              <a14:hiddenLine xmlns:a14="http://schemas.microsoft.com/office/drawing/2010/main" xmlns="" w="9525">
                 <a:solidFill>
                   <a:schemeClr val="tx1"/>
                 </a:solidFill>
@@ -11114,7 +11143,7 @@
           <a:blip r:embed="rId10">
             <a:extLst>
               <a:ext uri="{28A0092B-C50C-407E-A947-70E740481C1C}">
-                <a14:useLocalDpi xmlns:a14="http://schemas.microsoft.com/office/drawing/2010/main" val="0"/>
+                <a14:useLocalDpi xmlns:a14="http://schemas.microsoft.com/office/drawing/2010/main" xmlns="" val="0"/>
               </a:ext>
             </a:extLst>
           </a:blip>
@@ -11137,14 +11166,14 @@
           </a:ln>
           <a:extLst>
             <a:ext uri="{909E8E84-426E-40DD-AFC4-6F175D3DCCD1}">
-              <a14:hiddenFill xmlns:a14="http://schemas.microsoft.com/office/drawing/2010/main">
+              <a14:hiddenFill xmlns:a14="http://schemas.microsoft.com/office/drawing/2010/main" xmlns="">
                 <a:solidFill>
                   <a:schemeClr val="accent1"/>
                 </a:solidFill>
               </a14:hiddenFill>
             </a:ext>
             <a:ext uri="{91240B29-F687-4F45-9708-019B960494DF}">
-              <a14:hiddenLine xmlns:a14="http://schemas.microsoft.com/office/drawing/2010/main" w="9525">
+              <a14:hiddenLine xmlns:a14="http://schemas.microsoft.com/office/drawing/2010/main" xmlns="" w="9525">
                 <a:solidFill>
                   <a:schemeClr val="tx1"/>
                 </a:solidFill>
@@ -11523,7 +11552,7 @@
     </p:spTree>
     <p:extLst>
       <p:ext uri="{BB962C8B-B14F-4D97-AF65-F5344CB8AC3E}">
-        <p14:creationId xmlns:p14="http://schemas.microsoft.com/office/powerpoint/2010/main" val="679051227"/>
+        <p14:creationId xmlns:p14="http://schemas.microsoft.com/office/powerpoint/2010/main" xmlns="" val="679051227"/>
       </p:ext>
     </p:extLst>
   </p:cSld>
@@ -11791,7 +11820,7 @@
           <a:blip r:embed="rId2">
             <a:extLst>
               <a:ext uri="{28A0092B-C50C-407E-A947-70E740481C1C}">
-                <a14:useLocalDpi xmlns:a14="http://schemas.microsoft.com/office/drawing/2010/main" val="0"/>
+                <a14:useLocalDpi xmlns:a14="http://schemas.microsoft.com/office/drawing/2010/main" xmlns="" val="0"/>
               </a:ext>
             </a:extLst>
           </a:blip>
@@ -11812,7 +11841,7 @@
     </p:spTree>
     <p:extLst>
       <p:ext uri="{BB962C8B-B14F-4D97-AF65-F5344CB8AC3E}">
-        <p14:creationId xmlns:p14="http://schemas.microsoft.com/office/powerpoint/2010/main" val="2120583856"/>
+        <p14:creationId xmlns:p14="http://schemas.microsoft.com/office/powerpoint/2010/main" xmlns="" val="2120583856"/>
       </p:ext>
     </p:extLst>
   </p:cSld>
@@ -12077,7 +12106,7 @@
           <a:blip r:embed="rId2">
             <a:extLst>
               <a:ext uri="{28A0092B-C50C-407E-A947-70E740481C1C}">
-                <a14:useLocalDpi xmlns:a14="http://schemas.microsoft.com/office/drawing/2010/main" val="0"/>
+                <a14:useLocalDpi xmlns:a14="http://schemas.microsoft.com/office/drawing/2010/main" xmlns="" val="0"/>
               </a:ext>
             </a:extLst>
           </a:blip>
@@ -12098,7 +12127,7 @@
     </p:spTree>
     <p:extLst>
       <p:ext uri="{BB962C8B-B14F-4D97-AF65-F5344CB8AC3E}">
-        <p14:creationId xmlns:p14="http://schemas.microsoft.com/office/powerpoint/2010/main" val="2709214063"/>
+        <p14:creationId xmlns:p14="http://schemas.microsoft.com/office/powerpoint/2010/main" xmlns="" val="2709214063"/>
       </p:ext>
     </p:extLst>
   </p:cSld>
@@ -12366,7 +12395,7 @@
           <a:blip r:embed="rId2">
             <a:extLst>
               <a:ext uri="{28A0092B-C50C-407E-A947-70E740481C1C}">
-                <a14:useLocalDpi xmlns:a14="http://schemas.microsoft.com/office/drawing/2010/main" val="0"/>
+                <a14:useLocalDpi xmlns:a14="http://schemas.microsoft.com/office/drawing/2010/main" xmlns="" val="0"/>
               </a:ext>
             </a:extLst>
           </a:blip>
@@ -12387,7 +12416,7 @@
     </p:spTree>
     <p:extLst>
       <p:ext uri="{BB962C8B-B14F-4D97-AF65-F5344CB8AC3E}">
-        <p14:creationId xmlns:p14="http://schemas.microsoft.com/office/powerpoint/2010/main" val="827144476"/>
+        <p14:creationId xmlns:p14="http://schemas.microsoft.com/office/powerpoint/2010/main" xmlns="" val="827144476"/>
       </p:ext>
     </p:extLst>
   </p:cSld>
@@ -12652,7 +12681,7 @@
           <a:blip r:embed="rId2">
             <a:extLst>
               <a:ext uri="{28A0092B-C50C-407E-A947-70E740481C1C}">
-                <a14:useLocalDpi xmlns:a14="http://schemas.microsoft.com/office/drawing/2010/main" val="0"/>
+                <a14:useLocalDpi xmlns:a14="http://schemas.microsoft.com/office/drawing/2010/main" xmlns="" val="0"/>
               </a:ext>
             </a:extLst>
           </a:blip>
@@ -12673,7 +12702,7 @@
     </p:spTree>
     <p:extLst>
       <p:ext uri="{BB962C8B-B14F-4D97-AF65-F5344CB8AC3E}">
-        <p14:creationId xmlns:p14="http://schemas.microsoft.com/office/powerpoint/2010/main" val="1639138134"/>
+        <p14:creationId xmlns:p14="http://schemas.microsoft.com/office/powerpoint/2010/main" xmlns="" val="1639138134"/>
       </p:ext>
     </p:extLst>
   </p:cSld>
@@ -13007,7 +13036,7 @@
     </p:spTree>
     <p:extLst>
       <p:ext uri="{BB962C8B-B14F-4D97-AF65-F5344CB8AC3E}">
-        <p14:creationId xmlns:p14="http://schemas.microsoft.com/office/powerpoint/2010/main" val="988336475"/>
+        <p14:creationId xmlns:p14="http://schemas.microsoft.com/office/powerpoint/2010/main" xmlns="" val="988336475"/>
       </p:ext>
     </p:extLst>
   </p:cSld>
@@ -13278,7 +13307,7 @@
           <a:blip r:embed="rId2">
             <a:extLst>
               <a:ext uri="{28A0092B-C50C-407E-A947-70E740481C1C}">
-                <a14:useLocalDpi xmlns:a14="http://schemas.microsoft.com/office/drawing/2010/main" val="0"/>
+                <a14:useLocalDpi xmlns:a14="http://schemas.microsoft.com/office/drawing/2010/main" xmlns="" val="0"/>
               </a:ext>
             </a:extLst>
           </a:blip>
@@ -13299,7 +13328,7 @@
     </p:spTree>
     <p:extLst>
       <p:ext uri="{BB962C8B-B14F-4D97-AF65-F5344CB8AC3E}">
-        <p14:creationId xmlns:p14="http://schemas.microsoft.com/office/powerpoint/2010/main" val="3417772058"/>
+        <p14:creationId xmlns:p14="http://schemas.microsoft.com/office/powerpoint/2010/main" xmlns="" val="3417772058"/>
       </p:ext>
     </p:extLst>
   </p:cSld>
@@ -13564,7 +13593,7 @@
           <a:blip r:embed="rId2">
             <a:extLst>
               <a:ext uri="{28A0092B-C50C-407E-A947-70E740481C1C}">
-                <a14:useLocalDpi xmlns:a14="http://schemas.microsoft.com/office/drawing/2010/main" val="0"/>
+                <a14:useLocalDpi xmlns:a14="http://schemas.microsoft.com/office/drawing/2010/main" xmlns="" val="0"/>
               </a:ext>
             </a:extLst>
           </a:blip>
@@ -13585,7 +13614,7 @@
     </p:spTree>
     <p:extLst>
       <p:ext uri="{BB962C8B-B14F-4D97-AF65-F5344CB8AC3E}">
-        <p14:creationId xmlns:p14="http://schemas.microsoft.com/office/powerpoint/2010/main" val="1589806917"/>
+        <p14:creationId xmlns:p14="http://schemas.microsoft.com/office/powerpoint/2010/main" xmlns="" val="1589806917"/>
       </p:ext>
     </p:extLst>
   </p:cSld>
@@ -13856,7 +13885,7 @@
           <a:blip r:embed="rId2">
             <a:extLst>
               <a:ext uri="{28A0092B-C50C-407E-A947-70E740481C1C}">
-                <a14:useLocalDpi xmlns:a14="http://schemas.microsoft.com/office/drawing/2010/main" val="0"/>
+                <a14:useLocalDpi xmlns:a14="http://schemas.microsoft.com/office/drawing/2010/main" xmlns="" val="0"/>
               </a:ext>
             </a:extLst>
           </a:blip>
@@ -13877,7 +13906,7 @@
     </p:spTree>
     <p:extLst>
       <p:ext uri="{BB962C8B-B14F-4D97-AF65-F5344CB8AC3E}">
-        <p14:creationId xmlns:p14="http://schemas.microsoft.com/office/powerpoint/2010/main" val="2651481833"/>
+        <p14:creationId xmlns:p14="http://schemas.microsoft.com/office/powerpoint/2010/main" xmlns="" val="2651481833"/>
       </p:ext>
     </p:extLst>
   </p:cSld>
@@ -13926,231 +13955,6 @@
           <a:bodyPr/>
           <a:lstStyle/>
           <a:p>
-            <a:endParaRPr lang="cs-CZ"/>
-          </a:p>
-        </p:txBody>
-      </p:sp>
-      <p:sp>
-        <p:nvSpPr>
-          <p:cNvPr id="3" name="Zástupný symbol pro obsah 2"/>
-          <p:cNvSpPr>
-            <a:spLocks noGrp="1"/>
-          </p:cNvSpPr>
-          <p:nvPr>
-            <p:ph idx="1"/>
-          </p:nvPr>
-        </p:nvSpPr>
-        <p:spPr/>
-        <p:txBody>
-          <a:bodyPr/>
-          <a:lstStyle/>
-          <a:p>
-            <a:endParaRPr lang="cs-CZ"/>
-          </a:p>
-        </p:txBody>
-      </p:sp>
-    </p:spTree>
-    <p:extLst>
-      <p:ext uri="{BB962C8B-B14F-4D97-AF65-F5344CB8AC3E}">
-        <p14:creationId xmlns:p14="http://schemas.microsoft.com/office/powerpoint/2010/main" val="2360913614"/>
-      </p:ext>
-    </p:extLst>
-  </p:cSld>
-  <p:clrMapOvr>
-    <a:masterClrMapping/>
-  </p:clrMapOvr>
-  <p:timing>
-    <p:tnLst>
-      <p:par>
-        <p:cTn id="1" dur="indefinite" restart="never" nodeType="tmRoot"/>
-      </p:par>
-    </p:tnLst>
-  </p:timing>
-</p:sld>
-</file>
-
-<file path=ppt/slides/slide34.xml><?xml version="1.0" encoding="utf-8"?>
-<p:sld xmlns:a="http://schemas.openxmlformats.org/drawingml/2006/main" xmlns:r="http://schemas.openxmlformats.org/officeDocument/2006/relationships" xmlns:p="http://schemas.openxmlformats.org/presentationml/2006/main">
-  <p:cSld>
-    <p:spTree>
-      <p:nvGrpSpPr>
-        <p:cNvPr id="1" name=""/>
-        <p:cNvGrpSpPr/>
-        <p:nvPr/>
-      </p:nvGrpSpPr>
-      <p:grpSpPr>
-        <a:xfrm>
-          <a:off x="0" y="0"/>
-          <a:ext cx="0" cy="0"/>
-          <a:chOff x="0" y="0"/>
-          <a:chExt cx="0" cy="0"/>
-        </a:xfrm>
-      </p:grpSpPr>
-      <p:sp>
-        <p:nvSpPr>
-          <p:cNvPr id="2" name="Nadpis 1"/>
-          <p:cNvSpPr>
-            <a:spLocks noGrp="1"/>
-          </p:cNvSpPr>
-          <p:nvPr>
-            <p:ph type="title"/>
-          </p:nvPr>
-        </p:nvSpPr>
-        <p:spPr/>
-        <p:txBody>
-          <a:bodyPr/>
-          <a:lstStyle/>
-          <a:p>
-            <a:endParaRPr lang="cs-CZ"/>
-          </a:p>
-        </p:txBody>
-      </p:sp>
-      <p:sp>
-        <p:nvSpPr>
-          <p:cNvPr id="3" name="Zástupný symbol pro obsah 2"/>
-          <p:cNvSpPr>
-            <a:spLocks noGrp="1"/>
-          </p:cNvSpPr>
-          <p:nvPr>
-            <p:ph idx="1"/>
-          </p:nvPr>
-        </p:nvSpPr>
-        <p:spPr/>
-        <p:txBody>
-          <a:bodyPr/>
-          <a:lstStyle/>
-          <a:p>
-            <a:endParaRPr lang="cs-CZ"/>
-          </a:p>
-        </p:txBody>
-      </p:sp>
-    </p:spTree>
-    <p:extLst>
-      <p:ext uri="{BB962C8B-B14F-4D97-AF65-F5344CB8AC3E}">
-        <p14:creationId xmlns:p14="http://schemas.microsoft.com/office/powerpoint/2010/main" val="2864852486"/>
-      </p:ext>
-    </p:extLst>
-  </p:cSld>
-  <p:clrMapOvr>
-    <a:masterClrMapping/>
-  </p:clrMapOvr>
-  <p:timing>
-    <p:tnLst>
-      <p:par>
-        <p:cTn id="1" dur="indefinite" restart="never" nodeType="tmRoot"/>
-      </p:par>
-    </p:tnLst>
-  </p:timing>
-</p:sld>
-</file>
-
-<file path=ppt/slides/slide35.xml><?xml version="1.0" encoding="utf-8"?>
-<p:sld xmlns:a="http://schemas.openxmlformats.org/drawingml/2006/main" xmlns:r="http://schemas.openxmlformats.org/officeDocument/2006/relationships" xmlns:p="http://schemas.openxmlformats.org/presentationml/2006/main">
-  <p:cSld>
-    <p:spTree>
-      <p:nvGrpSpPr>
-        <p:cNvPr id="1" name=""/>
-        <p:cNvGrpSpPr/>
-        <p:nvPr/>
-      </p:nvGrpSpPr>
-      <p:grpSpPr>
-        <a:xfrm>
-          <a:off x="0" y="0"/>
-          <a:ext cx="0" cy="0"/>
-          <a:chOff x="0" y="0"/>
-          <a:chExt cx="0" cy="0"/>
-        </a:xfrm>
-      </p:grpSpPr>
-      <p:sp>
-        <p:nvSpPr>
-          <p:cNvPr id="2" name="Nadpis 1"/>
-          <p:cNvSpPr>
-            <a:spLocks noGrp="1"/>
-          </p:cNvSpPr>
-          <p:nvPr>
-            <p:ph type="title"/>
-          </p:nvPr>
-        </p:nvSpPr>
-        <p:spPr/>
-        <p:txBody>
-          <a:bodyPr/>
-          <a:lstStyle/>
-          <a:p>
-            <a:endParaRPr lang="cs-CZ"/>
-          </a:p>
-        </p:txBody>
-      </p:sp>
-      <p:sp>
-        <p:nvSpPr>
-          <p:cNvPr id="3" name="Zástupný symbol pro obsah 2"/>
-          <p:cNvSpPr>
-            <a:spLocks noGrp="1"/>
-          </p:cNvSpPr>
-          <p:nvPr>
-            <p:ph idx="1"/>
-          </p:nvPr>
-        </p:nvSpPr>
-        <p:spPr/>
-        <p:txBody>
-          <a:bodyPr/>
-          <a:lstStyle/>
-          <a:p>
-            <a:endParaRPr lang="cs-CZ"/>
-          </a:p>
-        </p:txBody>
-      </p:sp>
-    </p:spTree>
-    <p:extLst>
-      <p:ext uri="{BB962C8B-B14F-4D97-AF65-F5344CB8AC3E}">
-        <p14:creationId xmlns:p14="http://schemas.microsoft.com/office/powerpoint/2010/main" val="3394481844"/>
-      </p:ext>
-    </p:extLst>
-  </p:cSld>
-  <p:clrMapOvr>
-    <a:masterClrMapping/>
-  </p:clrMapOvr>
-  <p:timing>
-    <p:tnLst>
-      <p:par>
-        <p:cTn id="1" dur="indefinite" restart="never" nodeType="tmRoot"/>
-      </p:par>
-    </p:tnLst>
-  </p:timing>
-</p:sld>
-</file>
-
-<file path=ppt/slides/slide36.xml><?xml version="1.0" encoding="utf-8"?>
-<p:sld xmlns:a="http://schemas.openxmlformats.org/drawingml/2006/main" xmlns:r="http://schemas.openxmlformats.org/officeDocument/2006/relationships" xmlns:p="http://schemas.openxmlformats.org/presentationml/2006/main">
-  <p:cSld>
-    <p:spTree>
-      <p:nvGrpSpPr>
-        <p:cNvPr id="1" name=""/>
-        <p:cNvGrpSpPr/>
-        <p:nvPr/>
-      </p:nvGrpSpPr>
-      <p:grpSpPr>
-        <a:xfrm>
-          <a:off x="0" y="0"/>
-          <a:ext cx="0" cy="0"/>
-          <a:chOff x="0" y="0"/>
-          <a:chExt cx="0" cy="0"/>
-        </a:xfrm>
-      </p:grpSpPr>
-      <p:sp>
-        <p:nvSpPr>
-          <p:cNvPr id="2" name="Nadpis 1"/>
-          <p:cNvSpPr>
-            <a:spLocks noGrp="1"/>
-          </p:cNvSpPr>
-          <p:nvPr>
-            <p:ph type="title"/>
-          </p:nvPr>
-        </p:nvSpPr>
-        <p:spPr/>
-        <p:txBody>
-          <a:bodyPr/>
-          <a:lstStyle/>
-          <a:p>
             <a:endParaRPr lang="cs-CZ" dirty="0"/>
           </a:p>
         </p:txBody>
@@ -14165,7 +13969,7 @@
         </p:nvSpPr>
         <p:spPr>
           <a:xfrm>
-            <a:off x="400650" y="692696"/>
+            <a:off x="400650" y="908720"/>
             <a:ext cx="8460432" cy="1181993"/>
           </a:xfrm>
           <a:prstGeom prst="rect">
@@ -14174,7 +13978,7 @@
         </p:spPr>
         <p:txBody>
           <a:bodyPr vert="horz" lIns="91440" tIns="45720" rIns="91440" bIns="45720" rtlCol="0" anchor="b">
-            <a:normAutofit fontScale="47500" lnSpcReduction="20000"/>
+            <a:normAutofit fontScale="77500" lnSpcReduction="20000"/>
           </a:bodyPr>
           <a:lstStyle>
             <a:lvl1pPr algn="ctr" defTabSz="914400" rtl="0" eaLnBrk="1" latinLnBrk="0" hangingPunct="1">
@@ -14204,7 +14008,7 @@
           </a:lstStyle>
           <a:p>
             <a:r>
-              <a:rPr lang="cs-CZ" sz="12000" b="1" dirty="0" smtClean="0">
+              <a:rPr lang="en-US" sz="12000" b="1" dirty="0" err="1" smtClean="0">
                 <a:ln w="17780" cmpd="sng">
                   <a:solidFill>
                     <a:srgbClr val="FFFFFF"/>
@@ -14261,7 +14065,7 @@
                 <a:ea typeface="Verdana" panose="020B0604030504040204" pitchFamily="34" charset="0"/>
                 <a:cs typeface="Verdana" panose="020B0604030504040204" pitchFamily="34" charset="0"/>
               </a:rPr>
-              <a:t>Co nám projekt dal?</a:t>
+              <a:t>Genenerate</a:t>
             </a:r>
             <a:endParaRPr lang="cs-CZ" sz="12000" b="1" dirty="0">
               <a:ln w="17780" cmpd="sng">
@@ -14323,90 +14127,58 @@
           </a:p>
         </p:txBody>
       </p:sp>
-      <p:sp>
-        <p:nvSpPr>
-          <p:cNvPr id="3" name="TextovéPole 2"/>
-          <p:cNvSpPr txBox="1"/>
+      <p:pic>
+        <p:nvPicPr>
+          <p:cNvPr id="7" name="Obrázek 6" descr="generate.png"/>
+          <p:cNvPicPr>
+            <a:picLocks noChangeAspect="1"/>
+          </p:cNvPicPr>
           <p:nvPr/>
-        </p:nvSpPr>
+        </p:nvPicPr>
+        <p:blipFill>
+          <a:blip r:embed="rId2"/>
+          <a:stretch>
+            <a:fillRect/>
+          </a:stretch>
+        </p:blipFill>
         <p:spPr>
           <a:xfrm>
-            <a:off x="683568" y="2132856"/>
-            <a:ext cx="7272808" cy="3323987"/>
+            <a:off x="685800" y="2209800"/>
+            <a:ext cx="4996543" cy="3886200"/>
           </a:xfrm>
           <a:prstGeom prst="rect">
             <a:avLst/>
           </a:prstGeom>
-          <a:noFill/>
         </p:spPr>
-        <p:txBody>
-          <a:bodyPr wrap="square" rtlCol="0">
-            <a:spAutoFit/>
-          </a:bodyPr>
-          <a:lstStyle/>
-          <a:p>
-            <a:pPr marL="285750" indent="-285750">
-              <a:buFont typeface="Arial" panose="020B0604020202020204" pitchFamily="34" charset="0"/>
-              <a:buChar char="•"/>
-            </a:pPr>
-            <a:r>
-              <a:rPr lang="cs-CZ" sz="3500" dirty="0" smtClean="0">
-                <a:latin typeface="Calibri" panose="020F0502020204030204" pitchFamily="34" charset="0"/>
-              </a:rPr>
-              <a:t>Jak nutná je dobrá spolupráce a komunikace</a:t>
-            </a:r>
-          </a:p>
-          <a:p>
-            <a:pPr marL="285750" indent="-285750">
-              <a:buFont typeface="Arial" panose="020B0604020202020204" pitchFamily="34" charset="0"/>
-              <a:buChar char="•"/>
-            </a:pPr>
-            <a:r>
-              <a:rPr lang="cs-CZ" sz="3500" dirty="0" smtClean="0">
-                <a:latin typeface="Calibri" panose="020F0502020204030204" pitchFamily="34" charset="0"/>
-              </a:rPr>
-              <a:t>Jak užitečné je </a:t>
-            </a:r>
-            <a:r>
-              <a:rPr lang="cs-CZ" sz="3500" dirty="0" err="1" smtClean="0">
-                <a:latin typeface="Calibri" panose="020F0502020204030204" pitchFamily="34" charset="0"/>
-              </a:rPr>
-              <a:t>Subversion</a:t>
-            </a:r>
-            <a:r>
-              <a:rPr lang="cs-CZ" sz="3500" dirty="0" smtClean="0">
-                <a:latin typeface="Calibri" panose="020F0502020204030204" pitchFamily="34" charset="0"/>
-              </a:rPr>
-              <a:t> (a zároveň jak záludné)</a:t>
-            </a:r>
-          </a:p>
-          <a:p>
-            <a:pPr marL="285750" indent="-285750">
-              <a:buFont typeface="Arial" panose="020B0604020202020204" pitchFamily="34" charset="0"/>
-              <a:buChar char="•"/>
-            </a:pPr>
-            <a:r>
-              <a:rPr lang="cs-CZ" sz="3500" dirty="0" smtClean="0">
-                <a:latin typeface="Calibri" panose="020F0502020204030204" pitchFamily="34" charset="0"/>
-              </a:rPr>
-              <a:t>Zkušenosti do budoucna</a:t>
-            </a:r>
-          </a:p>
-          <a:p>
-            <a:pPr marL="285750" indent="-285750">
-              <a:buFont typeface="Arial" panose="020B0604020202020204" pitchFamily="34" charset="0"/>
-              <a:buChar char="•"/>
-            </a:pPr>
-            <a:endParaRPr lang="cs-CZ" sz="3500" dirty="0">
-              <a:latin typeface="Calibri" panose="020F0502020204030204" pitchFamily="34" charset="0"/>
-            </a:endParaRPr>
-          </a:p>
-        </p:txBody>
-      </p:sp>
+      </p:pic>
+      <p:pic>
+        <p:nvPicPr>
+          <p:cNvPr id="10" name="Obrázek 9" descr="ok.png"/>
+          <p:cNvPicPr>
+            <a:picLocks noChangeAspect="1"/>
+          </p:cNvPicPr>
+          <p:nvPr/>
+        </p:nvPicPr>
+        <p:blipFill>
+          <a:blip r:embed="rId3"/>
+          <a:stretch>
+            <a:fillRect/>
+          </a:stretch>
+        </p:blipFill>
+        <p:spPr>
+          <a:xfrm>
+            <a:off x="4419600" y="4114800"/>
+            <a:ext cx="3201694" cy="1534145"/>
+          </a:xfrm>
+          <a:prstGeom prst="rect">
+            <a:avLst/>
+          </a:prstGeom>
+        </p:spPr>
+      </p:pic>
     </p:spTree>
     <p:extLst>
       <p:ext uri="{BB962C8B-B14F-4D97-AF65-F5344CB8AC3E}">
-        <p14:creationId xmlns:p14="http://schemas.microsoft.com/office/powerpoint/2010/main" val="2397563801"/>
+        <p14:creationId xmlns:p14="http://schemas.microsoft.com/office/powerpoint/2010/main" xmlns="" val="2651481833"/>
       </p:ext>
     </p:extLst>
   </p:cSld>
@@ -14423,7 +14195,7 @@
 </p:sld>
 </file>
 
-<file path=ppt/slides/slide37.xml><?xml version="1.0" encoding="utf-8"?>
+<file path=ppt/slides/slide34.xml><?xml version="1.0" encoding="utf-8"?>
 <p:sld xmlns:a="http://schemas.openxmlformats.org/drawingml/2006/main" xmlns:r="http://schemas.openxmlformats.org/officeDocument/2006/relationships" xmlns:p="http://schemas.openxmlformats.org/presentationml/2006/main">
   <p:cSld>
     <p:spTree>
@@ -14469,7 +14241,7 @@
         </p:nvSpPr>
         <p:spPr>
           <a:xfrm>
-            <a:off x="400650" y="692696"/>
+            <a:off x="400650" y="908720"/>
             <a:ext cx="8460432" cy="1181993"/>
           </a:xfrm>
           <a:prstGeom prst="rect">
@@ -14478,7 +14250,7 @@
         </p:spPr>
         <p:txBody>
           <a:bodyPr vert="horz" lIns="91440" tIns="45720" rIns="91440" bIns="45720" rtlCol="0" anchor="b">
-            <a:normAutofit fontScale="40000" lnSpcReduction="20000"/>
+            <a:normAutofit fontScale="47500" lnSpcReduction="20000"/>
           </a:bodyPr>
           <a:lstStyle>
             <a:lvl1pPr algn="ctr" defTabSz="914400" rtl="0" eaLnBrk="1" latinLnBrk="0" hangingPunct="1">
@@ -14508,7 +14280,7 @@
           </a:lstStyle>
           <a:p>
             <a:r>
-              <a:rPr lang="cs-CZ" sz="12000" b="1" dirty="0" smtClean="0">
+              <a:rPr lang="en-US" sz="12000" b="1" dirty="0" smtClean="0">
                 <a:ln w="17780" cmpd="sng">
                   <a:solidFill>
                     <a:srgbClr val="FFFFFF"/>
@@ -14565,7 +14337,67 @@
                 <a:ea typeface="Verdana" panose="020B0604030504040204" pitchFamily="34" charset="0"/>
                 <a:cs typeface="Verdana" panose="020B0604030504040204" pitchFamily="34" charset="0"/>
               </a:rPr>
-              <a:t>Co nám projekt vzal?</a:t>
+              <a:t>XSLT </a:t>
+            </a:r>
+            <a:r>
+              <a:rPr lang="en-US" sz="12000" b="1" dirty="0" err="1" smtClean="0">
+                <a:ln w="17780" cmpd="sng">
+                  <a:solidFill>
+                    <a:srgbClr val="FFFFFF"/>
+                  </a:solidFill>
+                  <a:prstDash val="solid"/>
+                  <a:miter lim="800000"/>
+                </a:ln>
+                <a:gradFill rotWithShape="1">
+                  <a:gsLst>
+                    <a:gs pos="0">
+                      <a:srgbClr val="000000">
+                        <a:tint val="92000"/>
+                        <a:shade val="100000"/>
+                        <a:satMod val="150000"/>
+                      </a:srgbClr>
+                    </a:gs>
+                    <a:gs pos="49000">
+                      <a:srgbClr val="000000">
+                        <a:tint val="89000"/>
+                        <a:shade val="90000"/>
+                        <a:satMod val="150000"/>
+                      </a:srgbClr>
+                    </a:gs>
+                    <a:gs pos="50000">
+                      <a:srgbClr val="000000">
+                        <a:tint val="100000"/>
+                        <a:shade val="75000"/>
+                        <a:satMod val="150000"/>
+                      </a:srgbClr>
+                    </a:gs>
+                    <a:gs pos="95000">
+                      <a:srgbClr val="000000">
+                        <a:shade val="47000"/>
+                        <a:satMod val="150000"/>
+                      </a:srgbClr>
+                    </a:gs>
+                    <a:gs pos="100000">
+                      <a:srgbClr val="000000">
+                        <a:shade val="39000"/>
+                        <a:satMod val="150000"/>
+                      </a:srgbClr>
+                    </a:gs>
+                  </a:gsLst>
+                  <a:lin ang="5400000"/>
+                </a:gradFill>
+                <a:effectLst>
+                  <a:outerShdw blurRad="60007" dist="310007" dir="7680000" sy="30000" kx="1300200" algn="ctr" rotWithShape="0">
+                    <a:prstClr val="black">
+                      <a:alpha val="32000"/>
+                    </a:prstClr>
+                  </a:outerShdw>
+                </a:effectLst>
+                <a:latin typeface="Verdana" panose="020B0604030504040204" pitchFamily="34" charset="0"/>
+                <a:ea typeface="Verdana" panose="020B0604030504040204" pitchFamily="34" charset="0"/>
+                <a:cs typeface="Verdana" panose="020B0604030504040204" pitchFamily="34" charset="0"/>
+              </a:rPr>
+              <a:t>Transrformace</a:t>
             </a:r>
             <a:endParaRPr lang="cs-CZ" sz="12000" b="1" dirty="0">
               <a:ln w="17780" cmpd="sng">
@@ -14627,48 +14459,58 @@
           </a:p>
         </p:txBody>
       </p:sp>
-      <p:sp>
-        <p:nvSpPr>
-          <p:cNvPr id="3" name="TextovéPole 2"/>
-          <p:cNvSpPr txBox="1"/>
+      <p:pic>
+        <p:nvPicPr>
+          <p:cNvPr id="8" name="Obrázek 7" descr="xsltCode.png"/>
+          <p:cNvPicPr>
+            <a:picLocks noChangeAspect="1"/>
+          </p:cNvPicPr>
           <p:nvPr/>
-        </p:nvSpPr>
+        </p:nvPicPr>
+        <p:blipFill>
+          <a:blip r:embed="rId2"/>
+          <a:stretch>
+            <a:fillRect/>
+          </a:stretch>
+        </p:blipFill>
         <p:spPr>
           <a:xfrm>
-            <a:off x="755576" y="2348880"/>
-            <a:ext cx="6552728" cy="1169551"/>
+            <a:off x="304800" y="3048000"/>
+            <a:ext cx="8676191" cy="2409524"/>
           </a:xfrm>
           <a:prstGeom prst="rect">
             <a:avLst/>
           </a:prstGeom>
-          <a:noFill/>
         </p:spPr>
-        <p:txBody>
-          <a:bodyPr wrap="square" rtlCol="0">
-            <a:spAutoFit/>
-          </a:bodyPr>
-          <a:lstStyle/>
-          <a:p>
-            <a:pPr marL="457200" indent="-457200">
-              <a:buFont typeface="Arial" panose="020B0604020202020204" pitchFamily="34" charset="0"/>
-              <a:buChar char="•"/>
-            </a:pPr>
-            <a:r>
-              <a:rPr lang="cs-CZ" sz="3500" dirty="0" smtClean="0">
-                <a:latin typeface="Calibri" panose="020F0502020204030204" pitchFamily="34" charset="0"/>
-              </a:rPr>
-              <a:t>Strach z koordinace práce v týmových projektech.</a:t>
-            </a:r>
-            <a:endParaRPr lang="cs-CZ" sz="3500" dirty="0">
-              <a:latin typeface="Calibri" panose="020F0502020204030204" pitchFamily="34" charset="0"/>
-            </a:endParaRPr>
-          </a:p>
-        </p:txBody>
-      </p:sp>
+      </p:pic>
+      <p:pic>
+        <p:nvPicPr>
+          <p:cNvPr id="9" name="Obrázek 8" descr="xslt.png"/>
+          <p:cNvPicPr>
+            <a:picLocks noChangeAspect="1"/>
+          </p:cNvPicPr>
+          <p:nvPr/>
+        </p:nvPicPr>
+        <p:blipFill>
+          <a:blip r:embed="rId3"/>
+          <a:stretch>
+            <a:fillRect/>
+          </a:stretch>
+        </p:blipFill>
+        <p:spPr>
+          <a:xfrm>
+            <a:off x="6172200" y="2895600"/>
+            <a:ext cx="2700388" cy="2714983"/>
+          </a:xfrm>
+          <a:prstGeom prst="rect">
+            <a:avLst/>
+          </a:prstGeom>
+        </p:spPr>
+      </p:pic>
     </p:spTree>
     <p:extLst>
       <p:ext uri="{BB962C8B-B14F-4D97-AF65-F5344CB8AC3E}">
-        <p14:creationId xmlns:p14="http://schemas.microsoft.com/office/powerpoint/2010/main" val="276278653"/>
+        <p14:creationId xmlns:p14="http://schemas.microsoft.com/office/powerpoint/2010/main" xmlns="" val="2651481833"/>
       </p:ext>
     </p:extLst>
   </p:cSld>
@@ -14685,7 +14527,7 @@
 </p:sld>
 </file>
 
-<file path=ppt/slides/slide38.xml><?xml version="1.0" encoding="utf-8"?>
+<file path=ppt/slides/slide35.xml><?xml version="1.0" encoding="utf-8"?>
 <p:sld xmlns:a="http://schemas.openxmlformats.org/drawingml/2006/main" xmlns:r="http://schemas.openxmlformats.org/officeDocument/2006/relationships" xmlns:p="http://schemas.openxmlformats.org/presentationml/2006/main">
   <p:cSld>
     <p:spTree>
@@ -14717,25 +14559,6 @@
           <a:bodyPr/>
           <a:lstStyle/>
           <a:p>
-            <a:endParaRPr lang="cs-CZ"/>
-          </a:p>
-        </p:txBody>
-      </p:sp>
-      <p:sp>
-        <p:nvSpPr>
-          <p:cNvPr id="3" name="Zástupný symbol pro obsah 2"/>
-          <p:cNvSpPr>
-            <a:spLocks noGrp="1"/>
-          </p:cNvSpPr>
-          <p:nvPr>
-            <p:ph idx="1"/>
-          </p:nvPr>
-        </p:nvSpPr>
-        <p:spPr/>
-        <p:txBody>
-          <a:bodyPr/>
-          <a:lstStyle/>
-          <a:p>
             <a:endParaRPr lang="cs-CZ" dirty="0"/>
           </a:p>
         </p:txBody>
@@ -14750,7 +14573,7 @@
         </p:nvSpPr>
         <p:spPr>
           <a:xfrm>
-            <a:off x="344341" y="1268760"/>
+            <a:off x="400650" y="908720"/>
             <a:ext cx="8460432" cy="1181993"/>
           </a:xfrm>
           <a:prstGeom prst="rect">
@@ -14759,7 +14582,7 @@
         </p:spPr>
         <p:txBody>
           <a:bodyPr vert="horz" lIns="91440" tIns="45720" rIns="91440" bIns="45720" rtlCol="0" anchor="b">
-            <a:normAutofit/>
+            <a:normAutofit fontScale="70000" lnSpcReduction="20000"/>
           </a:bodyPr>
           <a:lstStyle>
             <a:lvl1pPr algn="ctr" defTabSz="914400" rtl="0" eaLnBrk="1" latinLnBrk="0" hangingPunct="1">
@@ -14789,7 +14612,7 @@
           </a:lstStyle>
           <a:p>
             <a:r>
-              <a:rPr lang="cs-CZ" sz="12000" b="1" dirty="0" smtClean="0">
+              <a:rPr lang="en-US" sz="12000" b="1" dirty="0" smtClean="0">
                 <a:ln w="17780" cmpd="sng">
                   <a:solidFill>
                     <a:srgbClr val="FFFFFF"/>
@@ -14846,7 +14669,127 @@
                 <a:ea typeface="Verdana" panose="020B0604030504040204" pitchFamily="34" charset="0"/>
                 <a:cs typeface="Verdana" panose="020B0604030504040204" pitchFamily="34" charset="0"/>
               </a:rPr>
-              <a:t>Konec</a:t>
+              <a:t>HTML </a:t>
+            </a:r>
+            <a:r>
+              <a:rPr lang="en-US" sz="12000" b="1" dirty="0" err="1" smtClean="0">
+                <a:ln w="17780" cmpd="sng">
+                  <a:solidFill>
+                    <a:srgbClr val="FFFFFF"/>
+                  </a:solidFill>
+                  <a:prstDash val="solid"/>
+                  <a:miter lim="800000"/>
+                </a:ln>
+                <a:gradFill rotWithShape="1">
+                  <a:gsLst>
+                    <a:gs pos="0">
+                      <a:srgbClr val="000000">
+                        <a:tint val="92000"/>
+                        <a:shade val="100000"/>
+                        <a:satMod val="150000"/>
+                      </a:srgbClr>
+                    </a:gs>
+                    <a:gs pos="49000">
+                      <a:srgbClr val="000000">
+                        <a:tint val="89000"/>
+                        <a:shade val="90000"/>
+                        <a:satMod val="150000"/>
+                      </a:srgbClr>
+                    </a:gs>
+                    <a:gs pos="50000">
+                      <a:srgbClr val="000000">
+                        <a:tint val="100000"/>
+                        <a:shade val="75000"/>
+                        <a:satMod val="150000"/>
+                      </a:srgbClr>
+                    </a:gs>
+                    <a:gs pos="95000">
+                      <a:srgbClr val="000000">
+                        <a:shade val="47000"/>
+                        <a:satMod val="150000"/>
+                      </a:srgbClr>
+                    </a:gs>
+                    <a:gs pos="100000">
+                      <a:srgbClr val="000000">
+                        <a:shade val="39000"/>
+                        <a:satMod val="150000"/>
+                      </a:srgbClr>
+                    </a:gs>
+                  </a:gsLst>
+                  <a:lin ang="5400000"/>
+                </a:gradFill>
+                <a:effectLst>
+                  <a:outerShdw blurRad="60007" dist="310007" dir="7680000" sy="30000" kx="1300200" algn="ctr" rotWithShape="0">
+                    <a:prstClr val="black">
+                      <a:alpha val="32000"/>
+                    </a:prstClr>
+                  </a:outerShdw>
+                </a:effectLst>
+                <a:latin typeface="Verdana" panose="020B0604030504040204" pitchFamily="34" charset="0"/>
+                <a:ea typeface="Verdana" panose="020B0604030504040204" pitchFamily="34" charset="0"/>
+                <a:cs typeface="Verdana" panose="020B0604030504040204" pitchFamily="34" charset="0"/>
+              </a:rPr>
+              <a:t>str</a:t>
+            </a:r>
+            <a:r>
+              <a:rPr lang="cs-CZ" sz="12000" b="1" dirty="0" err="1" smtClean="0">
+                <a:ln w="17780" cmpd="sng">
+                  <a:solidFill>
+                    <a:srgbClr val="FFFFFF"/>
+                  </a:solidFill>
+                  <a:prstDash val="solid"/>
+                  <a:miter lim="800000"/>
+                </a:ln>
+                <a:gradFill rotWithShape="1">
+                  <a:gsLst>
+                    <a:gs pos="0">
+                      <a:srgbClr val="000000">
+                        <a:tint val="92000"/>
+                        <a:shade val="100000"/>
+                        <a:satMod val="150000"/>
+                      </a:srgbClr>
+                    </a:gs>
+                    <a:gs pos="49000">
+                      <a:srgbClr val="000000">
+                        <a:tint val="89000"/>
+                        <a:shade val="90000"/>
+                        <a:satMod val="150000"/>
+                      </a:srgbClr>
+                    </a:gs>
+                    <a:gs pos="50000">
+                      <a:srgbClr val="000000">
+                        <a:tint val="100000"/>
+                        <a:shade val="75000"/>
+                        <a:satMod val="150000"/>
+                      </a:srgbClr>
+                    </a:gs>
+                    <a:gs pos="95000">
+                      <a:srgbClr val="000000">
+                        <a:shade val="47000"/>
+                        <a:satMod val="150000"/>
+                      </a:srgbClr>
+                    </a:gs>
+                    <a:gs pos="100000">
+                      <a:srgbClr val="000000">
+                        <a:shade val="39000"/>
+                        <a:satMod val="150000"/>
+                      </a:srgbClr>
+                    </a:gs>
+                  </a:gsLst>
+                  <a:lin ang="5400000"/>
+                </a:gradFill>
+                <a:effectLst>
+                  <a:outerShdw blurRad="60007" dist="310007" dir="7680000" sy="30000" kx="1300200" algn="ctr" rotWithShape="0">
+                    <a:prstClr val="black">
+                      <a:alpha val="32000"/>
+                    </a:prstClr>
+                  </a:outerShdw>
+                </a:effectLst>
+                <a:latin typeface="Verdana" panose="020B0604030504040204" pitchFamily="34" charset="0"/>
+                <a:ea typeface="Verdana" panose="020B0604030504040204" pitchFamily="34" charset="0"/>
+                <a:cs typeface="Verdana" panose="020B0604030504040204" pitchFamily="34" charset="0"/>
+              </a:rPr>
+              <a:t>ánky</a:t>
             </a:r>
             <a:endParaRPr lang="cs-CZ" sz="12000" b="1" dirty="0">
               <a:ln w="17780" cmpd="sng">
@@ -14908,16 +14851,1392 @@
           </a:p>
         </p:txBody>
       </p:sp>
-      <p:sp>
-        <p:nvSpPr>
-          <p:cNvPr id="5" name="TextovéPole 4"/>
+      <p:pic>
+        <p:nvPicPr>
+          <p:cNvPr id="5" name="Obrázek 4" descr="index.png"/>
+          <p:cNvPicPr>
+            <a:picLocks noChangeAspect="1"/>
+          </p:cNvPicPr>
+          <p:nvPr/>
+        </p:nvPicPr>
+        <p:blipFill>
+          <a:blip r:embed="rId2"/>
+          <a:stretch>
+            <a:fillRect/>
+          </a:stretch>
+        </p:blipFill>
+        <p:spPr>
+          <a:xfrm>
+            <a:off x="2438400" y="2362200"/>
+            <a:ext cx="4182241" cy="3810000"/>
+          </a:xfrm>
+          <a:prstGeom prst="rect">
+            <a:avLst/>
+          </a:prstGeom>
+        </p:spPr>
+      </p:pic>
+    </p:spTree>
+    <p:extLst>
+      <p:ext uri="{BB962C8B-B14F-4D97-AF65-F5344CB8AC3E}">
+        <p14:creationId xmlns:p14="http://schemas.microsoft.com/office/powerpoint/2010/main" xmlns="" val="2651481833"/>
+      </p:ext>
+    </p:extLst>
+  </p:cSld>
+  <p:clrMapOvr>
+    <a:masterClrMapping/>
+  </p:clrMapOvr>
+  <p:timing>
+    <p:tnLst>
+      <p:par>
+        <p:cTn id="1" dur="indefinite" restart="never" nodeType="tmRoot"/>
+      </p:par>
+    </p:tnLst>
+  </p:timing>
+</p:sld>
+</file>
+
+<file path=ppt/slides/slide36.xml><?xml version="1.0" encoding="utf-8"?>
+<p:sld xmlns:a="http://schemas.openxmlformats.org/drawingml/2006/main" xmlns:r="http://schemas.openxmlformats.org/officeDocument/2006/relationships" xmlns:p="http://schemas.openxmlformats.org/presentationml/2006/main">
+  <p:cSld>
+    <p:spTree>
+      <p:nvGrpSpPr>
+        <p:cNvPr id="1" name=""/>
+        <p:cNvGrpSpPr/>
+        <p:nvPr/>
+      </p:nvGrpSpPr>
+      <p:grpSpPr>
+        <a:xfrm>
+          <a:off x="0" y="0"/>
+          <a:ext cx="0" cy="0"/>
+          <a:chOff x="0" y="0"/>
+          <a:chExt cx="0" cy="0"/>
+        </a:xfrm>
+      </p:grpSpPr>
+      <p:sp>
+        <p:nvSpPr>
+          <p:cNvPr id="2" name="Nadpis 1"/>
+          <p:cNvSpPr>
+            <a:spLocks noGrp="1"/>
+          </p:cNvSpPr>
+          <p:nvPr>
+            <p:ph type="title"/>
+          </p:nvPr>
+        </p:nvSpPr>
+        <p:spPr/>
+        <p:txBody>
+          <a:bodyPr/>
+          <a:lstStyle/>
+          <a:p>
+            <a:endParaRPr lang="cs-CZ" dirty="0"/>
+          </a:p>
+        </p:txBody>
+      </p:sp>
+      <p:sp>
+        <p:nvSpPr>
+          <p:cNvPr id="4" name="Nadpis 1"/>
+          <p:cNvSpPr txBox="1">
+            <a:spLocks/>
+          </p:cNvSpPr>
+          <p:nvPr/>
+        </p:nvSpPr>
+        <p:spPr>
+          <a:xfrm>
+            <a:off x="400650" y="908720"/>
+            <a:ext cx="8460432" cy="1181993"/>
+          </a:xfrm>
+          <a:prstGeom prst="rect">
+            <a:avLst/>
+          </a:prstGeom>
+        </p:spPr>
+        <p:txBody>
+          <a:bodyPr vert="horz" lIns="91440" tIns="45720" rIns="91440" bIns="45720" rtlCol="0" anchor="b">
+            <a:normAutofit fontScale="70000" lnSpcReduction="20000"/>
+          </a:bodyPr>
+          <a:lstStyle>
+            <a:lvl1pPr algn="ctr" defTabSz="914400" rtl="0" eaLnBrk="1" latinLnBrk="0" hangingPunct="1">
+              <a:lnSpc>
+                <a:spcPts val="5800"/>
+              </a:lnSpc>
+              <a:spcBef>
+                <a:spcPct val="0"/>
+              </a:spcBef>
+              <a:buNone/>
+              <a:defRPr sz="5400" kern="1200">
+                <a:solidFill>
+                  <a:schemeClr val="tx2"/>
+                </a:solidFill>
+                <a:effectLst>
+                  <a:outerShdw blurRad="63500" dist="38100" dir="5400000" algn="t" rotWithShape="0">
+                    <a:prstClr val="black">
+                      <a:alpha val="25000"/>
+                    </a:prstClr>
+                  </a:outerShdw>
+                </a:effectLst>
+                <a:latin typeface="+mn-lt"/>
+                <a:ea typeface="+mj-ea"/>
+                <a:cs typeface="+mj-cs"/>
+              </a:defRPr>
+            </a:lvl1pPr>
+          </a:lstStyle>
+          <a:p>
+            <a:r>
+              <a:rPr lang="en-US" sz="12000" b="1" dirty="0" smtClean="0">
+                <a:ln w="17780" cmpd="sng">
+                  <a:solidFill>
+                    <a:srgbClr val="FFFFFF"/>
+                  </a:solidFill>
+                  <a:prstDash val="solid"/>
+                  <a:miter lim="800000"/>
+                </a:ln>
+                <a:gradFill rotWithShape="1">
+                  <a:gsLst>
+                    <a:gs pos="0">
+                      <a:srgbClr val="000000">
+                        <a:tint val="92000"/>
+                        <a:shade val="100000"/>
+                        <a:satMod val="150000"/>
+                      </a:srgbClr>
+                    </a:gs>
+                    <a:gs pos="49000">
+                      <a:srgbClr val="000000">
+                        <a:tint val="89000"/>
+                        <a:shade val="90000"/>
+                        <a:satMod val="150000"/>
+                      </a:srgbClr>
+                    </a:gs>
+                    <a:gs pos="50000">
+                      <a:srgbClr val="000000">
+                        <a:tint val="100000"/>
+                        <a:shade val="75000"/>
+                        <a:satMod val="150000"/>
+                      </a:srgbClr>
+                    </a:gs>
+                    <a:gs pos="95000">
+                      <a:srgbClr val="000000">
+                        <a:shade val="47000"/>
+                        <a:satMod val="150000"/>
+                      </a:srgbClr>
+                    </a:gs>
+                    <a:gs pos="100000">
+                      <a:srgbClr val="000000">
+                        <a:shade val="39000"/>
+                        <a:satMod val="150000"/>
+                      </a:srgbClr>
+                    </a:gs>
+                  </a:gsLst>
+                  <a:lin ang="5400000"/>
+                </a:gradFill>
+                <a:effectLst>
+                  <a:outerShdw blurRad="60007" dist="310007" dir="7680000" sy="30000" kx="1300200" algn="ctr" rotWithShape="0">
+                    <a:prstClr val="black">
+                      <a:alpha val="32000"/>
+                    </a:prstClr>
+                  </a:outerShdw>
+                </a:effectLst>
+                <a:latin typeface="Verdana" panose="020B0604030504040204" pitchFamily="34" charset="0"/>
+                <a:ea typeface="Verdana" panose="020B0604030504040204" pitchFamily="34" charset="0"/>
+                <a:cs typeface="Verdana" panose="020B0604030504040204" pitchFamily="34" charset="0"/>
+              </a:rPr>
+              <a:t>HTML </a:t>
+            </a:r>
+            <a:r>
+              <a:rPr lang="en-US" sz="12000" b="1" dirty="0" err="1" smtClean="0">
+                <a:ln w="17780" cmpd="sng">
+                  <a:solidFill>
+                    <a:srgbClr val="FFFFFF"/>
+                  </a:solidFill>
+                  <a:prstDash val="solid"/>
+                  <a:miter lim="800000"/>
+                </a:ln>
+                <a:gradFill rotWithShape="1">
+                  <a:gsLst>
+                    <a:gs pos="0">
+                      <a:srgbClr val="000000">
+                        <a:tint val="92000"/>
+                        <a:shade val="100000"/>
+                        <a:satMod val="150000"/>
+                      </a:srgbClr>
+                    </a:gs>
+                    <a:gs pos="49000">
+                      <a:srgbClr val="000000">
+                        <a:tint val="89000"/>
+                        <a:shade val="90000"/>
+                        <a:satMod val="150000"/>
+                      </a:srgbClr>
+                    </a:gs>
+                    <a:gs pos="50000">
+                      <a:srgbClr val="000000">
+                        <a:tint val="100000"/>
+                        <a:shade val="75000"/>
+                        <a:satMod val="150000"/>
+                      </a:srgbClr>
+                    </a:gs>
+                    <a:gs pos="95000">
+                      <a:srgbClr val="000000">
+                        <a:shade val="47000"/>
+                        <a:satMod val="150000"/>
+                      </a:srgbClr>
+                    </a:gs>
+                    <a:gs pos="100000">
+                      <a:srgbClr val="000000">
+                        <a:shade val="39000"/>
+                        <a:satMod val="150000"/>
+                      </a:srgbClr>
+                    </a:gs>
+                  </a:gsLst>
+                  <a:lin ang="5400000"/>
+                </a:gradFill>
+                <a:effectLst>
+                  <a:outerShdw blurRad="60007" dist="310007" dir="7680000" sy="30000" kx="1300200" algn="ctr" rotWithShape="0">
+                    <a:prstClr val="black">
+                      <a:alpha val="32000"/>
+                    </a:prstClr>
+                  </a:outerShdw>
+                </a:effectLst>
+                <a:latin typeface="Verdana" panose="020B0604030504040204" pitchFamily="34" charset="0"/>
+                <a:ea typeface="Verdana" panose="020B0604030504040204" pitchFamily="34" charset="0"/>
+                <a:cs typeface="Verdana" panose="020B0604030504040204" pitchFamily="34" charset="0"/>
+              </a:rPr>
+              <a:t>str</a:t>
+            </a:r>
+            <a:r>
+              <a:rPr lang="cs-CZ" sz="12000" b="1" dirty="0" err="1" smtClean="0">
+                <a:ln w="17780" cmpd="sng">
+                  <a:solidFill>
+                    <a:srgbClr val="FFFFFF"/>
+                  </a:solidFill>
+                  <a:prstDash val="solid"/>
+                  <a:miter lim="800000"/>
+                </a:ln>
+                <a:gradFill rotWithShape="1">
+                  <a:gsLst>
+                    <a:gs pos="0">
+                      <a:srgbClr val="000000">
+                        <a:tint val="92000"/>
+                        <a:shade val="100000"/>
+                        <a:satMod val="150000"/>
+                      </a:srgbClr>
+                    </a:gs>
+                    <a:gs pos="49000">
+                      <a:srgbClr val="000000">
+                        <a:tint val="89000"/>
+                        <a:shade val="90000"/>
+                        <a:satMod val="150000"/>
+                      </a:srgbClr>
+                    </a:gs>
+                    <a:gs pos="50000">
+                      <a:srgbClr val="000000">
+                        <a:tint val="100000"/>
+                        <a:shade val="75000"/>
+                        <a:satMod val="150000"/>
+                      </a:srgbClr>
+                    </a:gs>
+                    <a:gs pos="95000">
+                      <a:srgbClr val="000000">
+                        <a:shade val="47000"/>
+                        <a:satMod val="150000"/>
+                      </a:srgbClr>
+                    </a:gs>
+                    <a:gs pos="100000">
+                      <a:srgbClr val="000000">
+                        <a:shade val="39000"/>
+                        <a:satMod val="150000"/>
+                      </a:srgbClr>
+                    </a:gs>
+                  </a:gsLst>
+                  <a:lin ang="5400000"/>
+                </a:gradFill>
+                <a:effectLst>
+                  <a:outerShdw blurRad="60007" dist="310007" dir="7680000" sy="30000" kx="1300200" algn="ctr" rotWithShape="0">
+                    <a:prstClr val="black">
+                      <a:alpha val="32000"/>
+                    </a:prstClr>
+                  </a:outerShdw>
+                </a:effectLst>
+                <a:latin typeface="Verdana" panose="020B0604030504040204" pitchFamily="34" charset="0"/>
+                <a:ea typeface="Verdana" panose="020B0604030504040204" pitchFamily="34" charset="0"/>
+                <a:cs typeface="Verdana" panose="020B0604030504040204" pitchFamily="34" charset="0"/>
+              </a:rPr>
+              <a:t>ánky</a:t>
+            </a:r>
+            <a:endParaRPr lang="cs-CZ" sz="12000" b="1" dirty="0">
+              <a:ln w="17780" cmpd="sng">
+                <a:solidFill>
+                  <a:srgbClr val="FFFFFF"/>
+                </a:solidFill>
+                <a:prstDash val="solid"/>
+                <a:miter lim="800000"/>
+              </a:ln>
+              <a:gradFill rotWithShape="1">
+                <a:gsLst>
+                  <a:gs pos="0">
+                    <a:srgbClr val="000000">
+                      <a:tint val="92000"/>
+                      <a:shade val="100000"/>
+                      <a:satMod val="150000"/>
+                    </a:srgbClr>
+                  </a:gs>
+                  <a:gs pos="49000">
+                    <a:srgbClr val="000000">
+                      <a:tint val="89000"/>
+                      <a:shade val="90000"/>
+                      <a:satMod val="150000"/>
+                    </a:srgbClr>
+                  </a:gs>
+                  <a:gs pos="50000">
+                    <a:srgbClr val="000000">
+                      <a:tint val="100000"/>
+                      <a:shade val="75000"/>
+                      <a:satMod val="150000"/>
+                    </a:srgbClr>
+                  </a:gs>
+                  <a:gs pos="95000">
+                    <a:srgbClr val="000000">
+                      <a:shade val="47000"/>
+                      <a:satMod val="150000"/>
+                    </a:srgbClr>
+                  </a:gs>
+                  <a:gs pos="100000">
+                    <a:srgbClr val="000000">
+                      <a:shade val="39000"/>
+                      <a:satMod val="150000"/>
+                    </a:srgbClr>
+                  </a:gs>
+                </a:gsLst>
+                <a:lin ang="5400000"/>
+              </a:gradFill>
+              <a:effectLst>
+                <a:outerShdw blurRad="60007" dist="310007" dir="7680000" sy="30000" kx="1300200" algn="ctr" rotWithShape="0">
+                  <a:prstClr val="black">
+                    <a:alpha val="32000"/>
+                  </a:prstClr>
+                </a:outerShdw>
+              </a:effectLst>
+              <a:latin typeface="Verdana" panose="020B0604030504040204" pitchFamily="34" charset="0"/>
+              <a:ea typeface="Verdana" panose="020B0604030504040204" pitchFamily="34" charset="0"/>
+              <a:cs typeface="Verdana" panose="020B0604030504040204" pitchFamily="34" charset="0"/>
+            </a:endParaRPr>
+          </a:p>
+        </p:txBody>
+      </p:sp>
+      <p:pic>
+        <p:nvPicPr>
+          <p:cNvPr id="8" name="Obrázek 7" descr="leases.png"/>
+          <p:cNvPicPr>
+            <a:picLocks noChangeAspect="1"/>
+          </p:cNvPicPr>
+          <p:nvPr/>
+        </p:nvPicPr>
+        <p:blipFill>
+          <a:blip r:embed="rId2"/>
+          <a:stretch>
+            <a:fillRect/>
+          </a:stretch>
+        </p:blipFill>
+        <p:spPr>
+          <a:xfrm>
+            <a:off x="381000" y="2514600"/>
+            <a:ext cx="4491420" cy="2780775"/>
+          </a:xfrm>
+          <a:prstGeom prst="rect">
+            <a:avLst/>
+          </a:prstGeom>
+        </p:spPr>
+      </p:pic>
+      <p:pic>
+        <p:nvPicPr>
+          <p:cNvPr id="7" name="Obrázek 6" descr="custoemrs.png"/>
+          <p:cNvPicPr>
+            <a:picLocks noChangeAspect="1"/>
+          </p:cNvPicPr>
+          <p:nvPr/>
+        </p:nvPicPr>
+        <p:blipFill>
+          <a:blip r:embed="rId3"/>
+          <a:stretch>
+            <a:fillRect/>
+          </a:stretch>
+        </p:blipFill>
+        <p:spPr>
+          <a:xfrm>
+            <a:off x="2438400" y="3810000"/>
+            <a:ext cx="3849604" cy="2895600"/>
+          </a:xfrm>
+          <a:prstGeom prst="rect">
+            <a:avLst/>
+          </a:prstGeom>
+        </p:spPr>
+      </p:pic>
+      <p:pic>
+        <p:nvPicPr>
+          <p:cNvPr id="6" name="Obrázek 5" descr="cars.png"/>
+          <p:cNvPicPr>
+            <a:picLocks noChangeAspect="1"/>
+          </p:cNvPicPr>
+          <p:nvPr/>
+        </p:nvPicPr>
+        <p:blipFill>
+          <a:blip r:embed="rId4"/>
+          <a:stretch>
+            <a:fillRect/>
+          </a:stretch>
+        </p:blipFill>
+        <p:spPr>
+          <a:xfrm>
+            <a:off x="5554150" y="2286000"/>
+            <a:ext cx="3589850" cy="3276600"/>
+          </a:xfrm>
+          <a:prstGeom prst="rect">
+            <a:avLst/>
+          </a:prstGeom>
+        </p:spPr>
+      </p:pic>
+    </p:spTree>
+    <p:extLst>
+      <p:ext uri="{BB962C8B-B14F-4D97-AF65-F5344CB8AC3E}">
+        <p14:creationId xmlns:p14="http://schemas.microsoft.com/office/powerpoint/2010/main" xmlns="" val="2651481833"/>
+      </p:ext>
+    </p:extLst>
+  </p:cSld>
+  <p:clrMapOvr>
+    <a:masterClrMapping/>
+  </p:clrMapOvr>
+  <p:timing>
+    <p:tnLst>
+      <p:par>
+        <p:cTn id="1" dur="indefinite" restart="never" nodeType="tmRoot"/>
+      </p:par>
+    </p:tnLst>
+  </p:timing>
+</p:sld>
+</file>
+
+<file path=ppt/slides/slide37.xml><?xml version="1.0" encoding="utf-8"?>
+<p:sld xmlns:a="http://schemas.openxmlformats.org/drawingml/2006/main" xmlns:r="http://schemas.openxmlformats.org/officeDocument/2006/relationships" xmlns:p="http://schemas.openxmlformats.org/presentationml/2006/main">
+  <p:cSld>
+    <p:spTree>
+      <p:nvGrpSpPr>
+        <p:cNvPr id="1" name=""/>
+        <p:cNvGrpSpPr/>
+        <p:nvPr/>
+      </p:nvGrpSpPr>
+      <p:grpSpPr>
+        <a:xfrm>
+          <a:off x="0" y="0"/>
+          <a:ext cx="0" cy="0"/>
+          <a:chOff x="0" y="0"/>
+          <a:chExt cx="0" cy="0"/>
+        </a:xfrm>
+      </p:grpSpPr>
+      <p:sp>
+        <p:nvSpPr>
+          <p:cNvPr id="2" name="Nadpis 1"/>
+          <p:cNvSpPr>
+            <a:spLocks noGrp="1"/>
+          </p:cNvSpPr>
+          <p:nvPr>
+            <p:ph type="title"/>
+          </p:nvPr>
+        </p:nvSpPr>
+        <p:spPr/>
+        <p:txBody>
+          <a:bodyPr/>
+          <a:lstStyle/>
+          <a:p>
+            <a:endParaRPr lang="cs-CZ" dirty="0"/>
+          </a:p>
+        </p:txBody>
+      </p:sp>
+      <p:sp>
+        <p:nvSpPr>
+          <p:cNvPr id="4" name="Nadpis 1"/>
+          <p:cNvSpPr txBox="1">
+            <a:spLocks/>
+          </p:cNvSpPr>
+          <p:nvPr/>
+        </p:nvSpPr>
+        <p:spPr>
+          <a:xfrm>
+            <a:off x="400650" y="908720"/>
+            <a:ext cx="8460432" cy="1181993"/>
+          </a:xfrm>
+          <a:prstGeom prst="rect">
+            <a:avLst/>
+          </a:prstGeom>
+        </p:spPr>
+        <p:txBody>
+          <a:bodyPr vert="horz" lIns="91440" tIns="45720" rIns="91440" bIns="45720" rtlCol="0" anchor="b">
+            <a:normAutofit fontScale="70000" lnSpcReduction="20000"/>
+          </a:bodyPr>
+          <a:lstStyle>
+            <a:lvl1pPr algn="ctr" defTabSz="914400" rtl="0" eaLnBrk="1" latinLnBrk="0" hangingPunct="1">
+              <a:lnSpc>
+                <a:spcPts val="5800"/>
+              </a:lnSpc>
+              <a:spcBef>
+                <a:spcPct val="0"/>
+              </a:spcBef>
+              <a:buNone/>
+              <a:defRPr sz="5400" kern="1200">
+                <a:solidFill>
+                  <a:schemeClr val="tx2"/>
+                </a:solidFill>
+                <a:effectLst>
+                  <a:outerShdw blurRad="63500" dist="38100" dir="5400000" algn="t" rotWithShape="0">
+                    <a:prstClr val="black">
+                      <a:alpha val="25000"/>
+                    </a:prstClr>
+                  </a:outerShdw>
+                </a:effectLst>
+                <a:latin typeface="+mn-lt"/>
+                <a:ea typeface="+mj-ea"/>
+                <a:cs typeface="+mj-cs"/>
+              </a:defRPr>
+            </a:lvl1pPr>
+          </a:lstStyle>
+          <a:p>
+            <a:r>
+              <a:rPr lang="en-US" sz="12000" b="1" dirty="0" smtClean="0">
+                <a:ln w="17780" cmpd="sng">
+                  <a:solidFill>
+                    <a:srgbClr val="FFFFFF"/>
+                  </a:solidFill>
+                  <a:prstDash val="solid"/>
+                  <a:miter lim="800000"/>
+                </a:ln>
+                <a:gradFill rotWithShape="1">
+                  <a:gsLst>
+                    <a:gs pos="0">
+                      <a:srgbClr val="000000">
+                        <a:tint val="92000"/>
+                        <a:shade val="100000"/>
+                        <a:satMod val="150000"/>
+                      </a:srgbClr>
+                    </a:gs>
+                    <a:gs pos="49000">
+                      <a:srgbClr val="000000">
+                        <a:tint val="89000"/>
+                        <a:shade val="90000"/>
+                        <a:satMod val="150000"/>
+                      </a:srgbClr>
+                    </a:gs>
+                    <a:gs pos="50000">
+                      <a:srgbClr val="000000">
+                        <a:tint val="100000"/>
+                        <a:shade val="75000"/>
+                        <a:satMod val="150000"/>
+                      </a:srgbClr>
+                    </a:gs>
+                    <a:gs pos="95000">
+                      <a:srgbClr val="000000">
+                        <a:shade val="47000"/>
+                        <a:satMod val="150000"/>
+                      </a:srgbClr>
+                    </a:gs>
+                    <a:gs pos="100000">
+                      <a:srgbClr val="000000">
+                        <a:shade val="39000"/>
+                        <a:satMod val="150000"/>
+                      </a:srgbClr>
+                    </a:gs>
+                  </a:gsLst>
+                  <a:lin ang="5400000"/>
+                </a:gradFill>
+                <a:effectLst>
+                  <a:outerShdw blurRad="60007" dist="310007" dir="7680000" sy="30000" kx="1300200" algn="ctr" rotWithShape="0">
+                    <a:prstClr val="black">
+                      <a:alpha val="32000"/>
+                    </a:prstClr>
+                  </a:outerShdw>
+                </a:effectLst>
+                <a:latin typeface="Verdana" panose="020B0604030504040204" pitchFamily="34" charset="0"/>
+                <a:ea typeface="Verdana" panose="020B0604030504040204" pitchFamily="34" charset="0"/>
+                <a:cs typeface="Verdana" panose="020B0604030504040204" pitchFamily="34" charset="0"/>
+              </a:rPr>
+              <a:t>HTML </a:t>
+            </a:r>
+            <a:r>
+              <a:rPr lang="en-US" sz="12000" b="1" dirty="0" err="1" smtClean="0">
+                <a:ln w="17780" cmpd="sng">
+                  <a:solidFill>
+                    <a:srgbClr val="FFFFFF"/>
+                  </a:solidFill>
+                  <a:prstDash val="solid"/>
+                  <a:miter lim="800000"/>
+                </a:ln>
+                <a:gradFill rotWithShape="1">
+                  <a:gsLst>
+                    <a:gs pos="0">
+                      <a:srgbClr val="000000">
+                        <a:tint val="92000"/>
+                        <a:shade val="100000"/>
+                        <a:satMod val="150000"/>
+                      </a:srgbClr>
+                    </a:gs>
+                    <a:gs pos="49000">
+                      <a:srgbClr val="000000">
+                        <a:tint val="89000"/>
+                        <a:shade val="90000"/>
+                        <a:satMod val="150000"/>
+                      </a:srgbClr>
+                    </a:gs>
+                    <a:gs pos="50000">
+                      <a:srgbClr val="000000">
+                        <a:tint val="100000"/>
+                        <a:shade val="75000"/>
+                        <a:satMod val="150000"/>
+                      </a:srgbClr>
+                    </a:gs>
+                    <a:gs pos="95000">
+                      <a:srgbClr val="000000">
+                        <a:shade val="47000"/>
+                        <a:satMod val="150000"/>
+                      </a:srgbClr>
+                    </a:gs>
+                    <a:gs pos="100000">
+                      <a:srgbClr val="000000">
+                        <a:shade val="39000"/>
+                        <a:satMod val="150000"/>
+                      </a:srgbClr>
+                    </a:gs>
+                  </a:gsLst>
+                  <a:lin ang="5400000"/>
+                </a:gradFill>
+                <a:effectLst>
+                  <a:outerShdw blurRad="60007" dist="310007" dir="7680000" sy="30000" kx="1300200" algn="ctr" rotWithShape="0">
+                    <a:prstClr val="black">
+                      <a:alpha val="32000"/>
+                    </a:prstClr>
+                  </a:outerShdw>
+                </a:effectLst>
+                <a:latin typeface="Verdana" panose="020B0604030504040204" pitchFamily="34" charset="0"/>
+                <a:ea typeface="Verdana" panose="020B0604030504040204" pitchFamily="34" charset="0"/>
+                <a:cs typeface="Verdana" panose="020B0604030504040204" pitchFamily="34" charset="0"/>
+              </a:rPr>
+              <a:t>str</a:t>
+            </a:r>
+            <a:r>
+              <a:rPr lang="cs-CZ" sz="12000" b="1" dirty="0" err="1" smtClean="0">
+                <a:ln w="17780" cmpd="sng">
+                  <a:solidFill>
+                    <a:srgbClr val="FFFFFF"/>
+                  </a:solidFill>
+                  <a:prstDash val="solid"/>
+                  <a:miter lim="800000"/>
+                </a:ln>
+                <a:gradFill rotWithShape="1">
+                  <a:gsLst>
+                    <a:gs pos="0">
+                      <a:srgbClr val="000000">
+                        <a:tint val="92000"/>
+                        <a:shade val="100000"/>
+                        <a:satMod val="150000"/>
+                      </a:srgbClr>
+                    </a:gs>
+                    <a:gs pos="49000">
+                      <a:srgbClr val="000000">
+                        <a:tint val="89000"/>
+                        <a:shade val="90000"/>
+                        <a:satMod val="150000"/>
+                      </a:srgbClr>
+                    </a:gs>
+                    <a:gs pos="50000">
+                      <a:srgbClr val="000000">
+                        <a:tint val="100000"/>
+                        <a:shade val="75000"/>
+                        <a:satMod val="150000"/>
+                      </a:srgbClr>
+                    </a:gs>
+                    <a:gs pos="95000">
+                      <a:srgbClr val="000000">
+                        <a:shade val="47000"/>
+                        <a:satMod val="150000"/>
+                      </a:srgbClr>
+                    </a:gs>
+                    <a:gs pos="100000">
+                      <a:srgbClr val="000000">
+                        <a:shade val="39000"/>
+                        <a:satMod val="150000"/>
+                      </a:srgbClr>
+                    </a:gs>
+                  </a:gsLst>
+                  <a:lin ang="5400000"/>
+                </a:gradFill>
+                <a:effectLst>
+                  <a:outerShdw blurRad="60007" dist="310007" dir="7680000" sy="30000" kx="1300200" algn="ctr" rotWithShape="0">
+                    <a:prstClr val="black">
+                      <a:alpha val="32000"/>
+                    </a:prstClr>
+                  </a:outerShdw>
+                </a:effectLst>
+                <a:latin typeface="Verdana" panose="020B0604030504040204" pitchFamily="34" charset="0"/>
+                <a:ea typeface="Verdana" panose="020B0604030504040204" pitchFamily="34" charset="0"/>
+                <a:cs typeface="Verdana" panose="020B0604030504040204" pitchFamily="34" charset="0"/>
+              </a:rPr>
+              <a:t>ánky</a:t>
+            </a:r>
+            <a:endParaRPr lang="cs-CZ" sz="12000" b="1" dirty="0">
+              <a:ln w="17780" cmpd="sng">
+                <a:solidFill>
+                  <a:srgbClr val="FFFFFF"/>
+                </a:solidFill>
+                <a:prstDash val="solid"/>
+                <a:miter lim="800000"/>
+              </a:ln>
+              <a:gradFill rotWithShape="1">
+                <a:gsLst>
+                  <a:gs pos="0">
+                    <a:srgbClr val="000000">
+                      <a:tint val="92000"/>
+                      <a:shade val="100000"/>
+                      <a:satMod val="150000"/>
+                    </a:srgbClr>
+                  </a:gs>
+                  <a:gs pos="49000">
+                    <a:srgbClr val="000000">
+                      <a:tint val="89000"/>
+                      <a:shade val="90000"/>
+                      <a:satMod val="150000"/>
+                    </a:srgbClr>
+                  </a:gs>
+                  <a:gs pos="50000">
+                    <a:srgbClr val="000000">
+                      <a:tint val="100000"/>
+                      <a:shade val="75000"/>
+                      <a:satMod val="150000"/>
+                    </a:srgbClr>
+                  </a:gs>
+                  <a:gs pos="95000">
+                    <a:srgbClr val="000000">
+                      <a:shade val="47000"/>
+                      <a:satMod val="150000"/>
+                    </a:srgbClr>
+                  </a:gs>
+                  <a:gs pos="100000">
+                    <a:srgbClr val="000000">
+                      <a:shade val="39000"/>
+                      <a:satMod val="150000"/>
+                    </a:srgbClr>
+                  </a:gs>
+                </a:gsLst>
+                <a:lin ang="5400000"/>
+              </a:gradFill>
+              <a:effectLst>
+                <a:outerShdw blurRad="60007" dist="310007" dir="7680000" sy="30000" kx="1300200" algn="ctr" rotWithShape="0">
+                  <a:prstClr val="black">
+                    <a:alpha val="32000"/>
+                  </a:prstClr>
+                </a:outerShdw>
+              </a:effectLst>
+              <a:latin typeface="Verdana" panose="020B0604030504040204" pitchFamily="34" charset="0"/>
+              <a:ea typeface="Verdana" panose="020B0604030504040204" pitchFamily="34" charset="0"/>
+              <a:cs typeface="Verdana" panose="020B0604030504040204" pitchFamily="34" charset="0"/>
+            </a:endParaRPr>
+          </a:p>
+        </p:txBody>
+      </p:sp>
+      <p:pic>
+        <p:nvPicPr>
+          <p:cNvPr id="5" name="Obrázek 4" descr="carsDet.png"/>
+          <p:cNvPicPr>
+            <a:picLocks noChangeAspect="1"/>
+          </p:cNvPicPr>
+          <p:nvPr/>
+        </p:nvPicPr>
+        <p:blipFill>
+          <a:blip r:embed="rId2"/>
+          <a:stretch>
+            <a:fillRect/>
+          </a:stretch>
+        </p:blipFill>
+        <p:spPr>
+          <a:xfrm>
+            <a:off x="152400" y="2133600"/>
+            <a:ext cx="3643694" cy="4126976"/>
+          </a:xfrm>
+          <a:prstGeom prst="rect">
+            <a:avLst/>
+          </a:prstGeom>
+        </p:spPr>
+      </p:pic>
+      <p:pic>
+        <p:nvPicPr>
+          <p:cNvPr id="7" name="Obrázek 6" descr="customersDet.png"/>
+          <p:cNvPicPr>
+            <a:picLocks noChangeAspect="1"/>
+          </p:cNvPicPr>
+          <p:nvPr/>
+        </p:nvPicPr>
+        <p:blipFill>
+          <a:blip r:embed="rId3"/>
+          <a:stretch>
+            <a:fillRect/>
+          </a:stretch>
+        </p:blipFill>
+        <p:spPr>
+          <a:xfrm>
+            <a:off x="2514600" y="2667000"/>
+            <a:ext cx="3343657" cy="3757245"/>
+          </a:xfrm>
+          <a:prstGeom prst="rect">
+            <a:avLst/>
+          </a:prstGeom>
+        </p:spPr>
+      </p:pic>
+      <p:pic>
+        <p:nvPicPr>
+          <p:cNvPr id="8" name="Obrázek 7" descr="leasesDet.png"/>
+          <p:cNvPicPr>
+            <a:picLocks noChangeAspect="1"/>
+          </p:cNvPicPr>
+          <p:nvPr/>
+        </p:nvPicPr>
+        <p:blipFill>
+          <a:blip r:embed="rId4"/>
+          <a:stretch>
+            <a:fillRect/>
+          </a:stretch>
+        </p:blipFill>
+        <p:spPr>
+          <a:xfrm>
+            <a:off x="5181600" y="2133600"/>
+            <a:ext cx="3657600" cy="4100904"/>
+          </a:xfrm>
+          <a:prstGeom prst="rect">
+            <a:avLst/>
+          </a:prstGeom>
+        </p:spPr>
+      </p:pic>
+    </p:spTree>
+    <p:extLst>
+      <p:ext uri="{BB962C8B-B14F-4D97-AF65-F5344CB8AC3E}">
+        <p14:creationId xmlns:p14="http://schemas.microsoft.com/office/powerpoint/2010/main" xmlns="" val="2651481833"/>
+      </p:ext>
+    </p:extLst>
+  </p:cSld>
+  <p:clrMapOvr>
+    <a:masterClrMapping/>
+  </p:clrMapOvr>
+  <p:timing>
+    <p:tnLst>
+      <p:par>
+        <p:cTn id="1" dur="indefinite" restart="never" nodeType="tmRoot"/>
+      </p:par>
+    </p:tnLst>
+  </p:timing>
+</p:sld>
+</file>
+
+<file path=ppt/slides/slide38.xml><?xml version="1.0" encoding="utf-8"?>
+<p:sld xmlns:a="http://schemas.openxmlformats.org/drawingml/2006/main" xmlns:r="http://schemas.openxmlformats.org/officeDocument/2006/relationships" xmlns:p="http://schemas.openxmlformats.org/presentationml/2006/main">
+  <p:cSld>
+    <p:spTree>
+      <p:nvGrpSpPr>
+        <p:cNvPr id="1" name=""/>
+        <p:cNvGrpSpPr/>
+        <p:nvPr/>
+      </p:nvGrpSpPr>
+      <p:grpSpPr>
+        <a:xfrm>
+          <a:off x="0" y="0"/>
+          <a:ext cx="0" cy="0"/>
+          <a:chOff x="0" y="0"/>
+          <a:chExt cx="0" cy="0"/>
+        </a:xfrm>
+      </p:grpSpPr>
+      <p:sp>
+        <p:nvSpPr>
+          <p:cNvPr id="2" name="Nadpis 1"/>
+          <p:cNvSpPr>
+            <a:spLocks noGrp="1"/>
+          </p:cNvSpPr>
+          <p:nvPr>
+            <p:ph type="title"/>
+          </p:nvPr>
+        </p:nvSpPr>
+        <p:spPr/>
+        <p:txBody>
+          <a:bodyPr/>
+          <a:lstStyle/>
+          <a:p>
+            <a:endParaRPr lang="cs-CZ" dirty="0"/>
+          </a:p>
+        </p:txBody>
+      </p:sp>
+      <p:sp>
+        <p:nvSpPr>
+          <p:cNvPr id="4" name="Nadpis 1"/>
+          <p:cNvSpPr txBox="1">
+            <a:spLocks/>
+          </p:cNvSpPr>
+          <p:nvPr/>
+        </p:nvSpPr>
+        <p:spPr>
+          <a:xfrm>
+            <a:off x="400650" y="908720"/>
+            <a:ext cx="8460432" cy="1181993"/>
+          </a:xfrm>
+          <a:prstGeom prst="rect">
+            <a:avLst/>
+          </a:prstGeom>
+        </p:spPr>
+        <p:txBody>
+          <a:bodyPr vert="horz" lIns="91440" tIns="45720" rIns="91440" bIns="45720" rtlCol="0" anchor="b">
+            <a:normAutofit fontScale="47500" lnSpcReduction="20000"/>
+          </a:bodyPr>
+          <a:lstStyle>
+            <a:lvl1pPr algn="ctr" defTabSz="914400" rtl="0" eaLnBrk="1" latinLnBrk="0" hangingPunct="1">
+              <a:lnSpc>
+                <a:spcPts val="5800"/>
+              </a:lnSpc>
+              <a:spcBef>
+                <a:spcPct val="0"/>
+              </a:spcBef>
+              <a:buNone/>
+              <a:defRPr sz="5400" kern="1200">
+                <a:solidFill>
+                  <a:schemeClr val="tx2"/>
+                </a:solidFill>
+                <a:effectLst>
+                  <a:outerShdw blurRad="63500" dist="38100" dir="5400000" algn="t" rotWithShape="0">
+                    <a:prstClr val="black">
+                      <a:alpha val="25000"/>
+                    </a:prstClr>
+                  </a:outerShdw>
+                </a:effectLst>
+                <a:latin typeface="+mn-lt"/>
+                <a:ea typeface="+mj-ea"/>
+                <a:cs typeface="+mj-cs"/>
+              </a:defRPr>
+            </a:lvl1pPr>
+          </a:lstStyle>
+          <a:p>
+            <a:r>
+              <a:rPr lang="cs-CZ" sz="12000" b="1" dirty="0" smtClean="0">
+                <a:ln w="17780" cmpd="sng">
+                  <a:solidFill>
+                    <a:srgbClr val="FFFFFF"/>
+                  </a:solidFill>
+                  <a:prstDash val="solid"/>
+                  <a:miter lim="800000"/>
+                </a:ln>
+                <a:gradFill rotWithShape="1">
+                  <a:gsLst>
+                    <a:gs pos="0">
+                      <a:srgbClr val="000000">
+                        <a:tint val="92000"/>
+                        <a:shade val="100000"/>
+                        <a:satMod val="150000"/>
+                      </a:srgbClr>
+                    </a:gs>
+                    <a:gs pos="49000">
+                      <a:srgbClr val="000000">
+                        <a:tint val="89000"/>
+                        <a:shade val="90000"/>
+                        <a:satMod val="150000"/>
+                      </a:srgbClr>
+                    </a:gs>
+                    <a:gs pos="50000">
+                      <a:srgbClr val="000000">
+                        <a:tint val="100000"/>
+                        <a:shade val="75000"/>
+                        <a:satMod val="150000"/>
+                      </a:srgbClr>
+                    </a:gs>
+                    <a:gs pos="95000">
+                      <a:srgbClr val="000000">
+                        <a:shade val="47000"/>
+                        <a:satMod val="150000"/>
+                      </a:srgbClr>
+                    </a:gs>
+                    <a:gs pos="100000">
+                      <a:srgbClr val="000000">
+                        <a:shade val="39000"/>
+                        <a:satMod val="150000"/>
+                      </a:srgbClr>
+                    </a:gs>
+                  </a:gsLst>
+                  <a:lin ang="5400000"/>
+                </a:gradFill>
+                <a:effectLst>
+                  <a:outerShdw blurRad="60007" dist="310007" dir="7680000" sy="30000" kx="1300200" algn="ctr" rotWithShape="0">
+                    <a:prstClr val="black">
+                      <a:alpha val="32000"/>
+                    </a:prstClr>
+                  </a:outerShdw>
+                </a:effectLst>
+                <a:latin typeface="Verdana" panose="020B0604030504040204" pitchFamily="34" charset="0"/>
+                <a:ea typeface="Verdana" panose="020B0604030504040204" pitchFamily="34" charset="0"/>
+                <a:cs typeface="Verdana" panose="020B0604030504040204" pitchFamily="34" charset="0"/>
+              </a:rPr>
+              <a:t>Zajímavý problém</a:t>
+            </a:r>
+            <a:endParaRPr lang="cs-CZ" sz="12000" b="1" dirty="0">
+              <a:ln w="17780" cmpd="sng">
+                <a:solidFill>
+                  <a:srgbClr val="FFFFFF"/>
+                </a:solidFill>
+                <a:prstDash val="solid"/>
+                <a:miter lim="800000"/>
+              </a:ln>
+              <a:gradFill rotWithShape="1">
+                <a:gsLst>
+                  <a:gs pos="0">
+                    <a:srgbClr val="000000">
+                      <a:tint val="92000"/>
+                      <a:shade val="100000"/>
+                      <a:satMod val="150000"/>
+                    </a:srgbClr>
+                  </a:gs>
+                  <a:gs pos="49000">
+                    <a:srgbClr val="000000">
+                      <a:tint val="89000"/>
+                      <a:shade val="90000"/>
+                      <a:satMod val="150000"/>
+                    </a:srgbClr>
+                  </a:gs>
+                  <a:gs pos="50000">
+                    <a:srgbClr val="000000">
+                      <a:tint val="100000"/>
+                      <a:shade val="75000"/>
+                      <a:satMod val="150000"/>
+                    </a:srgbClr>
+                  </a:gs>
+                  <a:gs pos="95000">
+                    <a:srgbClr val="000000">
+                      <a:shade val="47000"/>
+                      <a:satMod val="150000"/>
+                    </a:srgbClr>
+                  </a:gs>
+                  <a:gs pos="100000">
+                    <a:srgbClr val="000000">
+                      <a:shade val="39000"/>
+                      <a:satMod val="150000"/>
+                    </a:srgbClr>
+                  </a:gs>
+                </a:gsLst>
+                <a:lin ang="5400000"/>
+              </a:gradFill>
+              <a:effectLst>
+                <a:outerShdw blurRad="60007" dist="310007" dir="7680000" sy="30000" kx="1300200" algn="ctr" rotWithShape="0">
+                  <a:prstClr val="black">
+                    <a:alpha val="32000"/>
+                  </a:prstClr>
+                </a:outerShdw>
+              </a:effectLst>
+              <a:latin typeface="Verdana" panose="020B0604030504040204" pitchFamily="34" charset="0"/>
+              <a:ea typeface="Verdana" panose="020B0604030504040204" pitchFamily="34" charset="0"/>
+              <a:cs typeface="Verdana" panose="020B0604030504040204" pitchFamily="34" charset="0"/>
+            </a:endParaRPr>
+          </a:p>
+        </p:txBody>
+      </p:sp>
+      <p:pic>
+        <p:nvPicPr>
+          <p:cNvPr id="9" name="Obrázek 8" descr="fail.png"/>
+          <p:cNvPicPr>
+            <a:picLocks noChangeAspect="1"/>
+          </p:cNvPicPr>
+          <p:nvPr/>
+        </p:nvPicPr>
+        <p:blipFill>
+          <a:blip r:embed="rId2"/>
+          <a:stretch>
+            <a:fillRect/>
+          </a:stretch>
+        </p:blipFill>
+        <p:spPr>
+          <a:xfrm>
+            <a:off x="381000" y="2209800"/>
+            <a:ext cx="4751487" cy="3048000"/>
+          </a:xfrm>
+          <a:prstGeom prst="rect">
+            <a:avLst/>
+          </a:prstGeom>
+        </p:spPr>
+      </p:pic>
+      <p:pic>
+        <p:nvPicPr>
+          <p:cNvPr id="10" name="Obrázek 9" descr="okc.png"/>
+          <p:cNvPicPr>
+            <a:picLocks noChangeAspect="1"/>
+          </p:cNvPicPr>
+          <p:nvPr/>
+        </p:nvPicPr>
+        <p:blipFill>
+          <a:blip r:embed="rId3"/>
+          <a:stretch>
+            <a:fillRect/>
+          </a:stretch>
+        </p:blipFill>
+        <p:spPr>
+          <a:xfrm>
+            <a:off x="4495800" y="3124200"/>
+            <a:ext cx="4419600" cy="2830736"/>
+          </a:xfrm>
+          <a:prstGeom prst="rect">
+            <a:avLst/>
+          </a:prstGeom>
+        </p:spPr>
+      </p:pic>
+      <p:pic>
+        <p:nvPicPr>
+          <p:cNvPr id="11" name="Obrázek 10" descr="kod.png"/>
+          <p:cNvPicPr>
+            <a:picLocks noChangeAspect="1"/>
+          </p:cNvPicPr>
+          <p:nvPr/>
+        </p:nvPicPr>
+        <p:blipFill>
+          <a:blip r:embed="rId4"/>
+          <a:stretch>
+            <a:fillRect/>
+          </a:stretch>
+        </p:blipFill>
+        <p:spPr>
+          <a:xfrm>
+            <a:off x="304800" y="5562600"/>
+            <a:ext cx="6438096" cy="952381"/>
+          </a:xfrm>
+          <a:prstGeom prst="rect">
+            <a:avLst/>
+          </a:prstGeom>
+        </p:spPr>
+      </p:pic>
+    </p:spTree>
+    <p:extLst>
+      <p:ext uri="{BB962C8B-B14F-4D97-AF65-F5344CB8AC3E}">
+        <p14:creationId xmlns:p14="http://schemas.microsoft.com/office/powerpoint/2010/main" xmlns="" val="2651481833"/>
+      </p:ext>
+    </p:extLst>
+  </p:cSld>
+  <p:clrMapOvr>
+    <a:masterClrMapping/>
+  </p:clrMapOvr>
+  <p:timing>
+    <p:tnLst>
+      <p:par>
+        <p:cTn id="1" dur="indefinite" restart="never" nodeType="tmRoot"/>
+      </p:par>
+    </p:tnLst>
+  </p:timing>
+</p:sld>
+</file>
+
+<file path=ppt/slides/slide39.xml><?xml version="1.0" encoding="utf-8"?>
+<p:sld xmlns:a="http://schemas.openxmlformats.org/drawingml/2006/main" xmlns:r="http://schemas.openxmlformats.org/officeDocument/2006/relationships" xmlns:p="http://schemas.openxmlformats.org/presentationml/2006/main">
+  <p:cSld>
+    <p:spTree>
+      <p:nvGrpSpPr>
+        <p:cNvPr id="1" name=""/>
+        <p:cNvGrpSpPr/>
+        <p:nvPr/>
+      </p:nvGrpSpPr>
+      <p:grpSpPr>
+        <a:xfrm>
+          <a:off x="0" y="0"/>
+          <a:ext cx="0" cy="0"/>
+          <a:chOff x="0" y="0"/>
+          <a:chExt cx="0" cy="0"/>
+        </a:xfrm>
+      </p:grpSpPr>
+      <p:sp>
+        <p:nvSpPr>
+          <p:cNvPr id="2" name="Nadpis 1"/>
+          <p:cNvSpPr>
+            <a:spLocks noGrp="1"/>
+          </p:cNvSpPr>
+          <p:nvPr>
+            <p:ph type="title"/>
+          </p:nvPr>
+        </p:nvSpPr>
+        <p:spPr/>
+        <p:txBody>
+          <a:bodyPr/>
+          <a:lstStyle/>
+          <a:p>
+            <a:endParaRPr lang="cs-CZ" dirty="0"/>
+          </a:p>
+        </p:txBody>
+      </p:sp>
+      <p:sp>
+        <p:nvSpPr>
+          <p:cNvPr id="4" name="Nadpis 1"/>
+          <p:cNvSpPr txBox="1">
+            <a:spLocks/>
+          </p:cNvSpPr>
+          <p:nvPr/>
+        </p:nvSpPr>
+        <p:spPr>
+          <a:xfrm>
+            <a:off x="400650" y="692696"/>
+            <a:ext cx="8460432" cy="1181993"/>
+          </a:xfrm>
+          <a:prstGeom prst="rect">
+            <a:avLst/>
+          </a:prstGeom>
+        </p:spPr>
+        <p:txBody>
+          <a:bodyPr vert="horz" lIns="91440" tIns="45720" rIns="91440" bIns="45720" rtlCol="0" anchor="b">
+            <a:normAutofit fontScale="47500" lnSpcReduction="20000"/>
+          </a:bodyPr>
+          <a:lstStyle>
+            <a:lvl1pPr algn="ctr" defTabSz="914400" rtl="0" eaLnBrk="1" latinLnBrk="0" hangingPunct="1">
+              <a:lnSpc>
+                <a:spcPts val="5800"/>
+              </a:lnSpc>
+              <a:spcBef>
+                <a:spcPct val="0"/>
+              </a:spcBef>
+              <a:buNone/>
+              <a:defRPr sz="5400" kern="1200">
+                <a:solidFill>
+                  <a:schemeClr val="tx2"/>
+                </a:solidFill>
+                <a:effectLst>
+                  <a:outerShdw blurRad="63500" dist="38100" dir="5400000" algn="t" rotWithShape="0">
+                    <a:prstClr val="black">
+                      <a:alpha val="25000"/>
+                    </a:prstClr>
+                  </a:outerShdw>
+                </a:effectLst>
+                <a:latin typeface="+mn-lt"/>
+                <a:ea typeface="+mj-ea"/>
+                <a:cs typeface="+mj-cs"/>
+              </a:defRPr>
+            </a:lvl1pPr>
+          </a:lstStyle>
+          <a:p>
+            <a:r>
+              <a:rPr lang="cs-CZ" sz="12000" b="1" dirty="0" smtClean="0">
+                <a:ln w="17780" cmpd="sng">
+                  <a:solidFill>
+                    <a:srgbClr val="FFFFFF"/>
+                  </a:solidFill>
+                  <a:prstDash val="solid"/>
+                  <a:miter lim="800000"/>
+                </a:ln>
+                <a:gradFill rotWithShape="1">
+                  <a:gsLst>
+                    <a:gs pos="0">
+                      <a:srgbClr val="000000">
+                        <a:tint val="92000"/>
+                        <a:shade val="100000"/>
+                        <a:satMod val="150000"/>
+                      </a:srgbClr>
+                    </a:gs>
+                    <a:gs pos="49000">
+                      <a:srgbClr val="000000">
+                        <a:tint val="89000"/>
+                        <a:shade val="90000"/>
+                        <a:satMod val="150000"/>
+                      </a:srgbClr>
+                    </a:gs>
+                    <a:gs pos="50000">
+                      <a:srgbClr val="000000">
+                        <a:tint val="100000"/>
+                        <a:shade val="75000"/>
+                        <a:satMod val="150000"/>
+                      </a:srgbClr>
+                    </a:gs>
+                    <a:gs pos="95000">
+                      <a:srgbClr val="000000">
+                        <a:shade val="47000"/>
+                        <a:satMod val="150000"/>
+                      </a:srgbClr>
+                    </a:gs>
+                    <a:gs pos="100000">
+                      <a:srgbClr val="000000">
+                        <a:shade val="39000"/>
+                        <a:satMod val="150000"/>
+                      </a:srgbClr>
+                    </a:gs>
+                  </a:gsLst>
+                  <a:lin ang="5400000"/>
+                </a:gradFill>
+                <a:effectLst>
+                  <a:outerShdw blurRad="60007" dist="310007" dir="7680000" sy="30000" kx="1300200" algn="ctr" rotWithShape="0">
+                    <a:prstClr val="black">
+                      <a:alpha val="32000"/>
+                    </a:prstClr>
+                  </a:outerShdw>
+                </a:effectLst>
+                <a:latin typeface="Verdana" panose="020B0604030504040204" pitchFamily="34" charset="0"/>
+                <a:ea typeface="Verdana" panose="020B0604030504040204" pitchFamily="34" charset="0"/>
+                <a:cs typeface="Verdana" panose="020B0604030504040204" pitchFamily="34" charset="0"/>
+              </a:rPr>
+              <a:t>Co nám projekt dal?</a:t>
+            </a:r>
+            <a:endParaRPr lang="cs-CZ" sz="12000" b="1" dirty="0">
+              <a:ln w="17780" cmpd="sng">
+                <a:solidFill>
+                  <a:srgbClr val="FFFFFF"/>
+                </a:solidFill>
+                <a:prstDash val="solid"/>
+                <a:miter lim="800000"/>
+              </a:ln>
+              <a:gradFill rotWithShape="1">
+                <a:gsLst>
+                  <a:gs pos="0">
+                    <a:srgbClr val="000000">
+                      <a:tint val="92000"/>
+                      <a:shade val="100000"/>
+                      <a:satMod val="150000"/>
+                    </a:srgbClr>
+                  </a:gs>
+                  <a:gs pos="49000">
+                    <a:srgbClr val="000000">
+                      <a:tint val="89000"/>
+                      <a:shade val="90000"/>
+                      <a:satMod val="150000"/>
+                    </a:srgbClr>
+                  </a:gs>
+                  <a:gs pos="50000">
+                    <a:srgbClr val="000000">
+                      <a:tint val="100000"/>
+                      <a:shade val="75000"/>
+                      <a:satMod val="150000"/>
+                    </a:srgbClr>
+                  </a:gs>
+                  <a:gs pos="95000">
+                    <a:srgbClr val="000000">
+                      <a:shade val="47000"/>
+                      <a:satMod val="150000"/>
+                    </a:srgbClr>
+                  </a:gs>
+                  <a:gs pos="100000">
+                    <a:srgbClr val="000000">
+                      <a:shade val="39000"/>
+                      <a:satMod val="150000"/>
+                    </a:srgbClr>
+                  </a:gs>
+                </a:gsLst>
+                <a:lin ang="5400000"/>
+              </a:gradFill>
+              <a:effectLst>
+                <a:outerShdw blurRad="60007" dist="310007" dir="7680000" sy="30000" kx="1300200" algn="ctr" rotWithShape="0">
+                  <a:prstClr val="black">
+                    <a:alpha val="32000"/>
+                  </a:prstClr>
+                </a:outerShdw>
+              </a:effectLst>
+              <a:latin typeface="Verdana" panose="020B0604030504040204" pitchFamily="34" charset="0"/>
+              <a:ea typeface="Verdana" panose="020B0604030504040204" pitchFamily="34" charset="0"/>
+              <a:cs typeface="Verdana" panose="020B0604030504040204" pitchFamily="34" charset="0"/>
+            </a:endParaRPr>
+          </a:p>
+        </p:txBody>
+      </p:sp>
+      <p:sp>
+        <p:nvSpPr>
+          <p:cNvPr id="3" name="TextovéPole 2"/>
           <p:cNvSpPr txBox="1"/>
           <p:nvPr/>
         </p:nvSpPr>
         <p:spPr>
           <a:xfrm>
-            <a:off x="400650" y="2852936"/>
-            <a:ext cx="8347814" cy="2169825"/>
+            <a:off x="683568" y="2132856"/>
+            <a:ext cx="7272808" cy="3323987"/>
           </a:xfrm>
           <a:prstGeom prst="rect">
             <a:avLst/>
@@ -14930,29 +16249,68 @@
           </a:bodyPr>
           <a:lstStyle/>
           <a:p>
-            <a:pPr algn="ctr"/>
-            <a:r>
-              <a:rPr lang="cs-CZ" sz="4500" b="1" dirty="0" smtClean="0">
+            <a:pPr marL="285750" indent="-285750">
+              <a:buFont typeface="Arial" panose="020B0604020202020204" pitchFamily="34" charset="0"/>
+              <a:buChar char="•"/>
+            </a:pPr>
+            <a:r>
+              <a:rPr lang="cs-CZ" sz="3500" dirty="0" smtClean="0">
                 <a:latin typeface="Calibri" panose="020F0502020204030204" pitchFamily="34" charset="0"/>
               </a:rPr>
-              <a:t>Děkujeme za pozornost.</a:t>
-            </a:r>
-          </a:p>
-          <a:p>
-            <a:pPr algn="ctr"/>
-            <a:r>
-              <a:rPr lang="cs-CZ" sz="4500" b="1" dirty="0" smtClean="0">
+              <a:t>Jak nutná je dobrá spolupráce a komunikace</a:t>
+            </a:r>
+          </a:p>
+          <a:p>
+            <a:pPr marL="285750" indent="-285750">
+              <a:buFont typeface="Arial" panose="020B0604020202020204" pitchFamily="34" charset="0"/>
+              <a:buChar char="•"/>
+            </a:pPr>
+            <a:r>
+              <a:rPr lang="cs-CZ" sz="3500" dirty="0" smtClean="0">
                 <a:latin typeface="Calibri" panose="020F0502020204030204" pitchFamily="34" charset="0"/>
               </a:rPr>
-              <a:t>Rádi odpovíme na případné otázky.</a:t>
-            </a:r>
+              <a:t>Jak užitečné je </a:t>
+            </a:r>
+            <a:r>
+              <a:rPr lang="cs-CZ" sz="3500" dirty="0" err="1" smtClean="0">
+                <a:latin typeface="Calibri" panose="020F0502020204030204" pitchFamily="34" charset="0"/>
+              </a:rPr>
+              <a:t>Subversion</a:t>
+            </a:r>
+            <a:r>
+              <a:rPr lang="cs-CZ" sz="3500" dirty="0" smtClean="0">
+                <a:latin typeface="Calibri" panose="020F0502020204030204" pitchFamily="34" charset="0"/>
+              </a:rPr>
+              <a:t> (a zároveň jak záludné)</a:t>
+            </a:r>
+          </a:p>
+          <a:p>
+            <a:pPr marL="285750" indent="-285750">
+              <a:buFont typeface="Arial" panose="020B0604020202020204" pitchFamily="34" charset="0"/>
+              <a:buChar char="•"/>
+            </a:pPr>
+            <a:r>
+              <a:rPr lang="cs-CZ" sz="3500" dirty="0" smtClean="0">
+                <a:latin typeface="Calibri" panose="020F0502020204030204" pitchFamily="34" charset="0"/>
+              </a:rPr>
+              <a:t>Zkušenosti do budoucna</a:t>
+            </a:r>
+          </a:p>
+          <a:p>
+            <a:pPr marL="285750" indent="-285750">
+              <a:buFont typeface="Arial" panose="020B0604020202020204" pitchFamily="34" charset="0"/>
+              <a:buChar char="•"/>
+            </a:pPr>
+            <a:endParaRPr lang="cs-CZ" sz="3500" dirty="0">
+              <a:latin typeface="Calibri" panose="020F0502020204030204" pitchFamily="34" charset="0"/>
+            </a:endParaRPr>
           </a:p>
         </p:txBody>
       </p:sp>
     </p:spTree>
     <p:extLst>
       <p:ext uri="{BB962C8B-B14F-4D97-AF65-F5344CB8AC3E}">
-        <p14:creationId xmlns:p14="http://schemas.microsoft.com/office/powerpoint/2010/main" val="858613737"/>
+        <p14:creationId xmlns:p14="http://schemas.microsoft.com/office/powerpoint/2010/main" xmlns="" val="2397563801"/>
       </p:ext>
     </p:extLst>
   </p:cSld>
@@ -15288,7 +16646,7 @@
           <a:blip r:embed="rId2">
             <a:extLst>
               <a:ext uri="{28A0092B-C50C-407E-A947-70E740481C1C}">
-                <a14:useLocalDpi xmlns:a14="http://schemas.microsoft.com/office/drawing/2010/main" val="0"/>
+                <a14:useLocalDpi xmlns:a14="http://schemas.microsoft.com/office/drawing/2010/main" xmlns="" val="0"/>
               </a:ext>
             </a:extLst>
           </a:blip>
@@ -15309,7 +16667,7 @@
     </p:spTree>
     <p:extLst>
       <p:ext uri="{BB962C8B-B14F-4D97-AF65-F5344CB8AC3E}">
-        <p14:creationId xmlns:p14="http://schemas.microsoft.com/office/powerpoint/2010/main" val="2751428412"/>
+        <p14:creationId xmlns:p14="http://schemas.microsoft.com/office/powerpoint/2010/main" xmlns="" val="2751428412"/>
       </p:ext>
     </p:extLst>
   </p:cSld>
@@ -15326,7 +16684,7 @@
 </p:sld>
 </file>
 
-<file path=ppt/slides/slide5.xml><?xml version="1.0" encoding="utf-8"?>
+<file path=ppt/slides/slide40.xml><?xml version="1.0" encoding="utf-8"?>
 <p:sld xmlns:a="http://schemas.openxmlformats.org/drawingml/2006/main" xmlns:r="http://schemas.openxmlformats.org/officeDocument/2006/relationships" xmlns:p="http://schemas.openxmlformats.org/presentationml/2006/main">
   <p:cSld>
     <p:spTree>
@@ -15372,7 +16730,7 @@
         </p:nvSpPr>
         <p:spPr>
           <a:xfrm>
-            <a:off x="400650" y="908720"/>
+            <a:off x="400650" y="692696"/>
             <a:ext cx="8460432" cy="1181993"/>
           </a:xfrm>
           <a:prstGeom prst="rect">
@@ -15381,7 +16739,7 @@
         </p:spPr>
         <p:txBody>
           <a:bodyPr vert="horz" lIns="91440" tIns="45720" rIns="91440" bIns="45720" rtlCol="0" anchor="b">
-            <a:normAutofit fontScale="92500"/>
+            <a:normAutofit fontScale="40000" lnSpcReduction="20000"/>
           </a:bodyPr>
           <a:lstStyle>
             <a:lvl1pPr algn="ctr" defTabSz="914400" rtl="0" eaLnBrk="1" latinLnBrk="0" hangingPunct="1">
@@ -15411,7 +16769,7 @@
           </a:lstStyle>
           <a:p>
             <a:r>
-              <a:rPr lang="en-US" sz="12000" b="1" dirty="0" smtClean="0">
+              <a:rPr lang="cs-CZ" sz="12000" b="1" dirty="0" smtClean="0">
                 <a:ln w="17780" cmpd="sng">
                   <a:solidFill>
                     <a:srgbClr val="FFFFFF"/>
@@ -15468,7 +16826,7 @@
                 <a:ea typeface="Verdana" panose="020B0604030504040204" pitchFamily="34" charset="0"/>
                 <a:cs typeface="Verdana" panose="020B0604030504040204" pitchFamily="34" charset="0"/>
               </a:rPr>
-              <a:t>Car Rental</a:t>
+              <a:t>Co nám projekt vzal?</a:t>
             </a:r>
             <a:endParaRPr lang="cs-CZ" sz="12000" b="1" dirty="0">
               <a:ln w="17780" cmpd="sng">
@@ -15532,14 +16890,14 @@
       </p:sp>
       <p:sp>
         <p:nvSpPr>
-          <p:cNvPr id="5" name="TextovéPole 4"/>
+          <p:cNvPr id="3" name="TextovéPole 2"/>
           <p:cNvSpPr txBox="1"/>
           <p:nvPr/>
         </p:nvSpPr>
         <p:spPr>
           <a:xfrm>
-            <a:off x="400650" y="1988840"/>
-            <a:ext cx="8460432" cy="3400931"/>
+            <a:off x="755576" y="2348880"/>
+            <a:ext cx="6552728" cy="1169551"/>
           </a:xfrm>
           <a:prstGeom prst="rect">
             <a:avLst/>
@@ -15552,65 +16910,26 @@
           </a:bodyPr>
           <a:lstStyle/>
           <a:p>
-            <a:pPr algn="ctr"/>
-            <a:endParaRPr lang="cs-CZ" sz="3500" b="1" dirty="0" smtClean="0">
+            <a:pPr marL="457200" indent="-457200">
+              <a:buFont typeface="Arial" panose="020B0604020202020204" pitchFamily="34" charset="0"/>
+              <a:buChar char="•"/>
+            </a:pPr>
+            <a:r>
+              <a:rPr lang="cs-CZ" sz="3500" dirty="0" smtClean="0">
+                <a:latin typeface="Calibri" panose="020F0502020204030204" pitchFamily="34" charset="0"/>
+              </a:rPr>
+              <a:t>Strach z koordinace práce v týmových projektech.</a:t>
+            </a:r>
+            <a:endParaRPr lang="cs-CZ" sz="3500" dirty="0">
               <a:latin typeface="Calibri" panose="020F0502020204030204" pitchFamily="34" charset="0"/>
             </a:endParaRPr>
-          </a:p>
-          <a:p>
-            <a:pPr algn="ctr"/>
-            <a:r>
-              <a:rPr lang="en-US" sz="6000" b="1" dirty="0" smtClean="0">
-                <a:latin typeface="Calibri" panose="020F0502020204030204" pitchFamily="34" charset="0"/>
-              </a:rPr>
-              <a:t>Co </a:t>
-            </a:r>
-            <a:r>
-              <a:rPr lang="en-US" sz="6000" b="1" dirty="0" err="1" smtClean="0">
-                <a:latin typeface="Calibri" panose="020F0502020204030204" pitchFamily="34" charset="0"/>
-              </a:rPr>
-              <a:t>tato</a:t>
-            </a:r>
-            <a:r>
-              <a:rPr lang="cs-CZ" sz="6000" b="1" dirty="0" smtClean="0">
-                <a:latin typeface="Calibri" panose="020F0502020204030204" pitchFamily="34" charset="0"/>
-              </a:rPr>
-              <a:t> aplikace umí</a:t>
-            </a:r>
-            <a:r>
-              <a:rPr lang="en-US" sz="6000" b="1" dirty="0" smtClean="0">
-                <a:latin typeface="Calibri" panose="020F0502020204030204" pitchFamily="34" charset="0"/>
-              </a:rPr>
-              <a:t>?</a:t>
-            </a:r>
-            <a:endParaRPr lang="cs-CZ" sz="6000" b="1" dirty="0" smtClean="0">
-              <a:latin typeface="Calibri" panose="020F0502020204030204" pitchFamily="34" charset="0"/>
-            </a:endParaRPr>
-          </a:p>
-          <a:p>
-            <a:pPr algn="ctr"/>
-            <a:r>
-              <a:rPr lang="cs-CZ" sz="6000" b="1" dirty="0" smtClean="0">
-                <a:latin typeface="Calibri" panose="020F0502020204030204" pitchFamily="34" charset="0"/>
-              </a:rPr>
-              <a:t>Jak funguje?</a:t>
-            </a:r>
-          </a:p>
-          <a:p>
-            <a:pPr algn="ctr"/>
-            <a:r>
-              <a:rPr lang="cs-CZ" sz="6000" b="1" dirty="0" smtClean="0">
-                <a:latin typeface="Calibri" panose="020F0502020204030204" pitchFamily="34" charset="0"/>
-              </a:rPr>
-              <a:t>Co je třeba k fungování?</a:t>
-            </a:r>
           </a:p>
         </p:txBody>
       </p:sp>
     </p:spTree>
     <p:extLst>
       <p:ext uri="{BB962C8B-B14F-4D97-AF65-F5344CB8AC3E}">
-        <p14:creationId xmlns:p14="http://schemas.microsoft.com/office/powerpoint/2010/main" val="2427758692"/>
+        <p14:creationId xmlns:p14="http://schemas.microsoft.com/office/powerpoint/2010/main" xmlns="" val="276278653"/>
       </p:ext>
     </p:extLst>
   </p:cSld>
@@ -15627,7 +16946,7 @@
 </p:sld>
 </file>
 
-<file path=ppt/slides/slide6.xml><?xml version="1.0" encoding="utf-8"?>
+<file path=ppt/slides/slide41.xml><?xml version="1.0" encoding="utf-8"?>
 <p:sld xmlns:a="http://schemas.openxmlformats.org/drawingml/2006/main" xmlns:r="http://schemas.openxmlformats.org/officeDocument/2006/relationships" xmlns:p="http://schemas.openxmlformats.org/presentationml/2006/main">
   <p:cSld>
     <p:spTree>
@@ -15659,6 +16978,25 @@
           <a:bodyPr/>
           <a:lstStyle/>
           <a:p>
+            <a:endParaRPr lang="cs-CZ"/>
+          </a:p>
+        </p:txBody>
+      </p:sp>
+      <p:sp>
+        <p:nvSpPr>
+          <p:cNvPr id="3" name="Zástupný symbol pro obsah 2"/>
+          <p:cNvSpPr>
+            <a:spLocks noGrp="1"/>
+          </p:cNvSpPr>
+          <p:nvPr>
+            <p:ph idx="1"/>
+          </p:nvPr>
+        </p:nvSpPr>
+        <p:spPr/>
+        <p:txBody>
+          <a:bodyPr/>
+          <a:lstStyle/>
+          <a:p>
             <a:endParaRPr lang="cs-CZ" dirty="0"/>
           </a:p>
         </p:txBody>
@@ -15673,7 +17011,7 @@
         </p:nvSpPr>
         <p:spPr>
           <a:xfrm>
-            <a:off x="400650" y="908720"/>
+            <a:off x="344341" y="1268760"/>
             <a:ext cx="8460432" cy="1181993"/>
           </a:xfrm>
           <a:prstGeom prst="rect">
@@ -15682,7 +17020,7 @@
         </p:spPr>
         <p:txBody>
           <a:bodyPr vert="horz" lIns="91440" tIns="45720" rIns="91440" bIns="45720" rtlCol="0" anchor="b">
-            <a:normAutofit fontScale="77500" lnSpcReduction="20000"/>
+            <a:normAutofit/>
           </a:bodyPr>
           <a:lstStyle>
             <a:lvl1pPr algn="ctr" defTabSz="914400" rtl="0" eaLnBrk="1" latinLnBrk="0" hangingPunct="1">
@@ -15769,67 +17107,7 @@
                 <a:ea typeface="Verdana" panose="020B0604030504040204" pitchFamily="34" charset="0"/>
                 <a:cs typeface="Verdana" panose="020B0604030504040204" pitchFamily="34" charset="0"/>
               </a:rPr>
-              <a:t>Google </a:t>
-            </a:r>
-            <a:r>
-              <a:rPr lang="cs-CZ" sz="12000" b="1" dirty="0" err="1" smtClean="0">
-                <a:ln w="17780" cmpd="sng">
-                  <a:solidFill>
-                    <a:srgbClr val="FFFFFF"/>
-                  </a:solidFill>
-                  <a:prstDash val="solid"/>
-                  <a:miter lim="800000"/>
-                </a:ln>
-                <a:gradFill rotWithShape="1">
-                  <a:gsLst>
-                    <a:gs pos="0">
-                      <a:srgbClr val="000000">
-                        <a:tint val="92000"/>
-                        <a:shade val="100000"/>
-                        <a:satMod val="150000"/>
-                      </a:srgbClr>
-                    </a:gs>
-                    <a:gs pos="49000">
-                      <a:srgbClr val="000000">
-                        <a:tint val="89000"/>
-                        <a:shade val="90000"/>
-                        <a:satMod val="150000"/>
-                      </a:srgbClr>
-                    </a:gs>
-                    <a:gs pos="50000">
-                      <a:srgbClr val="000000">
-                        <a:tint val="100000"/>
-                        <a:shade val="75000"/>
-                        <a:satMod val="150000"/>
-                      </a:srgbClr>
-                    </a:gs>
-                    <a:gs pos="95000">
-                      <a:srgbClr val="000000">
-                        <a:shade val="47000"/>
-                        <a:satMod val="150000"/>
-                      </a:srgbClr>
-                    </a:gs>
-                    <a:gs pos="100000">
-                      <a:srgbClr val="000000">
-                        <a:shade val="39000"/>
-                        <a:satMod val="150000"/>
-                      </a:srgbClr>
-                    </a:gs>
-                  </a:gsLst>
-                  <a:lin ang="5400000"/>
-                </a:gradFill>
-                <a:effectLst>
-                  <a:outerShdw blurRad="60007" dist="310007" dir="7680000" sy="30000" kx="1300200" algn="ctr" rotWithShape="0">
-                    <a:prstClr val="black">
-                      <a:alpha val="32000"/>
-                    </a:prstClr>
-                  </a:outerShdw>
-                </a:effectLst>
-                <a:latin typeface="Verdana" panose="020B0604030504040204" pitchFamily="34" charset="0"/>
-                <a:ea typeface="Verdana" panose="020B0604030504040204" pitchFamily="34" charset="0"/>
-                <a:cs typeface="Verdana" panose="020B0604030504040204" pitchFamily="34" charset="0"/>
-              </a:rPr>
-              <a:t>Code</a:t>
+              <a:t>Konec</a:t>
             </a:r>
             <a:endParaRPr lang="cs-CZ" sz="12000" b="1" dirty="0">
               <a:ln w="17780" cmpd="sng">
@@ -15899,8 +17177,8 @@
         </p:nvSpPr>
         <p:spPr>
           <a:xfrm>
-            <a:off x="430242" y="3573016"/>
-            <a:ext cx="8460432" cy="861774"/>
+            <a:off x="400650" y="2852936"/>
+            <a:ext cx="8347814" cy="2169825"/>
           </a:xfrm>
           <a:prstGeom prst="rect">
             <a:avLst/>
@@ -15915,129 +17193,27 @@
           <a:p>
             <a:pPr algn="ctr"/>
             <a:r>
-              <a:rPr lang="cs-CZ" sz="5000" b="1" dirty="0" smtClean="0">
+              <a:rPr lang="cs-CZ" sz="4500" b="1" dirty="0" smtClean="0">
                 <a:latin typeface="Calibri" panose="020F0502020204030204" pitchFamily="34" charset="0"/>
               </a:rPr>
-              <a:t>Google Group </a:t>
-            </a:r>
-            <a:r>
-              <a:rPr lang="en-US" sz="5000" b="1" dirty="0" smtClean="0">
+              <a:t>Děkujeme za pozornost.</a:t>
+            </a:r>
+          </a:p>
+          <a:p>
+            <a:pPr algn="ctr"/>
+            <a:r>
+              <a:rPr lang="cs-CZ" sz="4500" b="1" dirty="0" smtClean="0">
                 <a:latin typeface="Calibri" panose="020F0502020204030204" pitchFamily="34" charset="0"/>
               </a:rPr>
-              <a:t>&gt; Facebook</a:t>
-            </a:r>
-            <a:endParaRPr lang="cs-CZ" sz="5000" b="1" dirty="0" smtClean="0">
-              <a:latin typeface="Calibri" panose="020F0502020204030204" pitchFamily="34" charset="0"/>
-            </a:endParaRPr>
-          </a:p>
-        </p:txBody>
-      </p:sp>
-      <p:sp>
-        <p:nvSpPr>
-          <p:cNvPr id="6" name="TextovéPole 5"/>
-          <p:cNvSpPr txBox="1"/>
-          <p:nvPr/>
-        </p:nvSpPr>
-        <p:spPr>
-          <a:xfrm>
-            <a:off x="1192738" y="2564904"/>
-            <a:ext cx="6876256" cy="861774"/>
-          </a:xfrm>
-          <a:prstGeom prst="rect">
-            <a:avLst/>
-          </a:prstGeom>
-          <a:noFill/>
-        </p:spPr>
-        <p:txBody>
-          <a:bodyPr wrap="square" rtlCol="0">
-            <a:spAutoFit/>
-          </a:bodyPr>
-          <a:lstStyle/>
-          <a:p>
-            <a:pPr algn="ctr"/>
-            <a:r>
-              <a:rPr lang="cs-CZ" sz="5000" b="1" dirty="0" err="1" smtClean="0">
-                <a:latin typeface="Calibri" panose="020F0502020204030204" pitchFamily="34" charset="0"/>
-              </a:rPr>
-              <a:t>Subversion</a:t>
-            </a:r>
-            <a:endParaRPr lang="cs-CZ" sz="5000" b="1" dirty="0">
-              <a:latin typeface="Calibri" panose="020F0502020204030204" pitchFamily="34" charset="0"/>
-            </a:endParaRPr>
-          </a:p>
-        </p:txBody>
-      </p:sp>
-      <p:sp>
-        <p:nvSpPr>
-          <p:cNvPr id="7" name="TextovéPole 6"/>
-          <p:cNvSpPr txBox="1"/>
-          <p:nvPr/>
-        </p:nvSpPr>
-        <p:spPr>
-          <a:xfrm>
-            <a:off x="405157" y="4585817"/>
-            <a:ext cx="8460432" cy="861774"/>
-          </a:xfrm>
-          <a:prstGeom prst="rect">
-            <a:avLst/>
-          </a:prstGeom>
-          <a:noFill/>
-        </p:spPr>
-        <p:txBody>
-          <a:bodyPr wrap="square" rtlCol="0">
-            <a:spAutoFit/>
-          </a:bodyPr>
-          <a:lstStyle/>
-          <a:p>
-            <a:pPr algn="ctr"/>
-            <a:r>
-              <a:rPr lang="cs-CZ" sz="5000" b="1" dirty="0" smtClean="0">
-                <a:latin typeface="Calibri" panose="020F0502020204030204" pitchFamily="34" charset="0"/>
-              </a:rPr>
-              <a:t>Wiki</a:t>
-            </a:r>
-          </a:p>
-        </p:txBody>
-      </p:sp>
-      <p:sp>
-        <p:nvSpPr>
-          <p:cNvPr id="9" name="TextovéPole 8"/>
-          <p:cNvSpPr txBox="1"/>
-          <p:nvPr/>
-        </p:nvSpPr>
-        <p:spPr>
-          <a:xfrm>
-            <a:off x="400650" y="5447591"/>
-            <a:ext cx="8460432" cy="861774"/>
-          </a:xfrm>
-          <a:prstGeom prst="rect">
-            <a:avLst/>
-          </a:prstGeom>
-          <a:noFill/>
-        </p:spPr>
-        <p:txBody>
-          <a:bodyPr wrap="square" rtlCol="0">
-            <a:spAutoFit/>
-          </a:bodyPr>
-          <a:lstStyle/>
-          <a:p>
-            <a:pPr algn="ctr"/>
-            <a:r>
-              <a:rPr lang="cs-CZ" sz="5000" b="1" dirty="0" err="1" smtClean="0">
-                <a:latin typeface="Calibri" panose="020F0502020204030204" pitchFamily="34" charset="0"/>
-              </a:rPr>
-              <a:t>Download</a:t>
-            </a:r>
-            <a:endParaRPr lang="cs-CZ" sz="5000" b="1" dirty="0" smtClean="0">
-              <a:latin typeface="Calibri" panose="020F0502020204030204" pitchFamily="34" charset="0"/>
-            </a:endParaRPr>
+              <a:t>Rádi odpovíme na případné otázky.</a:t>
+            </a:r>
           </a:p>
         </p:txBody>
       </p:sp>
     </p:spTree>
     <p:extLst>
       <p:ext uri="{BB962C8B-B14F-4D97-AF65-F5344CB8AC3E}">
-        <p14:creationId xmlns:p14="http://schemas.microsoft.com/office/powerpoint/2010/main" val="1897610653"/>
+        <p14:creationId xmlns:p14="http://schemas.microsoft.com/office/powerpoint/2010/main" xmlns="" val="858613737"/>
       </p:ext>
     </p:extLst>
   </p:cSld>
@@ -16054,7 +17230,7 @@
 </p:sld>
 </file>
 
-<file path=ppt/slides/slide7.xml><?xml version="1.0" encoding="utf-8"?>
+<file path=ppt/slides/slide5.xml><?xml version="1.0" encoding="utf-8"?>
 <p:sld xmlns:a="http://schemas.openxmlformats.org/drawingml/2006/main" xmlns:r="http://schemas.openxmlformats.org/officeDocument/2006/relationships" xmlns:p="http://schemas.openxmlformats.org/presentationml/2006/main">
   <p:cSld>
     <p:spTree>
@@ -16109,7 +17285,7 @@
         </p:spPr>
         <p:txBody>
           <a:bodyPr vert="horz" lIns="91440" tIns="45720" rIns="91440" bIns="45720" rtlCol="0" anchor="b">
-            <a:normAutofit fontScale="77500" lnSpcReduction="20000"/>
+            <a:normAutofit fontScale="92500"/>
           </a:bodyPr>
           <a:lstStyle>
             <a:lvl1pPr algn="ctr" defTabSz="914400" rtl="0" eaLnBrk="1" latinLnBrk="0" hangingPunct="1">
@@ -16139,7 +17315,7 @@
           </a:lstStyle>
           <a:p>
             <a:r>
-              <a:rPr lang="cs-CZ" sz="12000" b="1" dirty="0" smtClean="0">
+              <a:rPr lang="en-US" sz="12000" b="1" dirty="0" smtClean="0">
                 <a:ln w="17780" cmpd="sng">
                   <a:solidFill>
                     <a:srgbClr val="FFFFFF"/>
@@ -16196,67 +17372,7 @@
                 <a:ea typeface="Verdana" panose="020B0604030504040204" pitchFamily="34" charset="0"/>
                 <a:cs typeface="Verdana" panose="020B0604030504040204" pitchFamily="34" charset="0"/>
               </a:rPr>
-              <a:t>Google </a:t>
-            </a:r>
-            <a:r>
-              <a:rPr lang="cs-CZ" sz="12000" b="1" dirty="0" err="1" smtClean="0">
-                <a:ln w="17780" cmpd="sng">
-                  <a:solidFill>
-                    <a:srgbClr val="FFFFFF"/>
-                  </a:solidFill>
-                  <a:prstDash val="solid"/>
-                  <a:miter lim="800000"/>
-                </a:ln>
-                <a:gradFill rotWithShape="1">
-                  <a:gsLst>
-                    <a:gs pos="0">
-                      <a:srgbClr val="000000">
-                        <a:tint val="92000"/>
-                        <a:shade val="100000"/>
-                        <a:satMod val="150000"/>
-                      </a:srgbClr>
-                    </a:gs>
-                    <a:gs pos="49000">
-                      <a:srgbClr val="000000">
-                        <a:tint val="89000"/>
-                        <a:shade val="90000"/>
-                        <a:satMod val="150000"/>
-                      </a:srgbClr>
-                    </a:gs>
-                    <a:gs pos="50000">
-                      <a:srgbClr val="000000">
-                        <a:tint val="100000"/>
-                        <a:shade val="75000"/>
-                        <a:satMod val="150000"/>
-                      </a:srgbClr>
-                    </a:gs>
-                    <a:gs pos="95000">
-                      <a:srgbClr val="000000">
-                        <a:shade val="47000"/>
-                        <a:satMod val="150000"/>
-                      </a:srgbClr>
-                    </a:gs>
-                    <a:gs pos="100000">
-                      <a:srgbClr val="000000">
-                        <a:shade val="39000"/>
-                        <a:satMod val="150000"/>
-                      </a:srgbClr>
-                    </a:gs>
-                  </a:gsLst>
-                  <a:lin ang="5400000"/>
-                </a:gradFill>
-                <a:effectLst>
-                  <a:outerShdw blurRad="60007" dist="310007" dir="7680000" sy="30000" kx="1300200" algn="ctr" rotWithShape="0">
-                    <a:prstClr val="black">
-                      <a:alpha val="32000"/>
-                    </a:prstClr>
-                  </a:outerShdw>
-                </a:effectLst>
-                <a:latin typeface="Verdana" panose="020B0604030504040204" pitchFamily="34" charset="0"/>
-                <a:ea typeface="Verdana" panose="020B0604030504040204" pitchFamily="34" charset="0"/>
-                <a:cs typeface="Verdana" panose="020B0604030504040204" pitchFamily="34" charset="0"/>
-              </a:rPr>
-              <a:t>Code</a:t>
+              <a:t>Car Rental</a:t>
             </a:r>
             <a:endParaRPr lang="cs-CZ" sz="12000" b="1" dirty="0">
               <a:ln w="17780" cmpd="sng">
@@ -16320,14 +17436,14 @@
       </p:sp>
       <p:sp>
         <p:nvSpPr>
-          <p:cNvPr id="6" name="TextovéPole 5"/>
+          <p:cNvPr id="5" name="TextovéPole 4"/>
           <p:cNvSpPr txBox="1"/>
           <p:nvPr/>
         </p:nvSpPr>
         <p:spPr>
           <a:xfrm>
-            <a:off x="1043608" y="2348880"/>
-            <a:ext cx="6876256" cy="861774"/>
+            <a:off x="400650" y="1988840"/>
+            <a:ext cx="8460432" cy="3400931"/>
           </a:xfrm>
           <a:prstGeom prst="rect">
             <a:avLst/>
@@ -16341,52 +17457,64 @@
           <a:lstStyle/>
           <a:p>
             <a:pPr algn="ctr"/>
-            <a:r>
-              <a:rPr lang="cs-CZ" sz="5000" b="1" dirty="0" err="1" smtClean="0">
+            <a:endParaRPr lang="cs-CZ" sz="3500" b="1" dirty="0" smtClean="0">
+              <a:latin typeface="Calibri" panose="020F0502020204030204" pitchFamily="34" charset="0"/>
+            </a:endParaRPr>
+          </a:p>
+          <a:p>
+            <a:pPr algn="ctr"/>
+            <a:r>
+              <a:rPr lang="en-US" sz="6000" b="1" dirty="0" smtClean="0">
                 <a:latin typeface="Calibri" panose="020F0502020204030204" pitchFamily="34" charset="0"/>
               </a:rPr>
-              <a:t>Subversion</a:t>
-            </a:r>
-            <a:endParaRPr lang="cs-CZ" sz="5000" b="1" dirty="0">
+              <a:t>Co </a:t>
+            </a:r>
+            <a:r>
+              <a:rPr lang="en-US" sz="6000" b="1" dirty="0" err="1" smtClean="0">
+                <a:latin typeface="Calibri" panose="020F0502020204030204" pitchFamily="34" charset="0"/>
+              </a:rPr>
+              <a:t>tato</a:t>
+            </a:r>
+            <a:r>
+              <a:rPr lang="cs-CZ" sz="6000" b="1" dirty="0" smtClean="0">
+                <a:latin typeface="Calibri" panose="020F0502020204030204" pitchFamily="34" charset="0"/>
+              </a:rPr>
+              <a:t> aplikace umí</a:t>
+            </a:r>
+            <a:r>
+              <a:rPr lang="en-US" sz="6000" b="1" dirty="0" smtClean="0">
+                <a:latin typeface="Calibri" panose="020F0502020204030204" pitchFamily="34" charset="0"/>
+              </a:rPr>
+              <a:t>?</a:t>
+            </a:r>
+            <a:endParaRPr lang="cs-CZ" sz="6000" b="1" dirty="0" smtClean="0">
               <a:latin typeface="Calibri" panose="020F0502020204030204" pitchFamily="34" charset="0"/>
             </a:endParaRPr>
           </a:p>
-        </p:txBody>
-      </p:sp>
-      <p:pic>
-        <p:nvPicPr>
-          <p:cNvPr id="3" name="Obrázek 2"/>
-          <p:cNvPicPr>
-            <a:picLocks noChangeAspect="1"/>
-          </p:cNvPicPr>
-          <p:nvPr/>
-        </p:nvPicPr>
-        <p:blipFill>
-          <a:blip r:embed="rId2">
-            <a:extLst>
-              <a:ext uri="{28A0092B-C50C-407E-A947-70E740481C1C}">
-                <a14:useLocalDpi xmlns:a14="http://schemas.microsoft.com/office/drawing/2010/main" val="0"/>
-              </a:ext>
-            </a:extLst>
-          </a:blip>
-          <a:stretch>
-            <a:fillRect/>
-          </a:stretch>
-        </p:blipFill>
-        <p:spPr>
-          <a:xfrm>
-            <a:off x="1018812" y="3501008"/>
-            <a:ext cx="7596336" cy="2590690"/>
-          </a:xfrm>
-          <a:prstGeom prst="rect">
-            <a:avLst/>
-          </a:prstGeom>
-        </p:spPr>
-      </p:pic>
+          <a:p>
+            <a:pPr algn="ctr"/>
+            <a:r>
+              <a:rPr lang="cs-CZ" sz="6000" b="1" dirty="0" smtClean="0">
+                <a:latin typeface="Calibri" panose="020F0502020204030204" pitchFamily="34" charset="0"/>
+              </a:rPr>
+              <a:t>Jak funguje?</a:t>
+            </a:r>
+          </a:p>
+          <a:p>
+            <a:pPr algn="ctr"/>
+            <a:r>
+              <a:rPr lang="cs-CZ" sz="6000" b="1" dirty="0" smtClean="0">
+                <a:latin typeface="Calibri" panose="020F0502020204030204" pitchFamily="34" charset="0"/>
+              </a:rPr>
+              <a:t>Co je třeba k fungování?</a:t>
+            </a:r>
+          </a:p>
+        </p:txBody>
+      </p:sp>
     </p:spTree>
     <p:extLst>
       <p:ext uri="{BB962C8B-B14F-4D97-AF65-F5344CB8AC3E}">
-        <p14:creationId xmlns:p14="http://schemas.microsoft.com/office/powerpoint/2010/main" val="2863558378"/>
+        <p14:creationId xmlns:p14="http://schemas.microsoft.com/office/powerpoint/2010/main" xmlns="" val="2427758692"/>
       </p:ext>
     </p:extLst>
   </p:cSld>
@@ -16403,7 +17531,7 @@
 </p:sld>
 </file>
 
-<file path=ppt/slides/slide8.xml><?xml version="1.0" encoding="utf-8"?>
+<file path=ppt/slides/slide6.xml><?xml version="1.0" encoding="utf-8"?>
 <p:sld xmlns:a="http://schemas.openxmlformats.org/drawingml/2006/main" xmlns:r="http://schemas.openxmlformats.org/officeDocument/2006/relationships" xmlns:p="http://schemas.openxmlformats.org/presentationml/2006/main">
   <p:cSld>
     <p:spTree>
@@ -16675,7 +17803,7 @@
         </p:nvSpPr>
         <p:spPr>
           <a:xfrm>
-            <a:off x="0" y="2276872"/>
+            <a:off x="430242" y="3573016"/>
             <a:ext cx="8460432" cy="861774"/>
           </a:xfrm>
           <a:prstGeom prst="rect">
@@ -16708,70 +17836,112 @@
           </a:p>
         </p:txBody>
       </p:sp>
-      <p:pic>
-        <p:nvPicPr>
-          <p:cNvPr id="3" name="Obrázek 2"/>
-          <p:cNvPicPr>
-            <a:picLocks noChangeAspect="1"/>
-          </p:cNvPicPr>
+      <p:sp>
+        <p:nvSpPr>
+          <p:cNvPr id="6" name="TextovéPole 5"/>
+          <p:cNvSpPr txBox="1"/>
           <p:nvPr/>
-        </p:nvPicPr>
-        <p:blipFill>
-          <a:blip r:embed="rId2">
-            <a:extLst>
-              <a:ext uri="{28A0092B-C50C-407E-A947-70E740481C1C}">
-                <a14:useLocalDpi xmlns:a14="http://schemas.microsoft.com/office/drawing/2010/main" val="0"/>
-              </a:ext>
-            </a:extLst>
-          </a:blip>
-          <a:stretch>
-            <a:fillRect/>
-          </a:stretch>
-        </p:blipFill>
+        </p:nvSpPr>
         <p:spPr>
           <a:xfrm>
-            <a:off x="376211" y="3284984"/>
-            <a:ext cx="3667125" cy="2257425"/>
+            <a:off x="1192738" y="2564904"/>
+            <a:ext cx="6876256" cy="861774"/>
           </a:xfrm>
           <a:prstGeom prst="rect">
             <a:avLst/>
           </a:prstGeom>
+          <a:noFill/>
         </p:spPr>
-      </p:pic>
-      <p:pic>
-        <p:nvPicPr>
-          <p:cNvPr id="8" name="Obrázek 7"/>
-          <p:cNvPicPr>
-            <a:picLocks noChangeAspect="1"/>
-          </p:cNvPicPr>
+        <p:txBody>
+          <a:bodyPr wrap="square" rtlCol="0">
+            <a:spAutoFit/>
+          </a:bodyPr>
+          <a:lstStyle/>
+          <a:p>
+            <a:pPr algn="ctr"/>
+            <a:r>
+              <a:rPr lang="cs-CZ" sz="5000" b="1" dirty="0" err="1" smtClean="0">
+                <a:latin typeface="Calibri" panose="020F0502020204030204" pitchFamily="34" charset="0"/>
+              </a:rPr>
+              <a:t>Subversion</a:t>
+            </a:r>
+            <a:endParaRPr lang="cs-CZ" sz="5000" b="1" dirty="0">
+              <a:latin typeface="Calibri" panose="020F0502020204030204" pitchFamily="34" charset="0"/>
+            </a:endParaRPr>
+          </a:p>
+        </p:txBody>
+      </p:sp>
+      <p:sp>
+        <p:nvSpPr>
+          <p:cNvPr id="7" name="TextovéPole 6"/>
+          <p:cNvSpPr txBox="1"/>
           <p:nvPr/>
-        </p:nvPicPr>
-        <p:blipFill>
-          <a:blip r:embed="rId3">
-            <a:extLst>
-              <a:ext uri="{28A0092B-C50C-407E-A947-70E740481C1C}">
-                <a14:useLocalDpi xmlns:a14="http://schemas.microsoft.com/office/drawing/2010/main" val="0"/>
-              </a:ext>
-            </a:extLst>
-          </a:blip>
-          <a:stretch>
-            <a:fillRect/>
-          </a:stretch>
-        </p:blipFill>
+        </p:nvSpPr>
         <p:spPr>
           <a:xfrm>
-            <a:off x="5004160" y="3284982"/>
-            <a:ext cx="3845446" cy="2903235"/>
+            <a:off x="405157" y="4585817"/>
+            <a:ext cx="8460432" cy="861774"/>
           </a:xfrm>
           <a:prstGeom prst="rect">
             <a:avLst/>
           </a:prstGeom>
+          <a:noFill/>
         </p:spPr>
-      </p:pic>
+        <p:txBody>
+          <a:bodyPr wrap="square" rtlCol="0">
+            <a:spAutoFit/>
+          </a:bodyPr>
+          <a:lstStyle/>
+          <a:p>
+            <a:pPr algn="ctr"/>
+            <a:r>
+              <a:rPr lang="cs-CZ" sz="5000" b="1" dirty="0" smtClean="0">
+                <a:latin typeface="Calibri" panose="020F0502020204030204" pitchFamily="34" charset="0"/>
+              </a:rPr>
+              <a:t>Wiki</a:t>
+            </a:r>
+          </a:p>
+        </p:txBody>
+      </p:sp>
+      <p:sp>
+        <p:nvSpPr>
+          <p:cNvPr id="9" name="TextovéPole 8"/>
+          <p:cNvSpPr txBox="1"/>
+          <p:nvPr/>
+        </p:nvSpPr>
+        <p:spPr>
+          <a:xfrm>
+            <a:off x="400650" y="5447591"/>
+            <a:ext cx="8460432" cy="861774"/>
+          </a:xfrm>
+          <a:prstGeom prst="rect">
+            <a:avLst/>
+          </a:prstGeom>
+          <a:noFill/>
+        </p:spPr>
+        <p:txBody>
+          <a:bodyPr wrap="square" rtlCol="0">
+            <a:spAutoFit/>
+          </a:bodyPr>
+          <a:lstStyle/>
+          <a:p>
+            <a:pPr algn="ctr"/>
+            <a:r>
+              <a:rPr lang="cs-CZ" sz="5000" b="1" dirty="0" err="1" smtClean="0">
+                <a:latin typeface="Calibri" panose="020F0502020204030204" pitchFamily="34" charset="0"/>
+              </a:rPr>
+              <a:t>Download</a:t>
+            </a:r>
+            <a:endParaRPr lang="cs-CZ" sz="5000" b="1" dirty="0" smtClean="0">
+              <a:latin typeface="Calibri" panose="020F0502020204030204" pitchFamily="34" charset="0"/>
+            </a:endParaRPr>
+          </a:p>
+        </p:txBody>
+      </p:sp>
     </p:spTree>
     <p:extLst>
       <p:ext uri="{BB962C8B-B14F-4D97-AF65-F5344CB8AC3E}">
-        <p14:creationId xmlns:p14="http://schemas.microsoft.com/office/powerpoint/2010/main" val="3703899041"/>
+        <p14:creationId xmlns:p14="http://schemas.microsoft.com/office/powerpoint/2010/main" xmlns="" val="1897610653"/>
       </p:ext>
     </p:extLst>
   </p:cSld>
@@ -16788,7 +17958,7 @@
 </p:sld>
 </file>
 
-<file path=ppt/slides/slide9.xml><?xml version="1.0" encoding="utf-8"?>
+<file path=ppt/slides/slide7.xml><?xml version="1.0" encoding="utf-8"?>
 <p:sld xmlns:a="http://schemas.openxmlformats.org/drawingml/2006/main" xmlns:r="http://schemas.openxmlformats.org/officeDocument/2006/relationships" xmlns:p="http://schemas.openxmlformats.org/presentationml/2006/main">
   <p:cSld>
     <p:spTree>
@@ -17054,14 +18224,14 @@
       </p:sp>
       <p:sp>
         <p:nvSpPr>
-          <p:cNvPr id="7" name="TextovéPole 6"/>
+          <p:cNvPr id="6" name="TextovéPole 5"/>
           <p:cNvSpPr txBox="1"/>
           <p:nvPr/>
         </p:nvSpPr>
         <p:spPr>
           <a:xfrm>
-            <a:off x="422710" y="2090713"/>
-            <a:ext cx="8460432" cy="861774"/>
+            <a:off x="1043608" y="2348880"/>
+            <a:ext cx="6876256" cy="861774"/>
           </a:xfrm>
           <a:prstGeom prst="rect">
             <a:avLst/>
@@ -17076,11 +18246,14 @@
           <a:p>
             <a:pPr algn="ctr"/>
             <a:r>
-              <a:rPr lang="cs-CZ" sz="5000" b="1" dirty="0" smtClean="0">
+              <a:rPr lang="cs-CZ" sz="5000" b="1" dirty="0" err="1" smtClean="0">
                 <a:latin typeface="Calibri" panose="020F0502020204030204" pitchFamily="34" charset="0"/>
               </a:rPr>
-              <a:t>Wiki</a:t>
-            </a:r>
+              <a:t>Subversion</a:t>
+            </a:r>
+            <a:endParaRPr lang="cs-CZ" sz="5000" b="1" dirty="0">
+              <a:latin typeface="Calibri" panose="020F0502020204030204" pitchFamily="34" charset="0"/>
+            </a:endParaRPr>
           </a:p>
         </p:txBody>
       </p:sp>
@@ -17096,7 +18269,738 @@
           <a:blip r:embed="rId2">
             <a:extLst>
               <a:ext uri="{28A0092B-C50C-407E-A947-70E740481C1C}">
-                <a14:useLocalDpi xmlns:a14="http://schemas.microsoft.com/office/drawing/2010/main" val="0"/>
+                <a14:useLocalDpi xmlns:a14="http://schemas.microsoft.com/office/drawing/2010/main" xmlns="" val="0"/>
+              </a:ext>
+            </a:extLst>
+          </a:blip>
+          <a:stretch>
+            <a:fillRect/>
+          </a:stretch>
+        </p:blipFill>
+        <p:spPr>
+          <a:xfrm>
+            <a:off x="1018812" y="3501008"/>
+            <a:ext cx="7596336" cy="2590690"/>
+          </a:xfrm>
+          <a:prstGeom prst="rect">
+            <a:avLst/>
+          </a:prstGeom>
+        </p:spPr>
+      </p:pic>
+    </p:spTree>
+    <p:extLst>
+      <p:ext uri="{BB962C8B-B14F-4D97-AF65-F5344CB8AC3E}">
+        <p14:creationId xmlns:p14="http://schemas.microsoft.com/office/powerpoint/2010/main" xmlns="" val="2863558378"/>
+      </p:ext>
+    </p:extLst>
+  </p:cSld>
+  <p:clrMapOvr>
+    <a:masterClrMapping/>
+  </p:clrMapOvr>
+  <p:timing>
+    <p:tnLst>
+      <p:par>
+        <p:cTn id="1" dur="indefinite" restart="never" nodeType="tmRoot"/>
+      </p:par>
+    </p:tnLst>
+  </p:timing>
+</p:sld>
+</file>
+
+<file path=ppt/slides/slide8.xml><?xml version="1.0" encoding="utf-8"?>
+<p:sld xmlns:a="http://schemas.openxmlformats.org/drawingml/2006/main" xmlns:r="http://schemas.openxmlformats.org/officeDocument/2006/relationships" xmlns:p="http://schemas.openxmlformats.org/presentationml/2006/main">
+  <p:cSld>
+    <p:spTree>
+      <p:nvGrpSpPr>
+        <p:cNvPr id="1" name=""/>
+        <p:cNvGrpSpPr/>
+        <p:nvPr/>
+      </p:nvGrpSpPr>
+      <p:grpSpPr>
+        <a:xfrm>
+          <a:off x="0" y="0"/>
+          <a:ext cx="0" cy="0"/>
+          <a:chOff x="0" y="0"/>
+          <a:chExt cx="0" cy="0"/>
+        </a:xfrm>
+      </p:grpSpPr>
+      <p:sp>
+        <p:nvSpPr>
+          <p:cNvPr id="2" name="Nadpis 1"/>
+          <p:cNvSpPr>
+            <a:spLocks noGrp="1"/>
+          </p:cNvSpPr>
+          <p:nvPr>
+            <p:ph type="title"/>
+          </p:nvPr>
+        </p:nvSpPr>
+        <p:spPr/>
+        <p:txBody>
+          <a:bodyPr/>
+          <a:lstStyle/>
+          <a:p>
+            <a:endParaRPr lang="cs-CZ" dirty="0"/>
+          </a:p>
+        </p:txBody>
+      </p:sp>
+      <p:sp>
+        <p:nvSpPr>
+          <p:cNvPr id="4" name="Nadpis 1"/>
+          <p:cNvSpPr txBox="1">
+            <a:spLocks/>
+          </p:cNvSpPr>
+          <p:nvPr/>
+        </p:nvSpPr>
+        <p:spPr>
+          <a:xfrm>
+            <a:off x="400650" y="908720"/>
+            <a:ext cx="8460432" cy="1181993"/>
+          </a:xfrm>
+          <a:prstGeom prst="rect">
+            <a:avLst/>
+          </a:prstGeom>
+        </p:spPr>
+        <p:txBody>
+          <a:bodyPr vert="horz" lIns="91440" tIns="45720" rIns="91440" bIns="45720" rtlCol="0" anchor="b">
+            <a:normAutofit fontScale="77500" lnSpcReduction="20000"/>
+          </a:bodyPr>
+          <a:lstStyle>
+            <a:lvl1pPr algn="ctr" defTabSz="914400" rtl="0" eaLnBrk="1" latinLnBrk="0" hangingPunct="1">
+              <a:lnSpc>
+                <a:spcPts val="5800"/>
+              </a:lnSpc>
+              <a:spcBef>
+                <a:spcPct val="0"/>
+              </a:spcBef>
+              <a:buNone/>
+              <a:defRPr sz="5400" kern="1200">
+                <a:solidFill>
+                  <a:schemeClr val="tx2"/>
+                </a:solidFill>
+                <a:effectLst>
+                  <a:outerShdw blurRad="63500" dist="38100" dir="5400000" algn="t" rotWithShape="0">
+                    <a:prstClr val="black">
+                      <a:alpha val="25000"/>
+                    </a:prstClr>
+                  </a:outerShdw>
+                </a:effectLst>
+                <a:latin typeface="+mn-lt"/>
+                <a:ea typeface="+mj-ea"/>
+                <a:cs typeface="+mj-cs"/>
+              </a:defRPr>
+            </a:lvl1pPr>
+          </a:lstStyle>
+          <a:p>
+            <a:r>
+              <a:rPr lang="cs-CZ" sz="12000" b="1" dirty="0" smtClean="0">
+                <a:ln w="17780" cmpd="sng">
+                  <a:solidFill>
+                    <a:srgbClr val="FFFFFF"/>
+                  </a:solidFill>
+                  <a:prstDash val="solid"/>
+                  <a:miter lim="800000"/>
+                </a:ln>
+                <a:gradFill rotWithShape="1">
+                  <a:gsLst>
+                    <a:gs pos="0">
+                      <a:srgbClr val="000000">
+                        <a:tint val="92000"/>
+                        <a:shade val="100000"/>
+                        <a:satMod val="150000"/>
+                      </a:srgbClr>
+                    </a:gs>
+                    <a:gs pos="49000">
+                      <a:srgbClr val="000000">
+                        <a:tint val="89000"/>
+                        <a:shade val="90000"/>
+                        <a:satMod val="150000"/>
+                      </a:srgbClr>
+                    </a:gs>
+                    <a:gs pos="50000">
+                      <a:srgbClr val="000000">
+                        <a:tint val="100000"/>
+                        <a:shade val="75000"/>
+                        <a:satMod val="150000"/>
+                      </a:srgbClr>
+                    </a:gs>
+                    <a:gs pos="95000">
+                      <a:srgbClr val="000000">
+                        <a:shade val="47000"/>
+                        <a:satMod val="150000"/>
+                      </a:srgbClr>
+                    </a:gs>
+                    <a:gs pos="100000">
+                      <a:srgbClr val="000000">
+                        <a:shade val="39000"/>
+                        <a:satMod val="150000"/>
+                      </a:srgbClr>
+                    </a:gs>
+                  </a:gsLst>
+                  <a:lin ang="5400000"/>
+                </a:gradFill>
+                <a:effectLst>
+                  <a:outerShdw blurRad="60007" dist="310007" dir="7680000" sy="30000" kx="1300200" algn="ctr" rotWithShape="0">
+                    <a:prstClr val="black">
+                      <a:alpha val="32000"/>
+                    </a:prstClr>
+                  </a:outerShdw>
+                </a:effectLst>
+                <a:latin typeface="Verdana" panose="020B0604030504040204" pitchFamily="34" charset="0"/>
+                <a:ea typeface="Verdana" panose="020B0604030504040204" pitchFamily="34" charset="0"/>
+                <a:cs typeface="Verdana" panose="020B0604030504040204" pitchFamily="34" charset="0"/>
+              </a:rPr>
+              <a:t>Google </a:t>
+            </a:r>
+            <a:r>
+              <a:rPr lang="cs-CZ" sz="12000" b="1" dirty="0" err="1" smtClean="0">
+                <a:ln w="17780" cmpd="sng">
+                  <a:solidFill>
+                    <a:srgbClr val="FFFFFF"/>
+                  </a:solidFill>
+                  <a:prstDash val="solid"/>
+                  <a:miter lim="800000"/>
+                </a:ln>
+                <a:gradFill rotWithShape="1">
+                  <a:gsLst>
+                    <a:gs pos="0">
+                      <a:srgbClr val="000000">
+                        <a:tint val="92000"/>
+                        <a:shade val="100000"/>
+                        <a:satMod val="150000"/>
+                      </a:srgbClr>
+                    </a:gs>
+                    <a:gs pos="49000">
+                      <a:srgbClr val="000000">
+                        <a:tint val="89000"/>
+                        <a:shade val="90000"/>
+                        <a:satMod val="150000"/>
+                      </a:srgbClr>
+                    </a:gs>
+                    <a:gs pos="50000">
+                      <a:srgbClr val="000000">
+                        <a:tint val="100000"/>
+                        <a:shade val="75000"/>
+                        <a:satMod val="150000"/>
+                      </a:srgbClr>
+                    </a:gs>
+                    <a:gs pos="95000">
+                      <a:srgbClr val="000000">
+                        <a:shade val="47000"/>
+                        <a:satMod val="150000"/>
+                      </a:srgbClr>
+                    </a:gs>
+                    <a:gs pos="100000">
+                      <a:srgbClr val="000000">
+                        <a:shade val="39000"/>
+                        <a:satMod val="150000"/>
+                      </a:srgbClr>
+                    </a:gs>
+                  </a:gsLst>
+                  <a:lin ang="5400000"/>
+                </a:gradFill>
+                <a:effectLst>
+                  <a:outerShdw blurRad="60007" dist="310007" dir="7680000" sy="30000" kx="1300200" algn="ctr" rotWithShape="0">
+                    <a:prstClr val="black">
+                      <a:alpha val="32000"/>
+                    </a:prstClr>
+                  </a:outerShdw>
+                </a:effectLst>
+                <a:latin typeface="Verdana" panose="020B0604030504040204" pitchFamily="34" charset="0"/>
+                <a:ea typeface="Verdana" panose="020B0604030504040204" pitchFamily="34" charset="0"/>
+                <a:cs typeface="Verdana" panose="020B0604030504040204" pitchFamily="34" charset="0"/>
+              </a:rPr>
+              <a:t>Code</a:t>
+            </a:r>
+            <a:endParaRPr lang="cs-CZ" sz="12000" b="1" dirty="0">
+              <a:ln w="17780" cmpd="sng">
+                <a:solidFill>
+                  <a:srgbClr val="FFFFFF"/>
+                </a:solidFill>
+                <a:prstDash val="solid"/>
+                <a:miter lim="800000"/>
+              </a:ln>
+              <a:gradFill rotWithShape="1">
+                <a:gsLst>
+                  <a:gs pos="0">
+                    <a:srgbClr val="000000">
+                      <a:tint val="92000"/>
+                      <a:shade val="100000"/>
+                      <a:satMod val="150000"/>
+                    </a:srgbClr>
+                  </a:gs>
+                  <a:gs pos="49000">
+                    <a:srgbClr val="000000">
+                      <a:tint val="89000"/>
+                      <a:shade val="90000"/>
+                      <a:satMod val="150000"/>
+                    </a:srgbClr>
+                  </a:gs>
+                  <a:gs pos="50000">
+                    <a:srgbClr val="000000">
+                      <a:tint val="100000"/>
+                      <a:shade val="75000"/>
+                      <a:satMod val="150000"/>
+                    </a:srgbClr>
+                  </a:gs>
+                  <a:gs pos="95000">
+                    <a:srgbClr val="000000">
+                      <a:shade val="47000"/>
+                      <a:satMod val="150000"/>
+                    </a:srgbClr>
+                  </a:gs>
+                  <a:gs pos="100000">
+                    <a:srgbClr val="000000">
+                      <a:shade val="39000"/>
+                      <a:satMod val="150000"/>
+                    </a:srgbClr>
+                  </a:gs>
+                </a:gsLst>
+                <a:lin ang="5400000"/>
+              </a:gradFill>
+              <a:effectLst>
+                <a:outerShdw blurRad="60007" dist="310007" dir="7680000" sy="30000" kx="1300200" algn="ctr" rotWithShape="0">
+                  <a:prstClr val="black">
+                    <a:alpha val="32000"/>
+                  </a:prstClr>
+                </a:outerShdw>
+              </a:effectLst>
+              <a:latin typeface="Verdana" panose="020B0604030504040204" pitchFamily="34" charset="0"/>
+              <a:ea typeface="Verdana" panose="020B0604030504040204" pitchFamily="34" charset="0"/>
+              <a:cs typeface="Verdana" panose="020B0604030504040204" pitchFamily="34" charset="0"/>
+            </a:endParaRPr>
+          </a:p>
+        </p:txBody>
+      </p:sp>
+      <p:sp>
+        <p:nvSpPr>
+          <p:cNvPr id="5" name="TextovéPole 4"/>
+          <p:cNvSpPr txBox="1"/>
+          <p:nvPr/>
+        </p:nvSpPr>
+        <p:spPr>
+          <a:xfrm>
+            <a:off x="0" y="2276872"/>
+            <a:ext cx="8460432" cy="861774"/>
+          </a:xfrm>
+          <a:prstGeom prst="rect">
+            <a:avLst/>
+          </a:prstGeom>
+          <a:noFill/>
+        </p:spPr>
+        <p:txBody>
+          <a:bodyPr wrap="square" rtlCol="0">
+            <a:spAutoFit/>
+          </a:bodyPr>
+          <a:lstStyle/>
+          <a:p>
+            <a:pPr algn="ctr"/>
+            <a:r>
+              <a:rPr lang="cs-CZ" sz="5000" b="1" dirty="0" smtClean="0">
+                <a:latin typeface="Calibri" panose="020F0502020204030204" pitchFamily="34" charset="0"/>
+              </a:rPr>
+              <a:t>Google Group </a:t>
+            </a:r>
+            <a:r>
+              <a:rPr lang="en-US" sz="5000" b="1" dirty="0" smtClean="0">
+                <a:latin typeface="Calibri" panose="020F0502020204030204" pitchFamily="34" charset="0"/>
+              </a:rPr>
+              <a:t>&gt; Facebook</a:t>
+            </a:r>
+            <a:endParaRPr lang="cs-CZ" sz="5000" b="1" dirty="0" smtClean="0">
+              <a:latin typeface="Calibri" panose="020F0502020204030204" pitchFamily="34" charset="0"/>
+            </a:endParaRPr>
+          </a:p>
+        </p:txBody>
+      </p:sp>
+      <p:pic>
+        <p:nvPicPr>
+          <p:cNvPr id="3" name="Obrázek 2"/>
+          <p:cNvPicPr>
+            <a:picLocks noChangeAspect="1"/>
+          </p:cNvPicPr>
+          <p:nvPr/>
+        </p:nvPicPr>
+        <p:blipFill>
+          <a:blip r:embed="rId2">
+            <a:extLst>
+              <a:ext uri="{28A0092B-C50C-407E-A947-70E740481C1C}">
+                <a14:useLocalDpi xmlns:a14="http://schemas.microsoft.com/office/drawing/2010/main" xmlns="" val="0"/>
+              </a:ext>
+            </a:extLst>
+          </a:blip>
+          <a:stretch>
+            <a:fillRect/>
+          </a:stretch>
+        </p:blipFill>
+        <p:spPr>
+          <a:xfrm>
+            <a:off x="376211" y="3284984"/>
+            <a:ext cx="3667125" cy="2257425"/>
+          </a:xfrm>
+          <a:prstGeom prst="rect">
+            <a:avLst/>
+          </a:prstGeom>
+        </p:spPr>
+      </p:pic>
+      <p:pic>
+        <p:nvPicPr>
+          <p:cNvPr id="8" name="Obrázek 7"/>
+          <p:cNvPicPr>
+            <a:picLocks noChangeAspect="1"/>
+          </p:cNvPicPr>
+          <p:nvPr/>
+        </p:nvPicPr>
+        <p:blipFill>
+          <a:blip r:embed="rId3">
+            <a:extLst>
+              <a:ext uri="{28A0092B-C50C-407E-A947-70E740481C1C}">
+                <a14:useLocalDpi xmlns:a14="http://schemas.microsoft.com/office/drawing/2010/main" xmlns="" val="0"/>
+              </a:ext>
+            </a:extLst>
+          </a:blip>
+          <a:stretch>
+            <a:fillRect/>
+          </a:stretch>
+        </p:blipFill>
+        <p:spPr>
+          <a:xfrm>
+            <a:off x="5004160" y="3284982"/>
+            <a:ext cx="3845446" cy="2903235"/>
+          </a:xfrm>
+          <a:prstGeom prst="rect">
+            <a:avLst/>
+          </a:prstGeom>
+        </p:spPr>
+      </p:pic>
+    </p:spTree>
+    <p:extLst>
+      <p:ext uri="{BB962C8B-B14F-4D97-AF65-F5344CB8AC3E}">
+        <p14:creationId xmlns:p14="http://schemas.microsoft.com/office/powerpoint/2010/main" xmlns="" val="3703899041"/>
+      </p:ext>
+    </p:extLst>
+  </p:cSld>
+  <p:clrMapOvr>
+    <a:masterClrMapping/>
+  </p:clrMapOvr>
+  <p:timing>
+    <p:tnLst>
+      <p:par>
+        <p:cTn id="1" dur="indefinite" restart="never" nodeType="tmRoot"/>
+      </p:par>
+    </p:tnLst>
+  </p:timing>
+</p:sld>
+</file>
+
+<file path=ppt/slides/slide9.xml><?xml version="1.0" encoding="utf-8"?>
+<p:sld xmlns:a="http://schemas.openxmlformats.org/drawingml/2006/main" xmlns:r="http://schemas.openxmlformats.org/officeDocument/2006/relationships" xmlns:p="http://schemas.openxmlformats.org/presentationml/2006/main">
+  <p:cSld>
+    <p:spTree>
+      <p:nvGrpSpPr>
+        <p:cNvPr id="1" name=""/>
+        <p:cNvGrpSpPr/>
+        <p:nvPr/>
+      </p:nvGrpSpPr>
+      <p:grpSpPr>
+        <a:xfrm>
+          <a:off x="0" y="0"/>
+          <a:ext cx="0" cy="0"/>
+          <a:chOff x="0" y="0"/>
+          <a:chExt cx="0" cy="0"/>
+        </a:xfrm>
+      </p:grpSpPr>
+      <p:sp>
+        <p:nvSpPr>
+          <p:cNvPr id="2" name="Nadpis 1"/>
+          <p:cNvSpPr>
+            <a:spLocks noGrp="1"/>
+          </p:cNvSpPr>
+          <p:nvPr>
+            <p:ph type="title"/>
+          </p:nvPr>
+        </p:nvSpPr>
+        <p:spPr/>
+        <p:txBody>
+          <a:bodyPr/>
+          <a:lstStyle/>
+          <a:p>
+            <a:endParaRPr lang="cs-CZ" dirty="0"/>
+          </a:p>
+        </p:txBody>
+      </p:sp>
+      <p:sp>
+        <p:nvSpPr>
+          <p:cNvPr id="4" name="Nadpis 1"/>
+          <p:cNvSpPr txBox="1">
+            <a:spLocks/>
+          </p:cNvSpPr>
+          <p:nvPr/>
+        </p:nvSpPr>
+        <p:spPr>
+          <a:xfrm>
+            <a:off x="400650" y="908720"/>
+            <a:ext cx="8460432" cy="1181993"/>
+          </a:xfrm>
+          <a:prstGeom prst="rect">
+            <a:avLst/>
+          </a:prstGeom>
+        </p:spPr>
+        <p:txBody>
+          <a:bodyPr vert="horz" lIns="91440" tIns="45720" rIns="91440" bIns="45720" rtlCol="0" anchor="b">
+            <a:normAutofit fontScale="77500" lnSpcReduction="20000"/>
+          </a:bodyPr>
+          <a:lstStyle>
+            <a:lvl1pPr algn="ctr" defTabSz="914400" rtl="0" eaLnBrk="1" latinLnBrk="0" hangingPunct="1">
+              <a:lnSpc>
+                <a:spcPts val="5800"/>
+              </a:lnSpc>
+              <a:spcBef>
+                <a:spcPct val="0"/>
+              </a:spcBef>
+              <a:buNone/>
+              <a:defRPr sz="5400" kern="1200">
+                <a:solidFill>
+                  <a:schemeClr val="tx2"/>
+                </a:solidFill>
+                <a:effectLst>
+                  <a:outerShdw blurRad="63500" dist="38100" dir="5400000" algn="t" rotWithShape="0">
+                    <a:prstClr val="black">
+                      <a:alpha val="25000"/>
+                    </a:prstClr>
+                  </a:outerShdw>
+                </a:effectLst>
+                <a:latin typeface="+mn-lt"/>
+                <a:ea typeface="+mj-ea"/>
+                <a:cs typeface="+mj-cs"/>
+              </a:defRPr>
+            </a:lvl1pPr>
+          </a:lstStyle>
+          <a:p>
+            <a:r>
+              <a:rPr lang="cs-CZ" sz="12000" b="1" dirty="0" smtClean="0">
+                <a:ln w="17780" cmpd="sng">
+                  <a:solidFill>
+                    <a:srgbClr val="FFFFFF"/>
+                  </a:solidFill>
+                  <a:prstDash val="solid"/>
+                  <a:miter lim="800000"/>
+                </a:ln>
+                <a:gradFill rotWithShape="1">
+                  <a:gsLst>
+                    <a:gs pos="0">
+                      <a:srgbClr val="000000">
+                        <a:tint val="92000"/>
+                        <a:shade val="100000"/>
+                        <a:satMod val="150000"/>
+                      </a:srgbClr>
+                    </a:gs>
+                    <a:gs pos="49000">
+                      <a:srgbClr val="000000">
+                        <a:tint val="89000"/>
+                        <a:shade val="90000"/>
+                        <a:satMod val="150000"/>
+                      </a:srgbClr>
+                    </a:gs>
+                    <a:gs pos="50000">
+                      <a:srgbClr val="000000">
+                        <a:tint val="100000"/>
+                        <a:shade val="75000"/>
+                        <a:satMod val="150000"/>
+                      </a:srgbClr>
+                    </a:gs>
+                    <a:gs pos="95000">
+                      <a:srgbClr val="000000">
+                        <a:shade val="47000"/>
+                        <a:satMod val="150000"/>
+                      </a:srgbClr>
+                    </a:gs>
+                    <a:gs pos="100000">
+                      <a:srgbClr val="000000">
+                        <a:shade val="39000"/>
+                        <a:satMod val="150000"/>
+                      </a:srgbClr>
+                    </a:gs>
+                  </a:gsLst>
+                  <a:lin ang="5400000"/>
+                </a:gradFill>
+                <a:effectLst>
+                  <a:outerShdw blurRad="60007" dist="310007" dir="7680000" sy="30000" kx="1300200" algn="ctr" rotWithShape="0">
+                    <a:prstClr val="black">
+                      <a:alpha val="32000"/>
+                    </a:prstClr>
+                  </a:outerShdw>
+                </a:effectLst>
+                <a:latin typeface="Verdana" panose="020B0604030504040204" pitchFamily="34" charset="0"/>
+                <a:ea typeface="Verdana" panose="020B0604030504040204" pitchFamily="34" charset="0"/>
+                <a:cs typeface="Verdana" panose="020B0604030504040204" pitchFamily="34" charset="0"/>
+              </a:rPr>
+              <a:t>Google </a:t>
+            </a:r>
+            <a:r>
+              <a:rPr lang="cs-CZ" sz="12000" b="1" dirty="0" err="1" smtClean="0">
+                <a:ln w="17780" cmpd="sng">
+                  <a:solidFill>
+                    <a:srgbClr val="FFFFFF"/>
+                  </a:solidFill>
+                  <a:prstDash val="solid"/>
+                  <a:miter lim="800000"/>
+                </a:ln>
+                <a:gradFill rotWithShape="1">
+                  <a:gsLst>
+                    <a:gs pos="0">
+                      <a:srgbClr val="000000">
+                        <a:tint val="92000"/>
+                        <a:shade val="100000"/>
+                        <a:satMod val="150000"/>
+                      </a:srgbClr>
+                    </a:gs>
+                    <a:gs pos="49000">
+                      <a:srgbClr val="000000">
+                        <a:tint val="89000"/>
+                        <a:shade val="90000"/>
+                        <a:satMod val="150000"/>
+                      </a:srgbClr>
+                    </a:gs>
+                    <a:gs pos="50000">
+                      <a:srgbClr val="000000">
+                        <a:tint val="100000"/>
+                        <a:shade val="75000"/>
+                        <a:satMod val="150000"/>
+                      </a:srgbClr>
+                    </a:gs>
+                    <a:gs pos="95000">
+                      <a:srgbClr val="000000">
+                        <a:shade val="47000"/>
+                        <a:satMod val="150000"/>
+                      </a:srgbClr>
+                    </a:gs>
+                    <a:gs pos="100000">
+                      <a:srgbClr val="000000">
+                        <a:shade val="39000"/>
+                        <a:satMod val="150000"/>
+                      </a:srgbClr>
+                    </a:gs>
+                  </a:gsLst>
+                  <a:lin ang="5400000"/>
+                </a:gradFill>
+                <a:effectLst>
+                  <a:outerShdw blurRad="60007" dist="310007" dir="7680000" sy="30000" kx="1300200" algn="ctr" rotWithShape="0">
+                    <a:prstClr val="black">
+                      <a:alpha val="32000"/>
+                    </a:prstClr>
+                  </a:outerShdw>
+                </a:effectLst>
+                <a:latin typeface="Verdana" panose="020B0604030504040204" pitchFamily="34" charset="0"/>
+                <a:ea typeface="Verdana" panose="020B0604030504040204" pitchFamily="34" charset="0"/>
+                <a:cs typeface="Verdana" panose="020B0604030504040204" pitchFamily="34" charset="0"/>
+              </a:rPr>
+              <a:t>Code</a:t>
+            </a:r>
+            <a:endParaRPr lang="cs-CZ" sz="12000" b="1" dirty="0">
+              <a:ln w="17780" cmpd="sng">
+                <a:solidFill>
+                  <a:srgbClr val="FFFFFF"/>
+                </a:solidFill>
+                <a:prstDash val="solid"/>
+                <a:miter lim="800000"/>
+              </a:ln>
+              <a:gradFill rotWithShape="1">
+                <a:gsLst>
+                  <a:gs pos="0">
+                    <a:srgbClr val="000000">
+                      <a:tint val="92000"/>
+                      <a:shade val="100000"/>
+                      <a:satMod val="150000"/>
+                    </a:srgbClr>
+                  </a:gs>
+                  <a:gs pos="49000">
+                    <a:srgbClr val="000000">
+                      <a:tint val="89000"/>
+                      <a:shade val="90000"/>
+                      <a:satMod val="150000"/>
+                    </a:srgbClr>
+                  </a:gs>
+                  <a:gs pos="50000">
+                    <a:srgbClr val="000000">
+                      <a:tint val="100000"/>
+                      <a:shade val="75000"/>
+                      <a:satMod val="150000"/>
+                    </a:srgbClr>
+                  </a:gs>
+                  <a:gs pos="95000">
+                    <a:srgbClr val="000000">
+                      <a:shade val="47000"/>
+                      <a:satMod val="150000"/>
+                    </a:srgbClr>
+                  </a:gs>
+                  <a:gs pos="100000">
+                    <a:srgbClr val="000000">
+                      <a:shade val="39000"/>
+                      <a:satMod val="150000"/>
+                    </a:srgbClr>
+                  </a:gs>
+                </a:gsLst>
+                <a:lin ang="5400000"/>
+              </a:gradFill>
+              <a:effectLst>
+                <a:outerShdw blurRad="60007" dist="310007" dir="7680000" sy="30000" kx="1300200" algn="ctr" rotWithShape="0">
+                  <a:prstClr val="black">
+                    <a:alpha val="32000"/>
+                  </a:prstClr>
+                </a:outerShdw>
+              </a:effectLst>
+              <a:latin typeface="Verdana" panose="020B0604030504040204" pitchFamily="34" charset="0"/>
+              <a:ea typeface="Verdana" panose="020B0604030504040204" pitchFamily="34" charset="0"/>
+              <a:cs typeface="Verdana" panose="020B0604030504040204" pitchFamily="34" charset="0"/>
+            </a:endParaRPr>
+          </a:p>
+        </p:txBody>
+      </p:sp>
+      <p:sp>
+        <p:nvSpPr>
+          <p:cNvPr id="7" name="TextovéPole 6"/>
+          <p:cNvSpPr txBox="1"/>
+          <p:nvPr/>
+        </p:nvSpPr>
+        <p:spPr>
+          <a:xfrm>
+            <a:off x="422710" y="2090713"/>
+            <a:ext cx="8460432" cy="861774"/>
+          </a:xfrm>
+          <a:prstGeom prst="rect">
+            <a:avLst/>
+          </a:prstGeom>
+          <a:noFill/>
+        </p:spPr>
+        <p:txBody>
+          <a:bodyPr wrap="square" rtlCol="0">
+            <a:spAutoFit/>
+          </a:bodyPr>
+          <a:lstStyle/>
+          <a:p>
+            <a:pPr algn="ctr"/>
+            <a:r>
+              <a:rPr lang="cs-CZ" sz="5000" b="1" dirty="0" smtClean="0">
+                <a:latin typeface="Calibri" panose="020F0502020204030204" pitchFamily="34" charset="0"/>
+              </a:rPr>
+              <a:t>Wiki</a:t>
+            </a:r>
+          </a:p>
+        </p:txBody>
+      </p:sp>
+      <p:pic>
+        <p:nvPicPr>
+          <p:cNvPr id="3" name="Obrázek 2"/>
+          <p:cNvPicPr>
+            <a:picLocks noChangeAspect="1"/>
+          </p:cNvPicPr>
+          <p:nvPr/>
+        </p:nvPicPr>
+        <p:blipFill>
+          <a:blip r:embed="rId2">
+            <a:extLst>
+              <a:ext uri="{28A0092B-C50C-407E-A947-70E740481C1C}">
+                <a14:useLocalDpi xmlns:a14="http://schemas.microsoft.com/office/drawing/2010/main" xmlns="" val="0"/>
               </a:ext>
             </a:extLst>
           </a:blip>
@@ -17117,7 +19021,7 @@
     </p:spTree>
     <p:extLst>
       <p:ext uri="{BB962C8B-B14F-4D97-AF65-F5344CB8AC3E}">
-        <p14:creationId xmlns:p14="http://schemas.microsoft.com/office/powerpoint/2010/main" val="3703899041"/>
+        <p14:creationId xmlns:p14="http://schemas.microsoft.com/office/powerpoint/2010/main" xmlns="" val="3703899041"/>
       </p:ext>
     </p:extLst>
   </p:cSld>

--- a/trunk/Prezentace/prezentace.pptx
+++ b/trunk/Prezentace/prezentace.pptx
@@ -149,7 +149,7 @@
   </p:defaultTextStyle>
   <p:extLst>
     <p:ext uri="{521415D9-36F7-43E2-AB2F-B90AF26B5E84}">
-      <p14:sectionLst xmlns:p14="http://schemas.microsoft.com/office/powerpoint/2010/main" xmlns="">
+      <p14:sectionLst xmlns:p14="http://schemas.microsoft.com/office/powerpoint/2010/main">
         <p14:section name="Výchozí oddíl" id="{32A14AF7-2445-4FE0-9C88-788775668699}">
           <p14:sldIdLst>
             <p14:sldId id="256"/>
@@ -184,9 +184,12 @@
             <p14:sldId id="280"/>
             <p14:sldId id="283"/>
             <p14:sldId id="282"/>
-            <p14:sldId id="286"/>
-            <p14:sldId id="285"/>
-            <p14:sldId id="284"/>
+            <p14:sldId id="298"/>
+            <p14:sldId id="299"/>
+            <p14:sldId id="300"/>
+            <p14:sldId id="301"/>
+            <p14:sldId id="302"/>
+            <p14:sldId id="303"/>
             <p14:sldId id="273"/>
             <p14:sldId id="274"/>
             <p14:sldId id="272"/>
@@ -450,7 +453,7 @@
     </p:spTree>
     <p:extLst>
       <p:ext uri="{BB962C8B-B14F-4D97-AF65-F5344CB8AC3E}">
-        <p14:creationId xmlns:p14="http://schemas.microsoft.com/office/powerpoint/2010/main" xmlns="" val="3639938787"/>
+        <p14:creationId xmlns:p14="http://schemas.microsoft.com/office/powerpoint/2010/main" val="3639938787"/>
       </p:ext>
     </p:extLst>
   </p:cSld>
@@ -4193,18 +4196,18 @@
     </p:spTree>
     <p:extLst>
       <p:ext uri="{BB962C8B-B14F-4D97-AF65-F5344CB8AC3E}">
-        <p14:creationId xmlns:p14="http://schemas.microsoft.com/office/powerpoint/2010/main" xmlns="" val="2499574105"/>
+        <p14:creationId xmlns:p14="http://schemas.microsoft.com/office/powerpoint/2010/main" val="2499574105"/>
       </p:ext>
     </p:extLst>
   </p:cSld>
   <p:clrMapOvr>
     <a:masterClrMapping/>
   </p:clrMapOvr>
-  <mc:AlternateContent xmlns:mc="http://schemas.openxmlformats.org/markup-compatibility/2006">
-    <mc:Choice xmlns:p14="http://schemas.microsoft.com/office/powerpoint/2010/main" xmlns="" Requires="p14">
+  <mc:AlternateContent xmlns:mc="http://schemas.openxmlformats.org/markup-compatibility/2006" xmlns:p14="http://schemas.microsoft.com/office/powerpoint/2010/main">
+    <mc:Choice Requires="p14">
       <p:transition p14:dur="0"/>
     </mc:Choice>
-    <mc:Fallback>
+    <mc:Fallback xmlns="">
       <p:transition/>
     </mc:Fallback>
   </mc:AlternateContent>
@@ -4605,7 +4608,7 @@
           <a:blip r:embed="rId2">
             <a:extLst>
               <a:ext uri="{28A0092B-C50C-407E-A947-70E740481C1C}">
-                <a14:useLocalDpi xmlns:a14="http://schemas.microsoft.com/office/drawing/2010/main" xmlns="" val="0"/>
+                <a14:useLocalDpi xmlns:a14="http://schemas.microsoft.com/office/drawing/2010/main" val="0"/>
               </a:ext>
             </a:extLst>
           </a:blip>
@@ -4626,7 +4629,7 @@
     </p:spTree>
     <p:extLst>
       <p:ext uri="{BB962C8B-B14F-4D97-AF65-F5344CB8AC3E}">
-        <p14:creationId xmlns:p14="http://schemas.microsoft.com/office/powerpoint/2010/main" xmlns="" val="1253192387"/>
+        <p14:creationId xmlns:p14="http://schemas.microsoft.com/office/powerpoint/2010/main" val="1253192387"/>
       </p:ext>
     </p:extLst>
   </p:cSld>
@@ -4951,7 +4954,7 @@
           <a:blip r:embed="rId2">
             <a:extLst>
               <a:ext uri="{28A0092B-C50C-407E-A947-70E740481C1C}">
-                <a14:useLocalDpi xmlns:a14="http://schemas.microsoft.com/office/drawing/2010/main" xmlns="" val="0"/>
+                <a14:useLocalDpi xmlns:a14="http://schemas.microsoft.com/office/drawing/2010/main" val="0"/>
               </a:ext>
             </a:extLst>
           </a:blip>
@@ -4972,7 +4975,7 @@
     </p:spTree>
     <p:extLst>
       <p:ext uri="{BB962C8B-B14F-4D97-AF65-F5344CB8AC3E}">
-        <p14:creationId xmlns:p14="http://schemas.microsoft.com/office/powerpoint/2010/main" xmlns="" val="2644525155"/>
+        <p14:creationId xmlns:p14="http://schemas.microsoft.com/office/powerpoint/2010/main" val="2644525155"/>
       </p:ext>
     </p:extLst>
   </p:cSld>
@@ -5297,7 +5300,7 @@
           <a:blip r:embed="rId2">
             <a:extLst>
               <a:ext uri="{28A0092B-C50C-407E-A947-70E740481C1C}">
-                <a14:useLocalDpi xmlns:a14="http://schemas.microsoft.com/office/drawing/2010/main" xmlns="" val="0"/>
+                <a14:useLocalDpi xmlns:a14="http://schemas.microsoft.com/office/drawing/2010/main" val="0"/>
               </a:ext>
             </a:extLst>
           </a:blip>
@@ -5318,7 +5321,7 @@
     </p:spTree>
     <p:extLst>
       <p:ext uri="{BB962C8B-B14F-4D97-AF65-F5344CB8AC3E}">
-        <p14:creationId xmlns:p14="http://schemas.microsoft.com/office/powerpoint/2010/main" xmlns="" val="3110968368"/>
+        <p14:creationId xmlns:p14="http://schemas.microsoft.com/office/powerpoint/2010/main" val="3110968368"/>
       </p:ext>
     </p:extLst>
   </p:cSld>
@@ -5643,7 +5646,7 @@
           <a:blip r:embed="rId2">
             <a:extLst>
               <a:ext uri="{28A0092B-C50C-407E-A947-70E740481C1C}">
-                <a14:useLocalDpi xmlns:a14="http://schemas.microsoft.com/office/drawing/2010/main" xmlns="" val="0"/>
+                <a14:useLocalDpi xmlns:a14="http://schemas.microsoft.com/office/drawing/2010/main" val="0"/>
               </a:ext>
             </a:extLst>
           </a:blip>
@@ -5673,7 +5676,7 @@
           <a:blip r:embed="rId3">
             <a:extLst>
               <a:ext uri="{28A0092B-C50C-407E-A947-70E740481C1C}">
-                <a14:useLocalDpi xmlns:a14="http://schemas.microsoft.com/office/drawing/2010/main" xmlns="" val="0"/>
+                <a14:useLocalDpi xmlns:a14="http://schemas.microsoft.com/office/drawing/2010/main" val="0"/>
               </a:ext>
             </a:extLst>
           </a:blip>
@@ -5694,7 +5697,7 @@
     </p:spTree>
     <p:extLst>
       <p:ext uri="{BB962C8B-B14F-4D97-AF65-F5344CB8AC3E}">
-        <p14:creationId xmlns:p14="http://schemas.microsoft.com/office/powerpoint/2010/main" xmlns="" val="3202355631"/>
+        <p14:creationId xmlns:p14="http://schemas.microsoft.com/office/powerpoint/2010/main" val="3202355631"/>
       </p:ext>
     </p:extLst>
   </p:cSld>
@@ -6019,7 +6022,7 @@
           <a:blip r:embed="rId2">
             <a:extLst>
               <a:ext uri="{28A0092B-C50C-407E-A947-70E740481C1C}">
-                <a14:useLocalDpi xmlns:a14="http://schemas.microsoft.com/office/drawing/2010/main" xmlns="" val="0"/>
+                <a14:useLocalDpi xmlns:a14="http://schemas.microsoft.com/office/drawing/2010/main" val="0"/>
               </a:ext>
             </a:extLst>
           </a:blip>
@@ -6040,7 +6043,7 @@
     </p:spTree>
     <p:extLst>
       <p:ext uri="{BB962C8B-B14F-4D97-AF65-F5344CB8AC3E}">
-        <p14:creationId xmlns:p14="http://schemas.microsoft.com/office/powerpoint/2010/main" xmlns="" val="3350802733"/>
+        <p14:creationId xmlns:p14="http://schemas.microsoft.com/office/powerpoint/2010/main" val="3350802733"/>
       </p:ext>
     </p:extLst>
   </p:cSld>
@@ -6400,7 +6403,7 @@
     </p:spTree>
     <p:extLst>
       <p:ext uri="{BB962C8B-B14F-4D97-AF65-F5344CB8AC3E}">
-        <p14:creationId xmlns:p14="http://schemas.microsoft.com/office/powerpoint/2010/main" xmlns="" val="3418949683"/>
+        <p14:creationId xmlns:p14="http://schemas.microsoft.com/office/powerpoint/2010/main" val="3418949683"/>
       </p:ext>
     </p:extLst>
   </p:cSld>
@@ -6778,7 +6781,7 @@
           <a:blip r:embed="rId2">
             <a:extLst>
               <a:ext uri="{28A0092B-C50C-407E-A947-70E740481C1C}">
-                <a14:useLocalDpi xmlns:a14="http://schemas.microsoft.com/office/drawing/2010/main" xmlns="" val="0"/>
+                <a14:useLocalDpi xmlns:a14="http://schemas.microsoft.com/office/drawing/2010/main" val="0"/>
               </a:ext>
             </a:extLst>
           </a:blip>
@@ -6799,7 +6802,7 @@
     </p:spTree>
     <p:extLst>
       <p:ext uri="{BB962C8B-B14F-4D97-AF65-F5344CB8AC3E}">
-        <p14:creationId xmlns:p14="http://schemas.microsoft.com/office/powerpoint/2010/main" xmlns="" val="3703899041"/>
+        <p14:creationId xmlns:p14="http://schemas.microsoft.com/office/powerpoint/2010/main" val="3703899041"/>
       </p:ext>
     </p:extLst>
   </p:cSld>
@@ -6966,7 +6969,7 @@
           <a:blip r:embed="rId2">
             <a:extLst>
               <a:ext uri="{28A0092B-C50C-407E-A947-70E740481C1C}">
-                <a14:useLocalDpi xmlns:a14="http://schemas.microsoft.com/office/drawing/2010/main" xmlns="" val="0"/>
+                <a14:useLocalDpi xmlns:a14="http://schemas.microsoft.com/office/drawing/2010/main" val="0"/>
               </a:ext>
             </a:extLst>
           </a:blip>
@@ -6989,14 +6992,14 @@
           </a:ln>
           <a:extLst>
             <a:ext uri="{909E8E84-426E-40DD-AFC4-6F175D3DCCD1}">
-              <a14:hiddenFill xmlns:a14="http://schemas.microsoft.com/office/drawing/2010/main" xmlns="">
+              <a14:hiddenFill xmlns:a14="http://schemas.microsoft.com/office/drawing/2010/main">
                 <a:solidFill>
                   <a:schemeClr val="accent1"/>
                 </a:solidFill>
               </a14:hiddenFill>
             </a:ext>
             <a:ext uri="{91240B29-F687-4F45-9708-019B960494DF}">
-              <a14:hiddenLine xmlns:a14="http://schemas.microsoft.com/office/drawing/2010/main" xmlns="" w="9525">
+              <a14:hiddenLine xmlns:a14="http://schemas.microsoft.com/office/drawing/2010/main" w="9525">
                 <a:solidFill>
                   <a:schemeClr val="tx1"/>
                 </a:solidFill>
@@ -7020,7 +7023,7 @@
           <a:blip r:embed="rId3">
             <a:extLst>
               <a:ext uri="{28A0092B-C50C-407E-A947-70E740481C1C}">
-                <a14:useLocalDpi xmlns:a14="http://schemas.microsoft.com/office/drawing/2010/main" xmlns="" val="0"/>
+                <a14:useLocalDpi xmlns:a14="http://schemas.microsoft.com/office/drawing/2010/main" val="0"/>
               </a:ext>
             </a:extLst>
           </a:blip>
@@ -7043,14 +7046,14 @@
           </a:ln>
           <a:extLst>
             <a:ext uri="{909E8E84-426E-40DD-AFC4-6F175D3DCCD1}">
-              <a14:hiddenFill xmlns:a14="http://schemas.microsoft.com/office/drawing/2010/main" xmlns="">
+              <a14:hiddenFill xmlns:a14="http://schemas.microsoft.com/office/drawing/2010/main">
                 <a:solidFill>
                   <a:schemeClr val="accent1"/>
                 </a:solidFill>
               </a14:hiddenFill>
             </a:ext>
             <a:ext uri="{91240B29-F687-4F45-9708-019B960494DF}">
-              <a14:hiddenLine xmlns:a14="http://schemas.microsoft.com/office/drawing/2010/main" xmlns="" w="9525">
+              <a14:hiddenLine xmlns:a14="http://schemas.microsoft.com/office/drawing/2010/main" w="9525">
                 <a:solidFill>
                   <a:schemeClr val="tx1"/>
                 </a:solidFill>
@@ -7065,7 +7068,7 @@
     </p:spTree>
     <p:extLst>
       <p:ext uri="{BB962C8B-B14F-4D97-AF65-F5344CB8AC3E}">
-        <p14:creationId xmlns:p14="http://schemas.microsoft.com/office/powerpoint/2010/main" xmlns="" val="2112607337"/>
+        <p14:creationId xmlns:p14="http://schemas.microsoft.com/office/powerpoint/2010/main" val="2112607337"/>
       </p:ext>
     </p:extLst>
   </p:cSld>
@@ -7175,7 +7178,7 @@
           <a:blip r:embed="rId2">
             <a:extLst>
               <a:ext uri="{28A0092B-C50C-407E-A947-70E740481C1C}">
-                <a14:useLocalDpi xmlns:a14="http://schemas.microsoft.com/office/drawing/2010/main" xmlns="" val="0"/>
+                <a14:useLocalDpi xmlns:a14="http://schemas.microsoft.com/office/drawing/2010/main" val="0"/>
               </a:ext>
             </a:extLst>
           </a:blip>
@@ -7198,14 +7201,14 @@
           </a:ln>
           <a:extLst>
             <a:ext uri="{909E8E84-426E-40DD-AFC4-6F175D3DCCD1}">
-              <a14:hiddenFill xmlns:a14="http://schemas.microsoft.com/office/drawing/2010/main" xmlns="">
+              <a14:hiddenFill xmlns:a14="http://schemas.microsoft.com/office/drawing/2010/main">
                 <a:solidFill>
                   <a:schemeClr val="accent1"/>
                 </a:solidFill>
               </a14:hiddenFill>
             </a:ext>
             <a:ext uri="{91240B29-F687-4F45-9708-019B960494DF}">
-              <a14:hiddenLine xmlns:a14="http://schemas.microsoft.com/office/drawing/2010/main" xmlns="" w="9525">
+              <a14:hiddenLine xmlns:a14="http://schemas.microsoft.com/office/drawing/2010/main" w="9525">
                 <a:solidFill>
                   <a:schemeClr val="tx1"/>
                 </a:solidFill>
@@ -7229,7 +7232,7 @@
           <a:blip r:embed="rId3">
             <a:extLst>
               <a:ext uri="{28A0092B-C50C-407E-A947-70E740481C1C}">
-                <a14:useLocalDpi xmlns:a14="http://schemas.microsoft.com/office/drawing/2010/main" xmlns="" val="0"/>
+                <a14:useLocalDpi xmlns:a14="http://schemas.microsoft.com/office/drawing/2010/main" val="0"/>
               </a:ext>
             </a:extLst>
           </a:blip>
@@ -7249,7 +7252,7 @@
           <a:noFill/>
           <a:extLst>
             <a:ext uri="{909E8E84-426E-40DD-AFC4-6F175D3DCCD1}">
-              <a14:hiddenFill xmlns:a14="http://schemas.microsoft.com/office/drawing/2010/main" xmlns="">
+              <a14:hiddenFill xmlns:a14="http://schemas.microsoft.com/office/drawing/2010/main">
                 <a:solidFill>
                   <a:srgbClr val="FFFFFF"/>
                 </a:solidFill>
@@ -7270,7 +7273,7 @@
           <a:blip r:embed="rId4">
             <a:extLst>
               <a:ext uri="{28A0092B-C50C-407E-A947-70E740481C1C}">
-                <a14:useLocalDpi xmlns:a14="http://schemas.microsoft.com/office/drawing/2010/main" xmlns="" val="0"/>
+                <a14:useLocalDpi xmlns:a14="http://schemas.microsoft.com/office/drawing/2010/main" val="0"/>
               </a:ext>
             </a:extLst>
           </a:blip>
@@ -7293,14 +7296,14 @@
           </a:ln>
           <a:extLst>
             <a:ext uri="{909E8E84-426E-40DD-AFC4-6F175D3DCCD1}">
-              <a14:hiddenFill xmlns:a14="http://schemas.microsoft.com/office/drawing/2010/main" xmlns="">
+              <a14:hiddenFill xmlns:a14="http://schemas.microsoft.com/office/drawing/2010/main">
                 <a:solidFill>
                   <a:schemeClr val="accent1"/>
                 </a:solidFill>
               </a14:hiddenFill>
             </a:ext>
             <a:ext uri="{91240B29-F687-4F45-9708-019B960494DF}">
-              <a14:hiddenLine xmlns:a14="http://schemas.microsoft.com/office/drawing/2010/main" xmlns="" w="9525">
+              <a14:hiddenLine xmlns:a14="http://schemas.microsoft.com/office/drawing/2010/main" w="9525">
                 <a:solidFill>
                   <a:schemeClr val="tx1"/>
                 </a:solidFill>
@@ -7324,7 +7327,7 @@
           <a:blip r:embed="rId5">
             <a:extLst>
               <a:ext uri="{28A0092B-C50C-407E-A947-70E740481C1C}">
-                <a14:useLocalDpi xmlns:a14="http://schemas.microsoft.com/office/drawing/2010/main" xmlns="" val="0"/>
+                <a14:useLocalDpi xmlns:a14="http://schemas.microsoft.com/office/drawing/2010/main" val="0"/>
               </a:ext>
             </a:extLst>
           </a:blip>
@@ -7344,7 +7347,7 @@
           <a:noFill/>
           <a:extLst>
             <a:ext uri="{909E8E84-426E-40DD-AFC4-6F175D3DCCD1}">
-              <a14:hiddenFill xmlns:a14="http://schemas.microsoft.com/office/drawing/2010/main" xmlns="">
+              <a14:hiddenFill xmlns:a14="http://schemas.microsoft.com/office/drawing/2010/main">
                 <a:solidFill>
                   <a:srgbClr val="FFFFFF"/>
                 </a:solidFill>
@@ -7440,7 +7443,7 @@
     </p:spTree>
     <p:extLst>
       <p:ext uri="{BB962C8B-B14F-4D97-AF65-F5344CB8AC3E}">
-        <p14:creationId xmlns:p14="http://schemas.microsoft.com/office/powerpoint/2010/main" xmlns="" val="1512994020"/>
+        <p14:creationId xmlns:p14="http://schemas.microsoft.com/office/powerpoint/2010/main" val="1512994020"/>
       </p:ext>
     </p:extLst>
   </p:cSld>
@@ -7498,17 +7501,15 @@
           <a:p>
             <a:r>
               <a:rPr lang="cs-CZ" dirty="0" smtClean="0"/>
-              <a:t>● Sofistikované vyhledávání </a:t>
-            </a:r>
-            <a:r>
-              <a:rPr lang="cs-CZ" dirty="0" smtClean="0">
-                <a:sym typeface="Wingdings" panose="05000000000000000000" pitchFamily="2" charset="2"/>
-              </a:rPr>
-              <a:t></a:t>
+              <a:t>● </a:t>
+            </a:r>
+            <a:r>
+              <a:rPr lang="cs-CZ" dirty="0"/>
+              <a:t>V</a:t>
             </a:r>
             <a:r>
               <a:rPr lang="cs-CZ" dirty="0" smtClean="0"/>
-              <a:t> </a:t>
+              <a:t>yhledávání </a:t>
             </a:r>
             <a:endParaRPr lang="cs-CZ" dirty="0"/>
           </a:p>
@@ -7526,7 +7527,7 @@
           <a:blip r:embed="rId2">
             <a:extLst>
               <a:ext uri="{28A0092B-C50C-407E-A947-70E740481C1C}">
-                <a14:useLocalDpi xmlns:a14="http://schemas.microsoft.com/office/drawing/2010/main" xmlns="" val="0"/>
+                <a14:useLocalDpi xmlns:a14="http://schemas.microsoft.com/office/drawing/2010/main" val="0"/>
               </a:ext>
             </a:extLst>
           </a:blip>
@@ -7549,14 +7550,14 @@
           </a:ln>
           <a:extLst>
             <a:ext uri="{909E8E84-426E-40DD-AFC4-6F175D3DCCD1}">
-              <a14:hiddenFill xmlns:a14="http://schemas.microsoft.com/office/drawing/2010/main" xmlns="">
+              <a14:hiddenFill xmlns:a14="http://schemas.microsoft.com/office/drawing/2010/main">
                 <a:solidFill>
                   <a:schemeClr val="accent1"/>
                 </a:solidFill>
               </a14:hiddenFill>
             </a:ext>
             <a:ext uri="{91240B29-F687-4F45-9708-019B960494DF}">
-              <a14:hiddenLine xmlns:a14="http://schemas.microsoft.com/office/drawing/2010/main" xmlns="" w="9525">
+              <a14:hiddenLine xmlns:a14="http://schemas.microsoft.com/office/drawing/2010/main" w="9525">
                 <a:solidFill>
                   <a:schemeClr val="tx1"/>
                 </a:solidFill>
@@ -7580,7 +7581,7 @@
           <a:blip r:embed="rId3">
             <a:extLst>
               <a:ext uri="{28A0092B-C50C-407E-A947-70E740481C1C}">
-                <a14:useLocalDpi xmlns:a14="http://schemas.microsoft.com/office/drawing/2010/main" xmlns="" val="0"/>
+                <a14:useLocalDpi xmlns:a14="http://schemas.microsoft.com/office/drawing/2010/main" val="0"/>
               </a:ext>
             </a:extLst>
           </a:blip>
@@ -7603,14 +7604,14 @@
           </a:ln>
           <a:extLst>
             <a:ext uri="{909E8E84-426E-40DD-AFC4-6F175D3DCCD1}">
-              <a14:hiddenFill xmlns:a14="http://schemas.microsoft.com/office/drawing/2010/main" xmlns="">
+              <a14:hiddenFill xmlns:a14="http://schemas.microsoft.com/office/drawing/2010/main">
                 <a:solidFill>
                   <a:schemeClr val="accent1"/>
                 </a:solidFill>
               </a14:hiddenFill>
             </a:ext>
             <a:ext uri="{91240B29-F687-4F45-9708-019B960494DF}">
-              <a14:hiddenLine xmlns:a14="http://schemas.microsoft.com/office/drawing/2010/main" xmlns="" w="9525">
+              <a14:hiddenLine xmlns:a14="http://schemas.microsoft.com/office/drawing/2010/main" w="9525">
                 <a:solidFill>
                   <a:schemeClr val="tx1"/>
                 </a:solidFill>
@@ -7709,7 +7710,7 @@
     </p:spTree>
     <p:extLst>
       <p:ext uri="{BB962C8B-B14F-4D97-AF65-F5344CB8AC3E}">
-        <p14:creationId xmlns:p14="http://schemas.microsoft.com/office/powerpoint/2010/main" xmlns="" val="2486539983"/>
+        <p14:creationId xmlns:p14="http://schemas.microsoft.com/office/powerpoint/2010/main" val="2486539983"/>
       </p:ext>
     </p:extLst>
   </p:cSld>
@@ -8007,7 +8008,7 @@
     </p:spTree>
     <p:extLst>
       <p:ext uri="{BB962C8B-B14F-4D97-AF65-F5344CB8AC3E}">
-        <p14:creationId xmlns:p14="http://schemas.microsoft.com/office/powerpoint/2010/main" xmlns="" val="3347849268"/>
+        <p14:creationId xmlns:p14="http://schemas.microsoft.com/office/powerpoint/2010/main" val="3347849268"/>
       </p:ext>
     </p:extLst>
   </p:cSld>
@@ -8225,7 +8226,7 @@
           <a:blip r:embed="rId2">
             <a:extLst>
               <a:ext uri="{28A0092B-C50C-407E-A947-70E740481C1C}">
-                <a14:useLocalDpi xmlns:a14="http://schemas.microsoft.com/office/drawing/2010/main" xmlns="" val="0"/>
+                <a14:useLocalDpi xmlns:a14="http://schemas.microsoft.com/office/drawing/2010/main" val="0"/>
               </a:ext>
             </a:extLst>
           </a:blip>
@@ -8248,14 +8249,14 @@
           </a:ln>
           <a:extLst>
             <a:ext uri="{909E8E84-426E-40DD-AFC4-6F175D3DCCD1}">
-              <a14:hiddenFill xmlns:a14="http://schemas.microsoft.com/office/drawing/2010/main" xmlns="">
+              <a14:hiddenFill xmlns:a14="http://schemas.microsoft.com/office/drawing/2010/main">
                 <a:solidFill>
                   <a:schemeClr val="accent1"/>
                 </a:solidFill>
               </a14:hiddenFill>
             </a:ext>
             <a:ext uri="{91240B29-F687-4F45-9708-019B960494DF}">
-              <a14:hiddenLine xmlns:a14="http://schemas.microsoft.com/office/drawing/2010/main" xmlns="" w="9525">
+              <a14:hiddenLine xmlns:a14="http://schemas.microsoft.com/office/drawing/2010/main" w="9525">
                 <a:solidFill>
                   <a:schemeClr val="tx1"/>
                 </a:solidFill>
@@ -8279,7 +8280,7 @@
           <a:blip r:embed="rId3">
             <a:extLst>
               <a:ext uri="{28A0092B-C50C-407E-A947-70E740481C1C}">
-                <a14:useLocalDpi xmlns:a14="http://schemas.microsoft.com/office/drawing/2010/main" xmlns="" val="0"/>
+                <a14:useLocalDpi xmlns:a14="http://schemas.microsoft.com/office/drawing/2010/main" val="0"/>
               </a:ext>
             </a:extLst>
           </a:blip>
@@ -8302,14 +8303,14 @@
           </a:ln>
           <a:extLst>
             <a:ext uri="{909E8E84-426E-40DD-AFC4-6F175D3DCCD1}">
-              <a14:hiddenFill xmlns:a14="http://schemas.microsoft.com/office/drawing/2010/main" xmlns="">
+              <a14:hiddenFill xmlns:a14="http://schemas.microsoft.com/office/drawing/2010/main">
                 <a:solidFill>
                   <a:schemeClr val="accent1"/>
                 </a:solidFill>
               </a14:hiddenFill>
             </a:ext>
             <a:ext uri="{91240B29-F687-4F45-9708-019B960494DF}">
-              <a14:hiddenLine xmlns:a14="http://schemas.microsoft.com/office/drawing/2010/main" xmlns="" w="9525">
+              <a14:hiddenLine xmlns:a14="http://schemas.microsoft.com/office/drawing/2010/main" w="9525">
                 <a:solidFill>
                   <a:schemeClr val="tx1"/>
                 </a:solidFill>
@@ -8413,7 +8414,7 @@
           <a:blip r:embed="rId4">
             <a:extLst>
               <a:ext uri="{28A0092B-C50C-407E-A947-70E740481C1C}">
-                <a14:useLocalDpi xmlns:a14="http://schemas.microsoft.com/office/drawing/2010/main" xmlns="" val="0"/>
+                <a14:useLocalDpi xmlns:a14="http://schemas.microsoft.com/office/drawing/2010/main" val="0"/>
               </a:ext>
             </a:extLst>
           </a:blip>
@@ -8436,14 +8437,14 @@
           </a:ln>
           <a:extLst>
             <a:ext uri="{909E8E84-426E-40DD-AFC4-6F175D3DCCD1}">
-              <a14:hiddenFill xmlns:a14="http://schemas.microsoft.com/office/drawing/2010/main" xmlns="">
+              <a14:hiddenFill xmlns:a14="http://schemas.microsoft.com/office/drawing/2010/main">
                 <a:solidFill>
                   <a:schemeClr val="accent1"/>
                 </a:solidFill>
               </a14:hiddenFill>
             </a:ext>
             <a:ext uri="{91240B29-F687-4F45-9708-019B960494DF}">
-              <a14:hiddenLine xmlns:a14="http://schemas.microsoft.com/office/drawing/2010/main" xmlns="" w="9525">
+              <a14:hiddenLine xmlns:a14="http://schemas.microsoft.com/office/drawing/2010/main" w="9525">
                 <a:solidFill>
                   <a:schemeClr val="tx1"/>
                 </a:solidFill>
@@ -8535,7 +8536,7 @@
     </p:spTree>
     <p:extLst>
       <p:ext uri="{BB962C8B-B14F-4D97-AF65-F5344CB8AC3E}">
-        <p14:creationId xmlns:p14="http://schemas.microsoft.com/office/powerpoint/2010/main" xmlns="" val="4200869030"/>
+        <p14:creationId xmlns:p14="http://schemas.microsoft.com/office/powerpoint/2010/main" val="4200869030"/>
       </p:ext>
     </p:extLst>
   </p:cSld>
@@ -8855,7 +8856,7 @@
           <a:blip r:embed="rId2">
             <a:extLst>
               <a:ext uri="{28A0092B-C50C-407E-A947-70E740481C1C}">
-                <a14:useLocalDpi xmlns:a14="http://schemas.microsoft.com/office/drawing/2010/main" xmlns="" val="0"/>
+                <a14:useLocalDpi xmlns:a14="http://schemas.microsoft.com/office/drawing/2010/main" val="0"/>
               </a:ext>
             </a:extLst>
           </a:blip>
@@ -8878,14 +8879,14 @@
           </a:ln>
           <a:extLst>
             <a:ext uri="{909E8E84-426E-40DD-AFC4-6F175D3DCCD1}">
-              <a14:hiddenFill xmlns:a14="http://schemas.microsoft.com/office/drawing/2010/main" xmlns="">
+              <a14:hiddenFill xmlns:a14="http://schemas.microsoft.com/office/drawing/2010/main">
                 <a:solidFill>
                   <a:schemeClr val="accent1"/>
                 </a:solidFill>
               </a14:hiddenFill>
             </a:ext>
             <a:ext uri="{91240B29-F687-4F45-9708-019B960494DF}">
-              <a14:hiddenLine xmlns:a14="http://schemas.microsoft.com/office/drawing/2010/main" xmlns="" w="9525">
+              <a14:hiddenLine xmlns:a14="http://schemas.microsoft.com/office/drawing/2010/main" w="9525">
                 <a:solidFill>
                   <a:schemeClr val="tx1"/>
                 </a:solidFill>
@@ -8909,7 +8910,7 @@
           <a:blip r:embed="rId3">
             <a:extLst>
               <a:ext uri="{28A0092B-C50C-407E-A947-70E740481C1C}">
-                <a14:useLocalDpi xmlns:a14="http://schemas.microsoft.com/office/drawing/2010/main" xmlns="" val="0"/>
+                <a14:useLocalDpi xmlns:a14="http://schemas.microsoft.com/office/drawing/2010/main" val="0"/>
               </a:ext>
             </a:extLst>
           </a:blip>
@@ -8932,14 +8933,14 @@
           </a:ln>
           <a:extLst>
             <a:ext uri="{909E8E84-426E-40DD-AFC4-6F175D3DCCD1}">
-              <a14:hiddenFill xmlns:a14="http://schemas.microsoft.com/office/drawing/2010/main" xmlns="">
+              <a14:hiddenFill xmlns:a14="http://schemas.microsoft.com/office/drawing/2010/main">
                 <a:solidFill>
                   <a:schemeClr val="accent1"/>
                 </a:solidFill>
               </a14:hiddenFill>
             </a:ext>
             <a:ext uri="{91240B29-F687-4F45-9708-019B960494DF}">
-              <a14:hiddenLine xmlns:a14="http://schemas.microsoft.com/office/drawing/2010/main" xmlns="" w="9525">
+              <a14:hiddenLine xmlns:a14="http://schemas.microsoft.com/office/drawing/2010/main" w="9525">
                 <a:solidFill>
                   <a:schemeClr val="tx1"/>
                 </a:solidFill>
@@ -8963,7 +8964,7 @@
           <a:blip r:embed="rId4">
             <a:extLst>
               <a:ext uri="{28A0092B-C50C-407E-A947-70E740481C1C}">
-                <a14:useLocalDpi xmlns:a14="http://schemas.microsoft.com/office/drawing/2010/main" xmlns="" val="0"/>
+                <a14:useLocalDpi xmlns:a14="http://schemas.microsoft.com/office/drawing/2010/main" val="0"/>
               </a:ext>
             </a:extLst>
           </a:blip>
@@ -8986,14 +8987,14 @@
           </a:ln>
           <a:extLst>
             <a:ext uri="{909E8E84-426E-40DD-AFC4-6F175D3DCCD1}">
-              <a14:hiddenFill xmlns:a14="http://schemas.microsoft.com/office/drawing/2010/main" xmlns="">
+              <a14:hiddenFill xmlns:a14="http://schemas.microsoft.com/office/drawing/2010/main">
                 <a:solidFill>
                   <a:schemeClr val="accent1"/>
                 </a:solidFill>
               </a14:hiddenFill>
             </a:ext>
             <a:ext uri="{91240B29-F687-4F45-9708-019B960494DF}">
-              <a14:hiddenLine xmlns:a14="http://schemas.microsoft.com/office/drawing/2010/main" xmlns="" w="9525">
+              <a14:hiddenLine xmlns:a14="http://schemas.microsoft.com/office/drawing/2010/main" w="9525">
                 <a:solidFill>
                   <a:schemeClr val="tx1"/>
                 </a:solidFill>
@@ -9008,7 +9009,7 @@
     </p:spTree>
     <p:extLst>
       <p:ext uri="{BB962C8B-B14F-4D97-AF65-F5344CB8AC3E}">
-        <p14:creationId xmlns:p14="http://schemas.microsoft.com/office/powerpoint/2010/main" xmlns="" val="1249673078"/>
+        <p14:creationId xmlns:p14="http://schemas.microsoft.com/office/powerpoint/2010/main" val="1249673078"/>
       </p:ext>
     </p:extLst>
   </p:cSld>
@@ -9241,7 +9242,7 @@
           <a:blip r:embed="rId2">
             <a:extLst>
               <a:ext uri="{28A0092B-C50C-407E-A947-70E740481C1C}">
-                <a14:useLocalDpi xmlns:a14="http://schemas.microsoft.com/office/drawing/2010/main" xmlns="" val="0"/>
+                <a14:useLocalDpi xmlns:a14="http://schemas.microsoft.com/office/drawing/2010/main" val="0"/>
               </a:ext>
             </a:extLst>
           </a:blip>
@@ -9264,14 +9265,14 @@
           </a:ln>
           <a:extLst>
             <a:ext uri="{909E8E84-426E-40DD-AFC4-6F175D3DCCD1}">
-              <a14:hiddenFill xmlns:a14="http://schemas.microsoft.com/office/drawing/2010/main" xmlns="">
+              <a14:hiddenFill xmlns:a14="http://schemas.microsoft.com/office/drawing/2010/main">
                 <a:solidFill>
                   <a:schemeClr val="accent1"/>
                 </a:solidFill>
               </a14:hiddenFill>
             </a:ext>
             <a:ext uri="{91240B29-F687-4F45-9708-019B960494DF}">
-              <a14:hiddenLine xmlns:a14="http://schemas.microsoft.com/office/drawing/2010/main" xmlns="" w="9525">
+              <a14:hiddenLine xmlns:a14="http://schemas.microsoft.com/office/drawing/2010/main" w="9525">
                 <a:solidFill>
                   <a:schemeClr val="tx1"/>
                 </a:solidFill>
@@ -9295,7 +9296,7 @@
           <a:blip r:embed="rId3">
             <a:extLst>
               <a:ext uri="{28A0092B-C50C-407E-A947-70E740481C1C}">
-                <a14:useLocalDpi xmlns:a14="http://schemas.microsoft.com/office/drawing/2010/main" xmlns="" val="0"/>
+                <a14:useLocalDpi xmlns:a14="http://schemas.microsoft.com/office/drawing/2010/main" val="0"/>
               </a:ext>
             </a:extLst>
           </a:blip>
@@ -9318,14 +9319,14 @@
           </a:ln>
           <a:extLst>
             <a:ext uri="{909E8E84-426E-40DD-AFC4-6F175D3DCCD1}">
-              <a14:hiddenFill xmlns:a14="http://schemas.microsoft.com/office/drawing/2010/main" xmlns="">
+              <a14:hiddenFill xmlns:a14="http://schemas.microsoft.com/office/drawing/2010/main">
                 <a:solidFill>
                   <a:schemeClr val="accent1"/>
                 </a:solidFill>
               </a14:hiddenFill>
             </a:ext>
             <a:ext uri="{91240B29-F687-4F45-9708-019B960494DF}">
-              <a14:hiddenLine xmlns:a14="http://schemas.microsoft.com/office/drawing/2010/main" xmlns="" w="9525">
+              <a14:hiddenLine xmlns:a14="http://schemas.microsoft.com/office/drawing/2010/main" w="9525">
                 <a:solidFill>
                   <a:schemeClr val="tx1"/>
                 </a:solidFill>
@@ -9340,7 +9341,7 @@
     </p:spTree>
     <p:extLst>
       <p:ext uri="{BB962C8B-B14F-4D97-AF65-F5344CB8AC3E}">
-        <p14:creationId xmlns:p14="http://schemas.microsoft.com/office/powerpoint/2010/main" xmlns="" val="3059116"/>
+        <p14:creationId xmlns:p14="http://schemas.microsoft.com/office/powerpoint/2010/main" val="3059116"/>
       </p:ext>
     </p:extLst>
   </p:cSld>
@@ -9592,7 +9593,7 @@
           <a:blip r:embed="rId2">
             <a:extLst>
               <a:ext uri="{28A0092B-C50C-407E-A947-70E740481C1C}">
-                <a14:useLocalDpi xmlns:a14="http://schemas.microsoft.com/office/drawing/2010/main" xmlns="" val="0"/>
+                <a14:useLocalDpi xmlns:a14="http://schemas.microsoft.com/office/drawing/2010/main" val="0"/>
               </a:ext>
             </a:extLst>
           </a:blip>
@@ -9615,14 +9616,14 @@
           </a:ln>
           <a:extLst>
             <a:ext uri="{909E8E84-426E-40DD-AFC4-6F175D3DCCD1}">
-              <a14:hiddenFill xmlns:a14="http://schemas.microsoft.com/office/drawing/2010/main" xmlns="">
+              <a14:hiddenFill xmlns:a14="http://schemas.microsoft.com/office/drawing/2010/main">
                 <a:solidFill>
                   <a:schemeClr val="accent1"/>
                 </a:solidFill>
               </a14:hiddenFill>
             </a:ext>
             <a:ext uri="{91240B29-F687-4F45-9708-019B960494DF}">
-              <a14:hiddenLine xmlns:a14="http://schemas.microsoft.com/office/drawing/2010/main" xmlns="" w="9525">
+              <a14:hiddenLine xmlns:a14="http://schemas.microsoft.com/office/drawing/2010/main" w="9525">
                 <a:solidFill>
                   <a:schemeClr val="tx1"/>
                 </a:solidFill>
@@ -9646,7 +9647,7 @@
           <a:blip r:embed="rId3">
             <a:extLst>
               <a:ext uri="{28A0092B-C50C-407E-A947-70E740481C1C}">
-                <a14:useLocalDpi xmlns:a14="http://schemas.microsoft.com/office/drawing/2010/main" xmlns="" val="0"/>
+                <a14:useLocalDpi xmlns:a14="http://schemas.microsoft.com/office/drawing/2010/main" val="0"/>
               </a:ext>
             </a:extLst>
           </a:blip>
@@ -9669,14 +9670,14 @@
           </a:ln>
           <a:extLst>
             <a:ext uri="{909E8E84-426E-40DD-AFC4-6F175D3DCCD1}">
-              <a14:hiddenFill xmlns:a14="http://schemas.microsoft.com/office/drawing/2010/main" xmlns="">
+              <a14:hiddenFill xmlns:a14="http://schemas.microsoft.com/office/drawing/2010/main">
                 <a:solidFill>
                   <a:schemeClr val="accent1"/>
                 </a:solidFill>
               </a14:hiddenFill>
             </a:ext>
             <a:ext uri="{91240B29-F687-4F45-9708-019B960494DF}">
-              <a14:hiddenLine xmlns:a14="http://schemas.microsoft.com/office/drawing/2010/main" xmlns="" w="9525">
+              <a14:hiddenLine xmlns:a14="http://schemas.microsoft.com/office/drawing/2010/main" w="9525">
                 <a:solidFill>
                   <a:schemeClr val="tx1"/>
                 </a:solidFill>
@@ -9830,7 +9831,7 @@
     </p:spTree>
     <p:extLst>
       <p:ext uri="{BB962C8B-B14F-4D97-AF65-F5344CB8AC3E}">
-        <p14:creationId xmlns:p14="http://schemas.microsoft.com/office/powerpoint/2010/main" xmlns="" val="2368862678"/>
+        <p14:creationId xmlns:p14="http://schemas.microsoft.com/office/powerpoint/2010/main" val="2368862678"/>
       </p:ext>
     </p:extLst>
   </p:cSld>
@@ -9914,7 +9915,7 @@
           <a:blip r:embed="rId2">
             <a:extLst>
               <a:ext uri="{28A0092B-C50C-407E-A947-70E740481C1C}">
-                <a14:useLocalDpi xmlns:a14="http://schemas.microsoft.com/office/drawing/2010/main" xmlns="" val="0"/>
+                <a14:useLocalDpi xmlns:a14="http://schemas.microsoft.com/office/drawing/2010/main" val="0"/>
               </a:ext>
             </a:extLst>
           </a:blip>
@@ -9937,14 +9938,14 @@
           </a:ln>
           <a:extLst>
             <a:ext uri="{909E8E84-426E-40DD-AFC4-6F175D3DCCD1}">
-              <a14:hiddenFill xmlns:a14="http://schemas.microsoft.com/office/drawing/2010/main" xmlns="">
+              <a14:hiddenFill xmlns:a14="http://schemas.microsoft.com/office/drawing/2010/main">
                 <a:solidFill>
                   <a:schemeClr val="accent1"/>
                 </a:solidFill>
               </a14:hiddenFill>
             </a:ext>
             <a:ext uri="{91240B29-F687-4F45-9708-019B960494DF}">
-              <a14:hiddenLine xmlns:a14="http://schemas.microsoft.com/office/drawing/2010/main" xmlns="" w="9525">
+              <a14:hiddenLine xmlns:a14="http://schemas.microsoft.com/office/drawing/2010/main" w="9525">
                 <a:solidFill>
                   <a:schemeClr val="tx1"/>
                 </a:solidFill>
@@ -10136,7 +10137,7 @@
           <a:blip r:embed="rId3">
             <a:extLst>
               <a:ext uri="{28A0092B-C50C-407E-A947-70E740481C1C}">
-                <a14:useLocalDpi xmlns:a14="http://schemas.microsoft.com/office/drawing/2010/main" xmlns="" val="0"/>
+                <a14:useLocalDpi xmlns:a14="http://schemas.microsoft.com/office/drawing/2010/main" val="0"/>
               </a:ext>
             </a:extLst>
           </a:blip>
@@ -10159,14 +10160,14 @@
           </a:ln>
           <a:extLst>
             <a:ext uri="{909E8E84-426E-40DD-AFC4-6F175D3DCCD1}">
-              <a14:hiddenFill xmlns:a14="http://schemas.microsoft.com/office/drawing/2010/main" xmlns="">
+              <a14:hiddenFill xmlns:a14="http://schemas.microsoft.com/office/drawing/2010/main">
                 <a:solidFill>
                   <a:schemeClr val="accent1"/>
                 </a:solidFill>
               </a14:hiddenFill>
             </a:ext>
             <a:ext uri="{91240B29-F687-4F45-9708-019B960494DF}">
-              <a14:hiddenLine xmlns:a14="http://schemas.microsoft.com/office/drawing/2010/main" xmlns="" w="9525">
+              <a14:hiddenLine xmlns:a14="http://schemas.microsoft.com/office/drawing/2010/main" w="9525">
                 <a:solidFill>
                   <a:schemeClr val="tx1"/>
                 </a:solidFill>
@@ -10190,7 +10191,7 @@
           <a:blip r:embed="rId4">
             <a:extLst>
               <a:ext uri="{28A0092B-C50C-407E-A947-70E740481C1C}">
-                <a14:useLocalDpi xmlns:a14="http://schemas.microsoft.com/office/drawing/2010/main" xmlns="" val="0"/>
+                <a14:useLocalDpi xmlns:a14="http://schemas.microsoft.com/office/drawing/2010/main" val="0"/>
               </a:ext>
             </a:extLst>
           </a:blip>
@@ -10213,14 +10214,14 @@
           </a:ln>
           <a:extLst>
             <a:ext uri="{909E8E84-426E-40DD-AFC4-6F175D3DCCD1}">
-              <a14:hiddenFill xmlns:a14="http://schemas.microsoft.com/office/drawing/2010/main" xmlns="">
+              <a14:hiddenFill xmlns:a14="http://schemas.microsoft.com/office/drawing/2010/main">
                 <a:solidFill>
                   <a:schemeClr val="accent1"/>
                 </a:solidFill>
               </a14:hiddenFill>
             </a:ext>
             <a:ext uri="{91240B29-F687-4F45-9708-019B960494DF}">
-              <a14:hiddenLine xmlns:a14="http://schemas.microsoft.com/office/drawing/2010/main" xmlns="" w="9525">
+              <a14:hiddenLine xmlns:a14="http://schemas.microsoft.com/office/drawing/2010/main" w="9525">
                 <a:solidFill>
                   <a:schemeClr val="tx1"/>
                 </a:solidFill>
@@ -10235,7 +10236,7 @@
     </p:spTree>
     <p:extLst>
       <p:ext uri="{BB962C8B-B14F-4D97-AF65-F5344CB8AC3E}">
-        <p14:creationId xmlns:p14="http://schemas.microsoft.com/office/powerpoint/2010/main" xmlns="" val="314795601"/>
+        <p14:creationId xmlns:p14="http://schemas.microsoft.com/office/powerpoint/2010/main" val="314795601"/>
       </p:ext>
     </p:extLst>
   </p:cSld>
@@ -10281,7 +10282,7 @@
           <a:blip r:embed="rId2">
             <a:extLst>
               <a:ext uri="{28A0092B-C50C-407E-A947-70E740481C1C}">
-                <a14:useLocalDpi xmlns:a14="http://schemas.microsoft.com/office/drawing/2010/main" xmlns="" val="0"/>
+                <a14:useLocalDpi xmlns:a14="http://schemas.microsoft.com/office/drawing/2010/main" val="0"/>
               </a:ext>
             </a:extLst>
           </a:blip>
@@ -10309,7 +10310,7 @@
           </a:ln>
           <a:extLst>
             <a:ext uri="{909E8E84-426E-40DD-AFC4-6F175D3DCCD1}">
-              <a14:hiddenFill xmlns:a14="http://schemas.microsoft.com/office/drawing/2010/main" xmlns="">
+              <a14:hiddenFill xmlns:a14="http://schemas.microsoft.com/office/drawing/2010/main">
                 <a:solidFill>
                   <a:schemeClr val="accent1"/>
                 </a:solidFill>
@@ -10330,7 +10331,7 @@
           <a:blip r:embed="rId3">
             <a:extLst>
               <a:ext uri="{28A0092B-C50C-407E-A947-70E740481C1C}">
-                <a14:useLocalDpi xmlns:a14="http://schemas.microsoft.com/office/drawing/2010/main" xmlns="" val="0"/>
+                <a14:useLocalDpi xmlns:a14="http://schemas.microsoft.com/office/drawing/2010/main" val="0"/>
               </a:ext>
             </a:extLst>
           </a:blip>
@@ -10358,7 +10359,7 @@
           </a:ln>
           <a:extLst>
             <a:ext uri="{909E8E84-426E-40DD-AFC4-6F175D3DCCD1}">
-              <a14:hiddenFill xmlns:a14="http://schemas.microsoft.com/office/drawing/2010/main" xmlns="">
+              <a14:hiddenFill xmlns:a14="http://schemas.microsoft.com/office/drawing/2010/main">
                 <a:solidFill>
                   <a:schemeClr val="accent1"/>
                 </a:solidFill>
@@ -10379,7 +10380,7 @@
           <a:blip r:embed="rId4">
             <a:extLst>
               <a:ext uri="{28A0092B-C50C-407E-A947-70E740481C1C}">
-                <a14:useLocalDpi xmlns:a14="http://schemas.microsoft.com/office/drawing/2010/main" xmlns="" val="0"/>
+                <a14:useLocalDpi xmlns:a14="http://schemas.microsoft.com/office/drawing/2010/main" val="0"/>
               </a:ext>
             </a:extLst>
           </a:blip>
@@ -10407,7 +10408,7 @@
           </a:ln>
           <a:extLst>
             <a:ext uri="{909E8E84-426E-40DD-AFC4-6F175D3DCCD1}">
-              <a14:hiddenFill xmlns:a14="http://schemas.microsoft.com/office/drawing/2010/main" xmlns="">
+              <a14:hiddenFill xmlns:a14="http://schemas.microsoft.com/office/drawing/2010/main">
                 <a:solidFill>
                   <a:schemeClr val="accent1"/>
                 </a:solidFill>
@@ -10428,7 +10429,7 @@
           <a:blip r:embed="rId5">
             <a:extLst>
               <a:ext uri="{28A0092B-C50C-407E-A947-70E740481C1C}">
-                <a14:useLocalDpi xmlns:a14="http://schemas.microsoft.com/office/drawing/2010/main" xmlns="" val="0"/>
+                <a14:useLocalDpi xmlns:a14="http://schemas.microsoft.com/office/drawing/2010/main" val="0"/>
               </a:ext>
             </a:extLst>
           </a:blip>
@@ -10451,14 +10452,14 @@
           </a:ln>
           <a:extLst>
             <a:ext uri="{909E8E84-426E-40DD-AFC4-6F175D3DCCD1}">
-              <a14:hiddenFill xmlns:a14="http://schemas.microsoft.com/office/drawing/2010/main" xmlns="">
+              <a14:hiddenFill xmlns:a14="http://schemas.microsoft.com/office/drawing/2010/main">
                 <a:solidFill>
                   <a:schemeClr val="accent1"/>
                 </a:solidFill>
               </a14:hiddenFill>
             </a:ext>
             <a:ext uri="{91240B29-F687-4F45-9708-019B960494DF}">
-              <a14:hiddenLine xmlns:a14="http://schemas.microsoft.com/office/drawing/2010/main" xmlns="" w="9525">
+              <a14:hiddenLine xmlns:a14="http://schemas.microsoft.com/office/drawing/2010/main" w="9525">
                 <a:solidFill>
                   <a:schemeClr val="tx1"/>
                 </a:solidFill>
@@ -10482,7 +10483,7 @@
           <a:blip r:embed="rId6">
             <a:extLst>
               <a:ext uri="{28A0092B-C50C-407E-A947-70E740481C1C}">
-                <a14:useLocalDpi xmlns:a14="http://schemas.microsoft.com/office/drawing/2010/main" xmlns="" val="0"/>
+                <a14:useLocalDpi xmlns:a14="http://schemas.microsoft.com/office/drawing/2010/main" val="0"/>
               </a:ext>
             </a:extLst>
           </a:blip>
@@ -10505,14 +10506,14 @@
           </a:ln>
           <a:extLst>
             <a:ext uri="{909E8E84-426E-40DD-AFC4-6F175D3DCCD1}">
-              <a14:hiddenFill xmlns:a14="http://schemas.microsoft.com/office/drawing/2010/main" xmlns="">
+              <a14:hiddenFill xmlns:a14="http://schemas.microsoft.com/office/drawing/2010/main">
                 <a:solidFill>
                   <a:schemeClr val="accent1"/>
                 </a:solidFill>
               </a14:hiddenFill>
             </a:ext>
             <a:ext uri="{91240B29-F687-4F45-9708-019B960494DF}">
-              <a14:hiddenLine xmlns:a14="http://schemas.microsoft.com/office/drawing/2010/main" xmlns="" w="9525">
+              <a14:hiddenLine xmlns:a14="http://schemas.microsoft.com/office/drawing/2010/main" w="9525">
                 <a:solidFill>
                   <a:schemeClr val="tx1"/>
                 </a:solidFill>
@@ -10536,7 +10537,7 @@
           <a:blip r:embed="rId7">
             <a:extLst>
               <a:ext uri="{28A0092B-C50C-407E-A947-70E740481C1C}">
-                <a14:useLocalDpi xmlns:a14="http://schemas.microsoft.com/office/drawing/2010/main" xmlns="" val="0"/>
+                <a14:useLocalDpi xmlns:a14="http://schemas.microsoft.com/office/drawing/2010/main" val="0"/>
               </a:ext>
             </a:extLst>
           </a:blip>
@@ -10559,14 +10560,14 @@
           </a:ln>
           <a:extLst>
             <a:ext uri="{909E8E84-426E-40DD-AFC4-6F175D3DCCD1}">
-              <a14:hiddenFill xmlns:a14="http://schemas.microsoft.com/office/drawing/2010/main" xmlns="">
+              <a14:hiddenFill xmlns:a14="http://schemas.microsoft.com/office/drawing/2010/main">
                 <a:solidFill>
                   <a:schemeClr val="accent1"/>
                 </a:solidFill>
               </a14:hiddenFill>
             </a:ext>
             <a:ext uri="{91240B29-F687-4F45-9708-019B960494DF}">
-              <a14:hiddenLine xmlns:a14="http://schemas.microsoft.com/office/drawing/2010/main" xmlns="" w="9525">
+              <a14:hiddenLine xmlns:a14="http://schemas.microsoft.com/office/drawing/2010/main" w="9525">
                 <a:solidFill>
                   <a:schemeClr val="tx1"/>
                 </a:solidFill>
@@ -11035,7 +11036,7 @@
           <a:blip r:embed="rId8">
             <a:extLst>
               <a:ext uri="{28A0092B-C50C-407E-A947-70E740481C1C}">
-                <a14:useLocalDpi xmlns:a14="http://schemas.microsoft.com/office/drawing/2010/main" xmlns="" val="0"/>
+                <a14:useLocalDpi xmlns:a14="http://schemas.microsoft.com/office/drawing/2010/main" val="0"/>
               </a:ext>
             </a:extLst>
           </a:blip>
@@ -11058,14 +11059,14 @@
           </a:ln>
           <a:extLst>
             <a:ext uri="{909E8E84-426E-40DD-AFC4-6F175D3DCCD1}">
-              <a14:hiddenFill xmlns:a14="http://schemas.microsoft.com/office/drawing/2010/main" xmlns="">
+              <a14:hiddenFill xmlns:a14="http://schemas.microsoft.com/office/drawing/2010/main">
                 <a:solidFill>
                   <a:schemeClr val="accent1"/>
                 </a:solidFill>
               </a14:hiddenFill>
             </a:ext>
             <a:ext uri="{91240B29-F687-4F45-9708-019B960494DF}">
-              <a14:hiddenLine xmlns:a14="http://schemas.microsoft.com/office/drawing/2010/main" xmlns="" w="9525">
+              <a14:hiddenLine xmlns:a14="http://schemas.microsoft.com/office/drawing/2010/main" w="9525">
                 <a:solidFill>
                   <a:schemeClr val="tx1"/>
                 </a:solidFill>
@@ -11089,7 +11090,7 @@
           <a:blip r:embed="rId9">
             <a:extLst>
               <a:ext uri="{28A0092B-C50C-407E-A947-70E740481C1C}">
-                <a14:useLocalDpi xmlns:a14="http://schemas.microsoft.com/office/drawing/2010/main" xmlns="" val="0"/>
+                <a14:useLocalDpi xmlns:a14="http://schemas.microsoft.com/office/drawing/2010/main" val="0"/>
               </a:ext>
             </a:extLst>
           </a:blip>
@@ -11112,14 +11113,14 @@
           </a:ln>
           <a:extLst>
             <a:ext uri="{909E8E84-426E-40DD-AFC4-6F175D3DCCD1}">
-              <a14:hiddenFill xmlns:a14="http://schemas.microsoft.com/office/drawing/2010/main" xmlns="">
+              <a14:hiddenFill xmlns:a14="http://schemas.microsoft.com/office/drawing/2010/main">
                 <a:solidFill>
                   <a:schemeClr val="accent1"/>
                 </a:solidFill>
               </a14:hiddenFill>
             </a:ext>
             <a:ext uri="{91240B29-F687-4F45-9708-019B960494DF}">
-              <a14:hiddenLine xmlns:a14="http://schemas.microsoft.com/office/drawing/2010/main" xmlns="" w="9525">
+              <a14:hiddenLine xmlns:a14="http://schemas.microsoft.com/office/drawing/2010/main" w="9525">
                 <a:solidFill>
                   <a:schemeClr val="tx1"/>
                 </a:solidFill>
@@ -11143,7 +11144,7 @@
           <a:blip r:embed="rId10">
             <a:extLst>
               <a:ext uri="{28A0092B-C50C-407E-A947-70E740481C1C}">
-                <a14:useLocalDpi xmlns:a14="http://schemas.microsoft.com/office/drawing/2010/main" xmlns="" val="0"/>
+                <a14:useLocalDpi xmlns:a14="http://schemas.microsoft.com/office/drawing/2010/main" val="0"/>
               </a:ext>
             </a:extLst>
           </a:blip>
@@ -11166,14 +11167,14 @@
           </a:ln>
           <a:extLst>
             <a:ext uri="{909E8E84-426E-40DD-AFC4-6F175D3DCCD1}">
-              <a14:hiddenFill xmlns:a14="http://schemas.microsoft.com/office/drawing/2010/main" xmlns="">
+              <a14:hiddenFill xmlns:a14="http://schemas.microsoft.com/office/drawing/2010/main">
                 <a:solidFill>
                   <a:schemeClr val="accent1"/>
                 </a:solidFill>
               </a14:hiddenFill>
             </a:ext>
             <a:ext uri="{91240B29-F687-4F45-9708-019B960494DF}">
-              <a14:hiddenLine xmlns:a14="http://schemas.microsoft.com/office/drawing/2010/main" xmlns="" w="9525">
+              <a14:hiddenLine xmlns:a14="http://schemas.microsoft.com/office/drawing/2010/main" w="9525">
                 <a:solidFill>
                   <a:schemeClr val="tx1"/>
                 </a:solidFill>
@@ -11552,7 +11553,7 @@
     </p:spTree>
     <p:extLst>
       <p:ext uri="{BB962C8B-B14F-4D97-AF65-F5344CB8AC3E}">
-        <p14:creationId xmlns:p14="http://schemas.microsoft.com/office/powerpoint/2010/main" xmlns="" val="679051227"/>
+        <p14:creationId xmlns:p14="http://schemas.microsoft.com/office/powerpoint/2010/main" val="679051227"/>
       </p:ext>
     </p:extLst>
   </p:cSld>
@@ -11820,7 +11821,7 @@
           <a:blip r:embed="rId2">
             <a:extLst>
               <a:ext uri="{28A0092B-C50C-407E-A947-70E740481C1C}">
-                <a14:useLocalDpi xmlns:a14="http://schemas.microsoft.com/office/drawing/2010/main" xmlns="" val="0"/>
+                <a14:useLocalDpi xmlns:a14="http://schemas.microsoft.com/office/drawing/2010/main" val="0"/>
               </a:ext>
             </a:extLst>
           </a:blip>
@@ -11841,7 +11842,7 @@
     </p:spTree>
     <p:extLst>
       <p:ext uri="{BB962C8B-B14F-4D97-AF65-F5344CB8AC3E}">
-        <p14:creationId xmlns:p14="http://schemas.microsoft.com/office/powerpoint/2010/main" xmlns="" val="2120583856"/>
+        <p14:creationId xmlns:p14="http://schemas.microsoft.com/office/powerpoint/2010/main" val="2120583856"/>
       </p:ext>
     </p:extLst>
   </p:cSld>
@@ -12106,7 +12107,7 @@
           <a:blip r:embed="rId2">
             <a:extLst>
               <a:ext uri="{28A0092B-C50C-407E-A947-70E740481C1C}">
-                <a14:useLocalDpi xmlns:a14="http://schemas.microsoft.com/office/drawing/2010/main" xmlns="" val="0"/>
+                <a14:useLocalDpi xmlns:a14="http://schemas.microsoft.com/office/drawing/2010/main" val="0"/>
               </a:ext>
             </a:extLst>
           </a:blip>
@@ -12127,7 +12128,7 @@
     </p:spTree>
     <p:extLst>
       <p:ext uri="{BB962C8B-B14F-4D97-AF65-F5344CB8AC3E}">
-        <p14:creationId xmlns:p14="http://schemas.microsoft.com/office/powerpoint/2010/main" xmlns="" val="2709214063"/>
+        <p14:creationId xmlns:p14="http://schemas.microsoft.com/office/powerpoint/2010/main" val="2709214063"/>
       </p:ext>
     </p:extLst>
   </p:cSld>
@@ -12395,7 +12396,7 @@
           <a:blip r:embed="rId2">
             <a:extLst>
               <a:ext uri="{28A0092B-C50C-407E-A947-70E740481C1C}">
-                <a14:useLocalDpi xmlns:a14="http://schemas.microsoft.com/office/drawing/2010/main" xmlns="" val="0"/>
+                <a14:useLocalDpi xmlns:a14="http://schemas.microsoft.com/office/drawing/2010/main" val="0"/>
               </a:ext>
             </a:extLst>
           </a:blip>
@@ -12416,7 +12417,7 @@
     </p:spTree>
     <p:extLst>
       <p:ext uri="{BB962C8B-B14F-4D97-AF65-F5344CB8AC3E}">
-        <p14:creationId xmlns:p14="http://schemas.microsoft.com/office/powerpoint/2010/main" xmlns="" val="827144476"/>
+        <p14:creationId xmlns:p14="http://schemas.microsoft.com/office/powerpoint/2010/main" val="827144476"/>
       </p:ext>
     </p:extLst>
   </p:cSld>
@@ -12681,7 +12682,7 @@
           <a:blip r:embed="rId2">
             <a:extLst>
               <a:ext uri="{28A0092B-C50C-407E-A947-70E740481C1C}">
-                <a14:useLocalDpi xmlns:a14="http://schemas.microsoft.com/office/drawing/2010/main" xmlns="" val="0"/>
+                <a14:useLocalDpi xmlns:a14="http://schemas.microsoft.com/office/drawing/2010/main" val="0"/>
               </a:ext>
             </a:extLst>
           </a:blip>
@@ -12702,7 +12703,7 @@
     </p:spTree>
     <p:extLst>
       <p:ext uri="{BB962C8B-B14F-4D97-AF65-F5344CB8AC3E}">
-        <p14:creationId xmlns:p14="http://schemas.microsoft.com/office/powerpoint/2010/main" xmlns="" val="1639138134"/>
+        <p14:creationId xmlns:p14="http://schemas.microsoft.com/office/powerpoint/2010/main" val="1639138134"/>
       </p:ext>
     </p:extLst>
   </p:cSld>
@@ -13036,7 +13037,7 @@
     </p:spTree>
     <p:extLst>
       <p:ext uri="{BB962C8B-B14F-4D97-AF65-F5344CB8AC3E}">
-        <p14:creationId xmlns:p14="http://schemas.microsoft.com/office/powerpoint/2010/main" xmlns="" val="988336475"/>
+        <p14:creationId xmlns:p14="http://schemas.microsoft.com/office/powerpoint/2010/main" val="988336475"/>
       </p:ext>
     </p:extLst>
   </p:cSld>
@@ -13307,7 +13308,7 @@
           <a:blip r:embed="rId2">
             <a:extLst>
               <a:ext uri="{28A0092B-C50C-407E-A947-70E740481C1C}">
-                <a14:useLocalDpi xmlns:a14="http://schemas.microsoft.com/office/drawing/2010/main" xmlns="" val="0"/>
+                <a14:useLocalDpi xmlns:a14="http://schemas.microsoft.com/office/drawing/2010/main" val="0"/>
               </a:ext>
             </a:extLst>
           </a:blip>
@@ -13328,7 +13329,7 @@
     </p:spTree>
     <p:extLst>
       <p:ext uri="{BB962C8B-B14F-4D97-AF65-F5344CB8AC3E}">
-        <p14:creationId xmlns:p14="http://schemas.microsoft.com/office/powerpoint/2010/main" xmlns="" val="3417772058"/>
+        <p14:creationId xmlns:p14="http://schemas.microsoft.com/office/powerpoint/2010/main" val="3417772058"/>
       </p:ext>
     </p:extLst>
   </p:cSld>
@@ -13593,7 +13594,7 @@
           <a:blip r:embed="rId2">
             <a:extLst>
               <a:ext uri="{28A0092B-C50C-407E-A947-70E740481C1C}">
-                <a14:useLocalDpi xmlns:a14="http://schemas.microsoft.com/office/drawing/2010/main" xmlns="" val="0"/>
+                <a14:useLocalDpi xmlns:a14="http://schemas.microsoft.com/office/drawing/2010/main" val="0"/>
               </a:ext>
             </a:extLst>
           </a:blip>
@@ -13614,7 +13615,7 @@
     </p:spTree>
     <p:extLst>
       <p:ext uri="{BB962C8B-B14F-4D97-AF65-F5344CB8AC3E}">
-        <p14:creationId xmlns:p14="http://schemas.microsoft.com/office/powerpoint/2010/main" xmlns="" val="1589806917"/>
+        <p14:creationId xmlns:p14="http://schemas.microsoft.com/office/powerpoint/2010/main" val="1589806917"/>
       </p:ext>
     </p:extLst>
   </p:cSld>
@@ -13885,7 +13886,7 @@
           <a:blip r:embed="rId2">
             <a:extLst>
               <a:ext uri="{28A0092B-C50C-407E-A947-70E740481C1C}">
-                <a14:useLocalDpi xmlns:a14="http://schemas.microsoft.com/office/drawing/2010/main" xmlns="" val="0"/>
+                <a14:useLocalDpi xmlns:a14="http://schemas.microsoft.com/office/drawing/2010/main" val="0"/>
               </a:ext>
             </a:extLst>
           </a:blip>
@@ -13906,7 +13907,7 @@
     </p:spTree>
     <p:extLst>
       <p:ext uri="{BB962C8B-B14F-4D97-AF65-F5344CB8AC3E}">
-        <p14:creationId xmlns:p14="http://schemas.microsoft.com/office/powerpoint/2010/main" xmlns="" val="2651481833"/>
+        <p14:creationId xmlns:p14="http://schemas.microsoft.com/office/powerpoint/2010/main" val="2651481833"/>
       </p:ext>
     </p:extLst>
   </p:cSld>
@@ -14178,7 +14179,7 @@
     </p:spTree>
     <p:extLst>
       <p:ext uri="{BB962C8B-B14F-4D97-AF65-F5344CB8AC3E}">
-        <p14:creationId xmlns:p14="http://schemas.microsoft.com/office/powerpoint/2010/main" xmlns="" val="2651481833"/>
+        <p14:creationId xmlns:p14="http://schemas.microsoft.com/office/powerpoint/2010/main" val="2651481833"/>
       </p:ext>
     </p:extLst>
   </p:cSld>
@@ -14510,7 +14511,7 @@
     </p:spTree>
     <p:extLst>
       <p:ext uri="{BB962C8B-B14F-4D97-AF65-F5344CB8AC3E}">
-        <p14:creationId xmlns:p14="http://schemas.microsoft.com/office/powerpoint/2010/main" xmlns="" val="2651481833"/>
+        <p14:creationId xmlns:p14="http://schemas.microsoft.com/office/powerpoint/2010/main" val="2651481833"/>
       </p:ext>
     </p:extLst>
   </p:cSld>
@@ -14878,7 +14879,7 @@
     </p:spTree>
     <p:extLst>
       <p:ext uri="{BB962C8B-B14F-4D97-AF65-F5344CB8AC3E}">
-        <p14:creationId xmlns:p14="http://schemas.microsoft.com/office/powerpoint/2010/main" xmlns="" val="2651481833"/>
+        <p14:creationId xmlns:p14="http://schemas.microsoft.com/office/powerpoint/2010/main" val="2651481833"/>
       </p:ext>
     </p:extLst>
   </p:cSld>
@@ -15294,7 +15295,7 @@
     </p:spTree>
     <p:extLst>
       <p:ext uri="{BB962C8B-B14F-4D97-AF65-F5344CB8AC3E}">
-        <p14:creationId xmlns:p14="http://schemas.microsoft.com/office/powerpoint/2010/main" xmlns="" val="2651481833"/>
+        <p14:creationId xmlns:p14="http://schemas.microsoft.com/office/powerpoint/2010/main" val="2651481833"/>
       </p:ext>
     </p:extLst>
   </p:cSld>
@@ -15710,7 +15711,7 @@
     </p:spTree>
     <p:extLst>
       <p:ext uri="{BB962C8B-B14F-4D97-AF65-F5344CB8AC3E}">
-        <p14:creationId xmlns:p14="http://schemas.microsoft.com/office/powerpoint/2010/main" xmlns="" val="2651481833"/>
+        <p14:creationId xmlns:p14="http://schemas.microsoft.com/office/powerpoint/2010/main" val="2651481833"/>
       </p:ext>
     </p:extLst>
   </p:cSld>
@@ -16006,7 +16007,7 @@
     </p:spTree>
     <p:extLst>
       <p:ext uri="{BB962C8B-B14F-4D97-AF65-F5344CB8AC3E}">
-        <p14:creationId xmlns:p14="http://schemas.microsoft.com/office/powerpoint/2010/main" xmlns="" val="2651481833"/>
+        <p14:creationId xmlns:p14="http://schemas.microsoft.com/office/powerpoint/2010/main" val="2651481833"/>
       </p:ext>
     </p:extLst>
   </p:cSld>
@@ -16310,7 +16311,7 @@
     </p:spTree>
     <p:extLst>
       <p:ext uri="{BB962C8B-B14F-4D97-AF65-F5344CB8AC3E}">
-        <p14:creationId xmlns:p14="http://schemas.microsoft.com/office/powerpoint/2010/main" xmlns="" val="2397563801"/>
+        <p14:creationId xmlns:p14="http://schemas.microsoft.com/office/powerpoint/2010/main" val="2397563801"/>
       </p:ext>
     </p:extLst>
   </p:cSld>
@@ -16646,7 +16647,7 @@
           <a:blip r:embed="rId2">
             <a:extLst>
               <a:ext uri="{28A0092B-C50C-407E-A947-70E740481C1C}">
-                <a14:useLocalDpi xmlns:a14="http://schemas.microsoft.com/office/drawing/2010/main" xmlns="" val="0"/>
+                <a14:useLocalDpi xmlns:a14="http://schemas.microsoft.com/office/drawing/2010/main" val="0"/>
               </a:ext>
             </a:extLst>
           </a:blip>
@@ -16667,7 +16668,7 @@
     </p:spTree>
     <p:extLst>
       <p:ext uri="{BB962C8B-B14F-4D97-AF65-F5344CB8AC3E}">
-        <p14:creationId xmlns:p14="http://schemas.microsoft.com/office/powerpoint/2010/main" xmlns="" val="2751428412"/>
+        <p14:creationId xmlns:p14="http://schemas.microsoft.com/office/powerpoint/2010/main" val="2751428412"/>
       </p:ext>
     </p:extLst>
   </p:cSld>
@@ -16929,7 +16930,7 @@
     </p:spTree>
     <p:extLst>
       <p:ext uri="{BB962C8B-B14F-4D97-AF65-F5344CB8AC3E}">
-        <p14:creationId xmlns:p14="http://schemas.microsoft.com/office/powerpoint/2010/main" xmlns="" val="276278653"/>
+        <p14:creationId xmlns:p14="http://schemas.microsoft.com/office/powerpoint/2010/main" val="276278653"/>
       </p:ext>
     </p:extLst>
   </p:cSld>
@@ -17213,7 +17214,7 @@
     </p:spTree>
     <p:extLst>
       <p:ext uri="{BB962C8B-B14F-4D97-AF65-F5344CB8AC3E}">
-        <p14:creationId xmlns:p14="http://schemas.microsoft.com/office/powerpoint/2010/main" xmlns="" val="858613737"/>
+        <p14:creationId xmlns:p14="http://schemas.microsoft.com/office/powerpoint/2010/main" val="858613737"/>
       </p:ext>
     </p:extLst>
   </p:cSld>
@@ -17514,7 +17515,7 @@
     </p:spTree>
     <p:extLst>
       <p:ext uri="{BB962C8B-B14F-4D97-AF65-F5344CB8AC3E}">
-        <p14:creationId xmlns:p14="http://schemas.microsoft.com/office/powerpoint/2010/main" xmlns="" val="2427758692"/>
+        <p14:creationId xmlns:p14="http://schemas.microsoft.com/office/powerpoint/2010/main" val="2427758692"/>
       </p:ext>
     </p:extLst>
   </p:cSld>
@@ -17941,7 +17942,7 @@
     </p:spTree>
     <p:extLst>
       <p:ext uri="{BB962C8B-B14F-4D97-AF65-F5344CB8AC3E}">
-        <p14:creationId xmlns:p14="http://schemas.microsoft.com/office/powerpoint/2010/main" xmlns="" val="1897610653"/>
+        <p14:creationId xmlns:p14="http://schemas.microsoft.com/office/powerpoint/2010/main" val="1897610653"/>
       </p:ext>
     </p:extLst>
   </p:cSld>
@@ -18269,7 +18270,7 @@
           <a:blip r:embed="rId2">
             <a:extLst>
               <a:ext uri="{28A0092B-C50C-407E-A947-70E740481C1C}">
-                <a14:useLocalDpi xmlns:a14="http://schemas.microsoft.com/office/drawing/2010/main" xmlns="" val="0"/>
+                <a14:useLocalDpi xmlns:a14="http://schemas.microsoft.com/office/drawing/2010/main" val="0"/>
               </a:ext>
             </a:extLst>
           </a:blip>
@@ -18290,7 +18291,7 @@
     </p:spTree>
     <p:extLst>
       <p:ext uri="{BB962C8B-B14F-4D97-AF65-F5344CB8AC3E}">
-        <p14:creationId xmlns:p14="http://schemas.microsoft.com/office/powerpoint/2010/main" xmlns="" val="2863558378"/>
+        <p14:creationId xmlns:p14="http://schemas.microsoft.com/office/powerpoint/2010/main" val="2863558378"/>
       </p:ext>
     </p:extLst>
   </p:cSld>
@@ -18624,7 +18625,7 @@
           <a:blip r:embed="rId2">
             <a:extLst>
               <a:ext uri="{28A0092B-C50C-407E-A947-70E740481C1C}">
-                <a14:useLocalDpi xmlns:a14="http://schemas.microsoft.com/office/drawing/2010/main" xmlns="" val="0"/>
+                <a14:useLocalDpi xmlns:a14="http://schemas.microsoft.com/office/drawing/2010/main" val="0"/>
               </a:ext>
             </a:extLst>
           </a:blip>
@@ -18654,7 +18655,7 @@
           <a:blip r:embed="rId3">
             <a:extLst>
               <a:ext uri="{28A0092B-C50C-407E-A947-70E740481C1C}">
-                <a14:useLocalDpi xmlns:a14="http://schemas.microsoft.com/office/drawing/2010/main" xmlns="" val="0"/>
+                <a14:useLocalDpi xmlns:a14="http://schemas.microsoft.com/office/drawing/2010/main" val="0"/>
               </a:ext>
             </a:extLst>
           </a:blip>
@@ -18675,7 +18676,7 @@
     </p:spTree>
     <p:extLst>
       <p:ext uri="{BB962C8B-B14F-4D97-AF65-F5344CB8AC3E}">
-        <p14:creationId xmlns:p14="http://schemas.microsoft.com/office/powerpoint/2010/main" xmlns="" val="3703899041"/>
+        <p14:creationId xmlns:p14="http://schemas.microsoft.com/office/powerpoint/2010/main" val="3703899041"/>
       </p:ext>
     </p:extLst>
   </p:cSld>
@@ -19000,7 +19001,7 @@
           <a:blip r:embed="rId2">
             <a:extLst>
               <a:ext uri="{28A0092B-C50C-407E-A947-70E740481C1C}">
-                <a14:useLocalDpi xmlns:a14="http://schemas.microsoft.com/office/drawing/2010/main" xmlns="" val="0"/>
+                <a14:useLocalDpi xmlns:a14="http://schemas.microsoft.com/office/drawing/2010/main" val="0"/>
               </a:ext>
             </a:extLst>
           </a:blip>
@@ -19021,7 +19022,7 @@
     </p:spTree>
     <p:extLst>
       <p:ext uri="{BB962C8B-B14F-4D97-AF65-F5344CB8AC3E}">
-        <p14:creationId xmlns:p14="http://schemas.microsoft.com/office/powerpoint/2010/main" xmlns="" val="3703899041"/>
+        <p14:creationId xmlns:p14="http://schemas.microsoft.com/office/powerpoint/2010/main" val="3703899041"/>
       </p:ext>
     </p:extLst>
   </p:cSld>

--- a/trunk/Prezentace/prezentace.pptx
+++ b/trunk/Prezentace/prezentace.pptx
@@ -6365,41 +6365,36 @@
           </a:p>
         </p:txBody>
       </p:sp>
-      <p:sp>
-        <p:nvSpPr>
-          <p:cNvPr id="6" name="TextovéPole 5"/>
-          <p:cNvSpPr txBox="1"/>
+      <p:pic>
+        <p:nvPicPr>
+          <p:cNvPr id="3" name="Obrázek 2"/>
+          <p:cNvPicPr>
+            <a:picLocks noChangeAspect="1"/>
+          </p:cNvPicPr>
           <p:nvPr/>
-        </p:nvSpPr>
+        </p:nvPicPr>
+        <p:blipFill>
+          <a:blip r:embed="rId2">
+            <a:extLst>
+              <a:ext uri="{28A0092B-C50C-407E-A947-70E740481C1C}">
+                <a14:useLocalDpi xmlns:a14="http://schemas.microsoft.com/office/drawing/2010/main" val="0"/>
+              </a:ext>
+            </a:extLst>
+          </a:blip>
+          <a:stretch>
+            <a:fillRect/>
+          </a:stretch>
+        </p:blipFill>
         <p:spPr>
           <a:xfrm>
-            <a:off x="971600" y="3429000"/>
-            <a:ext cx="6192688" cy="1169551"/>
+            <a:off x="2421066" y="2942027"/>
+            <a:ext cx="4419600" cy="3751521"/>
           </a:xfrm>
           <a:prstGeom prst="rect">
             <a:avLst/>
           </a:prstGeom>
-          <a:noFill/>
         </p:spPr>
-        <p:txBody>
-          <a:bodyPr wrap="square" rtlCol="0">
-            <a:spAutoFit/>
-          </a:bodyPr>
-          <a:lstStyle/>
-          <a:p>
-            <a:pPr algn="ctr"/>
-            <a:r>
-              <a:rPr lang="cs-CZ" sz="3500" dirty="0" smtClean="0">
-                <a:latin typeface="Calibri" panose="020F0502020204030204" pitchFamily="34" charset="0"/>
-              </a:rPr>
-              <a:t>Více informací bude uvedeno později v této prezentaci.</a:t>
-            </a:r>
-            <a:endParaRPr lang="cs-CZ" sz="3500" dirty="0">
-              <a:latin typeface="Calibri" panose="020F0502020204030204" pitchFamily="34" charset="0"/>
-            </a:endParaRPr>
-          </a:p>
-        </p:txBody>
-      </p:sp>
+      </p:pic>
     </p:spTree>
     <p:extLst>
       <p:ext uri="{BB962C8B-B14F-4D97-AF65-F5344CB8AC3E}">
@@ -6719,56 +6714,6 @@
           </a:p>
         </p:txBody>
       </p:sp>
-      <p:sp>
-        <p:nvSpPr>
-          <p:cNvPr id="8" name="TextovéPole 7"/>
-          <p:cNvSpPr txBox="1"/>
-          <p:nvPr/>
-        </p:nvSpPr>
-        <p:spPr>
-          <a:xfrm>
-            <a:off x="5796136" y="3717032"/>
-            <a:ext cx="2160240" cy="923330"/>
-          </a:xfrm>
-          <a:prstGeom prst="rect">
-            <a:avLst/>
-          </a:prstGeom>
-          <a:noFill/>
-        </p:spPr>
-        <p:txBody>
-          <a:bodyPr wrap="square" rtlCol="0">
-            <a:spAutoFit/>
-          </a:bodyPr>
-          <a:lstStyle/>
-          <a:p>
-            <a:r>
-              <a:rPr lang="cs-CZ" dirty="0" smtClean="0"/>
-              <a:t>Až bude v </a:t>
-            </a:r>
-            <a:r>
-              <a:rPr lang="cs-CZ" dirty="0" err="1" smtClean="0"/>
-              <a:t>Drivu</a:t>
-            </a:r>
-            <a:r>
-              <a:rPr lang="cs-CZ" dirty="0" smtClean="0"/>
-              <a:t> </a:t>
-            </a:r>
-            <a:r>
-              <a:rPr lang="cs-CZ" dirty="0" err="1" smtClean="0"/>
-              <a:t>hodne</a:t>
-            </a:r>
-            <a:r>
-              <a:rPr lang="cs-CZ" dirty="0" smtClean="0"/>
-              <a:t> souboru, tak to sem dam </a:t>
-            </a:r>
-            <a:r>
-              <a:rPr lang="cs-CZ" dirty="0" err="1" smtClean="0"/>
-              <a:t>screen</a:t>
-            </a:r>
-            <a:endParaRPr lang="cs-CZ" dirty="0"/>
-          </a:p>
-        </p:txBody>
-      </p:sp>
       <p:pic>
         <p:nvPicPr>
           <p:cNvPr id="10" name="Obrázek 9"/>
@@ -6793,6 +6738,36 @@
           <a:xfrm>
             <a:off x="404455" y="3284984"/>
             <a:ext cx="3159434" cy="1982058"/>
+          </a:xfrm>
+          <a:prstGeom prst="rect">
+            <a:avLst/>
+          </a:prstGeom>
+        </p:spPr>
+      </p:pic>
+      <p:pic>
+        <p:nvPicPr>
+          <p:cNvPr id="3" name="Obrázek 2"/>
+          <p:cNvPicPr>
+            <a:picLocks noChangeAspect="1"/>
+          </p:cNvPicPr>
+          <p:nvPr/>
+        </p:nvPicPr>
+        <p:blipFill>
+          <a:blip r:embed="rId3" cstate="print">
+            <a:extLst>
+              <a:ext uri="{28A0092B-C50C-407E-A947-70E740481C1C}">
+                <a14:useLocalDpi xmlns:a14="http://schemas.microsoft.com/office/drawing/2010/main" val="0"/>
+              </a:ext>
+            </a:extLst>
+          </a:blip>
+          <a:stretch>
+            <a:fillRect/>
+          </a:stretch>
+        </p:blipFill>
+        <p:spPr>
+          <a:xfrm>
+            <a:off x="4038600" y="3278057"/>
+            <a:ext cx="4987236" cy="1982058"/>
           </a:xfrm>
           <a:prstGeom prst="rect">
             <a:avLst/>

--- a/trunk/Prezentace/prezentace.pptx
+++ b/trunk/Prezentace/prezentace.pptx
@@ -284,7 +284,7 @@
             <a:fld id="{31BF6E1E-04D7-4B34-B86A-7630D8DD86DC}" type="datetimeFigureOut">
               <a:rPr lang="cs-CZ" smtClean="0"/>
               <a:pPr/>
-              <a:t>28.5.2014</a:t>
+              <a:t>29.5.2014</a:t>
             </a:fld>
             <a:endParaRPr lang="cs-CZ"/>
           </a:p>
@@ -746,7 +746,7 @@
             <a:fld id="{05E52907-2D03-4438-A321-7E307A5A68DD}" type="datetimeFigureOut">
               <a:rPr lang="cs-CZ" smtClean="0"/>
               <a:pPr/>
-              <a:t>28.5.2014</a:t>
+              <a:t>29.5.2014</a:t>
             </a:fld>
             <a:endParaRPr lang="cs-CZ"/>
           </a:p>
@@ -913,7 +913,7 @@
             <a:fld id="{05E52907-2D03-4438-A321-7E307A5A68DD}" type="datetimeFigureOut">
               <a:rPr lang="cs-CZ" smtClean="0"/>
               <a:pPr/>
-              <a:t>28.5.2014</a:t>
+              <a:t>29.5.2014</a:t>
             </a:fld>
             <a:endParaRPr lang="cs-CZ"/>
           </a:p>
@@ -1090,7 +1090,7 @@
             <a:fld id="{05E52907-2D03-4438-A321-7E307A5A68DD}" type="datetimeFigureOut">
               <a:rPr lang="cs-CZ" smtClean="0"/>
               <a:pPr/>
-              <a:t>28.5.2014</a:t>
+              <a:t>29.5.2014</a:t>
             </a:fld>
             <a:endParaRPr lang="cs-CZ"/>
           </a:p>
@@ -1275,7 +1275,7 @@
             <a:fld id="{05E52907-2D03-4438-A321-7E307A5A68DD}" type="datetimeFigureOut">
               <a:rPr lang="cs-CZ" smtClean="0"/>
               <a:pPr/>
-              <a:t>28.5.2014</a:t>
+              <a:t>29.5.2014</a:t>
             </a:fld>
             <a:endParaRPr lang="cs-CZ"/>
           </a:p>
@@ -1539,7 +1539,7 @@
             <a:fld id="{05E52907-2D03-4438-A321-7E307A5A68DD}" type="datetimeFigureOut">
               <a:rPr lang="cs-CZ" smtClean="0"/>
               <a:pPr/>
-              <a:t>28.5.2014</a:t>
+              <a:t>29.5.2014</a:t>
             </a:fld>
             <a:endParaRPr lang="cs-CZ"/>
           </a:p>
@@ -1889,7 +1889,7 @@
             <a:fld id="{05E52907-2D03-4438-A321-7E307A5A68DD}" type="datetimeFigureOut">
               <a:rPr lang="cs-CZ" smtClean="0"/>
               <a:pPr/>
-              <a:t>28.5.2014</a:t>
+              <a:t>29.5.2014</a:t>
             </a:fld>
             <a:endParaRPr lang="cs-CZ"/>
           </a:p>
@@ -2199,7 +2199,7 @@
             <a:fld id="{05E52907-2D03-4438-A321-7E307A5A68DD}" type="datetimeFigureOut">
               <a:rPr lang="cs-CZ" smtClean="0"/>
               <a:pPr/>
-              <a:t>28.5.2014</a:t>
+              <a:t>29.5.2014</a:t>
             </a:fld>
             <a:endParaRPr lang="cs-CZ"/>
           </a:p>
@@ -2428,7 +2428,7 @@
             <a:fld id="{05E52907-2D03-4438-A321-7E307A5A68DD}" type="datetimeFigureOut">
               <a:rPr lang="cs-CZ" smtClean="0"/>
               <a:pPr/>
-              <a:t>28.5.2014</a:t>
+              <a:t>29.5.2014</a:t>
             </a:fld>
             <a:endParaRPr lang="cs-CZ"/>
           </a:p>
@@ -2520,7 +2520,7 @@
             <a:fld id="{05E52907-2D03-4438-A321-7E307A5A68DD}" type="datetimeFigureOut">
               <a:rPr lang="cs-CZ" smtClean="0"/>
               <a:pPr/>
-              <a:t>28.5.2014</a:t>
+              <a:t>29.5.2014</a:t>
             </a:fld>
             <a:endParaRPr lang="cs-CZ"/>
           </a:p>
@@ -2810,7 +2810,7 @@
             <a:fld id="{05E52907-2D03-4438-A321-7E307A5A68DD}" type="datetimeFigureOut">
               <a:rPr lang="cs-CZ" smtClean="0"/>
               <a:pPr/>
-              <a:t>28.5.2014</a:t>
+              <a:t>29.5.2014</a:t>
             </a:fld>
             <a:endParaRPr lang="cs-CZ"/>
           </a:p>
@@ -3081,7 +3081,7 @@
             <a:fld id="{05E52907-2D03-4438-A321-7E307A5A68DD}" type="datetimeFigureOut">
               <a:rPr lang="cs-CZ" smtClean="0"/>
               <a:pPr/>
-              <a:t>28.5.2014</a:t>
+              <a:t>29.5.2014</a:t>
             </a:fld>
             <a:endParaRPr lang="cs-CZ"/>
           </a:p>
@@ -3293,7 +3293,7 @@
             <a:fld id="{05E52907-2D03-4438-A321-7E307A5A68DD}" type="datetimeFigureOut">
               <a:rPr lang="cs-CZ" smtClean="0"/>
               <a:pPr/>
-              <a:t>28.5.2014</a:t>
+              <a:t>29.5.2014</a:t>
             </a:fld>
             <a:endParaRPr lang="cs-CZ"/>
           </a:p>
@@ -11806,12 +11806,66 @@
         </p:blipFill>
         <p:spPr>
           <a:xfrm>
-            <a:off x="1413410" y="2982355"/>
+            <a:off x="533400" y="2982355"/>
             <a:ext cx="6413386" cy="3759014"/>
           </a:xfrm>
           <a:prstGeom prst="rect">
             <a:avLst/>
           </a:prstGeom>
+        </p:spPr>
+      </p:pic>
+      <p:pic>
+        <p:nvPicPr>
+          <p:cNvPr id="3074" name="Picture 2"/>
+          <p:cNvPicPr>
+            <a:picLocks noChangeAspect="1" noChangeArrowheads="1"/>
+          </p:cNvPicPr>
+          <p:nvPr/>
+        </p:nvPicPr>
+        <p:blipFill>
+          <a:blip r:embed="rId3">
+            <a:extLst>
+              <a:ext uri="{28A0092B-C50C-407E-A947-70E740481C1C}">
+                <a14:useLocalDpi xmlns:a14="http://schemas.microsoft.com/office/drawing/2010/main" val="0"/>
+              </a:ext>
+            </a:extLst>
+          </a:blip>
+          <a:srcRect/>
+          <a:stretch>
+            <a:fillRect/>
+          </a:stretch>
+        </p:blipFill>
+        <p:spPr bwMode="auto">
+          <a:xfrm>
+            <a:off x="6172200" y="3400207"/>
+            <a:ext cx="2371725" cy="1809750"/>
+          </a:xfrm>
+          <a:prstGeom prst="rect">
+            <a:avLst/>
+          </a:prstGeom>
+          <a:noFill/>
+          <a:ln>
+            <a:noFill/>
+          </a:ln>
+          <a:extLst>
+            <a:ext uri="{909E8E84-426E-40DD-AFC4-6F175D3DCCD1}">
+              <a14:hiddenFill xmlns:a14="http://schemas.microsoft.com/office/drawing/2010/main">
+                <a:solidFill>
+                  <a:schemeClr val="accent1"/>
+                </a:solidFill>
+              </a14:hiddenFill>
+            </a:ext>
+            <a:ext uri="{91240B29-F687-4F45-9708-019B960494DF}">
+              <a14:hiddenLine xmlns:a14="http://schemas.microsoft.com/office/drawing/2010/main" w="9525">
+                <a:solidFill>
+                  <a:schemeClr val="tx1"/>
+                </a:solidFill>
+                <a:miter lim="800000"/>
+                <a:headEnd/>
+                <a:tailEnd/>
+              </a14:hiddenLine>
+            </a:ext>
+          </a:extLst>
         </p:spPr>
       </p:pic>
     </p:spTree>
@@ -13559,9 +13613,9 @@
       </p:sp>
       <p:pic>
         <p:nvPicPr>
-          <p:cNvPr id="3" name="Obrázek 2"/>
+          <p:cNvPr id="2052" name="Picture 4"/>
           <p:cNvPicPr>
-            <a:picLocks noChangeAspect="1"/>
+            <a:picLocks noChangeAspect="1" noChangeArrowheads="1"/>
           </p:cNvPicPr>
           <p:nvPr/>
         </p:nvPicPr>
@@ -13573,18 +13627,42 @@
               </a:ext>
             </a:extLst>
           </a:blip>
+          <a:srcRect/>
           <a:stretch>
             <a:fillRect/>
           </a:stretch>
         </p:blipFill>
-        <p:spPr>
+        <p:spPr bwMode="auto">
           <a:xfrm>
-            <a:off x="2339752" y="2946678"/>
-            <a:ext cx="4335152" cy="3790296"/>
+            <a:off x="2549653" y="2977996"/>
+            <a:ext cx="4162425" cy="3562350"/>
           </a:xfrm>
           <a:prstGeom prst="rect">
             <a:avLst/>
           </a:prstGeom>
+          <a:noFill/>
+          <a:ln>
+            <a:noFill/>
+          </a:ln>
+          <a:extLst>
+            <a:ext uri="{909E8E84-426E-40DD-AFC4-6F175D3DCCD1}">
+              <a14:hiddenFill xmlns:a14="http://schemas.microsoft.com/office/drawing/2010/main">
+                <a:solidFill>
+                  <a:schemeClr val="accent1"/>
+                </a:solidFill>
+              </a14:hiddenFill>
+            </a:ext>
+            <a:ext uri="{91240B29-F687-4F45-9708-019B960494DF}">
+              <a14:hiddenLine xmlns:a14="http://schemas.microsoft.com/office/drawing/2010/main" w="9525">
+                <a:solidFill>
+                  <a:schemeClr val="tx1"/>
+                </a:solidFill>
+                <a:miter lim="800000"/>
+                <a:headEnd/>
+                <a:tailEnd/>
+              </a14:hiddenLine>
+            </a:ext>
+          </a:extLst>
         </p:spPr>
       </p:pic>
     </p:spTree>
@@ -16516,7 +16594,7 @@
         <p:spPr>
           <a:xfrm>
             <a:off x="683568" y="2708920"/>
-            <a:ext cx="7632848" cy="3785652"/>
+            <a:ext cx="7632848" cy="3323987"/>
           </a:xfrm>
           <a:prstGeom prst="rect">
             <a:avLst/>
@@ -16549,7 +16627,13 @@
               <a:rPr lang="cs-CZ" sz="3000" dirty="0" smtClean="0">
                 <a:latin typeface="Calibri" panose="020F0502020204030204" pitchFamily="34" charset="0"/>
               </a:rPr>
-              <a:t>Název projektu v anglickém jazyce a zároveň název aplikace</a:t>
+              <a:t>Název </a:t>
+            </a:r>
+            <a:r>
+              <a:rPr lang="en-US" sz="3000" dirty="0" err="1" smtClean="0">
+                <a:latin typeface="Calibri" panose="020F0502020204030204" pitchFamily="34" charset="0"/>
+              </a:rPr>
+              <a:t>aplikace</a:t>
             </a:r>
             <a:r>
               <a:rPr lang="en-US" sz="3000" dirty="0" smtClean="0">
@@ -17966,7 +18050,9 @@
           <a:bodyPr/>
           <a:lstStyle/>
           <a:p>
-            <a:endParaRPr lang="cs-CZ" dirty="0"/>
+            <a:endParaRPr lang="cs-CZ" dirty="0">
+              <a:latin typeface="Calibri" panose="020F0502020204030204" pitchFamily="34" charset="0"/>
+            </a:endParaRPr>
           </a:p>
         </p:txBody>
       </p:sp>
@@ -17989,7 +18075,7 @@
         </p:spPr>
         <p:txBody>
           <a:bodyPr vert="horz" lIns="91440" tIns="45720" rIns="91440" bIns="45720" rtlCol="0" anchor="b">
-            <a:normAutofit fontScale="77500" lnSpcReduction="20000"/>
+            <a:normAutofit/>
           </a:bodyPr>
           <a:lstStyle>
             <a:lvl1pPr algn="ctr" defTabSz="914400" rtl="0" eaLnBrk="1" latinLnBrk="0" hangingPunct="1">
@@ -18072,7 +18158,7 @@
                     </a:prstClr>
                   </a:outerShdw>
                 </a:effectLst>
-                <a:latin typeface="Verdana" panose="020B0604030504040204" pitchFamily="34" charset="0"/>
+                <a:latin typeface="Calibri" panose="020F0502020204030204" pitchFamily="34" charset="0"/>
                 <a:ea typeface="Verdana" panose="020B0604030504040204" pitchFamily="34" charset="0"/>
                 <a:cs typeface="Verdana" panose="020B0604030504040204" pitchFamily="34" charset="0"/>
               </a:rPr>
@@ -18132,7 +18218,7 @@
                     </a:prstClr>
                   </a:outerShdw>
                 </a:effectLst>
-                <a:latin typeface="Verdana" panose="020B0604030504040204" pitchFamily="34" charset="0"/>
+                <a:latin typeface="Calibri" panose="020F0502020204030204" pitchFamily="34" charset="0"/>
                 <a:ea typeface="Verdana" panose="020B0604030504040204" pitchFamily="34" charset="0"/>
                 <a:cs typeface="Verdana" panose="020B0604030504040204" pitchFamily="34" charset="0"/>
               </a:rPr>
@@ -18191,7 +18277,7 @@
                   </a:prstClr>
                 </a:outerShdw>
               </a:effectLst>
-              <a:latin typeface="Verdana" panose="020B0604030504040204" pitchFamily="34" charset="0"/>
+              <a:latin typeface="Calibri" panose="020F0502020204030204" pitchFamily="34" charset="0"/>
               <a:ea typeface="Verdana" panose="020B0604030504040204" pitchFamily="34" charset="0"/>
               <a:cs typeface="Verdana" panose="020B0604030504040204" pitchFamily="34" charset="0"/>
             </a:endParaRPr>
@@ -18255,7 +18341,7 @@
         </p:blipFill>
         <p:spPr>
           <a:xfrm>
-            <a:off x="1018812" y="3501008"/>
+            <a:off x="1018812" y="3210654"/>
             <a:ext cx="7596336" cy="2590690"/>
           </a:xfrm>
           <a:prstGeom prst="rect">
@@ -18263,6 +18349,52 @@
           </a:prstGeom>
         </p:spPr>
       </p:pic>
+      <p:sp>
+        <p:nvSpPr>
+          <p:cNvPr id="5" name="TextovéPole 4"/>
+          <p:cNvSpPr txBox="1"/>
+          <p:nvPr/>
+        </p:nvSpPr>
+        <p:spPr>
+          <a:xfrm>
+            <a:off x="1018812" y="5943600"/>
+            <a:ext cx="3462924" cy="553998"/>
+          </a:xfrm>
+          <a:prstGeom prst="rect">
+            <a:avLst/>
+          </a:prstGeom>
+          <a:noFill/>
+        </p:spPr>
+        <p:txBody>
+          <a:bodyPr wrap="square" rtlCol="0">
+            <a:spAutoFit/>
+          </a:bodyPr>
+          <a:lstStyle/>
+          <a:p>
+            <a:r>
+              <a:rPr lang="cs-CZ" sz="3000" dirty="0" err="1" smtClean="0">
+                <a:latin typeface="Calibri" panose="020F0502020204030204" pitchFamily="34" charset="0"/>
+              </a:rPr>
+              <a:t>Tortois</a:t>
+            </a:r>
+            <a:r>
+              <a:rPr lang="en-US" sz="3000" dirty="0" smtClean="0">
+                <a:latin typeface="Calibri" panose="020F0502020204030204" pitchFamily="34" charset="0"/>
+              </a:rPr>
+              <a:t>e</a:t>
+            </a:r>
+            <a:r>
+              <a:rPr lang="cs-CZ" sz="3000" dirty="0" smtClean="0">
+                <a:latin typeface="Calibri" panose="020F0502020204030204" pitchFamily="34" charset="0"/>
+              </a:rPr>
+              <a:t>SVN</a:t>
+            </a:r>
+            <a:endParaRPr lang="cs-CZ" sz="3000" dirty="0">
+              <a:latin typeface="Calibri" panose="020F0502020204030204" pitchFamily="34" charset="0"/>
+            </a:endParaRPr>
+          </a:p>
+        </p:txBody>
+      </p:sp>
     </p:spTree>
     <p:extLst>
       <p:ext uri="{BB962C8B-B14F-4D97-AF65-F5344CB8AC3E}">
@@ -18966,9 +19098,9 @@
       </p:sp>
       <p:pic>
         <p:nvPicPr>
-          <p:cNvPr id="3" name="Obrázek 2"/>
+          <p:cNvPr id="4099" name="Picture 3"/>
           <p:cNvPicPr>
-            <a:picLocks noChangeAspect="1"/>
+            <a:picLocks noChangeAspect="1" noChangeArrowheads="1"/>
           </p:cNvPicPr>
           <p:nvPr/>
         </p:nvPicPr>
@@ -18980,18 +19112,42 @@
               </a:ext>
             </a:extLst>
           </a:blip>
+          <a:srcRect/>
           <a:stretch>
             <a:fillRect/>
           </a:stretch>
         </p:blipFill>
-        <p:spPr>
+        <p:spPr bwMode="auto">
           <a:xfrm>
-            <a:off x="1978833" y="2931705"/>
-            <a:ext cx="5348185" cy="3742074"/>
+            <a:off x="1584165" y="2806864"/>
+            <a:ext cx="6093402" cy="3943835"/>
           </a:xfrm>
           <a:prstGeom prst="rect">
             <a:avLst/>
           </a:prstGeom>
+          <a:noFill/>
+          <a:ln>
+            <a:noFill/>
+          </a:ln>
+          <a:extLst>
+            <a:ext uri="{909E8E84-426E-40DD-AFC4-6F175D3DCCD1}">
+              <a14:hiddenFill xmlns:a14="http://schemas.microsoft.com/office/drawing/2010/main">
+                <a:solidFill>
+                  <a:schemeClr val="accent1"/>
+                </a:solidFill>
+              </a14:hiddenFill>
+            </a:ext>
+            <a:ext uri="{91240B29-F687-4F45-9708-019B960494DF}">
+              <a14:hiddenLine xmlns:a14="http://schemas.microsoft.com/office/drawing/2010/main" w="9525">
+                <a:solidFill>
+                  <a:schemeClr val="tx1"/>
+                </a:solidFill>
+                <a:miter lim="800000"/>
+                <a:headEnd/>
+                <a:tailEnd/>
+              </a14:hiddenLine>
+            </a:ext>
+          </a:extLst>
         </p:spPr>
       </p:pic>
     </p:spTree>

--- a/trunk/Prezentace/prezentace.pptx
+++ b/trunk/Prezentace/prezentace.pptx
@@ -5636,7 +5636,7 @@
       </p:sp>
       <p:pic>
         <p:nvPicPr>
-          <p:cNvPr id="3" name="Obrázek 2"/>
+          <p:cNvPr id="6" name="Obrázek 5"/>
           <p:cNvPicPr>
             <a:picLocks noChangeAspect="1"/>
           </p:cNvPicPr>
@@ -5656,8 +5656,8 @@
         </p:blipFill>
         <p:spPr>
           <a:xfrm>
-            <a:off x="489905" y="2852936"/>
-            <a:ext cx="4163556" cy="3905513"/>
+            <a:off x="5076056" y="2836895"/>
+            <a:ext cx="3328245" cy="3906065"/>
           </a:xfrm>
           <a:prstGeom prst="rect">
             <a:avLst/>
@@ -5666,9 +5666,9 @@
       </p:pic>
       <p:pic>
         <p:nvPicPr>
-          <p:cNvPr id="6" name="Obrázek 5"/>
+          <p:cNvPr id="1028" name="Picture 4"/>
           <p:cNvPicPr>
-            <a:picLocks noChangeAspect="1"/>
+            <a:picLocks noChangeAspect="1" noChangeArrowheads="1"/>
           </p:cNvPicPr>
           <p:nvPr/>
         </p:nvPicPr>
@@ -5680,18 +5680,42 @@
               </a:ext>
             </a:extLst>
           </a:blip>
+          <a:srcRect/>
           <a:stretch>
             <a:fillRect/>
           </a:stretch>
         </p:blipFill>
-        <p:spPr>
+        <p:spPr bwMode="auto">
           <a:xfrm>
-            <a:off x="5076056" y="2836895"/>
-            <a:ext cx="3328245" cy="3906065"/>
+            <a:off x="304799" y="2836895"/>
+            <a:ext cx="4501941" cy="3860755"/>
           </a:xfrm>
           <a:prstGeom prst="rect">
             <a:avLst/>
           </a:prstGeom>
+          <a:noFill/>
+          <a:ln>
+            <a:noFill/>
+          </a:ln>
+          <a:extLst>
+            <a:ext uri="{909E8E84-426E-40DD-AFC4-6F175D3DCCD1}">
+              <a14:hiddenFill xmlns:a14="http://schemas.microsoft.com/office/drawing/2010/main">
+                <a:solidFill>
+                  <a:schemeClr val="accent1"/>
+                </a:solidFill>
+              </a14:hiddenFill>
+            </a:ext>
+            <a:ext uri="{91240B29-F687-4F45-9708-019B960494DF}">
+              <a14:hiddenLine xmlns:a14="http://schemas.microsoft.com/office/drawing/2010/main" w="9525">
+                <a:solidFill>
+                  <a:schemeClr val="tx1"/>
+                </a:solidFill>
+                <a:miter lim="800000"/>
+                <a:headEnd/>
+                <a:tailEnd/>
+              </a14:hiddenLine>
+            </a:ext>
+          </a:extLst>
         </p:spPr>
       </p:pic>
     </p:spTree>
